--- a/files/icse22.pptx
+++ b/files/icse22.pptx
@@ -225,7 +225,7 @@
           <a:p>
             <a:fld id="{7765B7B4-1140-426D-80C7-5C3DF0ADCEB4}" type="datetimeFigureOut">
               <a:rPr lang="en-US" smtClean="0"/>
-              <a:t>4/6/2022</a:t>
+              <a:t>4/7/22</a:t>
             </a:fld>
             <a:endParaRPr lang="en-US"/>
           </a:p>
@@ -536,7 +536,1099 @@
           <a:bodyPr/>
           <a:lstStyle/>
           <a:p>
+            <a:r>
+              <a:rPr lang="en-US" dirty="0"/>
+              <a:t>say it was published in </a:t>
+            </a:r>
+            <a:r>
+              <a:rPr lang="en-US" dirty="0" err="1"/>
+              <a:t>emse</a:t>
+            </a:r>
+            <a:r>
+              <a:rPr lang="en-US" dirty="0"/>
+              <a:t>, give full citation</a:t>
+            </a:r>
+          </a:p>
+          <a:p>
+            <a:r>
+              <a:rPr lang="en-US" dirty="0"/>
+              <a:t>also talk about my affiliation</a:t>
+            </a:r>
+          </a:p>
+          <a:p>
+            <a:r>
+              <a:rPr lang="en-US" dirty="0"/>
+              <a:t>impress people</a:t>
+            </a:r>
+          </a:p>
+        </p:txBody>
+      </p:sp>
+      <p:sp>
+        <p:nvSpPr>
+          <p:cNvPr id="4" name="Slide Number Placeholder 3"/>
+          <p:cNvSpPr>
+            <a:spLocks noGrp="1"/>
+          </p:cNvSpPr>
+          <p:nvPr>
+            <p:ph type="sldNum" sz="quarter" idx="5"/>
+          </p:nvPr>
+        </p:nvSpPr>
+        <p:spPr/>
+        <p:txBody>
+          <a:bodyPr/>
+          <a:lstStyle/>
+          <a:p>
+            <a:fld id="{F4FE2420-440E-4D53-B736-BE72874883E6}" type="slidenum">
+              <a:rPr lang="en-US" smtClean="0"/>
+              <a:t>1</a:t>
+            </a:fld>
+            <a:endParaRPr lang="en-US"/>
+          </a:p>
+        </p:txBody>
+      </p:sp>
+    </p:spTree>
+    <p:extLst>
+      <p:ext uri="{BB962C8B-B14F-4D97-AF65-F5344CB8AC3E}">
+        <p14:creationId xmlns:p14="http://schemas.microsoft.com/office/powerpoint/2010/main" val="4054022569"/>
+      </p:ext>
+    </p:extLst>
+  </p:cSld>
+  <p:clrMapOvr>
+    <a:masterClrMapping/>
+  </p:clrMapOvr>
+</p:notes>
+</file>
+
+<file path=ppt/notesSlides/notesSlide10.xml><?xml version="1.0" encoding="utf-8"?>
+<p:notes xmlns:a="http://schemas.openxmlformats.org/drawingml/2006/main" xmlns:r="http://schemas.openxmlformats.org/officeDocument/2006/relationships" xmlns:p="http://schemas.openxmlformats.org/presentationml/2006/main">
+  <p:cSld>
+    <p:spTree>
+      <p:nvGrpSpPr>
+        <p:cNvPr id="1" name=""/>
+        <p:cNvGrpSpPr/>
+        <p:nvPr/>
+      </p:nvGrpSpPr>
+      <p:grpSpPr>
+        <a:xfrm>
+          <a:off x="0" y="0"/>
+          <a:ext cx="0" cy="0"/>
+          <a:chOff x="0" y="0"/>
+          <a:chExt cx="0" cy="0"/>
+        </a:xfrm>
+      </p:grpSpPr>
+      <p:sp>
+        <p:nvSpPr>
+          <p:cNvPr id="2" name="Slide Image Placeholder 1"/>
+          <p:cNvSpPr>
+            <a:spLocks noGrp="1" noRot="1" noChangeAspect="1"/>
+          </p:cNvSpPr>
+          <p:nvPr>
+            <p:ph type="sldImg"/>
+          </p:nvPr>
+        </p:nvSpPr>
+        <p:spPr/>
+      </p:sp>
+      <p:sp>
+        <p:nvSpPr>
+          <p:cNvPr id="3" name="Notes Placeholder 2"/>
+          <p:cNvSpPr>
+            <a:spLocks noGrp="1"/>
+          </p:cNvSpPr>
+          <p:nvPr>
+            <p:ph type="body" idx="1"/>
+          </p:nvPr>
+        </p:nvSpPr>
+        <p:spPr/>
+        <p:txBody>
+          <a:bodyPr/>
+          <a:lstStyle/>
+          <a:p>
+            <a:r>
+              <a:rPr lang="en-US" dirty="0"/>
+              <a:t>what is correlated with a shift in release notes. we wanted to formalize and learn about the apps. </a:t>
+            </a:r>
+          </a:p>
+          <a:p>
+            <a:r>
+              <a:rPr lang="en-US" dirty="0"/>
+              <a:t>we took a natural science approach to see if release patterns change at all. we observe they follow different patterns and have characteristics. </a:t>
+            </a:r>
+          </a:p>
+        </p:txBody>
+      </p:sp>
+      <p:sp>
+        <p:nvSpPr>
+          <p:cNvPr id="4" name="Slide Number Placeholder 3"/>
+          <p:cNvSpPr>
+            <a:spLocks noGrp="1"/>
+          </p:cNvSpPr>
+          <p:nvPr>
+            <p:ph type="sldNum" sz="quarter" idx="5"/>
+          </p:nvPr>
+        </p:nvSpPr>
+        <p:spPr/>
+        <p:txBody>
+          <a:bodyPr/>
+          <a:lstStyle/>
+          <a:p>
+            <a:fld id="{F4FE2420-440E-4D53-B736-BE72874883E6}" type="slidenum">
+              <a:rPr lang="en-US" smtClean="0"/>
+              <a:t>13</a:t>
+            </a:fld>
+            <a:endParaRPr lang="en-US"/>
+          </a:p>
+        </p:txBody>
+      </p:sp>
+    </p:spTree>
+    <p:extLst>
+      <p:ext uri="{BB962C8B-B14F-4D97-AF65-F5344CB8AC3E}">
+        <p14:creationId xmlns:p14="http://schemas.microsoft.com/office/powerpoint/2010/main" val="4089347118"/>
+      </p:ext>
+    </p:extLst>
+  </p:cSld>
+  <p:clrMapOvr>
+    <a:masterClrMapping/>
+  </p:clrMapOvr>
+</p:notes>
+</file>
+
+<file path=ppt/notesSlides/notesSlide11.xml><?xml version="1.0" encoding="utf-8"?>
+<p:notes xmlns:a="http://schemas.openxmlformats.org/drawingml/2006/main" xmlns:r="http://schemas.openxmlformats.org/officeDocument/2006/relationships" xmlns:p="http://schemas.openxmlformats.org/presentationml/2006/main">
+  <p:cSld>
+    <p:spTree>
+      <p:nvGrpSpPr>
+        <p:cNvPr id="1" name=""/>
+        <p:cNvGrpSpPr/>
+        <p:nvPr/>
+      </p:nvGrpSpPr>
+      <p:grpSpPr>
+        <a:xfrm>
+          <a:off x="0" y="0"/>
+          <a:ext cx="0" cy="0"/>
+          <a:chOff x="0" y="0"/>
+          <a:chExt cx="0" cy="0"/>
+        </a:xfrm>
+      </p:grpSpPr>
+      <p:sp>
+        <p:nvSpPr>
+          <p:cNvPr id="2" name="Slide Image Placeholder 1"/>
+          <p:cNvSpPr>
+            <a:spLocks noGrp="1" noRot="1" noChangeAspect="1"/>
+          </p:cNvSpPr>
+          <p:nvPr>
+            <p:ph type="sldImg"/>
+          </p:nvPr>
+        </p:nvSpPr>
+        <p:spPr/>
+      </p:sp>
+      <p:sp>
+        <p:nvSpPr>
+          <p:cNvPr id="3" name="Notes Placeholder 2"/>
+          <p:cNvSpPr>
+            <a:spLocks noGrp="1"/>
+          </p:cNvSpPr>
+          <p:nvPr>
+            <p:ph type="body" idx="1"/>
+          </p:nvPr>
+        </p:nvSpPr>
+        <p:spPr/>
+        <p:txBody>
+          <a:bodyPr/>
+          <a:lstStyle/>
+          <a:p>
+            <a:r>
+              <a:rPr lang="en-US" dirty="0"/>
+              <a:t>why is this important, do a motivation on all 3 of these. </a:t>
+            </a:r>
+          </a:p>
+          <a:p>
+            <a:r>
+              <a:rPr lang="en-US" dirty="0"/>
+              <a:t>show a graphical representation of the time series. </a:t>
+            </a:r>
+          </a:p>
+          <a:p>
+            <a:r>
+              <a:rPr lang="en-US" dirty="0"/>
+              <a:t>we use the mean and variance of the windows. </a:t>
+            </a:r>
+          </a:p>
+          <a:p>
             <a:endParaRPr lang="en-US" dirty="0"/>
+          </a:p>
+          <a:p>
+            <a:r>
+              <a:rPr lang="en-US" dirty="0"/>
+              <a:t>we study how much things change based on time series analysis</a:t>
+            </a:r>
+          </a:p>
+        </p:txBody>
+      </p:sp>
+      <p:sp>
+        <p:nvSpPr>
+          <p:cNvPr id="4" name="Slide Number Placeholder 3"/>
+          <p:cNvSpPr>
+            <a:spLocks noGrp="1"/>
+          </p:cNvSpPr>
+          <p:nvPr>
+            <p:ph type="sldNum" sz="quarter" idx="5"/>
+          </p:nvPr>
+        </p:nvSpPr>
+        <p:spPr/>
+        <p:txBody>
+          <a:bodyPr/>
+          <a:lstStyle/>
+          <a:p>
+            <a:fld id="{F4FE2420-440E-4D53-B736-BE72874883E6}" type="slidenum">
+              <a:rPr lang="en-US" smtClean="0"/>
+              <a:t>14</a:t>
+            </a:fld>
+            <a:endParaRPr lang="en-US"/>
+          </a:p>
+        </p:txBody>
+      </p:sp>
+    </p:spTree>
+    <p:extLst>
+      <p:ext uri="{BB962C8B-B14F-4D97-AF65-F5344CB8AC3E}">
+        <p14:creationId xmlns:p14="http://schemas.microsoft.com/office/powerpoint/2010/main" val="2348628236"/>
+      </p:ext>
+    </p:extLst>
+  </p:cSld>
+  <p:clrMapOvr>
+    <a:masterClrMapping/>
+  </p:clrMapOvr>
+</p:notes>
+</file>
+
+<file path=ppt/notesSlides/notesSlide12.xml><?xml version="1.0" encoding="utf-8"?>
+<p:notes xmlns:a="http://schemas.openxmlformats.org/drawingml/2006/main" xmlns:r="http://schemas.openxmlformats.org/officeDocument/2006/relationships" xmlns:p="http://schemas.openxmlformats.org/presentationml/2006/main">
+  <p:cSld>
+    <p:spTree>
+      <p:nvGrpSpPr>
+        <p:cNvPr id="1" name=""/>
+        <p:cNvGrpSpPr/>
+        <p:nvPr/>
+      </p:nvGrpSpPr>
+      <p:grpSpPr>
+        <a:xfrm>
+          <a:off x="0" y="0"/>
+          <a:ext cx="0" cy="0"/>
+          <a:chOff x="0" y="0"/>
+          <a:chExt cx="0" cy="0"/>
+        </a:xfrm>
+      </p:grpSpPr>
+      <p:sp>
+        <p:nvSpPr>
+          <p:cNvPr id="2" name="Slide Image Placeholder 1"/>
+          <p:cNvSpPr>
+            <a:spLocks noGrp="1" noRot="1" noChangeAspect="1"/>
+          </p:cNvSpPr>
+          <p:nvPr>
+            <p:ph type="sldImg"/>
+          </p:nvPr>
+        </p:nvSpPr>
+        <p:spPr/>
+      </p:sp>
+      <p:sp>
+        <p:nvSpPr>
+          <p:cNvPr id="3" name="Notes Placeholder 2"/>
+          <p:cNvSpPr>
+            <a:spLocks noGrp="1"/>
+          </p:cNvSpPr>
+          <p:nvPr>
+            <p:ph type="body" idx="1"/>
+          </p:nvPr>
+        </p:nvSpPr>
+        <p:spPr/>
+        <p:txBody>
+          <a:bodyPr/>
+          <a:lstStyle/>
+          <a:p>
+            <a:r>
+              <a:rPr lang="en-US" dirty="0"/>
+              <a:t>thickness of the arrow </a:t>
+            </a:r>
+          </a:p>
+          <a:p>
+            <a:r>
+              <a:rPr lang="en-US" dirty="0"/>
+              <a:t>skip a lot of this slide </a:t>
+            </a:r>
+          </a:p>
+        </p:txBody>
+      </p:sp>
+      <p:sp>
+        <p:nvSpPr>
+          <p:cNvPr id="4" name="Slide Number Placeholder 3"/>
+          <p:cNvSpPr>
+            <a:spLocks noGrp="1"/>
+          </p:cNvSpPr>
+          <p:nvPr>
+            <p:ph type="sldNum" sz="quarter" idx="5"/>
+          </p:nvPr>
+        </p:nvSpPr>
+        <p:spPr/>
+        <p:txBody>
+          <a:bodyPr/>
+          <a:lstStyle/>
+          <a:p>
+            <a:fld id="{F4FE2420-440E-4D53-B736-BE72874883E6}" type="slidenum">
+              <a:rPr lang="en-US" smtClean="0"/>
+              <a:t>15</a:t>
+            </a:fld>
+            <a:endParaRPr lang="en-US"/>
+          </a:p>
+        </p:txBody>
+      </p:sp>
+    </p:spTree>
+    <p:extLst>
+      <p:ext uri="{BB962C8B-B14F-4D97-AF65-F5344CB8AC3E}">
+        <p14:creationId xmlns:p14="http://schemas.microsoft.com/office/powerpoint/2010/main" val="1817942388"/>
+      </p:ext>
+    </p:extLst>
+  </p:cSld>
+  <p:clrMapOvr>
+    <a:masterClrMapping/>
+  </p:clrMapOvr>
+</p:notes>
+</file>
+
+<file path=ppt/notesSlides/notesSlide13.xml><?xml version="1.0" encoding="utf-8"?>
+<p:notes xmlns:a="http://schemas.openxmlformats.org/drawingml/2006/main" xmlns:r="http://schemas.openxmlformats.org/officeDocument/2006/relationships" xmlns:p="http://schemas.openxmlformats.org/presentationml/2006/main">
+  <p:cSld>
+    <p:spTree>
+      <p:nvGrpSpPr>
+        <p:cNvPr id="1" name=""/>
+        <p:cNvGrpSpPr/>
+        <p:nvPr/>
+      </p:nvGrpSpPr>
+      <p:grpSpPr>
+        <a:xfrm>
+          <a:off x="0" y="0"/>
+          <a:ext cx="0" cy="0"/>
+          <a:chOff x="0" y="0"/>
+          <a:chExt cx="0" cy="0"/>
+        </a:xfrm>
+      </p:grpSpPr>
+      <p:sp>
+        <p:nvSpPr>
+          <p:cNvPr id="2" name="Slide Image Placeholder 1"/>
+          <p:cNvSpPr>
+            <a:spLocks noGrp="1" noRot="1" noChangeAspect="1"/>
+          </p:cNvSpPr>
+          <p:nvPr>
+            <p:ph type="sldImg"/>
+          </p:nvPr>
+        </p:nvSpPr>
+        <p:spPr/>
+      </p:sp>
+      <p:sp>
+        <p:nvSpPr>
+          <p:cNvPr id="3" name="Notes Placeholder 2"/>
+          <p:cNvSpPr>
+            <a:spLocks noGrp="1"/>
+          </p:cNvSpPr>
+          <p:nvPr>
+            <p:ph type="body" idx="1"/>
+          </p:nvPr>
+        </p:nvSpPr>
+        <p:spPr/>
+        <p:txBody>
+          <a:bodyPr/>
+          <a:lstStyle/>
+          <a:p>
+            <a:r>
+              <a:rPr lang="en-US" dirty="0"/>
+              <a:t>go into this point more</a:t>
+            </a:r>
+          </a:p>
+          <a:p>
+            <a:endParaRPr lang="en-US" dirty="0"/>
+          </a:p>
+          <a:p>
+            <a:r>
+              <a:rPr lang="en-US" dirty="0"/>
+              <a:t>tables are very small make bigger for all figures</a:t>
+            </a:r>
+          </a:p>
+          <a:p>
+            <a:endParaRPr lang="en-US" dirty="0"/>
+          </a:p>
+          <a:p>
+            <a:r>
+              <a:rPr lang="en-US" dirty="0"/>
+              <a:t>bolding more texts</a:t>
+            </a:r>
+          </a:p>
+          <a:p>
+            <a:endParaRPr lang="en-US" dirty="0"/>
+          </a:p>
+          <a:p>
+            <a:endParaRPr lang="en-US" dirty="0"/>
+          </a:p>
+        </p:txBody>
+      </p:sp>
+      <p:sp>
+        <p:nvSpPr>
+          <p:cNvPr id="4" name="Slide Number Placeholder 3"/>
+          <p:cNvSpPr>
+            <a:spLocks noGrp="1"/>
+          </p:cNvSpPr>
+          <p:nvPr>
+            <p:ph type="sldNum" sz="quarter" idx="5"/>
+          </p:nvPr>
+        </p:nvSpPr>
+        <p:spPr/>
+        <p:txBody>
+          <a:bodyPr/>
+          <a:lstStyle/>
+          <a:p>
+            <a:fld id="{F4FE2420-440E-4D53-B736-BE72874883E6}" type="slidenum">
+              <a:rPr lang="en-US" smtClean="0"/>
+              <a:t>16</a:t>
+            </a:fld>
+            <a:endParaRPr lang="en-US"/>
+          </a:p>
+        </p:txBody>
+      </p:sp>
+    </p:spTree>
+    <p:extLst>
+      <p:ext uri="{BB962C8B-B14F-4D97-AF65-F5344CB8AC3E}">
+        <p14:creationId xmlns:p14="http://schemas.microsoft.com/office/powerpoint/2010/main" val="2020759122"/>
+      </p:ext>
+    </p:extLst>
+  </p:cSld>
+  <p:clrMapOvr>
+    <a:masterClrMapping/>
+  </p:clrMapOvr>
+</p:notes>
+</file>
+
+<file path=ppt/notesSlides/notesSlide14.xml><?xml version="1.0" encoding="utf-8"?>
+<p:notes xmlns:a="http://schemas.openxmlformats.org/drawingml/2006/main" xmlns:r="http://schemas.openxmlformats.org/officeDocument/2006/relationships" xmlns:p="http://schemas.openxmlformats.org/presentationml/2006/main">
+  <p:cSld>
+    <p:spTree>
+      <p:nvGrpSpPr>
+        <p:cNvPr id="1" name=""/>
+        <p:cNvGrpSpPr/>
+        <p:nvPr/>
+      </p:nvGrpSpPr>
+      <p:grpSpPr>
+        <a:xfrm>
+          <a:off x="0" y="0"/>
+          <a:ext cx="0" cy="0"/>
+          <a:chOff x="0" y="0"/>
+          <a:chExt cx="0" cy="0"/>
+        </a:xfrm>
+      </p:grpSpPr>
+      <p:sp>
+        <p:nvSpPr>
+          <p:cNvPr id="2" name="Slide Image Placeholder 1"/>
+          <p:cNvSpPr>
+            <a:spLocks noGrp="1" noRot="1" noChangeAspect="1"/>
+          </p:cNvSpPr>
+          <p:nvPr>
+            <p:ph type="sldImg"/>
+          </p:nvPr>
+        </p:nvSpPr>
+        <p:spPr/>
+      </p:sp>
+      <p:sp>
+        <p:nvSpPr>
+          <p:cNvPr id="3" name="Notes Placeholder 2"/>
+          <p:cNvSpPr>
+            <a:spLocks noGrp="1"/>
+          </p:cNvSpPr>
+          <p:nvPr>
+            <p:ph type="body" idx="1"/>
+          </p:nvPr>
+        </p:nvSpPr>
+        <p:spPr/>
+        <p:txBody>
+          <a:bodyPr/>
+          <a:lstStyle/>
+          <a:p>
+            <a:r>
+              <a:rPr lang="en-US" dirty="0"/>
+              <a:t>make more clear imperfect release notes. there is something interesting with release notes. no-one has done this before dig into it. </a:t>
+            </a:r>
+          </a:p>
+          <a:p>
+            <a:r>
+              <a:rPr lang="en-US" dirty="0"/>
+              <a:t>it seems there are correlations with updated</a:t>
+            </a:r>
+          </a:p>
+        </p:txBody>
+      </p:sp>
+      <p:sp>
+        <p:nvSpPr>
+          <p:cNvPr id="4" name="Slide Number Placeholder 3"/>
+          <p:cNvSpPr>
+            <a:spLocks noGrp="1"/>
+          </p:cNvSpPr>
+          <p:nvPr>
+            <p:ph type="sldNum" sz="quarter" idx="5"/>
+          </p:nvPr>
+        </p:nvSpPr>
+        <p:spPr/>
+        <p:txBody>
+          <a:bodyPr/>
+          <a:lstStyle/>
+          <a:p>
+            <a:fld id="{F4FE2420-440E-4D53-B736-BE72874883E6}" type="slidenum">
+              <a:rPr lang="en-US" smtClean="0"/>
+              <a:t>17</a:t>
+            </a:fld>
+            <a:endParaRPr lang="en-US"/>
+          </a:p>
+        </p:txBody>
+      </p:sp>
+    </p:spTree>
+    <p:extLst>
+      <p:ext uri="{BB962C8B-B14F-4D97-AF65-F5344CB8AC3E}">
+        <p14:creationId xmlns:p14="http://schemas.microsoft.com/office/powerpoint/2010/main" val="553714747"/>
+      </p:ext>
+    </p:extLst>
+  </p:cSld>
+  <p:clrMapOvr>
+    <a:masterClrMapping/>
+  </p:clrMapOvr>
+</p:notes>
+</file>
+
+<file path=ppt/notesSlides/notesSlide2.xml><?xml version="1.0" encoding="utf-8"?>
+<p:notes xmlns:a="http://schemas.openxmlformats.org/drawingml/2006/main" xmlns:r="http://schemas.openxmlformats.org/officeDocument/2006/relationships" xmlns:p="http://schemas.openxmlformats.org/presentationml/2006/main">
+  <p:cSld>
+    <p:spTree>
+      <p:nvGrpSpPr>
+        <p:cNvPr id="1" name=""/>
+        <p:cNvGrpSpPr/>
+        <p:nvPr/>
+      </p:nvGrpSpPr>
+      <p:grpSpPr>
+        <a:xfrm>
+          <a:off x="0" y="0"/>
+          <a:ext cx="0" cy="0"/>
+          <a:chOff x="0" y="0"/>
+          <a:chExt cx="0" cy="0"/>
+        </a:xfrm>
+      </p:grpSpPr>
+      <p:sp>
+        <p:nvSpPr>
+          <p:cNvPr id="2" name="Slide Image Placeholder 1"/>
+          <p:cNvSpPr>
+            <a:spLocks noGrp="1" noRot="1" noChangeAspect="1"/>
+          </p:cNvSpPr>
+          <p:nvPr>
+            <p:ph type="sldImg"/>
+          </p:nvPr>
+        </p:nvSpPr>
+        <p:spPr/>
+      </p:sp>
+      <p:sp>
+        <p:nvSpPr>
+          <p:cNvPr id="3" name="Notes Placeholder 2"/>
+          <p:cNvSpPr>
+            <a:spLocks noGrp="1"/>
+          </p:cNvSpPr>
+          <p:nvPr>
+            <p:ph type="body" idx="1"/>
+          </p:nvPr>
+        </p:nvSpPr>
+        <p:spPr/>
+        <p:txBody>
+          <a:bodyPr/>
+          <a:lstStyle/>
+          <a:p>
+            <a:r>
+              <a:rPr lang="en-US" dirty="0"/>
+              <a:t>release notes describe new features</a:t>
+            </a:r>
+          </a:p>
+          <a:p>
+            <a:r>
+              <a:rPr lang="en-US" dirty="0"/>
+              <a:t>a popular app </a:t>
+            </a:r>
+            <a:r>
+              <a:rPr lang="en-US" dirty="0" err="1"/>
+              <a:t>i</a:t>
+            </a:r>
+            <a:r>
+              <a:rPr lang="en-US" dirty="0"/>
+              <a:t> really like is </a:t>
+            </a:r>
+            <a:r>
+              <a:rPr lang="en-US" dirty="0" err="1"/>
+              <a:t>duolingo</a:t>
+            </a:r>
+            <a:endParaRPr lang="en-US" dirty="0"/>
+          </a:p>
+          <a:p>
+            <a:r>
+              <a:rPr lang="en-US" dirty="0"/>
+              <a:t>a </a:t>
+            </a:r>
+            <a:r>
+              <a:rPr lang="en-US" dirty="0" err="1"/>
+              <a:t>pittsburgh</a:t>
+            </a:r>
+            <a:r>
+              <a:rPr lang="en-US" dirty="0"/>
+              <a:t> native company</a:t>
+            </a:r>
+          </a:p>
+          <a:p>
+            <a:endParaRPr lang="en-US" dirty="0"/>
+          </a:p>
+          <a:p>
+            <a:r>
+              <a:rPr lang="en-US" dirty="0"/>
+              <a:t>release notes are useful for both developers and users but are imperfect</a:t>
+            </a:r>
+          </a:p>
+          <a:p>
+            <a:endParaRPr lang="en-US" dirty="0"/>
+          </a:p>
+          <a:p>
+            <a:r>
+              <a:rPr lang="en-US" dirty="0"/>
+              <a:t>they are all quotes, change background</a:t>
+            </a:r>
+          </a:p>
+          <a:p>
+            <a:r>
+              <a:rPr lang="en-US" dirty="0"/>
+              <a:t>put user reviews above </a:t>
+            </a:r>
+          </a:p>
+          <a:p>
+            <a:endParaRPr lang="en-US" dirty="0"/>
+          </a:p>
+          <a:p>
+            <a:r>
+              <a:rPr lang="en-US" dirty="0"/>
+              <a:t>list out reasons why release notes are not good based on example</a:t>
+            </a:r>
+          </a:p>
+        </p:txBody>
+      </p:sp>
+      <p:sp>
+        <p:nvSpPr>
+          <p:cNvPr id="4" name="Slide Number Placeholder 3"/>
+          <p:cNvSpPr>
+            <a:spLocks noGrp="1"/>
+          </p:cNvSpPr>
+          <p:nvPr>
+            <p:ph type="sldNum" sz="quarter" idx="5"/>
+          </p:nvPr>
+        </p:nvSpPr>
+        <p:spPr/>
+        <p:txBody>
+          <a:bodyPr/>
+          <a:lstStyle/>
+          <a:p>
+            <a:fld id="{F4FE2420-440E-4D53-B736-BE72874883E6}" type="slidenum">
+              <a:rPr lang="en-US" smtClean="0"/>
+              <a:t>2</a:t>
+            </a:fld>
+            <a:endParaRPr lang="en-US"/>
+          </a:p>
+        </p:txBody>
+      </p:sp>
+    </p:spTree>
+    <p:extLst>
+      <p:ext uri="{BB962C8B-B14F-4D97-AF65-F5344CB8AC3E}">
+        <p14:creationId xmlns:p14="http://schemas.microsoft.com/office/powerpoint/2010/main" val="1597311244"/>
+      </p:ext>
+    </p:extLst>
+  </p:cSld>
+  <p:clrMapOvr>
+    <a:masterClrMapping/>
+  </p:clrMapOvr>
+</p:notes>
+</file>
+
+<file path=ppt/notesSlides/notesSlide3.xml><?xml version="1.0" encoding="utf-8"?>
+<p:notes xmlns:a="http://schemas.openxmlformats.org/drawingml/2006/main" xmlns:r="http://schemas.openxmlformats.org/officeDocument/2006/relationships" xmlns:p="http://schemas.openxmlformats.org/presentationml/2006/main">
+  <p:cSld>
+    <p:spTree>
+      <p:nvGrpSpPr>
+        <p:cNvPr id="1" name=""/>
+        <p:cNvGrpSpPr/>
+        <p:nvPr/>
+      </p:nvGrpSpPr>
+      <p:grpSpPr>
+        <a:xfrm>
+          <a:off x="0" y="0"/>
+          <a:ext cx="0" cy="0"/>
+          <a:chOff x="0" y="0"/>
+          <a:chExt cx="0" cy="0"/>
+        </a:xfrm>
+      </p:grpSpPr>
+      <p:sp>
+        <p:nvSpPr>
+          <p:cNvPr id="2" name="Slide Image Placeholder 1"/>
+          <p:cNvSpPr>
+            <a:spLocks noGrp="1" noRot="1" noChangeAspect="1"/>
+          </p:cNvSpPr>
+          <p:nvPr>
+            <p:ph type="sldImg"/>
+          </p:nvPr>
+        </p:nvSpPr>
+        <p:spPr/>
+      </p:sp>
+      <p:sp>
+        <p:nvSpPr>
+          <p:cNvPr id="3" name="Notes Placeholder 2"/>
+          <p:cNvSpPr>
+            <a:spLocks noGrp="1"/>
+          </p:cNvSpPr>
+          <p:nvPr>
+            <p:ph type="body" idx="1"/>
+          </p:nvPr>
+        </p:nvSpPr>
+        <p:spPr/>
+        <p:txBody>
+          <a:bodyPr/>
+          <a:lstStyle/>
+          <a:p>
+            <a:r>
+              <a:rPr lang="en-US" dirty="0"/>
+              <a:t>read these out</a:t>
+            </a:r>
+          </a:p>
+          <a:p>
+            <a:r>
+              <a:rPr lang="en-US" dirty="0"/>
+              <a:t>animate in the dialogue</a:t>
+            </a:r>
+          </a:p>
+          <a:p>
+            <a:endParaRPr lang="en-US" dirty="0"/>
+          </a:p>
+          <a:p>
+            <a:r>
+              <a:rPr lang="en-US" dirty="0"/>
+              <a:t>we are not sure </a:t>
+            </a:r>
+          </a:p>
+        </p:txBody>
+      </p:sp>
+      <p:sp>
+        <p:nvSpPr>
+          <p:cNvPr id="4" name="Slide Number Placeholder 3"/>
+          <p:cNvSpPr>
+            <a:spLocks noGrp="1"/>
+          </p:cNvSpPr>
+          <p:nvPr>
+            <p:ph type="sldNum" sz="quarter" idx="5"/>
+          </p:nvPr>
+        </p:nvSpPr>
+        <p:spPr/>
+        <p:txBody>
+          <a:bodyPr/>
+          <a:lstStyle/>
+          <a:p>
+            <a:fld id="{F4FE2420-440E-4D53-B736-BE72874883E6}" type="slidenum">
+              <a:rPr lang="en-US" smtClean="0"/>
+              <a:t>3</a:t>
+            </a:fld>
+            <a:endParaRPr lang="en-US"/>
+          </a:p>
+        </p:txBody>
+      </p:sp>
+    </p:spTree>
+    <p:extLst>
+      <p:ext uri="{BB962C8B-B14F-4D97-AF65-F5344CB8AC3E}">
+        <p14:creationId xmlns:p14="http://schemas.microsoft.com/office/powerpoint/2010/main" val="2446435439"/>
+      </p:ext>
+    </p:extLst>
+  </p:cSld>
+  <p:clrMapOvr>
+    <a:masterClrMapping/>
+  </p:clrMapOvr>
+</p:notes>
+</file>
+
+<file path=ppt/notesSlides/notesSlide4.xml><?xml version="1.0" encoding="utf-8"?>
+<p:notes xmlns:a="http://schemas.openxmlformats.org/drawingml/2006/main" xmlns:r="http://schemas.openxmlformats.org/officeDocument/2006/relationships" xmlns:p="http://schemas.openxmlformats.org/presentationml/2006/main">
+  <p:cSld>
+    <p:spTree>
+      <p:nvGrpSpPr>
+        <p:cNvPr id="1" name=""/>
+        <p:cNvGrpSpPr/>
+        <p:nvPr/>
+      </p:nvGrpSpPr>
+      <p:grpSpPr>
+        <a:xfrm>
+          <a:off x="0" y="0"/>
+          <a:ext cx="0" cy="0"/>
+          <a:chOff x="0" y="0"/>
+          <a:chExt cx="0" cy="0"/>
+        </a:xfrm>
+      </p:grpSpPr>
+      <p:sp>
+        <p:nvSpPr>
+          <p:cNvPr id="2" name="Slide Image Placeholder 1"/>
+          <p:cNvSpPr>
+            <a:spLocks noGrp="1" noRot="1" noChangeAspect="1"/>
+          </p:cNvSpPr>
+          <p:nvPr>
+            <p:ph type="sldImg"/>
+          </p:nvPr>
+        </p:nvSpPr>
+        <p:spPr/>
+      </p:sp>
+      <p:sp>
+        <p:nvSpPr>
+          <p:cNvPr id="3" name="Notes Placeholder 2"/>
+          <p:cNvSpPr>
+            <a:spLocks noGrp="1"/>
+          </p:cNvSpPr>
+          <p:nvPr>
+            <p:ph type="body" idx="1"/>
+          </p:nvPr>
+        </p:nvSpPr>
+        <p:spPr/>
+        <p:txBody>
+          <a:bodyPr/>
+          <a:lstStyle/>
+          <a:p>
+            <a:r>
+              <a:rPr lang="en-US" dirty="0"/>
+              <a:t>how did </a:t>
+            </a:r>
+            <a:r>
+              <a:rPr lang="en-US" dirty="0" err="1"/>
+              <a:t>i</a:t>
+            </a:r>
+            <a:r>
+              <a:rPr lang="en-US" dirty="0"/>
+              <a:t> select them and what did I ask them. </a:t>
+            </a:r>
+          </a:p>
+          <a:p>
+            <a:r>
+              <a:rPr lang="en-US" dirty="0"/>
+              <a:t>slide between 3 and 4 for motivating why </a:t>
+            </a:r>
+            <a:r>
+              <a:rPr lang="en-US" dirty="0" err="1"/>
+              <a:t>i</a:t>
+            </a:r>
+            <a:r>
+              <a:rPr lang="en-US" dirty="0"/>
+              <a:t> did survey: do </a:t>
+            </a:r>
+            <a:r>
+              <a:rPr lang="en-US" dirty="0" err="1"/>
+              <a:t>devs</a:t>
+            </a:r>
+            <a:r>
+              <a:rPr lang="en-US" dirty="0"/>
+              <a:t> care about release notes. tell a story.</a:t>
+            </a:r>
+          </a:p>
+          <a:p>
+            <a:endParaRPr lang="en-US" dirty="0"/>
+          </a:p>
+        </p:txBody>
+      </p:sp>
+      <p:sp>
+        <p:nvSpPr>
+          <p:cNvPr id="4" name="Slide Number Placeholder 3"/>
+          <p:cNvSpPr>
+            <a:spLocks noGrp="1"/>
+          </p:cNvSpPr>
+          <p:nvPr>
+            <p:ph type="sldNum" sz="quarter" idx="5"/>
+          </p:nvPr>
+        </p:nvSpPr>
+        <p:spPr/>
+        <p:txBody>
+          <a:bodyPr/>
+          <a:lstStyle/>
+          <a:p>
+            <a:fld id="{F4FE2420-440E-4D53-B736-BE72874883E6}" type="slidenum">
+              <a:rPr lang="en-US" smtClean="0"/>
+              <a:t>4</a:t>
+            </a:fld>
+            <a:endParaRPr lang="en-US"/>
+          </a:p>
+        </p:txBody>
+      </p:sp>
+    </p:spTree>
+    <p:extLst>
+      <p:ext uri="{BB962C8B-B14F-4D97-AF65-F5344CB8AC3E}">
+        <p14:creationId xmlns:p14="http://schemas.microsoft.com/office/powerpoint/2010/main" val="3393587572"/>
+      </p:ext>
+    </p:extLst>
+  </p:cSld>
+  <p:clrMapOvr>
+    <a:masterClrMapping/>
+  </p:clrMapOvr>
+</p:notes>
+</file>
+
+<file path=ppt/notesSlides/notesSlide5.xml><?xml version="1.0" encoding="utf-8"?>
+<p:notes xmlns:a="http://schemas.openxmlformats.org/drawingml/2006/main" xmlns:r="http://schemas.openxmlformats.org/officeDocument/2006/relationships" xmlns:p="http://schemas.openxmlformats.org/presentationml/2006/main">
+  <p:cSld>
+    <p:spTree>
+      <p:nvGrpSpPr>
+        <p:cNvPr id="1" name=""/>
+        <p:cNvGrpSpPr/>
+        <p:nvPr/>
+      </p:nvGrpSpPr>
+      <p:grpSpPr>
+        <a:xfrm>
+          <a:off x="0" y="0"/>
+          <a:ext cx="0" cy="0"/>
+          <a:chOff x="0" y="0"/>
+          <a:chExt cx="0" cy="0"/>
+        </a:xfrm>
+      </p:grpSpPr>
+      <p:sp>
+        <p:nvSpPr>
+          <p:cNvPr id="2" name="Slide Image Placeholder 1"/>
+          <p:cNvSpPr>
+            <a:spLocks noGrp="1" noRot="1" noChangeAspect="1"/>
+          </p:cNvSpPr>
+          <p:nvPr>
+            <p:ph type="sldImg"/>
+          </p:nvPr>
+        </p:nvSpPr>
+        <p:spPr/>
+      </p:sp>
+      <p:sp>
+        <p:nvSpPr>
+          <p:cNvPr id="3" name="Notes Placeholder 2"/>
+          <p:cNvSpPr>
+            <a:spLocks noGrp="1"/>
+          </p:cNvSpPr>
+          <p:nvPr>
+            <p:ph type="body" idx="1"/>
+          </p:nvPr>
+        </p:nvSpPr>
+        <p:spPr/>
+        <p:txBody>
+          <a:bodyPr/>
+          <a:lstStyle/>
+          <a:p>
+            <a:r>
+              <a:rPr lang="en-US" dirty="0"/>
+              <a:t>put the question instead of the developers answers for </a:t>
+            </a:r>
+            <a:r>
+              <a:rPr lang="en-US" dirty="0" err="1"/>
+              <a:t>uptop</a:t>
+            </a:r>
+            <a:r>
+              <a:rPr lang="en-US" dirty="0"/>
+              <a:t>. </a:t>
+            </a:r>
+          </a:p>
+          <a:p>
+            <a:r>
+              <a:rPr lang="en-US" dirty="0"/>
+              <a:t>make texts bigger</a:t>
+            </a:r>
+          </a:p>
+        </p:txBody>
+      </p:sp>
+      <p:sp>
+        <p:nvSpPr>
+          <p:cNvPr id="4" name="Slide Number Placeholder 3"/>
+          <p:cNvSpPr>
+            <a:spLocks noGrp="1"/>
+          </p:cNvSpPr>
+          <p:nvPr>
+            <p:ph type="sldNum" sz="quarter" idx="5"/>
+          </p:nvPr>
+        </p:nvSpPr>
+        <p:spPr/>
+        <p:txBody>
+          <a:bodyPr/>
+          <a:lstStyle/>
+          <a:p>
+            <a:fld id="{F4FE2420-440E-4D53-B736-BE72874883E6}" type="slidenum">
+              <a:rPr lang="en-US" smtClean="0"/>
+              <a:t>5</a:t>
+            </a:fld>
+            <a:endParaRPr lang="en-US"/>
+          </a:p>
+        </p:txBody>
+      </p:sp>
+    </p:spTree>
+    <p:extLst>
+      <p:ext uri="{BB962C8B-B14F-4D97-AF65-F5344CB8AC3E}">
+        <p14:creationId xmlns:p14="http://schemas.microsoft.com/office/powerpoint/2010/main" val="3145964352"/>
+      </p:ext>
+    </p:extLst>
+  </p:cSld>
+  <p:clrMapOvr>
+    <a:masterClrMapping/>
+  </p:clrMapOvr>
+</p:notes>
+</file>
+
+<file path=ppt/notesSlides/notesSlide6.xml><?xml version="1.0" encoding="utf-8"?>
+<p:notes xmlns:a="http://schemas.openxmlformats.org/drawingml/2006/main" xmlns:r="http://schemas.openxmlformats.org/officeDocument/2006/relationships" xmlns:p="http://schemas.openxmlformats.org/presentationml/2006/main">
+  <p:cSld>
+    <p:spTree>
+      <p:nvGrpSpPr>
+        <p:cNvPr id="1" name=""/>
+        <p:cNvGrpSpPr/>
+        <p:nvPr/>
+      </p:nvGrpSpPr>
+      <p:grpSpPr>
+        <a:xfrm>
+          <a:off x="0" y="0"/>
+          <a:ext cx="0" cy="0"/>
+          <a:chOff x="0" y="0"/>
+          <a:chExt cx="0" cy="0"/>
+        </a:xfrm>
+      </p:grpSpPr>
+      <p:sp>
+        <p:nvSpPr>
+          <p:cNvPr id="2" name="Slide Image Placeholder 1"/>
+          <p:cNvSpPr>
+            <a:spLocks noGrp="1" noRot="1" noChangeAspect="1"/>
+          </p:cNvSpPr>
+          <p:nvPr>
+            <p:ph type="sldImg"/>
+          </p:nvPr>
+        </p:nvSpPr>
+        <p:spPr/>
+      </p:sp>
+      <p:sp>
+        <p:nvSpPr>
+          <p:cNvPr id="3" name="Notes Placeholder 2"/>
+          <p:cNvSpPr>
+            <a:spLocks noGrp="1"/>
+          </p:cNvSpPr>
+          <p:nvPr>
+            <p:ph type="body" idx="1"/>
+          </p:nvPr>
+        </p:nvSpPr>
+        <p:spPr/>
+        <p:txBody>
+          <a:bodyPr/>
+          <a:lstStyle/>
+          <a:p>
+            <a:r>
+              <a:rPr lang="en-US" dirty="0"/>
+              <a:t>another slide on why </a:t>
+            </a:r>
+            <a:r>
+              <a:rPr lang="en-US" dirty="0" err="1"/>
+              <a:t>i</a:t>
+            </a:r>
+            <a:r>
+              <a:rPr lang="en-US" dirty="0"/>
+              <a:t> do data collection. emphasize the 3 year thing. I should release dataset. </a:t>
+            </a:r>
           </a:p>
         </p:txBody>
       </p:sp>
@@ -567,6 +1659,296 @@
     <p:extLst>
       <p:ext uri="{BB962C8B-B14F-4D97-AF65-F5344CB8AC3E}">
         <p14:creationId xmlns:p14="http://schemas.microsoft.com/office/powerpoint/2010/main" val="3822459188"/>
+      </p:ext>
+    </p:extLst>
+  </p:cSld>
+  <p:clrMapOvr>
+    <a:masterClrMapping/>
+  </p:clrMapOvr>
+</p:notes>
+</file>
+
+<file path=ppt/notesSlides/notesSlide7.xml><?xml version="1.0" encoding="utf-8"?>
+<p:notes xmlns:a="http://schemas.openxmlformats.org/drawingml/2006/main" xmlns:r="http://schemas.openxmlformats.org/officeDocument/2006/relationships" xmlns:p="http://schemas.openxmlformats.org/presentationml/2006/main">
+  <p:cSld>
+    <p:spTree>
+      <p:nvGrpSpPr>
+        <p:cNvPr id="1" name=""/>
+        <p:cNvGrpSpPr/>
+        <p:nvPr/>
+      </p:nvGrpSpPr>
+      <p:grpSpPr>
+        <a:xfrm>
+          <a:off x="0" y="0"/>
+          <a:ext cx="0" cy="0"/>
+          <a:chOff x="0" y="0"/>
+          <a:chExt cx="0" cy="0"/>
+        </a:xfrm>
+      </p:grpSpPr>
+      <p:sp>
+        <p:nvSpPr>
+          <p:cNvPr id="2" name="Slide Image Placeholder 1"/>
+          <p:cNvSpPr>
+            <a:spLocks noGrp="1" noRot="1" noChangeAspect="1"/>
+          </p:cNvSpPr>
+          <p:nvPr>
+            <p:ph type="sldImg"/>
+          </p:nvPr>
+        </p:nvSpPr>
+        <p:spPr/>
+      </p:sp>
+      <p:sp>
+        <p:nvSpPr>
+          <p:cNvPr id="3" name="Notes Placeholder 2"/>
+          <p:cNvSpPr>
+            <a:spLocks noGrp="1"/>
+          </p:cNvSpPr>
+          <p:nvPr>
+            <p:ph type="body" idx="1"/>
+          </p:nvPr>
+        </p:nvSpPr>
+        <p:spPr/>
+        <p:txBody>
+          <a:bodyPr/>
+          <a:lstStyle/>
+          <a:p>
+            <a:r>
+              <a:rPr lang="en-US" dirty="0"/>
+              <a:t>rephrase the </a:t>
+            </a:r>
+            <a:r>
+              <a:rPr lang="en-US" dirty="0" err="1"/>
+              <a:t>rqs</a:t>
+            </a:r>
+            <a:r>
+              <a:rPr lang="en-US" dirty="0"/>
+              <a:t> without data collection details. have higher level goal. describe update pattern. </a:t>
+            </a:r>
+          </a:p>
+        </p:txBody>
+      </p:sp>
+      <p:sp>
+        <p:nvSpPr>
+          <p:cNvPr id="4" name="Slide Number Placeholder 3"/>
+          <p:cNvSpPr>
+            <a:spLocks noGrp="1"/>
+          </p:cNvSpPr>
+          <p:nvPr>
+            <p:ph type="sldNum" sz="quarter" idx="5"/>
+          </p:nvPr>
+        </p:nvSpPr>
+        <p:spPr/>
+        <p:txBody>
+          <a:bodyPr/>
+          <a:lstStyle/>
+          <a:p>
+            <a:fld id="{F4FE2420-440E-4D53-B736-BE72874883E6}" type="slidenum">
+              <a:rPr lang="en-US" smtClean="0"/>
+              <a:t>7</a:t>
+            </a:fld>
+            <a:endParaRPr lang="en-US"/>
+          </a:p>
+        </p:txBody>
+      </p:sp>
+    </p:spTree>
+    <p:extLst>
+      <p:ext uri="{BB962C8B-B14F-4D97-AF65-F5344CB8AC3E}">
+        <p14:creationId xmlns:p14="http://schemas.microsoft.com/office/powerpoint/2010/main" val="3255044411"/>
+      </p:ext>
+    </p:extLst>
+  </p:cSld>
+  <p:clrMapOvr>
+    <a:masterClrMapping/>
+  </p:clrMapOvr>
+</p:notes>
+</file>
+
+<file path=ppt/notesSlides/notesSlide8.xml><?xml version="1.0" encoding="utf-8"?>
+<p:notes xmlns:a="http://schemas.openxmlformats.org/drawingml/2006/main" xmlns:r="http://schemas.openxmlformats.org/officeDocument/2006/relationships" xmlns:p="http://schemas.openxmlformats.org/presentationml/2006/main">
+  <p:cSld>
+    <p:spTree>
+      <p:nvGrpSpPr>
+        <p:cNvPr id="1" name=""/>
+        <p:cNvGrpSpPr/>
+        <p:nvPr/>
+      </p:nvGrpSpPr>
+      <p:grpSpPr>
+        <a:xfrm>
+          <a:off x="0" y="0"/>
+          <a:ext cx="0" cy="0"/>
+          <a:chOff x="0" y="0"/>
+          <a:chExt cx="0" cy="0"/>
+        </a:xfrm>
+      </p:grpSpPr>
+      <p:sp>
+        <p:nvSpPr>
+          <p:cNvPr id="2" name="Slide Image Placeholder 1"/>
+          <p:cNvSpPr>
+            <a:spLocks noGrp="1" noRot="1" noChangeAspect="1"/>
+          </p:cNvSpPr>
+          <p:nvPr>
+            <p:ph type="sldImg"/>
+          </p:nvPr>
+        </p:nvSpPr>
+        <p:spPr/>
+      </p:sp>
+      <p:sp>
+        <p:nvSpPr>
+          <p:cNvPr id="3" name="Notes Placeholder 2"/>
+          <p:cNvSpPr>
+            <a:spLocks noGrp="1"/>
+          </p:cNvSpPr>
+          <p:nvPr>
+            <p:ph type="body" idx="1"/>
+          </p:nvPr>
+        </p:nvSpPr>
+        <p:spPr/>
+        <p:txBody>
+          <a:bodyPr/>
+          <a:lstStyle/>
+          <a:p>
+            <a:r>
+              <a:rPr lang="en-US" dirty="0"/>
+              <a:t>rq2 do </a:t>
+            </a:r>
+          </a:p>
+        </p:txBody>
+      </p:sp>
+      <p:sp>
+        <p:nvSpPr>
+          <p:cNvPr id="4" name="Slide Number Placeholder 3"/>
+          <p:cNvSpPr>
+            <a:spLocks noGrp="1"/>
+          </p:cNvSpPr>
+          <p:nvPr>
+            <p:ph type="sldNum" sz="quarter" idx="5"/>
+          </p:nvPr>
+        </p:nvSpPr>
+        <p:spPr/>
+        <p:txBody>
+          <a:bodyPr/>
+          <a:lstStyle/>
+          <a:p>
+            <a:fld id="{F4FE2420-440E-4D53-B736-BE72874883E6}" type="slidenum">
+              <a:rPr lang="en-US" smtClean="0"/>
+              <a:t>8</a:t>
+            </a:fld>
+            <a:endParaRPr lang="en-US"/>
+          </a:p>
+        </p:txBody>
+      </p:sp>
+    </p:spTree>
+    <p:extLst>
+      <p:ext uri="{BB962C8B-B14F-4D97-AF65-F5344CB8AC3E}">
+        <p14:creationId xmlns:p14="http://schemas.microsoft.com/office/powerpoint/2010/main" val="3893156459"/>
+      </p:ext>
+    </p:extLst>
+  </p:cSld>
+  <p:clrMapOvr>
+    <a:masterClrMapping/>
+  </p:clrMapOvr>
+</p:notes>
+</file>
+
+<file path=ppt/notesSlides/notesSlide9.xml><?xml version="1.0" encoding="utf-8"?>
+<p:notes xmlns:a="http://schemas.openxmlformats.org/drawingml/2006/main" xmlns:r="http://schemas.openxmlformats.org/officeDocument/2006/relationships" xmlns:p="http://schemas.openxmlformats.org/presentationml/2006/main">
+  <p:cSld>
+    <p:spTree>
+      <p:nvGrpSpPr>
+        <p:cNvPr id="1" name=""/>
+        <p:cNvGrpSpPr/>
+        <p:nvPr/>
+      </p:nvGrpSpPr>
+      <p:grpSpPr>
+        <a:xfrm>
+          <a:off x="0" y="0"/>
+          <a:ext cx="0" cy="0"/>
+          <a:chOff x="0" y="0"/>
+          <a:chExt cx="0" cy="0"/>
+        </a:xfrm>
+      </p:grpSpPr>
+      <p:sp>
+        <p:nvSpPr>
+          <p:cNvPr id="2" name="Slide Image Placeholder 1"/>
+          <p:cNvSpPr>
+            <a:spLocks noGrp="1" noRot="1" noChangeAspect="1"/>
+          </p:cNvSpPr>
+          <p:nvPr>
+            <p:ph type="sldImg"/>
+          </p:nvPr>
+        </p:nvSpPr>
+        <p:spPr/>
+      </p:sp>
+      <p:sp>
+        <p:nvSpPr>
+          <p:cNvPr id="3" name="Notes Placeholder 2"/>
+          <p:cNvSpPr>
+            <a:spLocks noGrp="1"/>
+          </p:cNvSpPr>
+          <p:nvPr>
+            <p:ph type="body" idx="1"/>
+          </p:nvPr>
+        </p:nvSpPr>
+        <p:spPr/>
+        <p:txBody>
+          <a:bodyPr/>
+          <a:lstStyle/>
+          <a:p>
+            <a:r>
+              <a:rPr lang="en-US" dirty="0"/>
+              <a:t>rising vs steady, talk about the axis. </a:t>
+            </a:r>
+          </a:p>
+          <a:p>
+            <a:r>
+              <a:rPr lang="en-US" dirty="0"/>
+              <a:t>introduce the terminology better. another slide for </a:t>
+            </a:r>
+          </a:p>
+          <a:p>
+            <a:r>
+              <a:rPr lang="en-US" dirty="0"/>
+              <a:t>make graphs to help with pattern names</a:t>
+            </a:r>
+          </a:p>
+          <a:p>
+            <a:endParaRPr lang="en-US" dirty="0"/>
+          </a:p>
+          <a:p>
+            <a:r>
+              <a:rPr lang="en-US" dirty="0"/>
+              <a:t>place them into different columns. </a:t>
+            </a:r>
+          </a:p>
+        </p:txBody>
+      </p:sp>
+      <p:sp>
+        <p:nvSpPr>
+          <p:cNvPr id="4" name="Slide Number Placeholder 3"/>
+          <p:cNvSpPr>
+            <a:spLocks noGrp="1"/>
+          </p:cNvSpPr>
+          <p:nvPr>
+            <p:ph type="sldNum" sz="quarter" idx="5"/>
+          </p:nvPr>
+        </p:nvSpPr>
+        <p:spPr/>
+        <p:txBody>
+          <a:bodyPr/>
+          <a:lstStyle/>
+          <a:p>
+            <a:fld id="{F4FE2420-440E-4D53-B736-BE72874883E6}" type="slidenum">
+              <a:rPr lang="en-US" smtClean="0"/>
+              <a:t>9</a:t>
+            </a:fld>
+            <a:endParaRPr lang="en-US"/>
+          </a:p>
+        </p:txBody>
+      </p:sp>
+    </p:spTree>
+    <p:extLst>
+      <p:ext uri="{BB962C8B-B14F-4D97-AF65-F5344CB8AC3E}">
+        <p14:creationId xmlns:p14="http://schemas.microsoft.com/office/powerpoint/2010/main" val="4051495345"/>
       </p:ext>
     </p:extLst>
   </p:cSld>
@@ -723,7 +2105,7 @@
           <a:p>
             <a:fld id="{54D71D37-BE42-4C51-8961-B9AA167182C2}" type="datetime1">
               <a:rPr lang="en-US" smtClean="0"/>
-              <a:t>4/6/2022</a:t>
+              <a:t>4/7/22</a:t>
             </a:fld>
             <a:endParaRPr lang="en-US"/>
           </a:p>
@@ -921,7 +2303,7 @@
           <a:p>
             <a:fld id="{692FD857-EF9C-4377-A29A-72B4A929BFB1}" type="datetime1">
               <a:rPr lang="en-US" smtClean="0"/>
-              <a:t>4/6/2022</a:t>
+              <a:t>4/7/22</a:t>
             </a:fld>
             <a:endParaRPr lang="en-US"/>
           </a:p>
@@ -1129,7 +2511,7 @@
           <a:p>
             <a:fld id="{566CB2E4-01B2-4784-B916-33CF5F6788E5}" type="datetime1">
               <a:rPr lang="en-US" smtClean="0"/>
-              <a:t>4/6/2022</a:t>
+              <a:t>4/7/22</a:t>
             </a:fld>
             <a:endParaRPr lang="en-US"/>
           </a:p>
@@ -1365,7 +2747,7 @@
           <a:p>
             <a:fld id="{212C6BE7-9C3B-4806-9271-F8E78CB16BCD}" type="datetime1">
               <a:rPr lang="en-US" smtClean="0"/>
-              <a:t>4/6/2022</a:t>
+              <a:t>4/7/22</a:t>
             </a:fld>
             <a:endParaRPr lang="en-US"/>
           </a:p>
@@ -1640,7 +3022,7 @@
           <a:p>
             <a:fld id="{B77B076C-C7C2-43D5-83A0-702B2B503D3A}" type="datetime1">
               <a:rPr lang="en-US" smtClean="0"/>
-              <a:t>4/6/2022</a:t>
+              <a:t>4/7/22</a:t>
             </a:fld>
             <a:endParaRPr lang="en-US"/>
           </a:p>
@@ -1986,7 +3368,7 @@
             <a:fld id="{E1EB4593-7B6D-421D-8A6C-EEBB90132B40}" type="datetime1">
               <a:rPr lang="en-US" smtClean="0"/>
               <a:pPr/>
-              <a:t>4/6/2022</a:t>
+              <a:t>4/7/22</a:t>
             </a:fld>
             <a:endParaRPr lang="en-US"/>
           </a:p>
@@ -2413,7 +3795,7 @@
           <a:p>
             <a:fld id="{AC891ECA-9016-46A2-BCCF-52CCF30F3C3F}" type="datetime1">
               <a:rPr lang="en-US" smtClean="0"/>
-              <a:t>4/6/2022</a:t>
+              <a:t>4/7/22</a:t>
             </a:fld>
             <a:endParaRPr lang="en-US"/>
           </a:p>
@@ -2554,7 +3936,7 @@
           <a:p>
             <a:fld id="{745F822E-6754-4396-A549-C203647D2807}" type="datetime1">
               <a:rPr lang="en-US" smtClean="0"/>
-              <a:t>4/6/2022</a:t>
+              <a:t>4/7/22</a:t>
             </a:fld>
             <a:endParaRPr lang="en-US"/>
           </a:p>
@@ -2667,7 +4049,7 @@
           <a:p>
             <a:fld id="{0B7C82E4-F2CD-41BB-9139-5029F2805B89}" type="datetime1">
               <a:rPr lang="en-US" smtClean="0"/>
-              <a:t>4/6/2022</a:t>
+              <a:t>4/7/22</a:t>
             </a:fld>
             <a:endParaRPr lang="en-US"/>
           </a:p>
@@ -2978,7 +4360,7 @@
           <a:p>
             <a:fld id="{13C9C19A-62F3-4FAE-88A7-622836A2CC7E}" type="datetime1">
               <a:rPr lang="en-US" smtClean="0"/>
-              <a:t>4/6/2022</a:t>
+              <a:t>4/7/22</a:t>
             </a:fld>
             <a:endParaRPr lang="en-US"/>
           </a:p>
@@ -3266,7 +4648,7 @@
           <a:p>
             <a:fld id="{9CBFB8D4-8067-4C4E-A4D8-A060ACCA2426}" type="datetime1">
               <a:rPr lang="en-US" smtClean="0"/>
-              <a:t>4/6/2022</a:t>
+              <a:t>4/7/22</a:t>
             </a:fld>
             <a:endParaRPr lang="en-US"/>
           </a:p>
@@ -3507,7 +4889,7 @@
           <a:p>
             <a:fld id="{2EDDBF34-CBA6-4FE1-B1DA-75020C6AFCC8}" type="datetime1">
               <a:rPr lang="en-US" smtClean="0"/>
-              <a:t>4/6/2022</a:t>
+              <a:t>4/7/22</a:t>
             </a:fld>
             <a:endParaRPr lang="en-US"/>
           </a:p>
@@ -4061,7 +5443,7 @@
           <p:nvPr/>
         </p:nvPicPr>
         <p:blipFill>
-          <a:blip r:embed="rId2"/>
+          <a:blip r:embed="rId3"/>
           <a:stretch>
             <a:fillRect/>
           </a:stretch>
@@ -4091,7 +5473,7 @@
           <p:nvPr/>
         </p:nvPicPr>
         <p:blipFill>
-          <a:blip r:embed="rId3"/>
+          <a:blip r:embed="rId4"/>
           <a:stretch>
             <a:fillRect/>
           </a:stretch>
@@ -5331,7 +6713,7 @@
           </p:nvPr>
         </p:nvPicPr>
         <p:blipFill>
-          <a:blip r:embed="rId2"/>
+          <a:blip r:embed="rId3"/>
           <a:stretch>
             <a:fillRect/>
           </a:stretch>
@@ -5539,7 +6921,7 @@
           </p:nvPr>
         </p:nvPicPr>
         <p:blipFill>
-          <a:blip r:embed="rId2"/>
+          <a:blip r:embed="rId3"/>
           <a:stretch>
             <a:fillRect/>
           </a:stretch>
@@ -6031,7 +7413,7 @@
           <p:nvPr/>
         </p:nvPicPr>
         <p:blipFill>
-          <a:blip r:embed="rId2"/>
+          <a:blip r:embed="rId3"/>
           <a:stretch>
             <a:fillRect/>
           </a:stretch>
@@ -6061,7 +7443,7 @@
           <p:nvPr/>
         </p:nvPicPr>
         <p:blipFill>
-          <a:blip r:embed="rId3"/>
+          <a:blip r:embed="rId4"/>
           <a:stretch>
             <a:fillRect/>
           </a:stretch>
@@ -6303,7 +7685,7 @@
           </p:nvPr>
         </p:nvPicPr>
         <p:blipFill>
-          <a:blip r:embed="rId2"/>
+          <a:blip r:embed="rId3"/>
           <a:stretch>
             <a:fillRect/>
           </a:stretch>
@@ -6359,7 +7741,7 @@
           <p:nvPr/>
         </p:nvPicPr>
         <p:blipFill>
-          <a:blip r:embed="rId3"/>
+          <a:blip r:embed="rId4"/>
           <a:stretch>
             <a:fillRect/>
           </a:stretch>
@@ -6421,7 +7803,7 @@
           </p:nvPr>
         </p:nvPicPr>
         <p:blipFill>
-          <a:blip r:embed="rId2"/>
+          <a:blip r:embed="rId3"/>
           <a:stretch>
             <a:fillRect/>
           </a:stretch>
@@ -6923,7 +8305,7 @@
           <p:nvPr/>
         </p:nvPicPr>
         <p:blipFill>
-          <a:blip r:embed="rId3"/>
+          <a:blip r:embed="rId4"/>
           <a:stretch>
             <a:fillRect/>
           </a:stretch>
@@ -7563,7 +8945,7 @@
           <p:nvPr/>
         </p:nvPicPr>
         <p:blipFill>
-          <a:blip r:embed="rId2"/>
+          <a:blip r:embed="rId3"/>
           <a:stretch>
             <a:fillRect/>
           </a:stretch>
@@ -7593,7 +8975,7 @@
           <p:nvPr/>
         </p:nvPicPr>
         <p:blipFill>
-          <a:blip r:embed="rId3"/>
+          <a:blip r:embed="rId4"/>
           <a:stretch>
             <a:fillRect/>
           </a:stretch>
@@ -8511,7 +9893,7 @@
           <p:nvPr/>
         </p:nvPicPr>
         <p:blipFill>
-          <a:blip r:embed="rId2"/>
+          <a:blip r:embed="rId3"/>
           <a:stretch>
             <a:fillRect/>
           </a:stretch>

--- a/files/icse22.pptx
+++ b/files/icse22.pptx
@@ -5,26 +5,27 @@
     <p:sldMasterId id="2147483648" r:id="rId1"/>
   </p:sldMasterIdLst>
   <p:notesMasterIdLst>
-    <p:notesMasterId r:id="rId19"/>
+    <p:notesMasterId r:id="rId20"/>
   </p:notesMasterIdLst>
   <p:sldIdLst>
     <p:sldId id="366" r:id="rId2"/>
     <p:sldId id="345" r:id="rId3"/>
     <p:sldId id="362" r:id="rId4"/>
-    <p:sldId id="347" r:id="rId5"/>
-    <p:sldId id="348" r:id="rId6"/>
-    <p:sldId id="349" r:id="rId7"/>
-    <p:sldId id="367" r:id="rId8"/>
-    <p:sldId id="368" r:id="rId9"/>
-    <p:sldId id="350" r:id="rId10"/>
-    <p:sldId id="369" r:id="rId11"/>
-    <p:sldId id="356" r:id="rId12"/>
-    <p:sldId id="374" r:id="rId13"/>
-    <p:sldId id="370" r:id="rId14"/>
-    <p:sldId id="371" r:id="rId15"/>
-    <p:sldId id="372" r:id="rId16"/>
-    <p:sldId id="373" r:id="rId17"/>
-    <p:sldId id="351" r:id="rId18"/>
+    <p:sldId id="375" r:id="rId5"/>
+    <p:sldId id="347" r:id="rId6"/>
+    <p:sldId id="348" r:id="rId7"/>
+    <p:sldId id="349" r:id="rId8"/>
+    <p:sldId id="367" r:id="rId9"/>
+    <p:sldId id="368" r:id="rId10"/>
+    <p:sldId id="350" r:id="rId11"/>
+    <p:sldId id="369" r:id="rId12"/>
+    <p:sldId id="356" r:id="rId13"/>
+    <p:sldId id="374" r:id="rId14"/>
+    <p:sldId id="370" r:id="rId15"/>
+    <p:sldId id="371" r:id="rId16"/>
+    <p:sldId id="372" r:id="rId17"/>
+    <p:sldId id="373" r:id="rId18"/>
+    <p:sldId id="351" r:id="rId19"/>
   </p:sldIdLst>
   <p:sldSz cx="12192000" cy="6858000"/>
   <p:notesSz cx="6858000" cy="9144000"/>
@@ -225,7 +226,7 @@
           <a:p>
             <a:fld id="{7765B7B4-1140-426D-80C7-5C3DF0ADCEB4}" type="datetimeFigureOut">
               <a:rPr lang="en-US" smtClean="0"/>
-              <a:t>4/7/22</a:t>
+              <a:t>4/7/2022</a:t>
             </a:fld>
             <a:endParaRPr lang="en-US"/>
           </a:p>
@@ -673,7 +674,7 @@
           <a:p>
             <a:fld id="{F4FE2420-440E-4D53-B736-BE72874883E6}" type="slidenum">
               <a:rPr lang="en-US" smtClean="0"/>
-              <a:t>13</a:t>
+              <a:t>14</a:t>
             </a:fld>
             <a:endParaRPr lang="en-US"/>
           </a:p>
@@ -781,7 +782,7 @@
           <a:p>
             <a:fld id="{F4FE2420-440E-4D53-B736-BE72874883E6}" type="slidenum">
               <a:rPr lang="en-US" smtClean="0"/>
-              <a:t>14</a:t>
+              <a:t>15</a:t>
             </a:fld>
             <a:endParaRPr lang="en-US"/>
           </a:p>
@@ -874,7 +875,7 @@
           <a:p>
             <a:fld id="{F4FE2420-440E-4D53-B736-BE72874883E6}" type="slidenum">
               <a:rPr lang="en-US" smtClean="0"/>
-              <a:t>15</a:t>
+              <a:t>16</a:t>
             </a:fld>
             <a:endParaRPr lang="en-US"/>
           </a:p>
@@ -985,7 +986,7 @@
           <a:p>
             <a:fld id="{F4FE2420-440E-4D53-B736-BE72874883E6}" type="slidenum">
               <a:rPr lang="en-US" smtClean="0"/>
-              <a:t>16</a:t>
+              <a:t>17</a:t>
             </a:fld>
             <a:endParaRPr lang="en-US"/>
           </a:p>
@@ -1078,7 +1079,7 @@
           <a:p>
             <a:fld id="{F4FE2420-440E-4D53-B736-BE72874883E6}" type="slidenum">
               <a:rPr lang="en-US" smtClean="0"/>
-              <a:t>17</a:t>
+              <a:t>18</a:t>
             </a:fld>
             <a:endParaRPr lang="en-US"/>
           </a:p>
@@ -1453,7 +1454,7 @@
           <a:p>
             <a:fld id="{F4FE2420-440E-4D53-B736-BE72874883E6}" type="slidenum">
               <a:rPr lang="en-US" smtClean="0"/>
-              <a:t>4</a:t>
+              <a:t>5</a:t>
             </a:fld>
             <a:endParaRPr lang="en-US"/>
           </a:p>
@@ -1554,7 +1555,7 @@
           <a:p>
             <a:fld id="{F4FE2420-440E-4D53-B736-BE72874883E6}" type="slidenum">
               <a:rPr lang="en-US" smtClean="0"/>
-              <a:t>5</a:t>
+              <a:t>6</a:t>
             </a:fld>
             <a:endParaRPr lang="en-US"/>
           </a:p>
@@ -1649,7 +1650,7 @@
           <a:p>
             <a:fld id="{F4FE2420-440E-4D53-B736-BE72874883E6}" type="slidenum">
               <a:rPr lang="en-US" smtClean="0"/>
-              <a:t>6</a:t>
+              <a:t>7</a:t>
             </a:fld>
             <a:endParaRPr lang="en-US"/>
           </a:p>
@@ -1744,7 +1745,7 @@
           <a:p>
             <a:fld id="{F4FE2420-440E-4D53-B736-BE72874883E6}" type="slidenum">
               <a:rPr lang="en-US" smtClean="0"/>
-              <a:t>7</a:t>
+              <a:t>8</a:t>
             </a:fld>
             <a:endParaRPr lang="en-US"/>
           </a:p>
@@ -1831,7 +1832,7 @@
           <a:p>
             <a:fld id="{F4FE2420-440E-4D53-B736-BE72874883E6}" type="slidenum">
               <a:rPr lang="en-US" smtClean="0"/>
-              <a:t>8</a:t>
+              <a:t>9</a:t>
             </a:fld>
             <a:endParaRPr lang="en-US"/>
           </a:p>
@@ -1939,7 +1940,7 @@
           <a:p>
             <a:fld id="{F4FE2420-440E-4D53-B736-BE72874883E6}" type="slidenum">
               <a:rPr lang="en-US" smtClean="0"/>
-              <a:t>9</a:t>
+              <a:t>10</a:t>
             </a:fld>
             <a:endParaRPr lang="en-US"/>
           </a:p>
@@ -2105,7 +2106,7 @@
           <a:p>
             <a:fld id="{54D71D37-BE42-4C51-8961-B9AA167182C2}" type="datetime1">
               <a:rPr lang="en-US" smtClean="0"/>
-              <a:t>4/7/22</a:t>
+              <a:t>4/7/2022</a:t>
             </a:fld>
             <a:endParaRPr lang="en-US"/>
           </a:p>
@@ -2303,7 +2304,7 @@
           <a:p>
             <a:fld id="{692FD857-EF9C-4377-A29A-72B4A929BFB1}" type="datetime1">
               <a:rPr lang="en-US" smtClean="0"/>
-              <a:t>4/7/22</a:t>
+              <a:t>4/7/2022</a:t>
             </a:fld>
             <a:endParaRPr lang="en-US"/>
           </a:p>
@@ -2511,7 +2512,7 @@
           <a:p>
             <a:fld id="{566CB2E4-01B2-4784-B916-33CF5F6788E5}" type="datetime1">
               <a:rPr lang="en-US" smtClean="0"/>
-              <a:t>4/7/22</a:t>
+              <a:t>4/7/2022</a:t>
             </a:fld>
             <a:endParaRPr lang="en-US"/>
           </a:p>
@@ -2747,7 +2748,7 @@
           <a:p>
             <a:fld id="{212C6BE7-9C3B-4806-9271-F8E78CB16BCD}" type="datetime1">
               <a:rPr lang="en-US" smtClean="0"/>
-              <a:t>4/7/22</a:t>
+              <a:t>4/7/2022</a:t>
             </a:fld>
             <a:endParaRPr lang="en-US"/>
           </a:p>
@@ -3022,7 +3023,7 @@
           <a:p>
             <a:fld id="{B77B076C-C7C2-43D5-83A0-702B2B503D3A}" type="datetime1">
               <a:rPr lang="en-US" smtClean="0"/>
-              <a:t>4/7/22</a:t>
+              <a:t>4/7/2022</a:t>
             </a:fld>
             <a:endParaRPr lang="en-US"/>
           </a:p>
@@ -3368,7 +3369,7 @@
             <a:fld id="{E1EB4593-7B6D-421D-8A6C-EEBB90132B40}" type="datetime1">
               <a:rPr lang="en-US" smtClean="0"/>
               <a:pPr/>
-              <a:t>4/7/22</a:t>
+              <a:t>4/7/2022</a:t>
             </a:fld>
             <a:endParaRPr lang="en-US"/>
           </a:p>
@@ -3795,7 +3796,7 @@
           <a:p>
             <a:fld id="{AC891ECA-9016-46A2-BCCF-52CCF30F3C3F}" type="datetime1">
               <a:rPr lang="en-US" smtClean="0"/>
-              <a:t>4/7/22</a:t>
+              <a:t>4/7/2022</a:t>
             </a:fld>
             <a:endParaRPr lang="en-US"/>
           </a:p>
@@ -3936,7 +3937,7 @@
           <a:p>
             <a:fld id="{745F822E-6754-4396-A549-C203647D2807}" type="datetime1">
               <a:rPr lang="en-US" smtClean="0"/>
-              <a:t>4/7/22</a:t>
+              <a:t>4/7/2022</a:t>
             </a:fld>
             <a:endParaRPr lang="en-US"/>
           </a:p>
@@ -4049,7 +4050,7 @@
           <a:p>
             <a:fld id="{0B7C82E4-F2CD-41BB-9139-5029F2805B89}" type="datetime1">
               <a:rPr lang="en-US" smtClean="0"/>
-              <a:t>4/7/22</a:t>
+              <a:t>4/7/2022</a:t>
             </a:fld>
             <a:endParaRPr lang="en-US"/>
           </a:p>
@@ -4360,7 +4361,7 @@
           <a:p>
             <a:fld id="{13C9C19A-62F3-4FAE-88A7-622836A2CC7E}" type="datetime1">
               <a:rPr lang="en-US" smtClean="0"/>
-              <a:t>4/7/22</a:t>
+              <a:t>4/7/2022</a:t>
             </a:fld>
             <a:endParaRPr lang="en-US"/>
           </a:p>
@@ -4648,7 +4649,7 @@
           <a:p>
             <a:fld id="{9CBFB8D4-8067-4C4E-A4D8-A060ACCA2426}" type="datetime1">
               <a:rPr lang="en-US" smtClean="0"/>
-              <a:t>4/7/22</a:t>
+              <a:t>4/7/2022</a:t>
             </a:fld>
             <a:endParaRPr lang="en-US"/>
           </a:p>
@@ -4889,7 +4890,7 @@
           <a:p>
             <a:fld id="{2EDDBF34-CBA6-4FE1-B1DA-75020C6AFCC8}" type="datetime1">
               <a:rPr lang="en-US" smtClean="0"/>
-              <a:t>4/7/22</a:t>
+              <a:t>4/7/2022</a:t>
             </a:fld>
             <a:endParaRPr lang="en-US"/>
           </a:p>
@@ -5450,7 +5451,7 @@
         </p:blipFill>
         <p:spPr>
           <a:xfrm>
-            <a:off x="1184151" y="4087357"/>
+            <a:off x="7485293" y="4039061"/>
             <a:ext cx="2501149" cy="1853030"/>
           </a:xfrm>
           <a:prstGeom prst="rect">
@@ -5480,8 +5481,38 @@
         </p:blipFill>
         <p:spPr>
           <a:xfrm>
-            <a:off x="4031251" y="4326443"/>
+            <a:off x="3822245" y="4278147"/>
             <a:ext cx="3449800" cy="1374859"/>
+          </a:xfrm>
+          <a:prstGeom prst="rect">
+            <a:avLst/>
+          </a:prstGeom>
+        </p:spPr>
+      </p:pic>
+      <p:pic>
+        <p:nvPicPr>
+          <p:cNvPr id="7" name="Picture 6">
+            <a:extLst>
+              <a:ext uri="{FF2B5EF4-FFF2-40B4-BE49-F238E27FC236}">
+                <a16:creationId xmlns:a16="http://schemas.microsoft.com/office/drawing/2014/main" id="{A489B64F-5DAD-4B67-A6EE-E5AD0FE72C91}"/>
+              </a:ext>
+            </a:extLst>
+          </p:cNvPr>
+          <p:cNvPicPr>
+            <a:picLocks noChangeAspect="1"/>
+          </p:cNvPicPr>
+          <p:nvPr/>
+        </p:nvPicPr>
+        <p:blipFill>
+          <a:blip r:embed="rId5"/>
+          <a:stretch>
+            <a:fillRect/>
+          </a:stretch>
+        </p:blipFill>
+        <p:spPr>
+          <a:xfrm>
+            <a:off x="1051448" y="4039061"/>
+            <a:ext cx="2557549" cy="1853030"/>
           </a:xfrm>
           <a:prstGeom prst="rect">
             <a:avLst/>
@@ -5520,158 +5551,10 @@
       </p:grpSpPr>
       <p:sp>
         <p:nvSpPr>
-          <p:cNvPr id="2" name="Title 1">
-            <a:extLst>
-              <a:ext uri="{FF2B5EF4-FFF2-40B4-BE49-F238E27FC236}">
-                <a16:creationId xmlns:a16="http://schemas.microsoft.com/office/drawing/2014/main" id="{2F0F47D3-2B78-459C-B736-C97C3E722672}"/>
-              </a:ext>
-            </a:extLst>
-          </p:cNvPr>
-          <p:cNvSpPr>
-            <a:spLocks noGrp="1"/>
-          </p:cNvSpPr>
-          <p:nvPr>
-            <p:ph type="title"/>
-          </p:nvPr>
-        </p:nvSpPr>
-        <p:spPr/>
-        <p:txBody>
-          <a:bodyPr/>
-          <a:lstStyle/>
-          <a:p>
-            <a:r>
-              <a:rPr lang="en-US" sz="4400" b="1" dirty="0">
-                <a:solidFill>
-                  <a:srgbClr val="C00000"/>
-                </a:solidFill>
-              </a:rPr>
-              <a:t>Research Questions</a:t>
-            </a:r>
-            <a:endParaRPr lang="en-US" sz="4400" dirty="0"/>
-          </a:p>
-        </p:txBody>
-      </p:sp>
-      <p:sp>
-        <p:nvSpPr>
-          <p:cNvPr id="3" name="Content Placeholder 2">
-            <a:extLst>
-              <a:ext uri="{FF2B5EF4-FFF2-40B4-BE49-F238E27FC236}">
-                <a16:creationId xmlns:a16="http://schemas.microsoft.com/office/drawing/2014/main" id="{F4E2DDD4-D4AC-4902-9B38-CF4361F7BF6E}"/>
-              </a:ext>
-            </a:extLst>
-          </p:cNvPr>
-          <p:cNvSpPr>
-            <a:spLocks noGrp="1"/>
-          </p:cNvSpPr>
-          <p:nvPr>
-            <p:ph idx="1"/>
-          </p:nvPr>
-        </p:nvSpPr>
-        <p:spPr>
-          <a:xfrm>
-            <a:off x="838200" y="1825625"/>
-            <a:ext cx="11023242" cy="4351338"/>
-          </a:xfrm>
-        </p:spPr>
-        <p:txBody>
-          <a:bodyPr>
-            <a:noAutofit/>
-          </a:bodyPr>
-          <a:lstStyle/>
-          <a:p>
-            <a:r>
-              <a:rPr lang="en-US" sz="3600" dirty="0">
-                <a:solidFill>
-                  <a:schemeClr val="bg2">
-                    <a:lumMod val="75000"/>
-                  </a:schemeClr>
-                </a:solidFill>
-                <a:effectLst/>
-                <a:latin typeface="Arial" panose="020B0604020202020204" pitchFamily="34" charset="0"/>
-              </a:rPr>
-              <a:t>RQ1: What are the release notes update patterns?</a:t>
-            </a:r>
-          </a:p>
-          <a:p>
-            <a:pPr marL="0" indent="0">
-              <a:buNone/>
-            </a:pPr>
-            <a:endParaRPr lang="en-US" sz="3600" dirty="0">
-              <a:effectLst/>
-              <a:latin typeface="Arial" panose="020B0604020202020204" pitchFamily="34" charset="0"/>
-            </a:endParaRPr>
-          </a:p>
-          <a:p>
-            <a:r>
-              <a:rPr lang="en-US" sz="3600" dirty="0">
-                <a:effectLst/>
-                <a:latin typeface="Arial" panose="020B0604020202020204" pitchFamily="34" charset="0"/>
-              </a:rPr>
-              <a:t>RQ2: What are the </a:t>
-            </a:r>
-            <a:r>
-              <a:rPr lang="en-US" sz="3600" dirty="0">
-                <a:solidFill>
-                  <a:srgbClr val="C00000"/>
-                </a:solidFill>
-                <a:effectLst/>
-                <a:latin typeface="Arial" panose="020B0604020202020204" pitchFamily="34" charset="0"/>
-              </a:rPr>
-              <a:t>characteristics</a:t>
-            </a:r>
-            <a:r>
-              <a:rPr lang="en-US" sz="3600" dirty="0">
-                <a:effectLst/>
-                <a:latin typeface="Arial" panose="020B0604020202020204" pitchFamily="34" charset="0"/>
-              </a:rPr>
-              <a:t> of the apps that follow a certain release notes pattern?</a:t>
-            </a:r>
-            <a:endParaRPr lang="en-US" sz="3600" dirty="0">
-              <a:latin typeface="Arial" panose="020B0604020202020204" pitchFamily="34" charset="0"/>
-            </a:endParaRPr>
-          </a:p>
-          <a:p>
-            <a:pPr marL="0" indent="0">
-              <a:buNone/>
-            </a:pPr>
-            <a:endParaRPr lang="en-US" sz="3600" dirty="0">
-              <a:solidFill>
-                <a:schemeClr val="bg2">
-                  <a:lumMod val="75000"/>
-                </a:schemeClr>
-              </a:solidFill>
-              <a:latin typeface="Arial" panose="020B0604020202020204" pitchFamily="34" charset="0"/>
-            </a:endParaRPr>
-          </a:p>
-          <a:p>
-            <a:r>
-              <a:rPr lang="en-US" sz="3600" dirty="0">
-                <a:solidFill>
-                  <a:schemeClr val="bg2">
-                    <a:lumMod val="75000"/>
-                  </a:schemeClr>
-                </a:solidFill>
-                <a:effectLst/>
-                <a:latin typeface="Arial" panose="020B0604020202020204" pitchFamily="34" charset="0"/>
-              </a:rPr>
-              <a:t>RQ3: What causes developers to shift their release notes pattern?</a:t>
-            </a:r>
-            <a:endParaRPr lang="en-US" sz="3600" dirty="0">
-              <a:solidFill>
-                <a:schemeClr val="bg2">
-                  <a:lumMod val="75000"/>
-                </a:schemeClr>
-              </a:solidFill>
-            </a:endParaRPr>
-          </a:p>
-        </p:txBody>
-      </p:sp>
-      <p:sp>
-        <p:nvSpPr>
           <p:cNvPr id="4" name="Slide Number Placeholder 3">
             <a:extLst>
               <a:ext uri="{FF2B5EF4-FFF2-40B4-BE49-F238E27FC236}">
-                <a16:creationId xmlns:a16="http://schemas.microsoft.com/office/drawing/2014/main" id="{DBC15A87-B8C0-49BE-9E9A-E16E1A251D75}"/>
+                <a16:creationId xmlns:a16="http://schemas.microsoft.com/office/drawing/2014/main" id="{205923C2-A285-4DDF-AD50-1BEA52E87196}"/>
               </a:ext>
             </a:extLst>
           </p:cNvPr>
@@ -5695,16 +5578,236 @@
           </a:p>
         </p:txBody>
       </p:sp>
+      <p:sp>
+        <p:nvSpPr>
+          <p:cNvPr id="8" name="Title 7">
+            <a:extLst>
+              <a:ext uri="{FF2B5EF4-FFF2-40B4-BE49-F238E27FC236}">
+                <a16:creationId xmlns:a16="http://schemas.microsoft.com/office/drawing/2014/main" id="{529E6E41-F815-4343-9D29-B795352F6900}"/>
+              </a:ext>
+            </a:extLst>
+          </p:cNvPr>
+          <p:cNvSpPr>
+            <a:spLocks noGrp="1"/>
+          </p:cNvSpPr>
+          <p:nvPr>
+            <p:ph type="title"/>
+          </p:nvPr>
+        </p:nvSpPr>
+        <p:spPr>
+          <a:xfrm>
+            <a:off x="994884" y="330629"/>
+            <a:ext cx="10515600" cy="1325563"/>
+          </a:xfrm>
+        </p:spPr>
+        <p:txBody>
+          <a:bodyPr>
+            <a:normAutofit/>
+          </a:bodyPr>
+          <a:lstStyle/>
+          <a:p>
+            <a:pPr algn="ctr"/>
+            <a:r>
+              <a:rPr lang="en-US" sz="4000" b="1" dirty="0">
+                <a:solidFill>
+                  <a:srgbClr val="C00000"/>
+                </a:solidFill>
+              </a:rPr>
+              <a:t>We Observe 6 Release Note Patterns</a:t>
+            </a:r>
+            <a:endParaRPr lang="en-US" sz="4000" dirty="0"/>
+          </a:p>
+        </p:txBody>
+      </p:sp>
+      <p:pic>
+        <p:nvPicPr>
+          <p:cNvPr id="3" name="Picture 2">
+            <a:extLst>
+              <a:ext uri="{FF2B5EF4-FFF2-40B4-BE49-F238E27FC236}">
+                <a16:creationId xmlns:a16="http://schemas.microsoft.com/office/drawing/2014/main" id="{E8C0F4F9-BA6C-4F5A-91EF-4F879BC89040}"/>
+              </a:ext>
+            </a:extLst>
+          </p:cNvPr>
+          <p:cNvPicPr>
+            <a:picLocks noChangeAspect="1"/>
+          </p:cNvPicPr>
+          <p:nvPr/>
+        </p:nvPicPr>
+        <p:blipFill>
+          <a:blip r:embed="rId3"/>
+          <a:stretch>
+            <a:fillRect/>
+          </a:stretch>
+        </p:blipFill>
+        <p:spPr>
+          <a:xfrm>
+            <a:off x="1766206" y="1516863"/>
+            <a:ext cx="8659585" cy="3540459"/>
+          </a:xfrm>
+          <a:prstGeom prst="rect">
+            <a:avLst/>
+          </a:prstGeom>
+        </p:spPr>
+      </p:pic>
+      <p:sp>
+        <p:nvSpPr>
+          <p:cNvPr id="6" name="TextBox 5">
+            <a:extLst>
+              <a:ext uri="{FF2B5EF4-FFF2-40B4-BE49-F238E27FC236}">
+                <a16:creationId xmlns:a16="http://schemas.microsoft.com/office/drawing/2014/main" id="{E6911D41-849A-4AE9-AB83-B2794BBE0EC2}"/>
+              </a:ext>
+            </a:extLst>
+          </p:cNvPr>
+          <p:cNvSpPr txBox="1"/>
+          <p:nvPr/>
+        </p:nvSpPr>
+        <p:spPr>
+          <a:xfrm>
+            <a:off x="1490311" y="5057322"/>
+            <a:ext cx="9211377" cy="1200329"/>
+          </a:xfrm>
+          <a:prstGeom prst="rect">
+            <a:avLst/>
+          </a:prstGeom>
+          <a:noFill/>
+        </p:spPr>
+        <p:txBody>
+          <a:bodyPr wrap="square">
+            <a:spAutoFit/>
+          </a:bodyPr>
+          <a:lstStyle/>
+          <a:p>
+            <a:r>
+              <a:rPr lang="en-US" sz="2400" dirty="0">
+                <a:effectLst/>
+                <a:latin typeface="Calibri" panose="020F0502020204030204" pitchFamily="34" charset="0"/>
+                <a:cs typeface="Calibri" panose="020F0502020204030204" pitchFamily="34" charset="0"/>
+              </a:rPr>
+              <a:t>Example release notes: </a:t>
+            </a:r>
+          </a:p>
+          <a:p>
+            <a:pPr marL="342900" indent="-342900">
+              <a:buFont typeface="Arial" panose="020B0604020202020204" pitchFamily="34" charset="0"/>
+              <a:buChar char="•"/>
+            </a:pPr>
+            <a:r>
+              <a:rPr lang="en-US" sz="2400" dirty="0">
+                <a:effectLst/>
+                <a:latin typeface="Calibri" panose="020F0502020204030204" pitchFamily="34" charset="0"/>
+                <a:cs typeface="Calibri" panose="020F0502020204030204" pitchFamily="34" charset="0"/>
+              </a:rPr>
+              <a:t>GUI enhancements and minor fixes</a:t>
+            </a:r>
+          </a:p>
+          <a:p>
+            <a:pPr marL="342900" indent="-342900">
+              <a:buFont typeface="Arial" panose="020B0604020202020204" pitchFamily="34" charset="0"/>
+              <a:buChar char="•"/>
+            </a:pPr>
+            <a:r>
+              <a:rPr lang="en-US" sz="2400" dirty="0">
+                <a:effectLst/>
+                <a:latin typeface="Calibri" panose="020F0502020204030204" pitchFamily="34" charset="0"/>
+                <a:cs typeface="Calibri" panose="020F0502020204030204" pitchFamily="34" charset="0"/>
+              </a:rPr>
+              <a:t>Fix a bug of the grouping separator. Improved calculation precision</a:t>
+            </a:r>
+            <a:endParaRPr lang="en-US" sz="2400" dirty="0">
+              <a:latin typeface="Calibri" panose="020F0502020204030204" pitchFamily="34" charset="0"/>
+              <a:cs typeface="Calibri" panose="020F0502020204030204" pitchFamily="34" charset="0"/>
+            </a:endParaRPr>
+          </a:p>
+        </p:txBody>
+      </p:sp>
     </p:spTree>
     <p:extLst>
       <p:ext uri="{BB962C8B-B14F-4D97-AF65-F5344CB8AC3E}">
-        <p14:creationId xmlns:p14="http://schemas.microsoft.com/office/powerpoint/2010/main" val="2195144130"/>
+        <p14:creationId xmlns:p14="http://schemas.microsoft.com/office/powerpoint/2010/main" val="3345027161"/>
       </p:ext>
     </p:extLst>
   </p:cSld>
   <p:clrMapOvr>
     <a:masterClrMapping/>
   </p:clrMapOvr>
+  <p:timing>
+    <p:tnLst>
+      <p:par>
+        <p:cTn id="1" dur="indefinite" restart="never" nodeType="tmRoot">
+          <p:childTnLst>
+            <p:seq concurrent="1" nextAc="seek">
+              <p:cTn id="2" dur="indefinite" nodeType="mainSeq">
+                <p:childTnLst>
+                  <p:par>
+                    <p:cTn id="3" fill="hold">
+                      <p:stCondLst>
+                        <p:cond delay="indefinite"/>
+                      </p:stCondLst>
+                      <p:childTnLst>
+                        <p:par>
+                          <p:cTn id="4" fill="hold">
+                            <p:stCondLst>
+                              <p:cond delay="0"/>
+                            </p:stCondLst>
+                            <p:childTnLst>
+                              <p:par>
+                                <p:cTn id="5" presetID="1" presetClass="entr" presetSubtype="0" fill="hold" grpId="0" nodeType="clickEffect">
+                                  <p:stCondLst>
+                                    <p:cond delay="0"/>
+                                  </p:stCondLst>
+                                  <p:childTnLst>
+                                    <p:set>
+                                      <p:cBhvr>
+                                        <p:cTn id="6" dur="1" fill="hold">
+                                          <p:stCondLst>
+                                            <p:cond delay="0"/>
+                                          </p:stCondLst>
+                                        </p:cTn>
+                                        <p:tgtEl>
+                                          <p:spTgt spid="6"/>
+                                        </p:tgtEl>
+                                        <p:attrNameLst>
+                                          <p:attrName>style.visibility</p:attrName>
+                                        </p:attrNameLst>
+                                      </p:cBhvr>
+                                      <p:to>
+                                        <p:strVal val="visible"/>
+                                      </p:to>
+                                    </p:set>
+                                  </p:childTnLst>
+                                </p:cTn>
+                              </p:par>
+                            </p:childTnLst>
+                          </p:cTn>
+                        </p:par>
+                      </p:childTnLst>
+                    </p:cTn>
+                  </p:par>
+                </p:childTnLst>
+              </p:cTn>
+              <p:prevCondLst>
+                <p:cond evt="onPrev" delay="0">
+                  <p:tgtEl>
+                    <p:sldTgt/>
+                  </p:tgtEl>
+                </p:cond>
+              </p:prevCondLst>
+              <p:nextCondLst>
+                <p:cond evt="onNext" delay="0">
+                  <p:tgtEl>
+                    <p:sldTgt/>
+                  </p:tgtEl>
+                </p:cond>
+              </p:nextCondLst>
+            </p:seq>
+          </p:childTnLst>
+        </p:cTn>
+      </p:par>
+    </p:tnLst>
+    <p:bldLst>
+      <p:bldP spid="6" grpId="0"/>
+    </p:bldLst>
+  </p:timing>
 </p:sld>
 </file>
 
@@ -5727,10 +5830,158 @@
       </p:grpSpPr>
       <p:sp>
         <p:nvSpPr>
+          <p:cNvPr id="2" name="Title 1">
+            <a:extLst>
+              <a:ext uri="{FF2B5EF4-FFF2-40B4-BE49-F238E27FC236}">
+                <a16:creationId xmlns:a16="http://schemas.microsoft.com/office/drawing/2014/main" id="{2F0F47D3-2B78-459C-B736-C97C3E722672}"/>
+              </a:ext>
+            </a:extLst>
+          </p:cNvPr>
+          <p:cNvSpPr>
+            <a:spLocks noGrp="1"/>
+          </p:cNvSpPr>
+          <p:nvPr>
+            <p:ph type="title"/>
+          </p:nvPr>
+        </p:nvSpPr>
+        <p:spPr/>
+        <p:txBody>
+          <a:bodyPr/>
+          <a:lstStyle/>
+          <a:p>
+            <a:r>
+              <a:rPr lang="en-US" sz="4400" b="1" dirty="0">
+                <a:solidFill>
+                  <a:srgbClr val="C00000"/>
+                </a:solidFill>
+              </a:rPr>
+              <a:t>Research Questions</a:t>
+            </a:r>
+            <a:endParaRPr lang="en-US" sz="4400" dirty="0"/>
+          </a:p>
+        </p:txBody>
+      </p:sp>
+      <p:sp>
+        <p:nvSpPr>
+          <p:cNvPr id="3" name="Content Placeholder 2">
+            <a:extLst>
+              <a:ext uri="{FF2B5EF4-FFF2-40B4-BE49-F238E27FC236}">
+                <a16:creationId xmlns:a16="http://schemas.microsoft.com/office/drawing/2014/main" id="{F4E2DDD4-D4AC-4902-9B38-CF4361F7BF6E}"/>
+              </a:ext>
+            </a:extLst>
+          </p:cNvPr>
+          <p:cNvSpPr>
+            <a:spLocks noGrp="1"/>
+          </p:cNvSpPr>
+          <p:nvPr>
+            <p:ph idx="1"/>
+          </p:nvPr>
+        </p:nvSpPr>
+        <p:spPr>
+          <a:xfrm>
+            <a:off x="838200" y="1825625"/>
+            <a:ext cx="11023242" cy="4351338"/>
+          </a:xfrm>
+        </p:spPr>
+        <p:txBody>
+          <a:bodyPr>
+            <a:noAutofit/>
+          </a:bodyPr>
+          <a:lstStyle/>
+          <a:p>
+            <a:r>
+              <a:rPr lang="en-US" sz="3600" dirty="0">
+                <a:solidFill>
+                  <a:schemeClr val="bg2">
+                    <a:lumMod val="75000"/>
+                  </a:schemeClr>
+                </a:solidFill>
+                <a:effectLst/>
+                <a:latin typeface="Arial" panose="020B0604020202020204" pitchFamily="34" charset="0"/>
+              </a:rPr>
+              <a:t>RQ1: What are the release notes update patterns?</a:t>
+            </a:r>
+          </a:p>
+          <a:p>
+            <a:pPr marL="0" indent="0">
+              <a:buNone/>
+            </a:pPr>
+            <a:endParaRPr lang="en-US" sz="3600" dirty="0">
+              <a:effectLst/>
+              <a:latin typeface="Arial" panose="020B0604020202020204" pitchFamily="34" charset="0"/>
+            </a:endParaRPr>
+          </a:p>
+          <a:p>
+            <a:r>
+              <a:rPr lang="en-US" sz="3600" dirty="0">
+                <a:effectLst/>
+                <a:latin typeface="Arial" panose="020B0604020202020204" pitchFamily="34" charset="0"/>
+              </a:rPr>
+              <a:t>RQ2: What are the </a:t>
+            </a:r>
+            <a:r>
+              <a:rPr lang="en-US" sz="3600" dirty="0">
+                <a:solidFill>
+                  <a:srgbClr val="C00000"/>
+                </a:solidFill>
+                <a:effectLst/>
+                <a:latin typeface="Arial" panose="020B0604020202020204" pitchFamily="34" charset="0"/>
+              </a:rPr>
+              <a:t>characteristics</a:t>
+            </a:r>
+            <a:r>
+              <a:rPr lang="en-US" sz="3600" dirty="0">
+                <a:effectLst/>
+                <a:latin typeface="Arial" panose="020B0604020202020204" pitchFamily="34" charset="0"/>
+              </a:rPr>
+              <a:t> of the apps that follow a certain release notes pattern?</a:t>
+            </a:r>
+            <a:endParaRPr lang="en-US" sz="3600" dirty="0">
+              <a:latin typeface="Arial" panose="020B0604020202020204" pitchFamily="34" charset="0"/>
+            </a:endParaRPr>
+          </a:p>
+          <a:p>
+            <a:pPr marL="0" indent="0">
+              <a:buNone/>
+            </a:pPr>
+            <a:endParaRPr lang="en-US" sz="3600" dirty="0">
+              <a:solidFill>
+                <a:schemeClr val="bg2">
+                  <a:lumMod val="75000"/>
+                </a:schemeClr>
+              </a:solidFill>
+              <a:latin typeface="Arial" panose="020B0604020202020204" pitchFamily="34" charset="0"/>
+            </a:endParaRPr>
+          </a:p>
+          <a:p>
+            <a:r>
+              <a:rPr lang="en-US" sz="3600" dirty="0">
+                <a:solidFill>
+                  <a:schemeClr val="bg2">
+                    <a:lumMod val="75000"/>
+                  </a:schemeClr>
+                </a:solidFill>
+                <a:effectLst/>
+                <a:latin typeface="Arial" panose="020B0604020202020204" pitchFamily="34" charset="0"/>
+              </a:rPr>
+              <a:t>RQ3: What causes developers to shift their release notes pattern?</a:t>
+            </a:r>
+            <a:endParaRPr lang="en-US" sz="3600" dirty="0">
+              <a:solidFill>
+                <a:schemeClr val="bg2">
+                  <a:lumMod val="75000"/>
+                </a:schemeClr>
+              </a:solidFill>
+            </a:endParaRPr>
+          </a:p>
+        </p:txBody>
+      </p:sp>
+      <p:sp>
+        <p:nvSpPr>
           <p:cNvPr id="4" name="Slide Number Placeholder 3">
             <a:extLst>
               <a:ext uri="{FF2B5EF4-FFF2-40B4-BE49-F238E27FC236}">
-                <a16:creationId xmlns:a16="http://schemas.microsoft.com/office/drawing/2014/main" id="{205923C2-A285-4DDF-AD50-1BEA52E87196}"/>
+                <a16:creationId xmlns:a16="http://schemas.microsoft.com/office/drawing/2014/main" id="{DBC15A87-B8C0-49BE-9E9A-E16E1A251D75}"/>
               </a:ext>
             </a:extLst>
           </p:cNvPr>
@@ -5749,6 +6000,65 @@
             <a:fld id="{87998442-DCDF-4622-933A-F9895919A1C1}" type="slidenum">
               <a:rPr lang="en-US" smtClean="0"/>
               <a:t>11</a:t>
+            </a:fld>
+            <a:endParaRPr lang="en-US"/>
+          </a:p>
+        </p:txBody>
+      </p:sp>
+    </p:spTree>
+    <p:extLst>
+      <p:ext uri="{BB962C8B-B14F-4D97-AF65-F5344CB8AC3E}">
+        <p14:creationId xmlns:p14="http://schemas.microsoft.com/office/powerpoint/2010/main" val="2195144130"/>
+      </p:ext>
+    </p:extLst>
+  </p:cSld>
+  <p:clrMapOvr>
+    <a:masterClrMapping/>
+  </p:clrMapOvr>
+</p:sld>
+</file>
+
+<file path=ppt/slides/slide12.xml><?xml version="1.0" encoding="utf-8"?>
+<p:sld xmlns:a="http://schemas.openxmlformats.org/drawingml/2006/main" xmlns:r="http://schemas.openxmlformats.org/officeDocument/2006/relationships" xmlns:p="http://schemas.openxmlformats.org/presentationml/2006/main">
+  <p:cSld>
+    <p:spTree>
+      <p:nvGrpSpPr>
+        <p:cNvPr id="1" name=""/>
+        <p:cNvGrpSpPr/>
+        <p:nvPr/>
+      </p:nvGrpSpPr>
+      <p:grpSpPr>
+        <a:xfrm>
+          <a:off x="0" y="0"/>
+          <a:ext cx="0" cy="0"/>
+          <a:chOff x="0" y="0"/>
+          <a:chExt cx="0" cy="0"/>
+        </a:xfrm>
+      </p:grpSpPr>
+      <p:sp>
+        <p:nvSpPr>
+          <p:cNvPr id="4" name="Slide Number Placeholder 3">
+            <a:extLst>
+              <a:ext uri="{FF2B5EF4-FFF2-40B4-BE49-F238E27FC236}">
+                <a16:creationId xmlns:a16="http://schemas.microsoft.com/office/drawing/2014/main" id="{205923C2-A285-4DDF-AD50-1BEA52E87196}"/>
+              </a:ext>
+            </a:extLst>
+          </p:cNvPr>
+          <p:cNvSpPr>
+            <a:spLocks noGrp="1"/>
+          </p:cNvSpPr>
+          <p:nvPr>
+            <p:ph type="sldNum" sz="quarter" idx="12"/>
+          </p:nvPr>
+        </p:nvSpPr>
+        <p:spPr/>
+        <p:txBody>
+          <a:bodyPr/>
+          <a:lstStyle/>
+          <a:p>
+            <a:fld id="{87998442-DCDF-4622-933A-F9895919A1C1}" type="slidenum">
+              <a:rPr lang="en-US" smtClean="0"/>
+              <a:t>12</a:t>
             </a:fld>
             <a:endParaRPr lang="en-US"/>
           </a:p>
@@ -6076,190 +6386,6 @@
 </p:sld>
 </file>
 
-<file path=ppt/slides/slide12.xml><?xml version="1.0" encoding="utf-8"?>
-<p:sld xmlns:a="http://schemas.openxmlformats.org/drawingml/2006/main" xmlns:r="http://schemas.openxmlformats.org/officeDocument/2006/relationships" xmlns:p="http://schemas.openxmlformats.org/presentationml/2006/main">
-  <p:cSld>
-    <p:spTree>
-      <p:nvGrpSpPr>
-        <p:cNvPr id="1" name=""/>
-        <p:cNvGrpSpPr/>
-        <p:nvPr/>
-      </p:nvGrpSpPr>
-      <p:grpSpPr>
-        <a:xfrm>
-          <a:off x="0" y="0"/>
-          <a:ext cx="0" cy="0"/>
-          <a:chOff x="0" y="0"/>
-          <a:chExt cx="0" cy="0"/>
-        </a:xfrm>
-      </p:grpSpPr>
-      <p:sp>
-        <p:nvSpPr>
-          <p:cNvPr id="2" name="Title 1">
-            <a:extLst>
-              <a:ext uri="{FF2B5EF4-FFF2-40B4-BE49-F238E27FC236}">
-                <a16:creationId xmlns:a16="http://schemas.microsoft.com/office/drawing/2014/main" id="{ABAAF143-4D21-4114-8178-31D3B8F23B6C}"/>
-              </a:ext>
-            </a:extLst>
-          </p:cNvPr>
-          <p:cNvSpPr>
-            <a:spLocks noGrp="1"/>
-          </p:cNvSpPr>
-          <p:nvPr>
-            <p:ph type="title"/>
-          </p:nvPr>
-        </p:nvSpPr>
-        <p:spPr/>
-        <p:txBody>
-          <a:bodyPr/>
-          <a:lstStyle/>
-          <a:p>
-            <a:r>
-              <a:rPr lang="en-US" sz="4400" b="1" dirty="0">
-                <a:solidFill>
-                  <a:srgbClr val="C00000"/>
-                </a:solidFill>
-              </a:rPr>
-              <a:t>Models Results</a:t>
-            </a:r>
-            <a:endParaRPr lang="en-US" dirty="0"/>
-          </a:p>
-        </p:txBody>
-      </p:sp>
-      <p:sp>
-        <p:nvSpPr>
-          <p:cNvPr id="3" name="Content Placeholder 2">
-            <a:extLst>
-              <a:ext uri="{FF2B5EF4-FFF2-40B4-BE49-F238E27FC236}">
-                <a16:creationId xmlns:a16="http://schemas.microsoft.com/office/drawing/2014/main" id="{A48483C2-5AC8-4834-8E9D-0639C227CF5D}"/>
-              </a:ext>
-            </a:extLst>
-          </p:cNvPr>
-          <p:cNvSpPr>
-            <a:spLocks noGrp="1"/>
-          </p:cNvSpPr>
-          <p:nvPr>
-            <p:ph idx="1"/>
-          </p:nvPr>
-        </p:nvSpPr>
-        <p:spPr/>
-        <p:txBody>
-          <a:bodyPr/>
-          <a:lstStyle/>
-          <a:p>
-            <a:r>
-              <a:rPr lang="en-US" dirty="0">
-                <a:effectLst/>
-              </a:rPr>
-              <a:t>Apps in patterns 2 and 5 with updating release notes tend to have a </a:t>
-            </a:r>
-            <a:r>
-              <a:rPr lang="en-US" dirty="0">
-                <a:solidFill>
-                  <a:srgbClr val="C00000"/>
-                </a:solidFill>
-                <a:effectLst/>
-              </a:rPr>
-              <a:t>lower number of releases</a:t>
-            </a:r>
-            <a:r>
-              <a:rPr lang="en-US" dirty="0">
-                <a:effectLst/>
-              </a:rPr>
-              <a:t>. </a:t>
-            </a:r>
-          </a:p>
-          <a:p>
-            <a:r>
-              <a:rPr lang="en-US" dirty="0">
-                <a:effectLst/>
-              </a:rPr>
-              <a:t>Apps in pattern 6 that have long, rising-updatability release notes tend to have a </a:t>
-            </a:r>
-            <a:r>
-              <a:rPr lang="en-US" dirty="0">
-                <a:solidFill>
-                  <a:srgbClr val="C00000"/>
-                </a:solidFill>
-                <a:effectLst/>
-              </a:rPr>
-              <a:t>higher user response rate</a:t>
-            </a:r>
-            <a:r>
-              <a:rPr lang="en-US" dirty="0">
-                <a:effectLst/>
-              </a:rPr>
-              <a:t> than other apps. </a:t>
-            </a:r>
-          </a:p>
-          <a:p>
-            <a:r>
-              <a:rPr lang="en-US" dirty="0">
-                <a:effectLst/>
-              </a:rPr>
-              <a:t>Apps in pattern 5 that have long and updating release notes have higher </a:t>
-            </a:r>
-            <a:r>
-              <a:rPr lang="en-US" dirty="0">
-                <a:solidFill>
-                  <a:srgbClr val="C00000"/>
-                </a:solidFill>
-                <a:effectLst/>
-              </a:rPr>
-              <a:t>perceived quality releases </a:t>
-            </a:r>
-            <a:r>
-              <a:rPr lang="en-US" dirty="0">
-                <a:effectLst/>
-              </a:rPr>
-              <a:t>compared to other apps.</a:t>
-            </a:r>
-            <a:endParaRPr lang="en-US" dirty="0"/>
-          </a:p>
-        </p:txBody>
-      </p:sp>
-      <p:sp>
-        <p:nvSpPr>
-          <p:cNvPr id="4" name="Slide Number Placeholder 3">
-            <a:extLst>
-              <a:ext uri="{FF2B5EF4-FFF2-40B4-BE49-F238E27FC236}">
-                <a16:creationId xmlns:a16="http://schemas.microsoft.com/office/drawing/2014/main" id="{8D565DAD-AD37-4FCF-A40C-38A31691AA60}"/>
-              </a:ext>
-            </a:extLst>
-          </p:cNvPr>
-          <p:cNvSpPr>
-            <a:spLocks noGrp="1"/>
-          </p:cNvSpPr>
-          <p:nvPr>
-            <p:ph type="sldNum" sz="quarter" idx="12"/>
-          </p:nvPr>
-        </p:nvSpPr>
-        <p:spPr/>
-        <p:txBody>
-          <a:bodyPr/>
-          <a:lstStyle/>
-          <a:p>
-            <a:fld id="{87998442-DCDF-4622-933A-F9895919A1C1}" type="slidenum">
-              <a:rPr lang="en-US" smtClean="0"/>
-              <a:t>12</a:t>
-            </a:fld>
-            <a:endParaRPr lang="en-US"/>
-          </a:p>
-        </p:txBody>
-      </p:sp>
-    </p:spTree>
-    <p:extLst>
-      <p:ext uri="{BB962C8B-B14F-4D97-AF65-F5344CB8AC3E}">
-        <p14:creationId xmlns:p14="http://schemas.microsoft.com/office/powerpoint/2010/main" val="4038372912"/>
-      </p:ext>
-    </p:extLst>
-  </p:cSld>
-  <p:clrMapOvr>
-    <a:masterClrMapping/>
-  </p:clrMapOvr>
-</p:sld>
-</file>
-
 <file path=ppt/slides/slide13.xml><?xml version="1.0" encoding="utf-8"?>
 <p:sld xmlns:a="http://schemas.openxmlformats.org/drawingml/2006/main" xmlns:r="http://schemas.openxmlformats.org/officeDocument/2006/relationships" xmlns:p="http://schemas.openxmlformats.org/presentationml/2006/main">
   <p:cSld>
@@ -6282,7 +6408,7 @@
           <p:cNvPr id="2" name="Title 1">
             <a:extLst>
               <a:ext uri="{FF2B5EF4-FFF2-40B4-BE49-F238E27FC236}">
-                <a16:creationId xmlns:a16="http://schemas.microsoft.com/office/drawing/2014/main" id="{2F0F47D3-2B78-459C-B736-C97C3E722672}"/>
+                <a16:creationId xmlns:a16="http://schemas.microsoft.com/office/drawing/2014/main" id="{ABAAF143-4D21-4114-8178-31D3B8F23B6C}"/>
               </a:ext>
             </a:extLst>
           </p:cNvPr>
@@ -6304,9 +6430,9 @@
                   <a:srgbClr val="C00000"/>
                 </a:solidFill>
               </a:rPr>
-              <a:t>Research Questions</a:t>
-            </a:r>
-            <a:endParaRPr lang="en-US" sz="4400" dirty="0"/>
+              <a:t>Models Results</a:t>
+            </a:r>
+            <a:endParaRPr lang="en-US" dirty="0"/>
           </a:p>
         </p:txBody>
       </p:sp>
@@ -6315,7 +6441,7 @@
           <p:cNvPr id="3" name="Content Placeholder 2">
             <a:extLst>
               <a:ext uri="{FF2B5EF4-FFF2-40B4-BE49-F238E27FC236}">
-                <a16:creationId xmlns:a16="http://schemas.microsoft.com/office/drawing/2014/main" id="{F4E2DDD4-D4AC-4902-9B38-CF4361F7BF6E}"/>
+                <a16:creationId xmlns:a16="http://schemas.microsoft.com/office/drawing/2014/main" id="{A48483C2-5AC8-4834-8E9D-0639C227CF5D}"/>
               </a:ext>
             </a:extLst>
           </p:cNvPr>
@@ -6326,101 +6452,79 @@
             <p:ph idx="1"/>
           </p:nvPr>
         </p:nvSpPr>
-        <p:spPr>
-          <a:xfrm>
-            <a:off x="838200" y="1825625"/>
-            <a:ext cx="11023242" cy="4351338"/>
-          </a:xfrm>
-        </p:spPr>
-        <p:txBody>
-          <a:bodyPr>
-            <a:noAutofit/>
-          </a:bodyPr>
-          <a:lstStyle/>
-          <a:p>
-            <a:r>
-              <a:rPr lang="en-US" sz="3600" dirty="0">
-                <a:solidFill>
-                  <a:schemeClr val="bg2">
-                    <a:lumMod val="75000"/>
-                  </a:schemeClr>
-                </a:solidFill>
+        <p:spPr/>
+        <p:txBody>
+          <a:bodyPr/>
+          <a:lstStyle/>
+          <a:p>
+            <a:r>
+              <a:rPr lang="en-US" dirty="0">
                 <a:effectLst/>
-                <a:latin typeface="Arial" panose="020B0604020202020204" pitchFamily="34" charset="0"/>
               </a:rPr>
-              <a:t>RQ1: What are the release notes update patterns?</a:t>
-            </a:r>
-          </a:p>
-          <a:p>
-            <a:pPr marL="0" indent="0">
-              <a:buNone/>
-            </a:pPr>
-            <a:endParaRPr lang="en-US" sz="3600" dirty="0">
-              <a:solidFill>
-                <a:schemeClr val="bg2">
-                  <a:lumMod val="75000"/>
-                </a:schemeClr>
-              </a:solidFill>
-              <a:effectLst/>
-              <a:latin typeface="Arial" panose="020B0604020202020204" pitchFamily="34" charset="0"/>
-            </a:endParaRPr>
-          </a:p>
-          <a:p>
-            <a:r>
-              <a:rPr lang="en-US" sz="3600" dirty="0">
-                <a:solidFill>
-                  <a:schemeClr val="bg2">
-                    <a:lumMod val="75000"/>
-                  </a:schemeClr>
-                </a:solidFill>
-                <a:effectLst/>
-                <a:latin typeface="Arial" panose="020B0604020202020204" pitchFamily="34" charset="0"/>
-              </a:rPr>
-              <a:t>RQ2: What are the characteristics of the apps that follow a certain release notes pattern?</a:t>
-            </a:r>
-            <a:endParaRPr lang="en-US" sz="3600" dirty="0">
-              <a:solidFill>
-                <a:schemeClr val="bg2">
-                  <a:lumMod val="75000"/>
-                </a:schemeClr>
-              </a:solidFill>
-              <a:latin typeface="Arial" panose="020B0604020202020204" pitchFamily="34" charset="0"/>
-            </a:endParaRPr>
-          </a:p>
-          <a:p>
-            <a:pPr marL="0" indent="0">
-              <a:buNone/>
-            </a:pPr>
-            <a:endParaRPr lang="en-US" sz="3600" dirty="0">
-              <a:latin typeface="Arial" panose="020B0604020202020204" pitchFamily="34" charset="0"/>
-            </a:endParaRPr>
-          </a:p>
-          <a:p>
-            <a:r>
-              <a:rPr lang="en-US" sz="3600" dirty="0">
-                <a:effectLst/>
-                <a:latin typeface="Arial" panose="020B0604020202020204" pitchFamily="34" charset="0"/>
-              </a:rPr>
-              <a:t>RQ3: What causes developers to </a:t>
-            </a:r>
-            <a:r>
-              <a:rPr lang="en-US" sz="3600" dirty="0">
+              <a:t>Apps in patterns 2 and 5 with updating release notes tend to have a </a:t>
+            </a:r>
+            <a:r>
+              <a:rPr lang="en-US" dirty="0">
                 <a:solidFill>
                   <a:srgbClr val="C00000"/>
                 </a:solidFill>
                 <a:effectLst/>
-                <a:latin typeface="Arial" panose="020B0604020202020204" pitchFamily="34" charset="0"/>
               </a:rPr>
-              <a:t>shift </a:t>
-            </a:r>
-            <a:r>
-              <a:rPr lang="en-US" sz="3600" dirty="0">
+              <a:t>lower number of releases</a:t>
+            </a:r>
+            <a:r>
+              <a:rPr lang="en-US" dirty="0">
                 <a:effectLst/>
-                <a:latin typeface="Arial" panose="020B0604020202020204" pitchFamily="34" charset="0"/>
               </a:rPr>
-              <a:t>their release notes pattern?</a:t>
-            </a:r>
-            <a:endParaRPr lang="en-US" sz="3600" dirty="0"/>
+              <a:t>. </a:t>
+            </a:r>
+          </a:p>
+          <a:p>
+            <a:r>
+              <a:rPr lang="en-US" dirty="0">
+                <a:effectLst/>
+              </a:rPr>
+              <a:t>Apps in pattern 6 that have long, rising-updatability release notes tend to have a </a:t>
+            </a:r>
+            <a:r>
+              <a:rPr lang="en-US" dirty="0">
+                <a:solidFill>
+                  <a:srgbClr val="C00000"/>
+                </a:solidFill>
+                <a:effectLst/>
+              </a:rPr>
+              <a:t>higher user response rate</a:t>
+            </a:r>
+            <a:r>
+              <a:rPr lang="en-US" dirty="0">
+                <a:effectLst/>
+              </a:rPr>
+              <a:t> than other apps. </a:t>
+            </a:r>
+          </a:p>
+          <a:p>
+            <a:r>
+              <a:rPr lang="en-US" dirty="0">
+                <a:effectLst/>
+              </a:rPr>
+              <a:t>Apps in pattern 5 that have long and updating release notes have higher </a:t>
+            </a:r>
+            <a:r>
+              <a:rPr lang="en-US" dirty="0">
+                <a:solidFill>
+                  <a:srgbClr val="C00000"/>
+                </a:solidFill>
+                <a:effectLst/>
+              </a:rPr>
+              <a:t>perceived quality releases </a:t>
+            </a:r>
+            <a:r>
+              <a:rPr lang="en-US" dirty="0">
+                <a:effectLst/>
+              </a:rPr>
+              <a:t>compared to other apps.</a:t>
+            </a:r>
+            <a:endParaRPr lang="en-US" dirty="0"/>
           </a:p>
         </p:txBody>
       </p:sp>
@@ -6429,7 +6533,7 @@
           <p:cNvPr id="4" name="Slide Number Placeholder 3">
             <a:extLst>
               <a:ext uri="{FF2B5EF4-FFF2-40B4-BE49-F238E27FC236}">
-                <a16:creationId xmlns:a16="http://schemas.microsoft.com/office/drawing/2014/main" id="{DBC15A87-B8C0-49BE-9E9A-E16E1A251D75}"/>
+                <a16:creationId xmlns:a16="http://schemas.microsoft.com/office/drawing/2014/main" id="{8D565DAD-AD37-4FCF-A40C-38A31691AA60}"/>
               </a:ext>
             </a:extLst>
           </p:cNvPr>
@@ -6456,7 +6560,7 @@
     </p:spTree>
     <p:extLst>
       <p:ext uri="{BB962C8B-B14F-4D97-AF65-F5344CB8AC3E}">
-        <p14:creationId xmlns:p14="http://schemas.microsoft.com/office/powerpoint/2010/main" val="2779581196"/>
+        <p14:creationId xmlns:p14="http://schemas.microsoft.com/office/powerpoint/2010/main" val="4038372912"/>
       </p:ext>
     </p:extLst>
   </p:cSld>
@@ -6488,7 +6592,7 @@
           <p:cNvPr id="2" name="Title 1">
             <a:extLst>
               <a:ext uri="{FF2B5EF4-FFF2-40B4-BE49-F238E27FC236}">
-                <a16:creationId xmlns:a16="http://schemas.microsoft.com/office/drawing/2014/main" id="{E2A0CA41-2769-4B7E-8F81-FE6EC5896481}"/>
+                <a16:creationId xmlns:a16="http://schemas.microsoft.com/office/drawing/2014/main" id="{2F0F47D3-2B78-459C-B736-C97C3E722672}"/>
               </a:ext>
             </a:extLst>
           </p:cNvPr>
@@ -6510,9 +6614,9 @@
                   <a:srgbClr val="C00000"/>
                 </a:solidFill>
               </a:rPr>
-              <a:t>RQ3 Approach</a:t>
-            </a:r>
-            <a:endParaRPr lang="en-US" dirty="0"/>
+              <a:t>Research Questions</a:t>
+            </a:r>
+            <a:endParaRPr lang="en-US" sz="4400" dirty="0"/>
           </a:p>
         </p:txBody>
       </p:sp>
@@ -6521,7 +6625,7 @@
           <p:cNvPr id="3" name="Content Placeholder 2">
             <a:extLst>
               <a:ext uri="{FF2B5EF4-FFF2-40B4-BE49-F238E27FC236}">
-                <a16:creationId xmlns:a16="http://schemas.microsoft.com/office/drawing/2014/main" id="{F53A895F-1E33-4DB0-95A7-92FE61331FE4}"/>
+                <a16:creationId xmlns:a16="http://schemas.microsoft.com/office/drawing/2014/main" id="{F4E2DDD4-D4AC-4902-9B38-CF4361F7BF6E}"/>
               </a:ext>
             </a:extLst>
           </p:cNvPr>
@@ -6532,71 +6636,101 @@
             <p:ph idx="1"/>
           </p:nvPr>
         </p:nvSpPr>
-        <p:spPr/>
-        <p:txBody>
-          <a:bodyPr/>
-          <a:lstStyle/>
+        <p:spPr>
+          <a:xfrm>
+            <a:off x="838200" y="1825625"/>
+            <a:ext cx="11023242" cy="4351338"/>
+          </a:xfrm>
+        </p:spPr>
+        <p:txBody>
+          <a:bodyPr>
+            <a:noAutofit/>
+          </a:bodyPr>
+          <a:lstStyle/>
+          <a:p>
+            <a:r>
+              <a:rPr lang="en-US" sz="3600" dirty="0">
+                <a:solidFill>
+                  <a:schemeClr val="bg2">
+                    <a:lumMod val="75000"/>
+                  </a:schemeClr>
+                </a:solidFill>
+                <a:effectLst/>
+                <a:latin typeface="Arial" panose="020B0604020202020204" pitchFamily="34" charset="0"/>
+              </a:rPr>
+              <a:t>RQ1: What are the release notes update patterns?</a:t>
+            </a:r>
+          </a:p>
           <a:p>
             <a:pPr marL="0" indent="0">
               <a:buNone/>
             </a:pPr>
-            <a:r>
-              <a:rPr lang="en-US" dirty="0">
+            <a:endParaRPr lang="en-US" sz="3600" dirty="0">
+              <a:solidFill>
+                <a:schemeClr val="bg2">
+                  <a:lumMod val="75000"/>
+                </a:schemeClr>
+              </a:solidFill>
+              <a:effectLst/>
+              <a:latin typeface="Arial" panose="020B0604020202020204" pitchFamily="34" charset="0"/>
+            </a:endParaRPr>
+          </a:p>
+          <a:p>
+            <a:r>
+              <a:rPr lang="en-US" sz="3600" dirty="0">
+                <a:solidFill>
+                  <a:schemeClr val="bg2">
+                    <a:lumMod val="75000"/>
+                  </a:schemeClr>
+                </a:solidFill>
                 <a:effectLst/>
+                <a:latin typeface="Arial" panose="020B0604020202020204" pitchFamily="34" charset="0"/>
               </a:rPr>
-              <a:t>For all the studied apps, we treat each of the clustering metrics</a:t>
-            </a:r>
-            <a:br>
-              <a:rPr lang="en-US" dirty="0"/>
-            </a:br>
-            <a:r>
-              <a:rPr lang="en-US" dirty="0">
+              <a:t>RQ2: What are the characteristics of the apps that follow a certain release notes pattern?</a:t>
+            </a:r>
+            <a:endParaRPr lang="en-US" sz="3600" dirty="0">
+              <a:solidFill>
+                <a:schemeClr val="bg2">
+                  <a:lumMod val="75000"/>
+                </a:schemeClr>
+              </a:solidFill>
+              <a:latin typeface="Arial" panose="020B0604020202020204" pitchFamily="34" charset="0"/>
+            </a:endParaRPr>
+          </a:p>
+          <a:p>
+            <a:pPr marL="0" indent="0">
+              <a:buNone/>
+            </a:pPr>
+            <a:endParaRPr lang="en-US" sz="3600" dirty="0">
+              <a:latin typeface="Arial" panose="020B0604020202020204" pitchFamily="34" charset="0"/>
+            </a:endParaRPr>
+          </a:p>
+          <a:p>
+            <a:r>
+              <a:rPr lang="en-US" sz="3600" dirty="0">
                 <a:effectLst/>
+                <a:latin typeface="Arial" panose="020B0604020202020204" pitchFamily="34" charset="0"/>
               </a:rPr>
-              <a:t>(e.g., length and updatability) as a </a:t>
-            </a:r>
-            <a:r>
-              <a:rPr lang="en-US" dirty="0">
+              <a:t>RQ3: What causes developers to </a:t>
+            </a:r>
+            <a:r>
+              <a:rPr lang="en-US" sz="3600" dirty="0">
                 <a:solidFill>
                   <a:srgbClr val="C00000"/>
                 </a:solidFill>
                 <a:effectLst/>
+                <a:latin typeface="Arial" panose="020B0604020202020204" pitchFamily="34" charset="0"/>
               </a:rPr>
-              <a:t>time series</a:t>
-            </a:r>
-          </a:p>
-          <a:p>
-            <a:pPr marL="0" indent="0">
-              <a:buNone/>
-            </a:pPr>
-            <a:endParaRPr lang="en-US" dirty="0"/>
-          </a:p>
-          <a:p>
-            <a:pPr marL="0" indent="0">
-              <a:buNone/>
-            </a:pPr>
-            <a:r>
-              <a:rPr lang="en-US" dirty="0">
+              <a:t>shift </a:t>
+            </a:r>
+            <a:r>
+              <a:rPr lang="en-US" sz="3600" dirty="0">
                 <a:effectLst/>
+                <a:latin typeface="Arial" panose="020B0604020202020204" pitchFamily="34" charset="0"/>
               </a:rPr>
-              <a:t>We use the mean and variance of each time series to determine </a:t>
-            </a:r>
-            <a:r>
-              <a:rPr lang="en-US" dirty="0">
-                <a:solidFill>
-                  <a:srgbClr val="C00000"/>
-                </a:solidFill>
-                <a:effectLst/>
-              </a:rPr>
-              <a:t>stationarity</a:t>
-            </a:r>
-            <a:r>
-              <a:rPr lang="en-US" dirty="0">
-                <a:effectLst/>
-              </a:rPr>
-              <a:t>. </a:t>
-            </a:r>
-            <a:endParaRPr lang="en-US" dirty="0"/>
+              <a:t>their release notes pattern?</a:t>
+            </a:r>
+            <a:endParaRPr lang="en-US" sz="3600" dirty="0"/>
           </a:p>
         </p:txBody>
       </p:sp>
@@ -6605,7 +6739,7 @@
           <p:cNvPr id="4" name="Slide Number Placeholder 3">
             <a:extLst>
               <a:ext uri="{FF2B5EF4-FFF2-40B4-BE49-F238E27FC236}">
-                <a16:creationId xmlns:a16="http://schemas.microsoft.com/office/drawing/2014/main" id="{B5BA8610-99B4-4C6C-8758-76224F860B1A}"/>
+                <a16:creationId xmlns:a16="http://schemas.microsoft.com/office/drawing/2014/main" id="{DBC15A87-B8C0-49BE-9E9A-E16E1A251D75}"/>
               </a:ext>
             </a:extLst>
           </p:cNvPr>
@@ -6632,7 +6766,7 @@
     </p:spTree>
     <p:extLst>
       <p:ext uri="{BB962C8B-B14F-4D97-AF65-F5344CB8AC3E}">
-        <p14:creationId xmlns:p14="http://schemas.microsoft.com/office/powerpoint/2010/main" val="3855831"/>
+        <p14:creationId xmlns:p14="http://schemas.microsoft.com/office/powerpoint/2010/main" val="2779581196"/>
       </p:ext>
     </p:extLst>
   </p:cSld>
@@ -6664,7 +6798,7 @@
           <p:cNvPr id="2" name="Title 1">
             <a:extLst>
               <a:ext uri="{FF2B5EF4-FFF2-40B4-BE49-F238E27FC236}">
-                <a16:creationId xmlns:a16="http://schemas.microsoft.com/office/drawing/2014/main" id="{5D90C1D7-C79C-4848-AD21-8E880C8121E0}"/>
+                <a16:creationId xmlns:a16="http://schemas.microsoft.com/office/drawing/2014/main" id="{E2A0CA41-2769-4B7E-8F81-FE6EC5896481}"/>
               </a:ext>
             </a:extLst>
           </p:cNvPr>
@@ -6686,51 +6820,102 @@
                   <a:srgbClr val="C00000"/>
                 </a:solidFill>
               </a:rPr>
-              <a:t>Summary of Shifts</a:t>
-            </a:r>
-            <a:endParaRPr lang="en-US" dirty="0">
-              <a:solidFill>
-                <a:srgbClr val="C00000"/>
-              </a:solidFill>
-            </a:endParaRPr>
-          </a:p>
-        </p:txBody>
-      </p:sp>
-      <p:pic>
-        <p:nvPicPr>
-          <p:cNvPr id="6" name="Content Placeholder 5">
-            <a:extLst>
-              <a:ext uri="{FF2B5EF4-FFF2-40B4-BE49-F238E27FC236}">
-                <a16:creationId xmlns:a16="http://schemas.microsoft.com/office/drawing/2014/main" id="{E3BE971B-9E75-4373-810B-0B0476A09DEF}"/>
-              </a:ext>
-            </a:extLst>
-          </p:cNvPr>
-          <p:cNvPicPr>
-            <a:picLocks noGrp="1" noChangeAspect="1"/>
-          </p:cNvPicPr>
+              <a:t>RQ3 Approach</a:t>
+            </a:r>
+            <a:endParaRPr lang="en-US" dirty="0"/>
+          </a:p>
+        </p:txBody>
+      </p:sp>
+      <p:sp>
+        <p:nvSpPr>
+          <p:cNvPr id="3" name="Content Placeholder 2">
+            <a:extLst>
+              <a:ext uri="{FF2B5EF4-FFF2-40B4-BE49-F238E27FC236}">
+                <a16:creationId xmlns:a16="http://schemas.microsoft.com/office/drawing/2014/main" id="{F53A895F-1E33-4DB0-95A7-92FE61331FE4}"/>
+              </a:ext>
+            </a:extLst>
+          </p:cNvPr>
+          <p:cNvSpPr>
+            <a:spLocks noGrp="1"/>
+          </p:cNvSpPr>
           <p:nvPr>
             <p:ph idx="1"/>
           </p:nvPr>
-        </p:nvPicPr>
-        <p:blipFill>
-          <a:blip r:embed="rId3"/>
-          <a:stretch>
-            <a:fillRect/>
-          </a:stretch>
-        </p:blipFill>
-        <p:spPr>
-          <a:xfrm>
-            <a:off x="6652114" y="1253331"/>
-            <a:ext cx="4077955" cy="4351338"/>
-          </a:xfrm>
-        </p:spPr>
-      </p:pic>
+        </p:nvSpPr>
+        <p:spPr/>
+        <p:txBody>
+          <a:bodyPr/>
+          <a:lstStyle/>
+          <a:p>
+            <a:pPr marL="0" indent="0">
+              <a:buNone/>
+            </a:pPr>
+            <a:r>
+              <a:rPr lang="en-US" dirty="0">
+                <a:effectLst/>
+              </a:rPr>
+              <a:t>For all the studied apps, we treat each of the clustering metrics</a:t>
+            </a:r>
+            <a:br>
+              <a:rPr lang="en-US" dirty="0"/>
+            </a:br>
+            <a:r>
+              <a:rPr lang="en-US" dirty="0">
+                <a:effectLst/>
+              </a:rPr>
+              <a:t>(e.g., length and updatability) as a </a:t>
+            </a:r>
+            <a:r>
+              <a:rPr lang="en-US" dirty="0">
+                <a:solidFill>
+                  <a:srgbClr val="C00000"/>
+                </a:solidFill>
+                <a:effectLst/>
+              </a:rPr>
+              <a:t>time series</a:t>
+            </a:r>
+          </a:p>
+          <a:p>
+            <a:pPr marL="0" indent="0">
+              <a:buNone/>
+            </a:pPr>
+            <a:endParaRPr lang="en-US" dirty="0"/>
+          </a:p>
+          <a:p>
+            <a:pPr marL="0" indent="0">
+              <a:buNone/>
+            </a:pPr>
+            <a:r>
+              <a:rPr lang="en-US" dirty="0">
+                <a:effectLst/>
+              </a:rPr>
+              <a:t>We use the mean and variance of each time series to determine </a:t>
+            </a:r>
+            <a:r>
+              <a:rPr lang="en-US" dirty="0">
+                <a:solidFill>
+                  <a:srgbClr val="C00000"/>
+                </a:solidFill>
+                <a:effectLst/>
+              </a:rPr>
+              <a:t>stationarity</a:t>
+            </a:r>
+            <a:r>
+              <a:rPr lang="en-US" dirty="0">
+                <a:effectLst/>
+              </a:rPr>
+              <a:t>. </a:t>
+            </a:r>
+            <a:endParaRPr lang="en-US" dirty="0"/>
+          </a:p>
+        </p:txBody>
+      </p:sp>
       <p:sp>
         <p:nvSpPr>
           <p:cNvPr id="4" name="Slide Number Placeholder 3">
             <a:extLst>
               <a:ext uri="{FF2B5EF4-FFF2-40B4-BE49-F238E27FC236}">
-                <a16:creationId xmlns:a16="http://schemas.microsoft.com/office/drawing/2014/main" id="{2DA8941E-8626-47D9-8143-0F3720B0B4A6}"/>
+                <a16:creationId xmlns:a16="http://schemas.microsoft.com/office/drawing/2014/main" id="{B5BA8610-99B4-4C6C-8758-76224F860B1A}"/>
               </a:ext>
             </a:extLst>
           </p:cNvPr>
@@ -6754,97 +6939,10 @@
           </a:p>
         </p:txBody>
       </p:sp>
-      <p:sp>
-        <p:nvSpPr>
-          <p:cNvPr id="8" name="TextBox 7">
-            <a:extLst>
-              <a:ext uri="{FF2B5EF4-FFF2-40B4-BE49-F238E27FC236}">
-                <a16:creationId xmlns:a16="http://schemas.microsoft.com/office/drawing/2014/main" id="{4982D9B5-3EF7-411A-845C-4A9669426492}"/>
-              </a:ext>
-            </a:extLst>
-          </p:cNvPr>
-          <p:cNvSpPr txBox="1"/>
-          <p:nvPr/>
-        </p:nvSpPr>
-        <p:spPr>
-          <a:xfrm>
-            <a:off x="1187003" y="2450603"/>
-            <a:ext cx="4077955" cy="2585323"/>
-          </a:xfrm>
-          <a:prstGeom prst="rect">
-            <a:avLst/>
-          </a:prstGeom>
-          <a:noFill/>
-        </p:spPr>
-        <p:txBody>
-          <a:bodyPr wrap="square">
-            <a:spAutoFit/>
-          </a:bodyPr>
-          <a:lstStyle/>
-          <a:p>
-            <a:r>
-              <a:rPr lang="en-US" dirty="0">
-                <a:effectLst/>
-                <a:latin typeface="Calibri" panose="020F0502020204030204" pitchFamily="34" charset="0"/>
-                <a:cs typeface="Calibri" panose="020F0502020204030204" pitchFamily="34" charset="0"/>
-              </a:rPr>
-              <a:t>92% of the studied apps shift either from short to long release</a:t>
-            </a:r>
-            <a:br>
-              <a:rPr lang="en-US" dirty="0">
-                <a:latin typeface="Calibri" panose="020F0502020204030204" pitchFamily="34" charset="0"/>
-                <a:cs typeface="Calibri" panose="020F0502020204030204" pitchFamily="34" charset="0"/>
-              </a:rPr>
-            </a:br>
-            <a:r>
-              <a:rPr lang="en-US" dirty="0">
-                <a:effectLst/>
-                <a:latin typeface="Calibri" panose="020F0502020204030204" pitchFamily="34" charset="0"/>
-                <a:cs typeface="Calibri" panose="020F0502020204030204" pitchFamily="34" charset="0"/>
-              </a:rPr>
-              <a:t>notes or from rarely updated to frequently updated release notes.</a:t>
-            </a:r>
-          </a:p>
-          <a:p>
-            <a:endParaRPr lang="en-US" dirty="0">
-              <a:latin typeface="Calibri" panose="020F0502020204030204" pitchFamily="34" charset="0"/>
-              <a:cs typeface="Calibri" panose="020F0502020204030204" pitchFamily="34" charset="0"/>
-            </a:endParaRPr>
-          </a:p>
-          <a:p>
-            <a:r>
-              <a:rPr lang="en-US" dirty="0">
-                <a:effectLst/>
-                <a:latin typeface="Calibri" panose="020F0502020204030204" pitchFamily="34" charset="0"/>
-                <a:cs typeface="Calibri" panose="020F0502020204030204" pitchFamily="34" charset="0"/>
-              </a:rPr>
-              <a:t>Developers shift their release notes patterns to provide detailed</a:t>
-            </a:r>
-            <a:br>
-              <a:rPr lang="en-US" dirty="0">
-                <a:latin typeface="Calibri" panose="020F0502020204030204" pitchFamily="34" charset="0"/>
-                <a:cs typeface="Calibri" panose="020F0502020204030204" pitchFamily="34" charset="0"/>
-              </a:rPr>
-            </a:br>
-            <a:r>
-              <a:rPr lang="en-US" dirty="0">
-                <a:effectLst/>
-                <a:latin typeface="Calibri" panose="020F0502020204030204" pitchFamily="34" charset="0"/>
-                <a:cs typeface="Calibri" panose="020F0502020204030204" pitchFamily="34" charset="0"/>
-              </a:rPr>
-              <a:t>guidance to their users and spot the importance of the new release.</a:t>
-            </a:r>
-            <a:endParaRPr lang="en-US" dirty="0">
-              <a:latin typeface="Calibri" panose="020F0502020204030204" pitchFamily="34" charset="0"/>
-              <a:cs typeface="Calibri" panose="020F0502020204030204" pitchFamily="34" charset="0"/>
-            </a:endParaRPr>
-          </a:p>
-        </p:txBody>
-      </p:sp>
     </p:spTree>
     <p:extLst>
       <p:ext uri="{BB962C8B-B14F-4D97-AF65-F5344CB8AC3E}">
-        <p14:creationId xmlns:p14="http://schemas.microsoft.com/office/powerpoint/2010/main" val="2203080370"/>
+        <p14:creationId xmlns:p14="http://schemas.microsoft.com/office/powerpoint/2010/main" val="3855831"/>
       </p:ext>
     </p:extLst>
   </p:cSld>
@@ -6876,7 +6974,7 @@
           <p:cNvPr id="2" name="Title 1">
             <a:extLst>
               <a:ext uri="{FF2B5EF4-FFF2-40B4-BE49-F238E27FC236}">
-                <a16:creationId xmlns:a16="http://schemas.microsoft.com/office/drawing/2014/main" id="{D2810FA6-1A49-49C2-9147-2A63B3AE58A1}"/>
+                <a16:creationId xmlns:a16="http://schemas.microsoft.com/office/drawing/2014/main" id="{5D90C1D7-C79C-4848-AD21-8E880C8121E0}"/>
               </a:ext>
             </a:extLst>
           </p:cNvPr>
@@ -6898,9 +6996,13 @@
                   <a:srgbClr val="C00000"/>
                 </a:solidFill>
               </a:rPr>
-              <a:t>Reasons for Shifts</a:t>
-            </a:r>
-            <a:endParaRPr lang="en-US" dirty="0"/>
+              <a:t>Summary of Shifts</a:t>
+            </a:r>
+            <a:endParaRPr lang="en-US" dirty="0">
+              <a:solidFill>
+                <a:srgbClr val="C00000"/>
+              </a:solidFill>
+            </a:endParaRPr>
           </a:p>
         </p:txBody>
       </p:sp>
@@ -6909,7 +7011,7 @@
           <p:cNvPr id="6" name="Content Placeholder 5">
             <a:extLst>
               <a:ext uri="{FF2B5EF4-FFF2-40B4-BE49-F238E27FC236}">
-                <a16:creationId xmlns:a16="http://schemas.microsoft.com/office/drawing/2014/main" id="{BA454A6E-AA63-44A9-8935-9C238C01A703}"/>
+                <a16:creationId xmlns:a16="http://schemas.microsoft.com/office/drawing/2014/main" id="{E3BE971B-9E75-4373-810B-0B0476A09DEF}"/>
               </a:ext>
             </a:extLst>
           </p:cNvPr>
@@ -6928,8 +7030,8 @@
         </p:blipFill>
         <p:spPr>
           <a:xfrm>
-            <a:off x="2496810" y="1770846"/>
-            <a:ext cx="6253554" cy="2803738"/>
+            <a:off x="6652114" y="1253331"/>
+            <a:ext cx="4077955" cy="4351338"/>
           </a:xfrm>
         </p:spPr>
       </p:pic>
@@ -6938,7 +7040,7 @@
           <p:cNvPr id="4" name="Slide Number Placeholder 3">
             <a:extLst>
               <a:ext uri="{FF2B5EF4-FFF2-40B4-BE49-F238E27FC236}">
-                <a16:creationId xmlns:a16="http://schemas.microsoft.com/office/drawing/2014/main" id="{526D01A5-C091-49DD-A51D-567A97EB3A90}"/>
+                <a16:creationId xmlns:a16="http://schemas.microsoft.com/office/drawing/2014/main" id="{2DA8941E-8626-47D9-8143-0F3720B0B4A6}"/>
               </a:ext>
             </a:extLst>
           </p:cNvPr>
@@ -6967,7 +7069,7 @@
           <p:cNvPr id="8" name="TextBox 7">
             <a:extLst>
               <a:ext uri="{FF2B5EF4-FFF2-40B4-BE49-F238E27FC236}">
-                <a16:creationId xmlns:a16="http://schemas.microsoft.com/office/drawing/2014/main" id="{05CBF7F3-2FA1-43C0-A8FD-AC9AC82FA825}"/>
+                <a16:creationId xmlns:a16="http://schemas.microsoft.com/office/drawing/2014/main" id="{4982D9B5-3EF7-411A-845C-4A9669426492}"/>
               </a:ext>
             </a:extLst>
           </p:cNvPr>
@@ -6976,8 +7078,8 @@
         </p:nvSpPr>
         <p:spPr>
           <a:xfrm>
-            <a:off x="1522597" y="4986775"/>
-            <a:ext cx="9476704" cy="646331"/>
+            <a:off x="1187003" y="2450603"/>
+            <a:ext cx="4077955" cy="2585323"/>
           </a:xfrm>
           <a:prstGeom prst="rect">
             <a:avLst/>
@@ -6996,7 +7098,7 @@
                 <a:latin typeface="Calibri" panose="020F0502020204030204" pitchFamily="34" charset="0"/>
                 <a:cs typeface="Calibri" panose="020F0502020204030204" pitchFamily="34" charset="0"/>
               </a:rPr>
-              <a:t>Of the apps that shift from pattern 1 (short non-updating) to</a:t>
+              <a:t>92% of the studied apps shift either from short to long release</a:t>
             </a:r>
             <a:br>
               <a:rPr lang="en-US" dirty="0">
@@ -7010,26 +7112,37 @@
                 <a:latin typeface="Calibri" panose="020F0502020204030204" pitchFamily="34" charset="0"/>
                 <a:cs typeface="Calibri" panose="020F0502020204030204" pitchFamily="34" charset="0"/>
               </a:rPr>
-              <a:t>pattern 5 (long updating), </a:t>
-            </a:r>
-            <a:r>
-              <a:rPr lang="en-US" dirty="0">
-                <a:solidFill>
-                  <a:srgbClr val="C00000"/>
-                </a:solidFill>
-                <a:effectLst/>
-                <a:latin typeface="Calibri" panose="020F0502020204030204" pitchFamily="34" charset="0"/>
-                <a:cs typeface="Calibri" panose="020F0502020204030204" pitchFamily="34" charset="0"/>
-              </a:rPr>
-              <a:t>94% </a:t>
-            </a:r>
+              <a:t>notes or from rarely updated to frequently updated release notes.</a:t>
+            </a:r>
+          </a:p>
+          <a:p>
+            <a:endParaRPr lang="en-US" dirty="0">
+              <a:latin typeface="Calibri" panose="020F0502020204030204" pitchFamily="34" charset="0"/>
+              <a:cs typeface="Calibri" panose="020F0502020204030204" pitchFamily="34" charset="0"/>
+            </a:endParaRPr>
+          </a:p>
+          <a:p>
             <a:r>
               <a:rPr lang="en-US" dirty="0">
                 <a:effectLst/>
                 <a:latin typeface="Calibri" panose="020F0502020204030204" pitchFamily="34" charset="0"/>
                 <a:cs typeface="Calibri" panose="020F0502020204030204" pitchFamily="34" charset="0"/>
               </a:rPr>
-              <a:t>show a higher average rating after the shift. </a:t>
+              <a:t>Developers shift their release notes patterns to provide detailed</a:t>
+            </a:r>
+            <a:br>
+              <a:rPr lang="en-US" dirty="0">
+                <a:latin typeface="Calibri" panose="020F0502020204030204" pitchFamily="34" charset="0"/>
+                <a:cs typeface="Calibri" panose="020F0502020204030204" pitchFamily="34" charset="0"/>
+              </a:rPr>
+            </a:br>
+            <a:r>
+              <a:rPr lang="en-US" dirty="0">
+                <a:effectLst/>
+                <a:latin typeface="Calibri" panose="020F0502020204030204" pitchFamily="34" charset="0"/>
+                <a:cs typeface="Calibri" panose="020F0502020204030204" pitchFamily="34" charset="0"/>
+              </a:rPr>
+              <a:t>guidance to their users and spot the importance of the new release.</a:t>
             </a:r>
             <a:endParaRPr lang="en-US" dirty="0">
               <a:latin typeface="Calibri" panose="020F0502020204030204" pitchFamily="34" charset="0"/>
@@ -7041,7 +7154,7 @@
     </p:spTree>
     <p:extLst>
       <p:ext uri="{BB962C8B-B14F-4D97-AF65-F5344CB8AC3E}">
-        <p14:creationId xmlns:p14="http://schemas.microsoft.com/office/powerpoint/2010/main" val="190162570"/>
+        <p14:creationId xmlns:p14="http://schemas.microsoft.com/office/powerpoint/2010/main" val="2203080370"/>
       </p:ext>
     </p:extLst>
   </p:cSld>
@@ -7070,6 +7183,203 @@
       </p:grpSpPr>
       <p:sp>
         <p:nvSpPr>
+          <p:cNvPr id="2" name="Title 1">
+            <a:extLst>
+              <a:ext uri="{FF2B5EF4-FFF2-40B4-BE49-F238E27FC236}">
+                <a16:creationId xmlns:a16="http://schemas.microsoft.com/office/drawing/2014/main" id="{D2810FA6-1A49-49C2-9147-2A63B3AE58A1}"/>
+              </a:ext>
+            </a:extLst>
+          </p:cNvPr>
+          <p:cNvSpPr>
+            <a:spLocks noGrp="1"/>
+          </p:cNvSpPr>
+          <p:nvPr>
+            <p:ph type="title"/>
+          </p:nvPr>
+        </p:nvSpPr>
+        <p:spPr/>
+        <p:txBody>
+          <a:bodyPr/>
+          <a:lstStyle/>
+          <a:p>
+            <a:r>
+              <a:rPr lang="en-US" sz="4400" b="1" dirty="0">
+                <a:solidFill>
+                  <a:srgbClr val="C00000"/>
+                </a:solidFill>
+              </a:rPr>
+              <a:t>Reasons for Shifts</a:t>
+            </a:r>
+            <a:endParaRPr lang="en-US" dirty="0"/>
+          </a:p>
+        </p:txBody>
+      </p:sp>
+      <p:pic>
+        <p:nvPicPr>
+          <p:cNvPr id="6" name="Content Placeholder 5">
+            <a:extLst>
+              <a:ext uri="{FF2B5EF4-FFF2-40B4-BE49-F238E27FC236}">
+                <a16:creationId xmlns:a16="http://schemas.microsoft.com/office/drawing/2014/main" id="{BA454A6E-AA63-44A9-8935-9C238C01A703}"/>
+              </a:ext>
+            </a:extLst>
+          </p:cNvPr>
+          <p:cNvPicPr>
+            <a:picLocks noGrp="1" noChangeAspect="1"/>
+          </p:cNvPicPr>
+          <p:nvPr>
+            <p:ph idx="1"/>
+          </p:nvPr>
+        </p:nvPicPr>
+        <p:blipFill>
+          <a:blip r:embed="rId3"/>
+          <a:stretch>
+            <a:fillRect/>
+          </a:stretch>
+        </p:blipFill>
+        <p:spPr>
+          <a:xfrm>
+            <a:off x="2496810" y="1770846"/>
+            <a:ext cx="6253554" cy="2803738"/>
+          </a:xfrm>
+        </p:spPr>
+      </p:pic>
+      <p:sp>
+        <p:nvSpPr>
+          <p:cNvPr id="4" name="Slide Number Placeholder 3">
+            <a:extLst>
+              <a:ext uri="{FF2B5EF4-FFF2-40B4-BE49-F238E27FC236}">
+                <a16:creationId xmlns:a16="http://schemas.microsoft.com/office/drawing/2014/main" id="{526D01A5-C091-49DD-A51D-567A97EB3A90}"/>
+              </a:ext>
+            </a:extLst>
+          </p:cNvPr>
+          <p:cNvSpPr>
+            <a:spLocks noGrp="1"/>
+          </p:cNvSpPr>
+          <p:nvPr>
+            <p:ph type="sldNum" sz="quarter" idx="12"/>
+          </p:nvPr>
+        </p:nvSpPr>
+        <p:spPr/>
+        <p:txBody>
+          <a:bodyPr/>
+          <a:lstStyle/>
+          <a:p>
+            <a:fld id="{87998442-DCDF-4622-933A-F9895919A1C1}" type="slidenum">
+              <a:rPr lang="en-US" smtClean="0"/>
+              <a:t>17</a:t>
+            </a:fld>
+            <a:endParaRPr lang="en-US"/>
+          </a:p>
+        </p:txBody>
+      </p:sp>
+      <p:sp>
+        <p:nvSpPr>
+          <p:cNvPr id="8" name="TextBox 7">
+            <a:extLst>
+              <a:ext uri="{FF2B5EF4-FFF2-40B4-BE49-F238E27FC236}">
+                <a16:creationId xmlns:a16="http://schemas.microsoft.com/office/drawing/2014/main" id="{05CBF7F3-2FA1-43C0-A8FD-AC9AC82FA825}"/>
+              </a:ext>
+            </a:extLst>
+          </p:cNvPr>
+          <p:cNvSpPr txBox="1"/>
+          <p:nvPr/>
+        </p:nvSpPr>
+        <p:spPr>
+          <a:xfrm>
+            <a:off x="1522597" y="4986775"/>
+            <a:ext cx="9476704" cy="646331"/>
+          </a:xfrm>
+          <a:prstGeom prst="rect">
+            <a:avLst/>
+          </a:prstGeom>
+          <a:noFill/>
+        </p:spPr>
+        <p:txBody>
+          <a:bodyPr wrap="square">
+            <a:spAutoFit/>
+          </a:bodyPr>
+          <a:lstStyle/>
+          <a:p>
+            <a:r>
+              <a:rPr lang="en-US" dirty="0">
+                <a:effectLst/>
+                <a:latin typeface="Calibri" panose="020F0502020204030204" pitchFamily="34" charset="0"/>
+                <a:cs typeface="Calibri" panose="020F0502020204030204" pitchFamily="34" charset="0"/>
+              </a:rPr>
+              <a:t>Of the apps that shift from pattern 1 (short non-updating) to</a:t>
+            </a:r>
+            <a:br>
+              <a:rPr lang="en-US" dirty="0">
+                <a:latin typeface="Calibri" panose="020F0502020204030204" pitchFamily="34" charset="0"/>
+                <a:cs typeface="Calibri" panose="020F0502020204030204" pitchFamily="34" charset="0"/>
+              </a:rPr>
+            </a:br>
+            <a:r>
+              <a:rPr lang="en-US" dirty="0">
+                <a:effectLst/>
+                <a:latin typeface="Calibri" panose="020F0502020204030204" pitchFamily="34" charset="0"/>
+                <a:cs typeface="Calibri" panose="020F0502020204030204" pitchFamily="34" charset="0"/>
+              </a:rPr>
+              <a:t>pattern 5 (long updating), </a:t>
+            </a:r>
+            <a:r>
+              <a:rPr lang="en-US" dirty="0">
+                <a:solidFill>
+                  <a:srgbClr val="C00000"/>
+                </a:solidFill>
+                <a:effectLst/>
+                <a:latin typeface="Calibri" panose="020F0502020204030204" pitchFamily="34" charset="0"/>
+                <a:cs typeface="Calibri" panose="020F0502020204030204" pitchFamily="34" charset="0"/>
+              </a:rPr>
+              <a:t>94% </a:t>
+            </a:r>
+            <a:r>
+              <a:rPr lang="en-US" dirty="0">
+                <a:effectLst/>
+                <a:latin typeface="Calibri" panose="020F0502020204030204" pitchFamily="34" charset="0"/>
+                <a:cs typeface="Calibri" panose="020F0502020204030204" pitchFamily="34" charset="0"/>
+              </a:rPr>
+              <a:t>show a higher average rating after the shift. </a:t>
+            </a:r>
+            <a:endParaRPr lang="en-US" dirty="0">
+              <a:latin typeface="Calibri" panose="020F0502020204030204" pitchFamily="34" charset="0"/>
+              <a:cs typeface="Calibri" panose="020F0502020204030204" pitchFamily="34" charset="0"/>
+            </a:endParaRPr>
+          </a:p>
+        </p:txBody>
+      </p:sp>
+    </p:spTree>
+    <p:extLst>
+      <p:ext uri="{BB962C8B-B14F-4D97-AF65-F5344CB8AC3E}">
+        <p14:creationId xmlns:p14="http://schemas.microsoft.com/office/powerpoint/2010/main" val="190162570"/>
+      </p:ext>
+    </p:extLst>
+  </p:cSld>
+  <p:clrMapOvr>
+    <a:masterClrMapping/>
+  </p:clrMapOvr>
+</p:sld>
+</file>
+
+<file path=ppt/slides/slide18.xml><?xml version="1.0" encoding="utf-8"?>
+<p:sld xmlns:a="http://schemas.openxmlformats.org/drawingml/2006/main" xmlns:r="http://schemas.openxmlformats.org/officeDocument/2006/relationships" xmlns:p="http://schemas.openxmlformats.org/presentationml/2006/main">
+  <p:cSld>
+    <p:spTree>
+      <p:nvGrpSpPr>
+        <p:cNvPr id="1" name=""/>
+        <p:cNvGrpSpPr/>
+        <p:nvPr/>
+      </p:nvGrpSpPr>
+      <p:grpSpPr>
+        <a:xfrm>
+          <a:off x="0" y="0"/>
+          <a:ext cx="0" cy="0"/>
+          <a:chOff x="0" y="0"/>
+          <a:chExt cx="0" cy="0"/>
+        </a:xfrm>
+      </p:grpSpPr>
+      <p:sp>
+        <p:nvSpPr>
           <p:cNvPr id="3" name="Content Placeholder 2">
             <a:extLst>
               <a:ext uri="{FF2B5EF4-FFF2-40B4-BE49-F238E27FC236}">
@@ -7163,7 +7473,7 @@
           <a:p>
             <a:fld id="{87998442-DCDF-4622-933A-F9895919A1C1}" type="slidenum">
               <a:rPr lang="en-US" smtClean="0"/>
-              <a:t>17</a:t>
+              <a:t>18</a:t>
             </a:fld>
             <a:endParaRPr lang="en-US"/>
           </a:p>
@@ -7293,7 +7603,7 @@
                   <a:srgbClr val="C00000"/>
                 </a:solidFill>
               </a:rPr>
-              <a:t>Motivation</a:t>
+              <a:t>Release Notes are Imperfect</a:t>
             </a:r>
             <a:endParaRPr lang="en-US" sz="4000" dirty="0"/>
           </a:p>
@@ -7325,76 +7635,6 @@
               <a:t>2</a:t>
             </a:fld>
             <a:endParaRPr lang="en-US"/>
-          </a:p>
-        </p:txBody>
-      </p:sp>
-      <p:sp>
-        <p:nvSpPr>
-          <p:cNvPr id="7" name="TextBox 6">
-            <a:extLst>
-              <a:ext uri="{FF2B5EF4-FFF2-40B4-BE49-F238E27FC236}">
-                <a16:creationId xmlns:a16="http://schemas.microsoft.com/office/drawing/2014/main" id="{3C5FA58B-0D8B-4567-BC55-8F256AC56D32}"/>
-              </a:ext>
-            </a:extLst>
-          </p:cNvPr>
-          <p:cNvSpPr txBox="1"/>
-          <p:nvPr/>
-        </p:nvSpPr>
-        <p:spPr>
-          <a:xfrm>
-            <a:off x="1614515" y="5108629"/>
-            <a:ext cx="9018043" cy="1631216"/>
-          </a:xfrm>
-          <a:prstGeom prst="rect">
-            <a:avLst/>
-          </a:prstGeom>
-          <a:noFill/>
-        </p:spPr>
-        <p:txBody>
-          <a:bodyPr wrap="square">
-            <a:spAutoFit/>
-          </a:bodyPr>
-          <a:lstStyle/>
-          <a:p>
-            <a:pPr marL="342900" indent="-342900" algn="l">
-              <a:buAutoNum type="arabicPeriod"/>
-            </a:pPr>
-            <a:r>
-              <a:rPr lang="en-US" sz="2000" dirty="0">
-                <a:latin typeface="Calibri" panose="020F0502020204030204" pitchFamily="34" charset="0"/>
-                <a:cs typeface="Calibri" panose="020F0502020204030204" pitchFamily="34" charset="0"/>
-              </a:rPr>
-              <a:t>When you publish release notes instead of saying the blanket bug fixes, maybe you should try to make a useful statement instead. </a:t>
-            </a:r>
-          </a:p>
-          <a:p>
-            <a:pPr marL="342900" indent="-342900" algn="l">
-              <a:buAutoNum type="arabicPeriod"/>
-            </a:pPr>
-            <a:r>
-              <a:rPr lang="en-US" sz="2000" dirty="0">
-                <a:latin typeface="Calibri" panose="020F0502020204030204" pitchFamily="34" charset="0"/>
-                <a:cs typeface="Calibri" panose="020F0502020204030204" pitchFamily="34" charset="0"/>
-              </a:rPr>
-              <a:t>Setting up fingerprint login should have been announced in the release</a:t>
-            </a:r>
-          </a:p>
-          <a:p>
-            <a:pPr algn="l"/>
-            <a:r>
-              <a:rPr lang="en-US" sz="2000" dirty="0">
-                <a:latin typeface="Calibri" panose="020F0502020204030204" pitchFamily="34" charset="0"/>
-                <a:cs typeface="Calibri" panose="020F0502020204030204" pitchFamily="34" charset="0"/>
-              </a:rPr>
-              <a:t>     notes not hidden in the options!"</a:t>
-            </a:r>
-          </a:p>
-          <a:p>
-            <a:pPr algn="l"/>
-            <a:endParaRPr lang="en-US" sz="2000" dirty="0">
-              <a:latin typeface="Calibri" panose="020F0502020204030204" pitchFamily="34" charset="0"/>
-              <a:cs typeface="Calibri" panose="020F0502020204030204" pitchFamily="34" charset="0"/>
-            </a:endParaRPr>
           </a:p>
         </p:txBody>
       </p:sp>
@@ -7420,8 +7660,8 @@
         </p:blipFill>
         <p:spPr>
           <a:xfrm>
-            <a:off x="1146683" y="3108296"/>
-            <a:ext cx="10116962" cy="1962424"/>
+            <a:off x="1057122" y="2837551"/>
+            <a:ext cx="9545458" cy="1851567"/>
           </a:xfrm>
           <a:prstGeom prst="rect">
             <a:avLst/>
@@ -7450,8 +7690,8 @@
         </p:blipFill>
         <p:spPr>
           <a:xfrm>
-            <a:off x="1146683" y="1312338"/>
-            <a:ext cx="5837317" cy="2116662"/>
+            <a:off x="1025747" y="1205889"/>
+            <a:ext cx="5360305" cy="1943693"/>
           </a:xfrm>
           <a:prstGeom prst="rect">
             <a:avLst/>
@@ -7460,10 +7700,130 @@
       </p:pic>
       <p:sp>
         <p:nvSpPr>
-          <p:cNvPr id="14" name="TextBox 13">
-            <a:extLst>
-              <a:ext uri="{FF2B5EF4-FFF2-40B4-BE49-F238E27FC236}">
-                <a16:creationId xmlns:a16="http://schemas.microsoft.com/office/drawing/2014/main" id="{5B576EB0-BA6B-43EE-9147-2C994E8FDEDF}"/>
+          <p:cNvPr id="6" name="Speech Bubble: Oval 5">
+            <a:extLst>
+              <a:ext uri="{FF2B5EF4-FFF2-40B4-BE49-F238E27FC236}">
+                <a16:creationId xmlns:a16="http://schemas.microsoft.com/office/drawing/2014/main" id="{F0FB79F1-6C59-4463-A6CA-91F1DB47BAFE}"/>
+              </a:ext>
+            </a:extLst>
+          </p:cNvPr>
+          <p:cNvSpPr/>
+          <p:nvPr/>
+        </p:nvSpPr>
+        <p:spPr>
+          <a:xfrm>
+            <a:off x="4436597" y="4219912"/>
+            <a:ext cx="3756649" cy="1983996"/>
+          </a:xfrm>
+          <a:prstGeom prst="wedgeEllipseCallout">
+            <a:avLst/>
+          </a:prstGeom>
+          <a:solidFill>
+            <a:schemeClr val="bg1"/>
+          </a:solidFill>
+        </p:spPr>
+        <p:style>
+          <a:lnRef idx="2">
+            <a:schemeClr val="accent1">
+              <a:shade val="50000"/>
+            </a:schemeClr>
+          </a:lnRef>
+          <a:fillRef idx="1">
+            <a:schemeClr val="accent1"/>
+          </a:fillRef>
+          <a:effectRef idx="0">
+            <a:schemeClr val="accent1"/>
+          </a:effectRef>
+          <a:fontRef idx="minor">
+            <a:schemeClr val="lt1"/>
+          </a:fontRef>
+        </p:style>
+        <p:txBody>
+          <a:bodyPr rtlCol="0" anchor="ctr"/>
+          <a:lstStyle/>
+          <a:p>
+            <a:pPr marL="0" marR="0" lvl="0" indent="0" algn="l" defTabSz="914400" rtl="0" eaLnBrk="1" fontAlgn="auto" latinLnBrk="0" hangingPunct="1">
+              <a:lnSpc>
+                <a:spcPct val="100000"/>
+              </a:lnSpc>
+              <a:spcBef>
+                <a:spcPts val="0"/>
+              </a:spcBef>
+              <a:spcAft>
+                <a:spcPts val="0"/>
+              </a:spcAft>
+              <a:buClrTx/>
+              <a:buSzTx/>
+              <a:buFontTx/>
+              <a:buNone/>
+              <a:tabLst/>
+              <a:defRPr/>
+            </a:pPr>
+            <a:r>
+              <a:rPr kumimoji="0" lang="en-US" sz="1800" b="0" i="0" u="none" strike="noStrike" kern="1200" cap="none" spc="0" normalizeH="0" baseline="0" noProof="0" dirty="0">
+                <a:ln>
+                  <a:noFill/>
+                </a:ln>
+                <a:solidFill>
+                  <a:prstClr val="black"/>
+                </a:solidFill>
+                <a:effectLst/>
+                <a:uLnTx/>
+                <a:uFillTx/>
+                <a:latin typeface="Calibri" panose="020F0502020204030204" pitchFamily="34" charset="0"/>
+                <a:ea typeface="+mn-ea"/>
+                <a:cs typeface="Calibri" panose="020F0502020204030204" pitchFamily="34" charset="0"/>
+              </a:rPr>
+              <a:t>“Setting up fingerprint login should have been announced in the release notes not hidden in the options!"</a:t>
+            </a:r>
+          </a:p>
+        </p:txBody>
+      </p:sp>
+      <p:pic>
+        <p:nvPicPr>
+          <p:cNvPr id="10" name="Graphic 9" descr="User outline">
+            <a:extLst>
+              <a:ext uri="{FF2B5EF4-FFF2-40B4-BE49-F238E27FC236}">
+                <a16:creationId xmlns:a16="http://schemas.microsoft.com/office/drawing/2014/main" id="{8990481B-1668-46B0-8012-44EAFF1BA8F0}"/>
+              </a:ext>
+            </a:extLst>
+          </p:cNvPr>
+          <p:cNvPicPr>
+            <a:picLocks noChangeAspect="1"/>
+          </p:cNvPicPr>
+          <p:nvPr/>
+        </p:nvPicPr>
+        <p:blipFill>
+          <a:blip r:embed="rId5">
+            <a:extLst>
+              <a:ext uri="{28A0092B-C50C-407E-A947-70E740481C1C}">
+                <a14:useLocalDpi xmlns:a14="http://schemas.microsoft.com/office/drawing/2010/main" val="0"/>
+              </a:ext>
+              <a:ext uri="{96DAC541-7B7A-43D3-8B79-37D633B846F1}">
+                <asvg:svgBlip xmlns:asvg="http://schemas.microsoft.com/office/drawing/2016/SVG/main" r:embed="rId6"/>
+              </a:ext>
+            </a:extLst>
+          </a:blip>
+          <a:stretch>
+            <a:fillRect/>
+          </a:stretch>
+        </p:blipFill>
+        <p:spPr>
+          <a:xfrm>
+            <a:off x="4469130" y="5899150"/>
+            <a:ext cx="914400" cy="914400"/>
+          </a:xfrm>
+          <a:prstGeom prst="rect">
+            <a:avLst/>
+          </a:prstGeom>
+        </p:spPr>
+      </p:pic>
+      <p:sp>
+        <p:nvSpPr>
+          <p:cNvPr id="15" name="TextBox 14">
+            <a:extLst>
+              <a:ext uri="{FF2B5EF4-FFF2-40B4-BE49-F238E27FC236}">
+                <a16:creationId xmlns:a16="http://schemas.microsoft.com/office/drawing/2014/main" id="{77969BD3-4691-4977-A11B-05EA44017D8B}"/>
               </a:ext>
             </a:extLst>
           </p:cNvPr>
@@ -7472,8 +7832,8 @@
         </p:nvSpPr>
         <p:spPr>
           <a:xfrm>
-            <a:off x="362799" y="5354255"/>
-            <a:ext cx="1091606" cy="646331"/>
+            <a:off x="4612559" y="6444218"/>
+            <a:ext cx="816691" cy="369332"/>
           </a:xfrm>
           <a:prstGeom prst="rect">
             <a:avLst/>
@@ -7492,7 +7852,7 @@
                   <a:srgbClr val="C00000"/>
                 </a:solidFill>
               </a:rPr>
-              <a:t>User Reviews</a:t>
+              <a:t>User</a:t>
             </a:r>
             <a:endParaRPr lang="en-US" dirty="0"/>
           </a:p>
@@ -7502,6 +7862,594 @@
     <p:extLst>
       <p:ext uri="{BB962C8B-B14F-4D97-AF65-F5344CB8AC3E}">
         <p14:creationId xmlns:p14="http://schemas.microsoft.com/office/powerpoint/2010/main" val="757863647"/>
+      </p:ext>
+    </p:extLst>
+  </p:cSld>
+  <p:clrMapOvr>
+    <a:masterClrMapping/>
+  </p:clrMapOvr>
+</p:sld>
+</file>
+
+<file path=ppt/slides/slide3.xml><?xml version="1.0" encoding="utf-8"?>
+<p:sld xmlns:a="http://schemas.openxmlformats.org/drawingml/2006/main" xmlns:r="http://schemas.openxmlformats.org/officeDocument/2006/relationships" xmlns:p="http://schemas.openxmlformats.org/presentationml/2006/main">
+  <p:cSld>
+    <p:spTree>
+      <p:nvGrpSpPr>
+        <p:cNvPr id="1" name=""/>
+        <p:cNvGrpSpPr/>
+        <p:nvPr/>
+      </p:nvGrpSpPr>
+      <p:grpSpPr>
+        <a:xfrm>
+          <a:off x="0" y="0"/>
+          <a:ext cx="0" cy="0"/>
+          <a:chOff x="0" y="0"/>
+          <a:chExt cx="0" cy="0"/>
+        </a:xfrm>
+      </p:grpSpPr>
+      <p:sp>
+        <p:nvSpPr>
+          <p:cNvPr id="2" name="Title 1">
+            <a:extLst>
+              <a:ext uri="{FF2B5EF4-FFF2-40B4-BE49-F238E27FC236}">
+                <a16:creationId xmlns:a16="http://schemas.microsoft.com/office/drawing/2014/main" id="{027E2A24-54FF-414C-AD4D-65018AB23C0F}"/>
+              </a:ext>
+            </a:extLst>
+          </p:cNvPr>
+          <p:cNvSpPr>
+            <a:spLocks noGrp="1"/>
+          </p:cNvSpPr>
+          <p:nvPr>
+            <p:ph type="title"/>
+          </p:nvPr>
+        </p:nvSpPr>
+        <p:spPr/>
+        <p:txBody>
+          <a:bodyPr>
+            <a:normAutofit/>
+          </a:bodyPr>
+          <a:lstStyle/>
+          <a:p>
+            <a:r>
+              <a:rPr lang="en-US" sz="4000" b="1" dirty="0">
+                <a:solidFill>
+                  <a:srgbClr val="C00000"/>
+                </a:solidFill>
+              </a:rPr>
+              <a:t>User – Developer Dialogue</a:t>
+            </a:r>
+          </a:p>
+        </p:txBody>
+      </p:sp>
+      <p:sp>
+        <p:nvSpPr>
+          <p:cNvPr id="4" name="Slide Number Placeholder 3">
+            <a:extLst>
+              <a:ext uri="{FF2B5EF4-FFF2-40B4-BE49-F238E27FC236}">
+                <a16:creationId xmlns:a16="http://schemas.microsoft.com/office/drawing/2014/main" id="{A54DC726-E24F-4962-9955-09A9E73D108F}"/>
+              </a:ext>
+            </a:extLst>
+          </p:cNvPr>
+          <p:cNvSpPr>
+            <a:spLocks noGrp="1"/>
+          </p:cNvSpPr>
+          <p:nvPr>
+            <p:ph type="sldNum" sz="quarter" idx="12"/>
+          </p:nvPr>
+        </p:nvSpPr>
+        <p:spPr/>
+        <p:txBody>
+          <a:bodyPr/>
+          <a:lstStyle/>
+          <a:p>
+            <a:fld id="{87998442-DCDF-4622-933A-F9895919A1C1}" type="slidenum">
+              <a:rPr lang="en-US" smtClean="0"/>
+              <a:t>3</a:t>
+            </a:fld>
+            <a:endParaRPr lang="en-US"/>
+          </a:p>
+        </p:txBody>
+      </p:sp>
+      <p:pic>
+        <p:nvPicPr>
+          <p:cNvPr id="5" name="Picture 4">
+            <a:extLst>
+              <a:ext uri="{FF2B5EF4-FFF2-40B4-BE49-F238E27FC236}">
+                <a16:creationId xmlns:a16="http://schemas.microsoft.com/office/drawing/2014/main" id="{50930D48-D97F-432A-829A-592CE8C333FF}"/>
+              </a:ext>
+            </a:extLst>
+          </p:cNvPr>
+          <p:cNvPicPr>
+            <a:picLocks noChangeAspect="1"/>
+          </p:cNvPicPr>
+          <p:nvPr/>
+        </p:nvPicPr>
+        <p:blipFill>
+          <a:blip r:embed="rId3"/>
+          <a:stretch>
+            <a:fillRect/>
+          </a:stretch>
+        </p:blipFill>
+        <p:spPr>
+          <a:xfrm>
+            <a:off x="6643154" y="453711"/>
+            <a:ext cx="4370287" cy="1253675"/>
+          </a:xfrm>
+          <a:prstGeom prst="rect">
+            <a:avLst/>
+          </a:prstGeom>
+        </p:spPr>
+      </p:pic>
+      <p:sp>
+        <p:nvSpPr>
+          <p:cNvPr id="8" name="TextBox 7">
+            <a:extLst>
+              <a:ext uri="{FF2B5EF4-FFF2-40B4-BE49-F238E27FC236}">
+                <a16:creationId xmlns:a16="http://schemas.microsoft.com/office/drawing/2014/main" id="{9B25ABA1-3005-4285-99C6-517D104BD529}"/>
+              </a:ext>
+            </a:extLst>
+          </p:cNvPr>
+          <p:cNvSpPr txBox="1"/>
+          <p:nvPr/>
+        </p:nvSpPr>
+        <p:spPr>
+          <a:xfrm>
+            <a:off x="1809436" y="2698638"/>
+            <a:ext cx="2013455" cy="369332"/>
+          </a:xfrm>
+          <a:prstGeom prst="rect">
+            <a:avLst/>
+          </a:prstGeom>
+          <a:noFill/>
+        </p:spPr>
+        <p:txBody>
+          <a:bodyPr wrap="square">
+            <a:spAutoFit/>
+          </a:bodyPr>
+          <a:lstStyle/>
+          <a:p>
+            <a:r>
+              <a:rPr lang="en-US" b="1" dirty="0"/>
+              <a:t>User</a:t>
+            </a:r>
+            <a:endParaRPr lang="en-US" dirty="0"/>
+          </a:p>
+        </p:txBody>
+      </p:sp>
+      <p:pic>
+        <p:nvPicPr>
+          <p:cNvPr id="9" name="Graphic 8" descr="User outline">
+            <a:extLst>
+              <a:ext uri="{FF2B5EF4-FFF2-40B4-BE49-F238E27FC236}">
+                <a16:creationId xmlns:a16="http://schemas.microsoft.com/office/drawing/2014/main" id="{3919CFCF-3E7D-4C3E-96A4-59B9552475E7}"/>
+              </a:ext>
+            </a:extLst>
+          </p:cNvPr>
+          <p:cNvPicPr>
+            <a:picLocks noChangeAspect="1"/>
+          </p:cNvPicPr>
+          <p:nvPr/>
+        </p:nvPicPr>
+        <p:blipFill>
+          <a:blip r:embed="rId4">
+            <a:extLst>
+              <a:ext uri="{28A0092B-C50C-407E-A947-70E740481C1C}">
+                <a14:useLocalDpi xmlns:a14="http://schemas.microsoft.com/office/drawing/2010/main" val="0"/>
+              </a:ext>
+              <a:ext uri="{96DAC541-7B7A-43D3-8B79-37D633B846F1}">
+                <asvg:svgBlip xmlns:asvg="http://schemas.microsoft.com/office/drawing/2016/SVG/main" r:embed="rId5"/>
+              </a:ext>
+            </a:extLst>
+          </a:blip>
+          <a:stretch>
+            <a:fillRect/>
+          </a:stretch>
+        </p:blipFill>
+        <p:spPr>
+          <a:xfrm>
+            <a:off x="1670405" y="2179732"/>
+            <a:ext cx="914400" cy="914400"/>
+          </a:xfrm>
+          <a:prstGeom prst="rect">
+            <a:avLst/>
+          </a:prstGeom>
+        </p:spPr>
+      </p:pic>
+      <p:sp>
+        <p:nvSpPr>
+          <p:cNvPr id="13" name="TextBox 12">
+            <a:extLst>
+              <a:ext uri="{FF2B5EF4-FFF2-40B4-BE49-F238E27FC236}">
+                <a16:creationId xmlns:a16="http://schemas.microsoft.com/office/drawing/2014/main" id="{400AC2DD-E315-4F56-BEC7-0B5A90ABA994}"/>
+              </a:ext>
+            </a:extLst>
+          </p:cNvPr>
+          <p:cNvSpPr txBox="1"/>
+          <p:nvPr/>
+        </p:nvSpPr>
+        <p:spPr>
+          <a:xfrm>
+            <a:off x="4109270" y="2349659"/>
+            <a:ext cx="6094770" cy="923330"/>
+          </a:xfrm>
+          <a:prstGeom prst="rect">
+            <a:avLst/>
+          </a:prstGeom>
+          <a:noFill/>
+        </p:spPr>
+        <p:txBody>
+          <a:bodyPr wrap="square">
+            <a:spAutoFit/>
+          </a:bodyPr>
+          <a:lstStyle/>
+          <a:p>
+            <a:pPr marL="0" marR="0" lvl="0" indent="0" algn="l" defTabSz="914400" rtl="0" eaLnBrk="1" fontAlgn="auto" latinLnBrk="0" hangingPunct="1">
+              <a:lnSpc>
+                <a:spcPct val="100000"/>
+              </a:lnSpc>
+              <a:spcBef>
+                <a:spcPts val="0"/>
+              </a:spcBef>
+              <a:spcAft>
+                <a:spcPts val="0"/>
+              </a:spcAft>
+              <a:buClrTx/>
+              <a:buSzTx/>
+              <a:buFontTx/>
+              <a:buNone/>
+              <a:tabLst/>
+              <a:defRPr/>
+            </a:pPr>
+            <a:r>
+              <a:rPr kumimoji="0" lang="en-US" sz="1800" b="0" i="0" u="none" strike="noStrike" kern="1200" cap="none" spc="0" normalizeH="0" baseline="0" noProof="0" dirty="0">
+                <a:ln>
+                  <a:noFill/>
+                </a:ln>
+                <a:solidFill>
+                  <a:prstClr val="black"/>
+                </a:solidFill>
+                <a:effectLst/>
+                <a:uLnTx/>
+                <a:uFillTx/>
+                <a:latin typeface="Calibri" panose="020F0502020204030204" pitchFamily="34" charset="0"/>
+                <a:ea typeface="+mn-ea"/>
+                <a:cs typeface="Calibri" panose="020F0502020204030204" pitchFamily="34" charset="0"/>
+              </a:rPr>
+              <a:t>Your app has fallen back into a nearly terrible category. Rewards section rarely works, and can never fetch order statuses … Best buy’s app is leaps and bounds better</a:t>
+            </a:r>
+          </a:p>
+        </p:txBody>
+      </p:sp>
+      <p:sp>
+        <p:nvSpPr>
+          <p:cNvPr id="16" name="Flowchart: Document 15">
+            <a:extLst>
+              <a:ext uri="{FF2B5EF4-FFF2-40B4-BE49-F238E27FC236}">
+                <a16:creationId xmlns:a16="http://schemas.microsoft.com/office/drawing/2014/main" id="{B0A03809-15D5-4845-A837-F8832C9BA191}"/>
+              </a:ext>
+            </a:extLst>
+          </p:cNvPr>
+          <p:cNvSpPr/>
+          <p:nvPr/>
+        </p:nvSpPr>
+        <p:spPr>
+          <a:xfrm>
+            <a:off x="1220784" y="3782352"/>
+            <a:ext cx="1669900" cy="816542"/>
+          </a:xfrm>
+          <a:prstGeom prst="flowChartDocument">
+            <a:avLst/>
+          </a:prstGeom>
+          <a:solidFill>
+            <a:schemeClr val="bg1"/>
+          </a:solidFill>
+          <a:ln>
+            <a:solidFill>
+              <a:schemeClr val="tx1"/>
+            </a:solidFill>
+          </a:ln>
+        </p:spPr>
+        <p:style>
+          <a:lnRef idx="2">
+            <a:schemeClr val="accent1">
+              <a:shade val="50000"/>
+            </a:schemeClr>
+          </a:lnRef>
+          <a:fillRef idx="1">
+            <a:schemeClr val="accent1"/>
+          </a:fillRef>
+          <a:effectRef idx="0">
+            <a:schemeClr val="accent1"/>
+          </a:effectRef>
+          <a:fontRef idx="minor">
+            <a:schemeClr val="lt1"/>
+          </a:fontRef>
+        </p:style>
+        <p:txBody>
+          <a:bodyPr rtlCol="0" anchor="ctr"/>
+          <a:lstStyle/>
+          <a:p>
+            <a:r>
+              <a:rPr lang="en-US" b="1" dirty="0">
+                <a:solidFill>
+                  <a:schemeClr val="tx1"/>
+                </a:solidFill>
+              </a:rPr>
+              <a:t>Release Note</a:t>
+            </a:r>
+            <a:endParaRPr lang="en-US" dirty="0">
+              <a:solidFill>
+                <a:schemeClr val="tx1"/>
+              </a:solidFill>
+            </a:endParaRPr>
+          </a:p>
+        </p:txBody>
+      </p:sp>
+      <p:sp>
+        <p:nvSpPr>
+          <p:cNvPr id="18" name="TextBox 17">
+            <a:extLst>
+              <a:ext uri="{FF2B5EF4-FFF2-40B4-BE49-F238E27FC236}">
+                <a16:creationId xmlns:a16="http://schemas.microsoft.com/office/drawing/2014/main" id="{0F2D33C6-FD8C-4E4F-9ACD-2FE992B7DF9D}"/>
+              </a:ext>
+            </a:extLst>
+          </p:cNvPr>
+          <p:cNvSpPr txBox="1"/>
+          <p:nvPr/>
+        </p:nvSpPr>
+        <p:spPr>
+          <a:xfrm>
+            <a:off x="4109270" y="3706085"/>
+            <a:ext cx="6094770" cy="923330"/>
+          </a:xfrm>
+          <a:prstGeom prst="rect">
+            <a:avLst/>
+          </a:prstGeom>
+          <a:noFill/>
+        </p:spPr>
+        <p:txBody>
+          <a:bodyPr wrap="square">
+            <a:spAutoFit/>
+          </a:bodyPr>
+          <a:lstStyle/>
+          <a:p>
+            <a:pPr marL="0" marR="0" lvl="0" indent="0" algn="l" defTabSz="914400" rtl="0" eaLnBrk="1" fontAlgn="auto" latinLnBrk="0" hangingPunct="1">
+              <a:lnSpc>
+                <a:spcPct val="100000"/>
+              </a:lnSpc>
+              <a:spcBef>
+                <a:spcPts val="0"/>
+              </a:spcBef>
+              <a:spcAft>
+                <a:spcPts val="0"/>
+              </a:spcAft>
+              <a:buClrTx/>
+              <a:buSzTx/>
+              <a:buFontTx/>
+              <a:buNone/>
+              <a:tabLst/>
+              <a:defRPr/>
+            </a:pPr>
+            <a:r>
+              <a:rPr kumimoji="0" lang="en-US" sz="1800" b="0" i="0" u="none" strike="noStrike" kern="1200" cap="none" spc="0" normalizeH="0" baseline="0" noProof="0" dirty="0">
+                <a:ln>
+                  <a:noFill/>
+                </a:ln>
+                <a:solidFill>
+                  <a:prstClr val="black"/>
+                </a:solidFill>
+                <a:effectLst/>
+                <a:uLnTx/>
+                <a:uFillTx/>
+                <a:latin typeface="Calibri" panose="020F0502020204030204" pitchFamily="34" charset="0"/>
+                <a:ea typeface="+mn-ea"/>
+                <a:cs typeface="Calibri" panose="020F0502020204030204" pitchFamily="34" charset="0"/>
+              </a:rPr>
+              <a:t>We made some tweaks for this release that address the following issues: Redesigned account page so you can check your rewards more easily</a:t>
+            </a:r>
+          </a:p>
+        </p:txBody>
+      </p:sp>
+      <p:sp>
+        <p:nvSpPr>
+          <p:cNvPr id="19" name="TextBox 18">
+            <a:extLst>
+              <a:ext uri="{FF2B5EF4-FFF2-40B4-BE49-F238E27FC236}">
+                <a16:creationId xmlns:a16="http://schemas.microsoft.com/office/drawing/2014/main" id="{EB1CBB77-0F39-4C6E-B91F-292D7F0D76A7}"/>
+              </a:ext>
+            </a:extLst>
+          </p:cNvPr>
+          <p:cNvSpPr txBox="1"/>
+          <p:nvPr/>
+        </p:nvSpPr>
+        <p:spPr>
+          <a:xfrm>
+            <a:off x="1670405" y="5744314"/>
+            <a:ext cx="2013455" cy="369332"/>
+          </a:xfrm>
+          <a:prstGeom prst="rect">
+            <a:avLst/>
+          </a:prstGeom>
+          <a:noFill/>
+        </p:spPr>
+        <p:txBody>
+          <a:bodyPr wrap="square">
+            <a:spAutoFit/>
+          </a:bodyPr>
+          <a:lstStyle/>
+          <a:p>
+            <a:r>
+              <a:rPr lang="en-US" b="1" dirty="0"/>
+              <a:t>App</a:t>
+            </a:r>
+            <a:endParaRPr lang="en-US" dirty="0"/>
+          </a:p>
+        </p:txBody>
+      </p:sp>
+      <p:pic>
+        <p:nvPicPr>
+          <p:cNvPr id="20" name="Graphic 19" descr="User outline">
+            <a:extLst>
+              <a:ext uri="{FF2B5EF4-FFF2-40B4-BE49-F238E27FC236}">
+                <a16:creationId xmlns:a16="http://schemas.microsoft.com/office/drawing/2014/main" id="{CF05BB9B-271C-4A89-BD09-1C50ED9DBF3A}"/>
+              </a:ext>
+            </a:extLst>
+          </p:cNvPr>
+          <p:cNvPicPr>
+            <a:picLocks noChangeAspect="1"/>
+          </p:cNvPicPr>
+          <p:nvPr/>
+        </p:nvPicPr>
+        <p:blipFill>
+          <a:blip r:embed="rId4">
+            <a:extLst>
+              <a:ext uri="{28A0092B-C50C-407E-A947-70E740481C1C}">
+                <a14:useLocalDpi xmlns:a14="http://schemas.microsoft.com/office/drawing/2010/main" val="0"/>
+              </a:ext>
+              <a:ext uri="{96DAC541-7B7A-43D3-8B79-37D633B846F1}">
+                <asvg:svgBlip xmlns:asvg="http://schemas.microsoft.com/office/drawing/2016/SVG/main" r:embed="rId5"/>
+              </a:ext>
+            </a:extLst>
+          </a:blip>
+          <a:stretch>
+            <a:fillRect/>
+          </a:stretch>
+        </p:blipFill>
+        <p:spPr>
+          <a:xfrm>
+            <a:off x="1542586" y="4807791"/>
+            <a:ext cx="914400" cy="914400"/>
+          </a:xfrm>
+          <a:prstGeom prst="rect">
+            <a:avLst/>
+          </a:prstGeom>
+        </p:spPr>
+      </p:pic>
+      <p:sp>
+        <p:nvSpPr>
+          <p:cNvPr id="22" name="TextBox 21">
+            <a:extLst>
+              <a:ext uri="{FF2B5EF4-FFF2-40B4-BE49-F238E27FC236}">
+                <a16:creationId xmlns:a16="http://schemas.microsoft.com/office/drawing/2014/main" id="{8D99AE77-789C-4DD8-BF38-CB5C2AE3A3AE}"/>
+              </a:ext>
+            </a:extLst>
+          </p:cNvPr>
+          <p:cNvSpPr txBox="1"/>
+          <p:nvPr/>
+        </p:nvSpPr>
+        <p:spPr>
+          <a:xfrm>
+            <a:off x="4109270" y="5260526"/>
+            <a:ext cx="6094770" cy="923330"/>
+          </a:xfrm>
+          <a:prstGeom prst="rect">
+            <a:avLst/>
+          </a:prstGeom>
+          <a:noFill/>
+        </p:spPr>
+        <p:txBody>
+          <a:bodyPr wrap="square">
+            <a:spAutoFit/>
+          </a:bodyPr>
+          <a:lstStyle/>
+          <a:p>
+            <a:pPr marL="0" marR="0" lvl="0" indent="0" algn="l" defTabSz="914400" rtl="0" eaLnBrk="1" fontAlgn="auto" latinLnBrk="0" hangingPunct="1">
+              <a:lnSpc>
+                <a:spcPct val="100000"/>
+              </a:lnSpc>
+              <a:spcBef>
+                <a:spcPts val="0"/>
+              </a:spcBef>
+              <a:spcAft>
+                <a:spcPts val="0"/>
+              </a:spcAft>
+              <a:buClrTx/>
+              <a:buSzTx/>
+              <a:buFontTx/>
+              <a:buNone/>
+              <a:tabLst/>
+              <a:defRPr/>
+            </a:pPr>
+            <a:r>
+              <a:rPr kumimoji="0" lang="en-US" sz="1800" b="0" i="0" u="none" strike="noStrike" kern="1200" cap="none" spc="0" normalizeH="0" baseline="0" noProof="0" dirty="0">
+                <a:ln>
+                  <a:noFill/>
+                </a:ln>
+                <a:solidFill>
+                  <a:prstClr val="black"/>
+                </a:solidFill>
+                <a:effectLst/>
+                <a:uLnTx/>
+                <a:uFillTx/>
+                <a:latin typeface="Calibri" panose="020F0502020204030204" pitchFamily="34" charset="0"/>
+                <a:ea typeface="+mn-ea"/>
+                <a:cs typeface="Calibri" panose="020F0502020204030204" pitchFamily="34" charset="0"/>
+              </a:rPr>
+              <a:t>Hi we have made some recent updates to the app. Thank you for reaching out. If you update your app version the performance should be improved </a:t>
+            </a:r>
+          </a:p>
+        </p:txBody>
+      </p:sp>
+      <p:pic>
+        <p:nvPicPr>
+          <p:cNvPr id="24" name="Picture 23">
+            <a:extLst>
+              <a:ext uri="{FF2B5EF4-FFF2-40B4-BE49-F238E27FC236}">
+                <a16:creationId xmlns:a16="http://schemas.microsoft.com/office/drawing/2014/main" id="{C9A05539-9BAB-49A1-9DDB-EBA7139D3364}"/>
+              </a:ext>
+            </a:extLst>
+          </p:cNvPr>
+          <p:cNvPicPr>
+            <a:picLocks noChangeAspect="1"/>
+          </p:cNvPicPr>
+          <p:nvPr/>
+        </p:nvPicPr>
+        <p:blipFill>
+          <a:blip r:embed="rId6"/>
+          <a:stretch>
+            <a:fillRect/>
+          </a:stretch>
+        </p:blipFill>
+        <p:spPr>
+          <a:xfrm>
+            <a:off x="1612435" y="5717871"/>
+            <a:ext cx="774701" cy="465985"/>
+          </a:xfrm>
+          <a:prstGeom prst="rect">
+            <a:avLst/>
+          </a:prstGeom>
+        </p:spPr>
+      </p:pic>
+      <p:sp>
+        <p:nvSpPr>
+          <p:cNvPr id="26" name="Content Placeholder 25">
+            <a:extLst>
+              <a:ext uri="{FF2B5EF4-FFF2-40B4-BE49-F238E27FC236}">
+                <a16:creationId xmlns:a16="http://schemas.microsoft.com/office/drawing/2014/main" id="{97BF8E6D-A704-414D-BC36-10B1C38B0299}"/>
+              </a:ext>
+            </a:extLst>
+          </p:cNvPr>
+          <p:cNvSpPr>
+            <a:spLocks noGrp="1"/>
+          </p:cNvSpPr>
+          <p:nvPr>
+            <p:ph idx="1"/>
+          </p:nvPr>
+        </p:nvSpPr>
+        <p:spPr/>
+        <p:txBody>
+          <a:bodyPr/>
+          <a:lstStyle/>
+          <a:p>
+            <a:endParaRPr lang="en-US"/>
+          </a:p>
+        </p:txBody>
+      </p:sp>
+    </p:spTree>
+    <p:extLst>
+      <p:ext uri="{BB962C8B-B14F-4D97-AF65-F5344CB8AC3E}">
+        <p14:creationId xmlns:p14="http://schemas.microsoft.com/office/powerpoint/2010/main" val="1240933115"/>
       </p:ext>
     </p:extLst>
   </p:cSld>
@@ -7520,6 +8468,9 @@
                     <p:cTn id="3" fill="hold">
                       <p:stCondLst>
                         <p:cond delay="indefinite"/>
+                        <p:cond evt="onBegin" delay="0">
+                          <p:tn val="2"/>
+                        </p:cond>
                       </p:stCondLst>
                       <p:childTnLst>
                         <p:par>
@@ -7529,7 +8480,7 @@
                             </p:stCondLst>
                             <p:childTnLst>
                               <p:par>
-                                <p:cTn id="5" presetID="1" presetClass="entr" presetSubtype="0" fill="hold" grpId="0" nodeType="clickEffect">
+                                <p:cTn id="5" presetID="1" presetClass="entr" presetSubtype="0" fill="hold" grpId="0" nodeType="withEffect">
                                   <p:stCondLst>
                                     <p:cond delay="0"/>
                                   </p:stCondLst>
@@ -7542,7 +8493,7 @@
                                           </p:stCondLst>
                                         </p:cTn>
                                         <p:tgtEl>
-                                          <p:spTgt spid="7"/>
+                                          <p:spTgt spid="8"/>
                                         </p:tgtEl>
                                         <p:attrNameLst>
                                           <p:attrName>style.visibility</p:attrName>
@@ -7569,7 +8520,7 @@
                                           </p:stCondLst>
                                         </p:cTn>
                                         <p:tgtEl>
-                                          <p:spTgt spid="14"/>
+                                          <p:spTgt spid="19"/>
                                         </p:tgtEl>
                                         <p:attrNameLst>
                                           <p:attrName>style.visibility</p:attrName>
@@ -7610,162 +8561,10 @@
       </p:par>
     </p:tnLst>
     <p:bldLst>
-      <p:bldP spid="7" grpId="0"/>
-      <p:bldP spid="14" grpId="0"/>
+      <p:bldP spid="8" grpId="0"/>
+      <p:bldP spid="19" grpId="0"/>
     </p:bldLst>
   </p:timing>
-</p:sld>
-</file>
-
-<file path=ppt/slides/slide3.xml><?xml version="1.0" encoding="utf-8"?>
-<p:sld xmlns:a="http://schemas.openxmlformats.org/drawingml/2006/main" xmlns:r="http://schemas.openxmlformats.org/officeDocument/2006/relationships" xmlns:p="http://schemas.openxmlformats.org/presentationml/2006/main">
-  <p:cSld>
-    <p:spTree>
-      <p:nvGrpSpPr>
-        <p:cNvPr id="1" name=""/>
-        <p:cNvGrpSpPr/>
-        <p:nvPr/>
-      </p:nvGrpSpPr>
-      <p:grpSpPr>
-        <a:xfrm>
-          <a:off x="0" y="0"/>
-          <a:ext cx="0" cy="0"/>
-          <a:chOff x="0" y="0"/>
-          <a:chExt cx="0" cy="0"/>
-        </a:xfrm>
-      </p:grpSpPr>
-      <p:sp>
-        <p:nvSpPr>
-          <p:cNvPr id="2" name="Title 1">
-            <a:extLst>
-              <a:ext uri="{FF2B5EF4-FFF2-40B4-BE49-F238E27FC236}">
-                <a16:creationId xmlns:a16="http://schemas.microsoft.com/office/drawing/2014/main" id="{027E2A24-54FF-414C-AD4D-65018AB23C0F}"/>
-              </a:ext>
-            </a:extLst>
-          </p:cNvPr>
-          <p:cNvSpPr>
-            <a:spLocks noGrp="1"/>
-          </p:cNvSpPr>
-          <p:nvPr>
-            <p:ph type="title"/>
-          </p:nvPr>
-        </p:nvSpPr>
-        <p:spPr/>
-        <p:txBody>
-          <a:bodyPr>
-            <a:normAutofit/>
-          </a:bodyPr>
-          <a:lstStyle/>
-          <a:p>
-            <a:r>
-              <a:rPr lang="en-US" sz="4000" b="1" dirty="0">
-                <a:solidFill>
-                  <a:srgbClr val="C00000"/>
-                </a:solidFill>
-              </a:rPr>
-              <a:t>User – Developer Dialogue</a:t>
-            </a:r>
-          </a:p>
-        </p:txBody>
-      </p:sp>
-      <p:pic>
-        <p:nvPicPr>
-          <p:cNvPr id="6" name="Content Placeholder 5">
-            <a:extLst>
-              <a:ext uri="{FF2B5EF4-FFF2-40B4-BE49-F238E27FC236}">
-                <a16:creationId xmlns:a16="http://schemas.microsoft.com/office/drawing/2014/main" id="{89176B91-9710-40B5-9C3D-C11AA26E97F1}"/>
-              </a:ext>
-            </a:extLst>
-          </p:cNvPr>
-          <p:cNvPicPr>
-            <a:picLocks noGrp="1" noChangeAspect="1"/>
-          </p:cNvPicPr>
-          <p:nvPr>
-            <p:ph idx="1"/>
-          </p:nvPr>
-        </p:nvPicPr>
-        <p:blipFill>
-          <a:blip r:embed="rId3"/>
-          <a:stretch>
-            <a:fillRect/>
-          </a:stretch>
-        </p:blipFill>
-        <p:spPr>
-          <a:xfrm>
-            <a:off x="937260" y="2160776"/>
-            <a:ext cx="10317480" cy="3725485"/>
-          </a:xfrm>
-        </p:spPr>
-      </p:pic>
-      <p:sp>
-        <p:nvSpPr>
-          <p:cNvPr id="4" name="Slide Number Placeholder 3">
-            <a:extLst>
-              <a:ext uri="{FF2B5EF4-FFF2-40B4-BE49-F238E27FC236}">
-                <a16:creationId xmlns:a16="http://schemas.microsoft.com/office/drawing/2014/main" id="{A54DC726-E24F-4962-9955-09A9E73D108F}"/>
-              </a:ext>
-            </a:extLst>
-          </p:cNvPr>
-          <p:cNvSpPr>
-            <a:spLocks noGrp="1"/>
-          </p:cNvSpPr>
-          <p:nvPr>
-            <p:ph type="sldNum" sz="quarter" idx="12"/>
-          </p:nvPr>
-        </p:nvSpPr>
-        <p:spPr/>
-        <p:txBody>
-          <a:bodyPr/>
-          <a:lstStyle/>
-          <a:p>
-            <a:fld id="{87998442-DCDF-4622-933A-F9895919A1C1}" type="slidenum">
-              <a:rPr lang="en-US" smtClean="0"/>
-              <a:t>3</a:t>
-            </a:fld>
-            <a:endParaRPr lang="en-US"/>
-          </a:p>
-        </p:txBody>
-      </p:sp>
-      <p:pic>
-        <p:nvPicPr>
-          <p:cNvPr id="5" name="Picture 4">
-            <a:extLst>
-              <a:ext uri="{FF2B5EF4-FFF2-40B4-BE49-F238E27FC236}">
-                <a16:creationId xmlns:a16="http://schemas.microsoft.com/office/drawing/2014/main" id="{50930D48-D97F-432A-829A-592CE8C333FF}"/>
-              </a:ext>
-            </a:extLst>
-          </p:cNvPr>
-          <p:cNvPicPr>
-            <a:picLocks noChangeAspect="1"/>
-          </p:cNvPicPr>
-          <p:nvPr/>
-        </p:nvPicPr>
-        <p:blipFill>
-          <a:blip r:embed="rId4"/>
-          <a:stretch>
-            <a:fillRect/>
-          </a:stretch>
-        </p:blipFill>
-        <p:spPr>
-          <a:xfrm>
-            <a:off x="6643154" y="453711"/>
-            <a:ext cx="4370287" cy="1253675"/>
-          </a:xfrm>
-          <a:prstGeom prst="rect">
-            <a:avLst/>
-          </a:prstGeom>
-        </p:spPr>
-      </p:pic>
-    </p:spTree>
-    <p:extLst>
-      <p:ext uri="{BB962C8B-B14F-4D97-AF65-F5344CB8AC3E}">
-        <p14:creationId xmlns:p14="http://schemas.microsoft.com/office/powerpoint/2010/main" val="1240933115"/>
-      </p:ext>
-    </p:extLst>
-  </p:cSld>
-  <p:clrMapOvr>
-    <a:masterClrMapping/>
-  </p:clrMapOvr>
 </p:sld>
 </file>
 
@@ -7786,41 +8585,70 @@
           <a:chExt cx="0" cy="0"/>
         </a:xfrm>
       </p:grpSpPr>
-      <p:pic>
-        <p:nvPicPr>
-          <p:cNvPr id="6" name="Content Placeholder 5">
-            <a:extLst>
-              <a:ext uri="{FF2B5EF4-FFF2-40B4-BE49-F238E27FC236}">
-                <a16:creationId xmlns:a16="http://schemas.microsoft.com/office/drawing/2014/main" id="{97B3EE31-115A-46DB-B0F5-7DC19A573626}"/>
-              </a:ext>
-            </a:extLst>
-          </p:cNvPr>
-          <p:cNvPicPr>
-            <a:picLocks noGrp="1" noChangeAspect="1"/>
-          </p:cNvPicPr>
+      <p:sp>
+        <p:nvSpPr>
+          <p:cNvPr id="2" name="Title 1">
+            <a:extLst>
+              <a:ext uri="{FF2B5EF4-FFF2-40B4-BE49-F238E27FC236}">
+                <a16:creationId xmlns:a16="http://schemas.microsoft.com/office/drawing/2014/main" id="{FEE7CB14-6750-4D9C-97A5-46AB39EE3C79}"/>
+              </a:ext>
+            </a:extLst>
+          </p:cNvPr>
+          <p:cNvSpPr>
+            <a:spLocks noGrp="1"/>
+          </p:cNvSpPr>
+          <p:nvPr>
+            <p:ph type="title"/>
+          </p:nvPr>
+        </p:nvSpPr>
+        <p:spPr/>
+        <p:txBody>
+          <a:bodyPr/>
+          <a:lstStyle/>
+          <a:p>
+            <a:r>
+              <a:rPr lang="en-US" sz="4400" b="1" dirty="0">
+                <a:solidFill>
+                  <a:srgbClr val="C00000"/>
+                </a:solidFill>
+              </a:rPr>
+              <a:t>Do Developers Care about Release Notes?</a:t>
+            </a:r>
+            <a:endParaRPr lang="en-US" dirty="0"/>
+          </a:p>
+        </p:txBody>
+      </p:sp>
+      <p:sp>
+        <p:nvSpPr>
+          <p:cNvPr id="3" name="Content Placeholder 2">
+            <a:extLst>
+              <a:ext uri="{FF2B5EF4-FFF2-40B4-BE49-F238E27FC236}">
+                <a16:creationId xmlns:a16="http://schemas.microsoft.com/office/drawing/2014/main" id="{B26C1C79-E494-4B65-B070-93D193D84084}"/>
+              </a:ext>
+            </a:extLst>
+          </p:cNvPr>
+          <p:cNvSpPr>
+            <a:spLocks noGrp="1"/>
+          </p:cNvSpPr>
           <p:nvPr>
             <p:ph idx="1"/>
           </p:nvPr>
-        </p:nvPicPr>
-        <p:blipFill>
-          <a:blip r:embed="rId3"/>
-          <a:stretch>
-            <a:fillRect/>
-          </a:stretch>
-        </p:blipFill>
-        <p:spPr>
-          <a:xfrm>
-            <a:off x="104678" y="2430269"/>
-            <a:ext cx="6260653" cy="3925193"/>
-          </a:xfrm>
-        </p:spPr>
-      </p:pic>
+        </p:nvSpPr>
+        <p:spPr/>
+        <p:txBody>
+          <a:bodyPr/>
+          <a:lstStyle/>
+          <a:p>
+            <a:endParaRPr lang="en-US" dirty="0"/>
+          </a:p>
+        </p:txBody>
+      </p:sp>
       <p:sp>
         <p:nvSpPr>
           <p:cNvPr id="4" name="Slide Number Placeholder 3">
             <a:extLst>
               <a:ext uri="{FF2B5EF4-FFF2-40B4-BE49-F238E27FC236}">
-                <a16:creationId xmlns:a16="http://schemas.microsoft.com/office/drawing/2014/main" id="{205923C2-A285-4DDF-AD50-1BEA52E87196}"/>
+                <a16:creationId xmlns:a16="http://schemas.microsoft.com/office/drawing/2014/main" id="{08E0DBC5-8178-4083-9CFD-45B90F6C0A7A}"/>
               </a:ext>
             </a:extLst>
           </p:cNvPr>
@@ -7839,6 +8667,65 @@
             <a:fld id="{87998442-DCDF-4622-933A-F9895919A1C1}" type="slidenum">
               <a:rPr lang="en-US" smtClean="0"/>
               <a:t>4</a:t>
+            </a:fld>
+            <a:endParaRPr lang="en-US"/>
+          </a:p>
+        </p:txBody>
+      </p:sp>
+    </p:spTree>
+    <p:extLst>
+      <p:ext uri="{BB962C8B-B14F-4D97-AF65-F5344CB8AC3E}">
+        <p14:creationId xmlns:p14="http://schemas.microsoft.com/office/powerpoint/2010/main" val="2451394202"/>
+      </p:ext>
+    </p:extLst>
+  </p:cSld>
+  <p:clrMapOvr>
+    <a:masterClrMapping/>
+  </p:clrMapOvr>
+</p:sld>
+</file>
+
+<file path=ppt/slides/slide5.xml><?xml version="1.0" encoding="utf-8"?>
+<p:sld xmlns:a="http://schemas.openxmlformats.org/drawingml/2006/main" xmlns:r="http://schemas.openxmlformats.org/officeDocument/2006/relationships" xmlns:p="http://schemas.openxmlformats.org/presentationml/2006/main">
+  <p:cSld>
+    <p:spTree>
+      <p:nvGrpSpPr>
+        <p:cNvPr id="1" name=""/>
+        <p:cNvGrpSpPr/>
+        <p:nvPr/>
+      </p:nvGrpSpPr>
+      <p:grpSpPr>
+        <a:xfrm>
+          <a:off x="0" y="0"/>
+          <a:ext cx="0" cy="0"/>
+          <a:chOff x="0" y="0"/>
+          <a:chExt cx="0" cy="0"/>
+        </a:xfrm>
+      </p:grpSpPr>
+      <p:sp>
+        <p:nvSpPr>
+          <p:cNvPr id="4" name="Slide Number Placeholder 3">
+            <a:extLst>
+              <a:ext uri="{FF2B5EF4-FFF2-40B4-BE49-F238E27FC236}">
+                <a16:creationId xmlns:a16="http://schemas.microsoft.com/office/drawing/2014/main" id="{205923C2-A285-4DDF-AD50-1BEA52E87196}"/>
+              </a:ext>
+            </a:extLst>
+          </p:cNvPr>
+          <p:cNvSpPr>
+            <a:spLocks noGrp="1"/>
+          </p:cNvSpPr>
+          <p:nvPr>
+            <p:ph type="sldNum" sz="quarter" idx="12"/>
+          </p:nvPr>
+        </p:nvSpPr>
+        <p:spPr/>
+        <p:txBody>
+          <a:bodyPr/>
+          <a:lstStyle/>
+          <a:p>
+            <a:fld id="{87998442-DCDF-4622-933A-F9895919A1C1}" type="slidenum">
+              <a:rPr lang="en-US" smtClean="0"/>
+              <a:t>5</a:t>
             </a:fld>
             <a:endParaRPr lang="en-US"/>
           </a:p>
@@ -7878,7 +8765,7 @@
                   <a:srgbClr val="C00000"/>
                 </a:solidFill>
               </a:rPr>
-              <a:t>We Surveyed 102 Developers </a:t>
+              <a:t>We 102 Developers </a:t>
             </a:r>
             <a:endParaRPr lang="en-US" sz="4000" dirty="0"/>
           </a:p>
@@ -7886,10 +8773,10 @@
       </p:sp>
       <p:sp>
         <p:nvSpPr>
-          <p:cNvPr id="9" name="Content Placeholder 2">
-            <a:extLst>
-              <a:ext uri="{FF2B5EF4-FFF2-40B4-BE49-F238E27FC236}">
-                <a16:creationId xmlns:a16="http://schemas.microsoft.com/office/drawing/2014/main" id="{1FCB5F30-4491-443C-84FA-0FF7BFF94191}"/>
+          <p:cNvPr id="12" name="Content Placeholder 2">
+            <a:extLst>
+              <a:ext uri="{FF2B5EF4-FFF2-40B4-BE49-F238E27FC236}">
+                <a16:creationId xmlns:a16="http://schemas.microsoft.com/office/drawing/2014/main" id="{1722E543-4D01-4B67-BBDC-4D1FA4A0E38A}"/>
               </a:ext>
             </a:extLst>
           </p:cNvPr>
@@ -7900,8 +8787,8 @@
         </p:nvSpPr>
         <p:spPr>
           <a:xfrm>
-            <a:off x="1602046" y="1358738"/>
-            <a:ext cx="3487236" cy="1530876"/>
+            <a:off x="5164087" y="1439148"/>
+            <a:ext cx="3884356" cy="1530876"/>
           </a:xfrm>
           <a:prstGeom prst="rect">
             <a:avLst/>
@@ -8081,18 +8968,252 @@
             </a:pPr>
             <a:r>
               <a:rPr lang="en-US" sz="2400" b="0" i="0" u="none" strike="noStrike" baseline="0" dirty="0"/>
-              <a:t>The distribution of the years of experience of the surveyed developers</a:t>
+              <a:t>The distribution of the job roles of the surveyed developers.</a:t>
             </a:r>
             <a:endParaRPr lang="en-US" sz="2400" dirty="0"/>
           </a:p>
         </p:txBody>
       </p:sp>
-      <p:sp>
-        <p:nvSpPr>
-          <p:cNvPr id="12" name="Content Placeholder 2">
-            <a:extLst>
-              <a:ext uri="{FF2B5EF4-FFF2-40B4-BE49-F238E27FC236}">
-                <a16:creationId xmlns:a16="http://schemas.microsoft.com/office/drawing/2014/main" id="{1722E543-4D01-4B67-BBDC-4D1FA4A0E38A}"/>
+      <p:pic>
+        <p:nvPicPr>
+          <p:cNvPr id="18" name="Picture 17">
+            <a:extLst>
+              <a:ext uri="{FF2B5EF4-FFF2-40B4-BE49-F238E27FC236}">
+                <a16:creationId xmlns:a16="http://schemas.microsoft.com/office/drawing/2014/main" id="{25FFD8AB-2B53-4F17-A2E2-D940BA28408F}"/>
+              </a:ext>
+            </a:extLst>
+          </p:cNvPr>
+          <p:cNvPicPr>
+            <a:picLocks noChangeAspect="1"/>
+          </p:cNvPicPr>
+          <p:nvPr/>
+        </p:nvPicPr>
+        <p:blipFill>
+          <a:blip r:embed="rId3"/>
+          <a:stretch>
+            <a:fillRect/>
+          </a:stretch>
+        </p:blipFill>
+        <p:spPr>
+          <a:xfrm>
+            <a:off x="3751007" y="2613720"/>
+            <a:ext cx="5566998" cy="3925192"/>
+          </a:xfrm>
+          <a:prstGeom prst="rect">
+            <a:avLst/>
+          </a:prstGeom>
+        </p:spPr>
+      </p:pic>
+    </p:spTree>
+    <p:extLst>
+      <p:ext uri="{BB962C8B-B14F-4D97-AF65-F5344CB8AC3E}">
+        <p14:creationId xmlns:p14="http://schemas.microsoft.com/office/powerpoint/2010/main" val="2034746735"/>
+      </p:ext>
+    </p:extLst>
+  </p:cSld>
+  <p:clrMapOvr>
+    <a:masterClrMapping/>
+  </p:clrMapOvr>
+  <p:timing>
+    <p:tnLst>
+      <p:par>
+        <p:cTn id="1" dur="indefinite" restart="never" nodeType="tmRoot">
+          <p:childTnLst>
+            <p:seq concurrent="1" nextAc="seek">
+              <p:cTn id="2" dur="indefinite" nodeType="mainSeq">
+                <p:childTnLst>
+                  <p:par>
+                    <p:cTn id="3" fill="hold">
+                      <p:stCondLst>
+                        <p:cond delay="indefinite"/>
+                      </p:stCondLst>
+                      <p:childTnLst>
+                        <p:par>
+                          <p:cTn id="4" fill="hold">
+                            <p:stCondLst>
+                              <p:cond delay="0"/>
+                            </p:stCondLst>
+                            <p:childTnLst>
+                              <p:par>
+                                <p:cTn id="5" presetID="1" presetClass="entr" presetSubtype="0" fill="hold" grpId="0" nodeType="clickEffect">
+                                  <p:stCondLst>
+                                    <p:cond delay="0"/>
+                                  </p:stCondLst>
+                                  <p:childTnLst>
+                                    <p:set>
+                                      <p:cBhvr>
+                                        <p:cTn id="6" dur="1" fill="hold">
+                                          <p:stCondLst>
+                                            <p:cond delay="0"/>
+                                          </p:stCondLst>
+                                        </p:cTn>
+                                        <p:tgtEl>
+                                          <p:spTgt spid="12"/>
+                                        </p:tgtEl>
+                                        <p:attrNameLst>
+                                          <p:attrName>style.visibility</p:attrName>
+                                        </p:attrNameLst>
+                                      </p:cBhvr>
+                                      <p:to>
+                                        <p:strVal val="visible"/>
+                                      </p:to>
+                                    </p:set>
+                                  </p:childTnLst>
+                                </p:cTn>
+                              </p:par>
+                              <p:par>
+                                <p:cTn id="7" presetID="1" presetClass="entr" presetSubtype="0" fill="hold" nodeType="withEffect">
+                                  <p:stCondLst>
+                                    <p:cond delay="0"/>
+                                  </p:stCondLst>
+                                  <p:childTnLst>
+                                    <p:set>
+                                      <p:cBhvr>
+                                        <p:cTn id="8" dur="1" fill="hold">
+                                          <p:stCondLst>
+                                            <p:cond delay="0"/>
+                                          </p:stCondLst>
+                                        </p:cTn>
+                                        <p:tgtEl>
+                                          <p:spTgt spid="18"/>
+                                        </p:tgtEl>
+                                        <p:attrNameLst>
+                                          <p:attrName>style.visibility</p:attrName>
+                                        </p:attrNameLst>
+                                      </p:cBhvr>
+                                      <p:to>
+                                        <p:strVal val="visible"/>
+                                      </p:to>
+                                    </p:set>
+                                  </p:childTnLst>
+                                </p:cTn>
+                              </p:par>
+                            </p:childTnLst>
+                          </p:cTn>
+                        </p:par>
+                      </p:childTnLst>
+                    </p:cTn>
+                  </p:par>
+                </p:childTnLst>
+              </p:cTn>
+              <p:prevCondLst>
+                <p:cond evt="onPrev" delay="0">
+                  <p:tgtEl>
+                    <p:sldTgt/>
+                  </p:tgtEl>
+                </p:cond>
+              </p:prevCondLst>
+              <p:nextCondLst>
+                <p:cond evt="onNext" delay="0">
+                  <p:tgtEl>
+                    <p:sldTgt/>
+                  </p:tgtEl>
+                </p:cond>
+              </p:nextCondLst>
+            </p:seq>
+          </p:childTnLst>
+        </p:cTn>
+      </p:par>
+    </p:tnLst>
+    <p:bldLst>
+      <p:bldP spid="12" grpId="0"/>
+    </p:bldLst>
+  </p:timing>
+</p:sld>
+</file>
+
+<file path=ppt/slides/slide6.xml><?xml version="1.0" encoding="utf-8"?>
+<p:sld xmlns:a="http://schemas.openxmlformats.org/drawingml/2006/main" xmlns:r="http://schemas.openxmlformats.org/officeDocument/2006/relationships" xmlns:p="http://schemas.openxmlformats.org/presentationml/2006/main">
+  <p:cSld>
+    <p:spTree>
+      <p:nvGrpSpPr>
+        <p:cNvPr id="1" name=""/>
+        <p:cNvGrpSpPr/>
+        <p:nvPr/>
+      </p:nvGrpSpPr>
+      <p:grpSpPr>
+        <a:xfrm>
+          <a:off x="0" y="0"/>
+          <a:ext cx="0" cy="0"/>
+          <a:chOff x="0" y="0"/>
+          <a:chExt cx="0" cy="0"/>
+        </a:xfrm>
+      </p:grpSpPr>
+      <p:sp>
+        <p:nvSpPr>
+          <p:cNvPr id="4" name="Slide Number Placeholder 3">
+            <a:extLst>
+              <a:ext uri="{FF2B5EF4-FFF2-40B4-BE49-F238E27FC236}">
+                <a16:creationId xmlns:a16="http://schemas.microsoft.com/office/drawing/2014/main" id="{205923C2-A285-4DDF-AD50-1BEA52E87196}"/>
+              </a:ext>
+            </a:extLst>
+          </p:cNvPr>
+          <p:cNvSpPr>
+            <a:spLocks noGrp="1"/>
+          </p:cNvSpPr>
+          <p:nvPr>
+            <p:ph type="sldNum" sz="quarter" idx="12"/>
+          </p:nvPr>
+        </p:nvSpPr>
+        <p:spPr/>
+        <p:txBody>
+          <a:bodyPr/>
+          <a:lstStyle/>
+          <a:p>
+            <a:fld id="{87998442-DCDF-4622-933A-F9895919A1C1}" type="slidenum">
+              <a:rPr lang="en-US" smtClean="0"/>
+              <a:t>6</a:t>
+            </a:fld>
+            <a:endParaRPr lang="en-US"/>
+          </a:p>
+        </p:txBody>
+      </p:sp>
+      <p:sp>
+        <p:nvSpPr>
+          <p:cNvPr id="8" name="Title 7">
+            <a:extLst>
+              <a:ext uri="{FF2B5EF4-FFF2-40B4-BE49-F238E27FC236}">
+                <a16:creationId xmlns:a16="http://schemas.microsoft.com/office/drawing/2014/main" id="{529E6E41-F815-4343-9D29-B795352F6900}"/>
+              </a:ext>
+            </a:extLst>
+          </p:cNvPr>
+          <p:cNvSpPr>
+            <a:spLocks noGrp="1"/>
+          </p:cNvSpPr>
+          <p:nvPr>
+            <p:ph type="title"/>
+          </p:nvPr>
+        </p:nvSpPr>
+        <p:spPr>
+          <a:xfrm>
+            <a:off x="994884" y="330629"/>
+            <a:ext cx="10515600" cy="1325563"/>
+          </a:xfrm>
+        </p:spPr>
+        <p:txBody>
+          <a:bodyPr>
+            <a:normAutofit/>
+          </a:bodyPr>
+          <a:lstStyle/>
+          <a:p>
+            <a:r>
+              <a:rPr lang="en-US" sz="4000" b="1" dirty="0">
+                <a:solidFill>
+                  <a:srgbClr val="C00000"/>
+                </a:solidFill>
+              </a:rPr>
+              <a:t>We Surveyed 102 Developers</a:t>
+            </a:r>
+            <a:endParaRPr lang="en-US" sz="4000" dirty="0"/>
+          </a:p>
+        </p:txBody>
+      </p:sp>
+      <p:sp>
+        <p:nvSpPr>
+          <p:cNvPr id="9" name="Content Placeholder 2">
+            <a:extLst>
+              <a:ext uri="{FF2B5EF4-FFF2-40B4-BE49-F238E27FC236}">
+                <a16:creationId xmlns:a16="http://schemas.microsoft.com/office/drawing/2014/main" id="{1FCB5F30-4491-443C-84FA-0FF7BFF94191}"/>
               </a:ext>
             </a:extLst>
           </p:cNvPr>
@@ -8103,8 +9224,8 @@
         </p:nvSpPr>
         <p:spPr>
           <a:xfrm>
-            <a:off x="6668422" y="1247419"/>
-            <a:ext cx="3884356" cy="1530876"/>
+            <a:off x="1446937" y="1660351"/>
+            <a:ext cx="4302642" cy="1530876"/>
           </a:xfrm>
           <a:prstGeom prst="rect">
             <a:avLst/>
@@ -8284,264 +9405,30 @@
             </a:pPr>
             <a:r>
               <a:rPr lang="en-US" sz="2400" b="0" i="0" u="none" strike="noStrike" baseline="0" dirty="0"/>
-              <a:t>The distribution of the job roles of the surveyed developers.</a:t>
+              <a:t>67% of the surveyed developers frequently update their release notes</a:t>
             </a:r>
             <a:endParaRPr lang="en-US" sz="2400" dirty="0"/>
           </a:p>
         </p:txBody>
       </p:sp>
-      <p:pic>
-        <p:nvPicPr>
-          <p:cNvPr id="18" name="Picture 17">
-            <a:extLst>
-              <a:ext uri="{FF2B5EF4-FFF2-40B4-BE49-F238E27FC236}">
-                <a16:creationId xmlns:a16="http://schemas.microsoft.com/office/drawing/2014/main" id="{25FFD8AB-2B53-4F17-A2E2-D940BA28408F}"/>
-              </a:ext>
-            </a:extLst>
-          </p:cNvPr>
-          <p:cNvPicPr>
-            <a:picLocks noChangeAspect="1"/>
-          </p:cNvPicPr>
+      <p:sp>
+        <p:nvSpPr>
+          <p:cNvPr id="12" name="Content Placeholder 2">
+            <a:extLst>
+              <a:ext uri="{FF2B5EF4-FFF2-40B4-BE49-F238E27FC236}">
+                <a16:creationId xmlns:a16="http://schemas.microsoft.com/office/drawing/2014/main" id="{1722E543-4D01-4B67-BBDC-4D1FA4A0E38A}"/>
+              </a:ext>
+            </a:extLst>
+          </p:cNvPr>
+          <p:cNvSpPr txBox="1">
+            <a:spLocks/>
+          </p:cNvSpPr>
           <p:nvPr/>
-        </p:nvPicPr>
-        <p:blipFill>
-          <a:blip r:embed="rId4"/>
-          <a:stretch>
-            <a:fillRect/>
-          </a:stretch>
-        </p:blipFill>
+        </p:nvSpPr>
         <p:spPr>
           <a:xfrm>
-            <a:off x="6096000" y="2289977"/>
-            <a:ext cx="5566998" cy="3925192"/>
-          </a:xfrm>
-          <a:prstGeom prst="rect">
-            <a:avLst/>
-          </a:prstGeom>
-        </p:spPr>
-      </p:pic>
-    </p:spTree>
-    <p:extLst>
-      <p:ext uri="{BB962C8B-B14F-4D97-AF65-F5344CB8AC3E}">
-        <p14:creationId xmlns:p14="http://schemas.microsoft.com/office/powerpoint/2010/main" val="2034746735"/>
-      </p:ext>
-    </p:extLst>
-  </p:cSld>
-  <p:clrMapOvr>
-    <a:masterClrMapping/>
-  </p:clrMapOvr>
-  <p:timing>
-    <p:tnLst>
-      <p:par>
-        <p:cTn id="1" dur="indefinite" restart="never" nodeType="tmRoot">
-          <p:childTnLst>
-            <p:seq concurrent="1" nextAc="seek">
-              <p:cTn id="2" dur="indefinite" nodeType="mainSeq">
-                <p:childTnLst>
-                  <p:par>
-                    <p:cTn id="3" fill="hold">
-                      <p:stCondLst>
-                        <p:cond delay="indefinite"/>
-                      </p:stCondLst>
-                      <p:childTnLst>
-                        <p:par>
-                          <p:cTn id="4" fill="hold">
-                            <p:stCondLst>
-                              <p:cond delay="0"/>
-                            </p:stCondLst>
-                            <p:childTnLst>
-                              <p:par>
-                                <p:cTn id="5" presetID="1" presetClass="entr" presetSubtype="0" fill="hold" grpId="0" nodeType="clickEffect">
-                                  <p:stCondLst>
-                                    <p:cond delay="0"/>
-                                  </p:stCondLst>
-                                  <p:childTnLst>
-                                    <p:set>
-                                      <p:cBhvr>
-                                        <p:cTn id="6" dur="1" fill="hold">
-                                          <p:stCondLst>
-                                            <p:cond delay="0"/>
-                                          </p:stCondLst>
-                                        </p:cTn>
-                                        <p:tgtEl>
-                                          <p:spTgt spid="12"/>
-                                        </p:tgtEl>
-                                        <p:attrNameLst>
-                                          <p:attrName>style.visibility</p:attrName>
-                                        </p:attrNameLst>
-                                      </p:cBhvr>
-                                      <p:to>
-                                        <p:strVal val="visible"/>
-                                      </p:to>
-                                    </p:set>
-                                  </p:childTnLst>
-                                </p:cTn>
-                              </p:par>
-                              <p:par>
-                                <p:cTn id="7" presetID="1" presetClass="entr" presetSubtype="0" fill="hold" nodeType="withEffect">
-                                  <p:stCondLst>
-                                    <p:cond delay="0"/>
-                                  </p:stCondLst>
-                                  <p:childTnLst>
-                                    <p:set>
-                                      <p:cBhvr>
-                                        <p:cTn id="8" dur="1" fill="hold">
-                                          <p:stCondLst>
-                                            <p:cond delay="0"/>
-                                          </p:stCondLst>
-                                        </p:cTn>
-                                        <p:tgtEl>
-                                          <p:spTgt spid="18"/>
-                                        </p:tgtEl>
-                                        <p:attrNameLst>
-                                          <p:attrName>style.visibility</p:attrName>
-                                        </p:attrNameLst>
-                                      </p:cBhvr>
-                                      <p:to>
-                                        <p:strVal val="visible"/>
-                                      </p:to>
-                                    </p:set>
-                                  </p:childTnLst>
-                                </p:cTn>
-                              </p:par>
-                            </p:childTnLst>
-                          </p:cTn>
-                        </p:par>
-                      </p:childTnLst>
-                    </p:cTn>
-                  </p:par>
-                </p:childTnLst>
-              </p:cTn>
-              <p:prevCondLst>
-                <p:cond evt="onPrev" delay="0">
-                  <p:tgtEl>
-                    <p:sldTgt/>
-                  </p:tgtEl>
-                </p:cond>
-              </p:prevCondLst>
-              <p:nextCondLst>
-                <p:cond evt="onNext" delay="0">
-                  <p:tgtEl>
-                    <p:sldTgt/>
-                  </p:tgtEl>
-                </p:cond>
-              </p:nextCondLst>
-            </p:seq>
-          </p:childTnLst>
-        </p:cTn>
-      </p:par>
-    </p:tnLst>
-    <p:bldLst>
-      <p:bldP spid="12" grpId="0"/>
-    </p:bldLst>
-  </p:timing>
-</p:sld>
-</file>
-
-<file path=ppt/slides/slide5.xml><?xml version="1.0" encoding="utf-8"?>
-<p:sld xmlns:a="http://schemas.openxmlformats.org/drawingml/2006/main" xmlns:r="http://schemas.openxmlformats.org/officeDocument/2006/relationships" xmlns:p="http://schemas.openxmlformats.org/presentationml/2006/main">
-  <p:cSld>
-    <p:spTree>
-      <p:nvGrpSpPr>
-        <p:cNvPr id="1" name=""/>
-        <p:cNvGrpSpPr/>
-        <p:nvPr/>
-      </p:nvGrpSpPr>
-      <p:grpSpPr>
-        <a:xfrm>
-          <a:off x="0" y="0"/>
-          <a:ext cx="0" cy="0"/>
-          <a:chOff x="0" y="0"/>
-          <a:chExt cx="0" cy="0"/>
-        </a:xfrm>
-      </p:grpSpPr>
-      <p:sp>
-        <p:nvSpPr>
-          <p:cNvPr id="4" name="Slide Number Placeholder 3">
-            <a:extLst>
-              <a:ext uri="{FF2B5EF4-FFF2-40B4-BE49-F238E27FC236}">
-                <a16:creationId xmlns:a16="http://schemas.microsoft.com/office/drawing/2014/main" id="{205923C2-A285-4DDF-AD50-1BEA52E87196}"/>
-              </a:ext>
-            </a:extLst>
-          </p:cNvPr>
-          <p:cNvSpPr>
-            <a:spLocks noGrp="1"/>
-          </p:cNvSpPr>
-          <p:nvPr>
-            <p:ph type="sldNum" sz="quarter" idx="12"/>
-          </p:nvPr>
-        </p:nvSpPr>
-        <p:spPr/>
-        <p:txBody>
-          <a:bodyPr/>
-          <a:lstStyle/>
-          <a:p>
-            <a:fld id="{87998442-DCDF-4622-933A-F9895919A1C1}" type="slidenum">
-              <a:rPr lang="en-US" smtClean="0"/>
-              <a:t>5</a:t>
-            </a:fld>
-            <a:endParaRPr lang="en-US"/>
-          </a:p>
-        </p:txBody>
-      </p:sp>
-      <p:sp>
-        <p:nvSpPr>
-          <p:cNvPr id="8" name="Title 7">
-            <a:extLst>
-              <a:ext uri="{FF2B5EF4-FFF2-40B4-BE49-F238E27FC236}">
-                <a16:creationId xmlns:a16="http://schemas.microsoft.com/office/drawing/2014/main" id="{529E6E41-F815-4343-9D29-B795352F6900}"/>
-              </a:ext>
-            </a:extLst>
-          </p:cNvPr>
-          <p:cNvSpPr>
-            <a:spLocks noGrp="1"/>
-          </p:cNvSpPr>
-          <p:nvPr>
-            <p:ph type="title"/>
-          </p:nvPr>
-        </p:nvSpPr>
-        <p:spPr>
-          <a:xfrm>
-            <a:off x="994884" y="330629"/>
-            <a:ext cx="10515600" cy="1325563"/>
-          </a:xfrm>
-        </p:spPr>
-        <p:txBody>
-          <a:bodyPr>
-            <a:normAutofit/>
-          </a:bodyPr>
-          <a:lstStyle/>
-          <a:p>
-            <a:r>
-              <a:rPr lang="en-US" sz="4000" b="1" dirty="0">
-                <a:solidFill>
-                  <a:srgbClr val="C00000"/>
-                </a:solidFill>
-              </a:rPr>
-              <a:t>We Surveyed 102 Developers</a:t>
-            </a:r>
-            <a:endParaRPr lang="en-US" sz="4000" dirty="0"/>
-          </a:p>
-        </p:txBody>
-      </p:sp>
-      <p:sp>
-        <p:nvSpPr>
-          <p:cNvPr id="9" name="Content Placeholder 2">
-            <a:extLst>
-              <a:ext uri="{FF2B5EF4-FFF2-40B4-BE49-F238E27FC236}">
-                <a16:creationId xmlns:a16="http://schemas.microsoft.com/office/drawing/2014/main" id="{1FCB5F30-4491-443C-84FA-0FF7BFF94191}"/>
-              </a:ext>
-            </a:extLst>
-          </p:cNvPr>
-          <p:cNvSpPr txBox="1">
-            <a:spLocks/>
-          </p:cNvSpPr>
-          <p:nvPr/>
-        </p:nvSpPr>
-        <p:spPr>
-          <a:xfrm>
-            <a:off x="1365888" y="1382576"/>
-            <a:ext cx="4302642" cy="1530876"/>
+            <a:off x="1446937" y="3772587"/>
+            <a:ext cx="2728952" cy="1530876"/>
           </a:xfrm>
           <a:prstGeom prst="rect">
             <a:avLst/>
@@ -8720,222 +9607,18 @@
               <a:buNone/>
             </a:pPr>
             <a:r>
-              <a:rPr lang="en-US" sz="2400" b="0" i="0" u="none" strike="noStrike" baseline="0" dirty="0"/>
-              <a:t>Developers' answers for frequency of release note update.</a:t>
-            </a:r>
-            <a:endParaRPr lang="en-US" sz="2400" dirty="0"/>
-          </a:p>
-        </p:txBody>
-      </p:sp>
-      <p:sp>
-        <p:nvSpPr>
-          <p:cNvPr id="12" name="Content Placeholder 2">
-            <a:extLst>
-              <a:ext uri="{FF2B5EF4-FFF2-40B4-BE49-F238E27FC236}">
-                <a16:creationId xmlns:a16="http://schemas.microsoft.com/office/drawing/2014/main" id="{1722E543-4D01-4B67-BBDC-4D1FA4A0E38A}"/>
-              </a:ext>
-            </a:extLst>
-          </p:cNvPr>
-          <p:cNvSpPr txBox="1">
-            <a:spLocks/>
-          </p:cNvSpPr>
-          <p:nvPr/>
-        </p:nvSpPr>
-        <p:spPr>
-          <a:xfrm>
-            <a:off x="7706395" y="1248034"/>
-            <a:ext cx="2728952" cy="1530876"/>
-          </a:xfrm>
-          <a:prstGeom prst="rect">
-            <a:avLst/>
-          </a:prstGeom>
-        </p:spPr>
-        <p:txBody>
-          <a:bodyPr vert="horz" lIns="91440" tIns="45720" rIns="91440" bIns="45720" rtlCol="0" anchor="t">
-            <a:normAutofit/>
-          </a:bodyPr>
-          <a:lstStyle>
-            <a:lvl1pPr marL="228600" indent="-228600" algn="l" defTabSz="914400" rtl="0" eaLnBrk="1" latinLnBrk="0" hangingPunct="1">
-              <a:lnSpc>
-                <a:spcPct val="90000"/>
-              </a:lnSpc>
-              <a:spcBef>
-                <a:spcPts val="1000"/>
-              </a:spcBef>
-              <a:buFont typeface="Arial" panose="020B0604020202020204" pitchFamily="34" charset="0"/>
-              <a:buChar char="•"/>
-              <a:defRPr sz="2800" kern="1200">
-                <a:solidFill>
-                  <a:schemeClr val="tx1"/>
-                </a:solidFill>
-                <a:latin typeface="Calibri" panose="020F0502020204030204" pitchFamily="34" charset="0"/>
-                <a:ea typeface="+mn-ea"/>
-                <a:cs typeface="Calibri" panose="020F0502020204030204" pitchFamily="34" charset="0"/>
-              </a:defRPr>
-            </a:lvl1pPr>
-            <a:lvl2pPr marL="685800" indent="-228600" algn="l" defTabSz="914400" rtl="0" eaLnBrk="1" latinLnBrk="0" hangingPunct="1">
-              <a:lnSpc>
-                <a:spcPct val="90000"/>
-              </a:lnSpc>
-              <a:spcBef>
-                <a:spcPts val="500"/>
-              </a:spcBef>
-              <a:buFont typeface="Arial" panose="020B0604020202020204" pitchFamily="34" charset="0"/>
-              <a:buChar char="•"/>
-              <a:defRPr sz="2400" kern="1200">
-                <a:solidFill>
-                  <a:schemeClr val="tx1"/>
-                </a:solidFill>
-                <a:latin typeface="Calibri" panose="020F0502020204030204" pitchFamily="34" charset="0"/>
-                <a:ea typeface="+mn-ea"/>
-                <a:cs typeface="Calibri" panose="020F0502020204030204" pitchFamily="34" charset="0"/>
-              </a:defRPr>
-            </a:lvl2pPr>
-            <a:lvl3pPr marL="1143000" indent="-228600" algn="l" defTabSz="914400" rtl="0" eaLnBrk="1" latinLnBrk="0" hangingPunct="1">
-              <a:lnSpc>
-                <a:spcPct val="90000"/>
-              </a:lnSpc>
-              <a:spcBef>
-                <a:spcPts val="500"/>
-              </a:spcBef>
-              <a:buFont typeface="Arial" panose="020B0604020202020204" pitchFamily="34" charset="0"/>
-              <a:buChar char="•"/>
-              <a:defRPr sz="2000" kern="1200">
-                <a:solidFill>
-                  <a:schemeClr val="tx1"/>
-                </a:solidFill>
-                <a:latin typeface="Calibri" panose="020F0502020204030204" pitchFamily="34" charset="0"/>
-                <a:ea typeface="+mn-ea"/>
-                <a:cs typeface="Calibri" panose="020F0502020204030204" pitchFamily="34" charset="0"/>
-              </a:defRPr>
-            </a:lvl3pPr>
-            <a:lvl4pPr marL="1600200" indent="-228600" algn="l" defTabSz="914400" rtl="0" eaLnBrk="1" latinLnBrk="0" hangingPunct="1">
-              <a:lnSpc>
-                <a:spcPct val="90000"/>
-              </a:lnSpc>
-              <a:spcBef>
-                <a:spcPts val="500"/>
-              </a:spcBef>
-              <a:buFont typeface="Arial" panose="020B0604020202020204" pitchFamily="34" charset="0"/>
-              <a:buChar char="•"/>
-              <a:defRPr sz="1800" kern="1200">
-                <a:solidFill>
-                  <a:schemeClr val="tx1"/>
-                </a:solidFill>
-                <a:latin typeface="Calibri" panose="020F0502020204030204" pitchFamily="34" charset="0"/>
-                <a:ea typeface="+mn-ea"/>
-                <a:cs typeface="Calibri" panose="020F0502020204030204" pitchFamily="34" charset="0"/>
-              </a:defRPr>
-            </a:lvl4pPr>
-            <a:lvl5pPr marL="2057400" indent="-228600" algn="l" defTabSz="914400" rtl="0" eaLnBrk="1" latinLnBrk="0" hangingPunct="1">
-              <a:lnSpc>
-                <a:spcPct val="90000"/>
-              </a:lnSpc>
-              <a:spcBef>
-                <a:spcPts val="500"/>
-              </a:spcBef>
-              <a:buFont typeface="Arial" panose="020B0604020202020204" pitchFamily="34" charset="0"/>
-              <a:buChar char="•"/>
-              <a:defRPr sz="1800" kern="1200">
-                <a:solidFill>
-                  <a:schemeClr val="tx1"/>
-                </a:solidFill>
-                <a:latin typeface="Calibri" panose="020F0502020204030204" pitchFamily="34" charset="0"/>
-                <a:ea typeface="+mn-ea"/>
-                <a:cs typeface="Calibri" panose="020F0502020204030204" pitchFamily="34" charset="0"/>
-              </a:defRPr>
-            </a:lvl5pPr>
-            <a:lvl6pPr marL="2514600" indent="-228600" algn="l" defTabSz="914400" rtl="0" eaLnBrk="1" latinLnBrk="0" hangingPunct="1">
-              <a:lnSpc>
-                <a:spcPct val="90000"/>
-              </a:lnSpc>
-              <a:spcBef>
-                <a:spcPts val="500"/>
-              </a:spcBef>
-              <a:buFont typeface="Arial" panose="020B0604020202020204" pitchFamily="34" charset="0"/>
-              <a:buChar char="•"/>
-              <a:defRPr sz="1800" kern="1200">
-                <a:solidFill>
-                  <a:schemeClr val="tx1"/>
-                </a:solidFill>
-                <a:latin typeface="+mn-lt"/>
-                <a:ea typeface="+mn-ea"/>
-                <a:cs typeface="+mn-cs"/>
-              </a:defRPr>
-            </a:lvl6pPr>
-            <a:lvl7pPr marL="2971800" indent="-228600" algn="l" defTabSz="914400" rtl="0" eaLnBrk="1" latinLnBrk="0" hangingPunct="1">
-              <a:lnSpc>
-                <a:spcPct val="90000"/>
-              </a:lnSpc>
-              <a:spcBef>
-                <a:spcPts val="500"/>
-              </a:spcBef>
-              <a:buFont typeface="Arial" panose="020B0604020202020204" pitchFamily="34" charset="0"/>
-              <a:buChar char="•"/>
-              <a:defRPr sz="1800" kern="1200">
-                <a:solidFill>
-                  <a:schemeClr val="tx1"/>
-                </a:solidFill>
-                <a:latin typeface="+mn-lt"/>
-                <a:ea typeface="+mn-ea"/>
-                <a:cs typeface="+mn-cs"/>
-              </a:defRPr>
-            </a:lvl7pPr>
-            <a:lvl8pPr marL="3429000" indent="-228600" algn="l" defTabSz="914400" rtl="0" eaLnBrk="1" latinLnBrk="0" hangingPunct="1">
-              <a:lnSpc>
-                <a:spcPct val="90000"/>
-              </a:lnSpc>
-              <a:spcBef>
-                <a:spcPts val="500"/>
-              </a:spcBef>
-              <a:buFont typeface="Arial" panose="020B0604020202020204" pitchFamily="34" charset="0"/>
-              <a:buChar char="•"/>
-              <a:defRPr sz="1800" kern="1200">
-                <a:solidFill>
-                  <a:schemeClr val="tx1"/>
-                </a:solidFill>
-                <a:latin typeface="+mn-lt"/>
-                <a:ea typeface="+mn-ea"/>
-                <a:cs typeface="+mn-cs"/>
-              </a:defRPr>
-            </a:lvl8pPr>
-            <a:lvl9pPr marL="3886200" indent="-228600" algn="l" defTabSz="914400" rtl="0" eaLnBrk="1" latinLnBrk="0" hangingPunct="1">
-              <a:lnSpc>
-                <a:spcPct val="90000"/>
-              </a:lnSpc>
-              <a:spcBef>
-                <a:spcPts val="500"/>
-              </a:spcBef>
-              <a:buFont typeface="Arial" panose="020B0604020202020204" pitchFamily="34" charset="0"/>
-              <a:buChar char="•"/>
-              <a:defRPr sz="1800" kern="1200">
-                <a:solidFill>
-                  <a:schemeClr val="tx1"/>
-                </a:solidFill>
-                <a:latin typeface="+mn-lt"/>
-                <a:ea typeface="+mn-ea"/>
-                <a:cs typeface="+mn-cs"/>
-              </a:defRPr>
-            </a:lvl9pPr>
-          </a:lstStyle>
-          <a:p>
-            <a:pPr marL="0" indent="0">
-              <a:buNone/>
-            </a:pPr>
-            <a:r>
-              <a:rPr lang="en-US" sz="2400" b="0" i="0" u="none" strike="noStrike" baseline="0" dirty="0"/>
-              <a:t>Developers' answers for release note uses.</a:t>
-            </a:r>
-            <a:endParaRPr lang="en-US" sz="2400" dirty="0"/>
+              <a:rPr lang="en-US" sz="2400" dirty="0"/>
+              <a:t>Are release notes useful?</a:t>
+            </a:r>
           </a:p>
         </p:txBody>
       </p:sp>
       <p:pic>
         <p:nvPicPr>
-          <p:cNvPr id="13" name="Picture 12">
-            <a:extLst>
-              <a:ext uri="{FF2B5EF4-FFF2-40B4-BE49-F238E27FC236}">
-                <a16:creationId xmlns:a16="http://schemas.microsoft.com/office/drawing/2014/main" id="{C8653DCC-4F8F-407E-8B3E-DD38084790B6}"/>
+          <p:cNvPr id="15" name="Picture 14">
+            <a:extLst>
+              <a:ext uri="{FF2B5EF4-FFF2-40B4-BE49-F238E27FC236}">
+                <a16:creationId xmlns:a16="http://schemas.microsoft.com/office/drawing/2014/main" id="{2D0E2E28-7533-4E51-ACC5-F7481B7E96A3}"/>
               </a:ext>
             </a:extLst>
           </p:cNvPr>
@@ -8952,37 +9635,7 @@
         </p:blipFill>
         <p:spPr>
           <a:xfrm>
-            <a:off x="347973" y="2522173"/>
-            <a:ext cx="5475409" cy="4005198"/>
-          </a:xfrm>
-          <a:prstGeom prst="rect">
-            <a:avLst/>
-          </a:prstGeom>
-        </p:spPr>
-      </p:pic>
-      <p:pic>
-        <p:nvPicPr>
-          <p:cNvPr id="15" name="Picture 14">
-            <a:extLst>
-              <a:ext uri="{FF2B5EF4-FFF2-40B4-BE49-F238E27FC236}">
-                <a16:creationId xmlns:a16="http://schemas.microsoft.com/office/drawing/2014/main" id="{2D0E2E28-7533-4E51-ACC5-F7481B7E96A3}"/>
-              </a:ext>
-            </a:extLst>
-          </p:cNvPr>
-          <p:cNvPicPr>
-            <a:picLocks noChangeAspect="1"/>
-          </p:cNvPicPr>
-          <p:nvPr/>
-        </p:nvPicPr>
-        <p:blipFill>
-          <a:blip r:embed="rId4"/>
-          <a:stretch>
-            <a:fillRect/>
-          </a:stretch>
-        </p:blipFill>
-        <p:spPr>
-          <a:xfrm>
-            <a:off x="5668530" y="3009660"/>
+            <a:off x="4783627" y="2701315"/>
             <a:ext cx="6456764" cy="3030223"/>
           </a:xfrm>
           <a:prstGeom prst="rect">
@@ -9108,7 +9761,7 @@
 </p:sld>
 </file>
 
-<file path=ppt/slides/slide6.xml><?xml version="1.0" encoding="utf-8"?>
+<file path=ppt/slides/slide7.xml><?xml version="1.0" encoding="utf-8"?>
 <p:sld xmlns:a="http://schemas.openxmlformats.org/drawingml/2006/main" xmlns:r="http://schemas.openxmlformats.org/officeDocument/2006/relationships" xmlns:p="http://schemas.openxmlformats.org/presentationml/2006/main">
   <p:cSld>
     <p:spTree>
@@ -9144,7 +9797,7 @@
         <p:spPr>
           <a:xfrm>
             <a:off x="496185" y="1601972"/>
-            <a:ext cx="3283335" cy="4061638"/>
+            <a:ext cx="10262763" cy="4061638"/>
           </a:xfrm>
         </p:spPr>
         <p:txBody>
@@ -9167,7 +9820,14 @@
             </a:r>
             <a:r>
               <a:rPr lang="en-US" sz="2400" dirty="0"/>
-              <a:t> apps over the period of three years (</a:t>
+              <a:t> apps over the period of three years </a:t>
+            </a:r>
+            <a:br>
+              <a:rPr lang="en-US" sz="2400" dirty="0"/>
+            </a:br>
+            <a:r>
+              <a:rPr lang="en-US" sz="2400" dirty="0"/>
+              <a:t>(</a:t>
             </a:r>
             <a:r>
               <a:rPr lang="en-US" sz="2400" dirty="0">
@@ -9229,35 +9889,6 @@
           </a:p>
         </p:txBody>
       </p:sp>
-      <p:pic>
-        <p:nvPicPr>
-          <p:cNvPr id="6" name="Content Placeholder 5">
-            <a:extLst>
-              <a:ext uri="{FF2B5EF4-FFF2-40B4-BE49-F238E27FC236}">
-                <a16:creationId xmlns:a16="http://schemas.microsoft.com/office/drawing/2014/main" id="{DBA6AE01-868A-47B1-878B-AE430FE867FC}"/>
-              </a:ext>
-            </a:extLst>
-          </p:cNvPr>
-          <p:cNvPicPr>
-            <a:picLocks noGrp="1" noChangeAspect="1"/>
-          </p:cNvPicPr>
-          <p:nvPr>
-            <p:ph idx="1"/>
-          </p:nvPr>
-        </p:nvPicPr>
-        <p:blipFill>
-          <a:blip r:embed="rId3"/>
-          <a:stretch>
-            <a:fillRect/>
-          </a:stretch>
-        </p:blipFill>
-        <p:spPr>
-          <a:xfrm>
-            <a:off x="3969173" y="208953"/>
-            <a:ext cx="8087360" cy="6147397"/>
-          </a:xfrm>
-        </p:spPr>
-      </p:pic>
       <p:sp>
         <p:nvSpPr>
           <p:cNvPr id="4" name="Slide Number Placeholder 3">
@@ -9281,7 +9912,7 @@
           <a:p>
             <a:fld id="{87998442-DCDF-4622-933A-F9895919A1C1}" type="slidenum">
               <a:rPr lang="en-US" smtClean="0"/>
-              <a:t>6</a:t>
+              <a:t>7</a:t>
             </a:fld>
             <a:endParaRPr lang="en-US"/>
           </a:p>
@@ -9350,226 +9981,6 @@
     <p:extLst>
       <p:ext uri="{BB962C8B-B14F-4D97-AF65-F5344CB8AC3E}">
         <p14:creationId xmlns:p14="http://schemas.microsoft.com/office/powerpoint/2010/main" val="3870455544"/>
-      </p:ext>
-    </p:extLst>
-  </p:cSld>
-  <p:clrMapOvr>
-    <a:masterClrMapping/>
-  </p:clrMapOvr>
-</p:sld>
-</file>
-
-<file path=ppt/slides/slide7.xml><?xml version="1.0" encoding="utf-8"?>
-<p:sld xmlns:a="http://schemas.openxmlformats.org/drawingml/2006/main" xmlns:r="http://schemas.openxmlformats.org/officeDocument/2006/relationships" xmlns:p="http://schemas.openxmlformats.org/presentationml/2006/main">
-  <p:cSld>
-    <p:spTree>
-      <p:nvGrpSpPr>
-        <p:cNvPr id="1" name=""/>
-        <p:cNvGrpSpPr/>
-        <p:nvPr/>
-      </p:nvGrpSpPr>
-      <p:grpSpPr>
-        <a:xfrm>
-          <a:off x="0" y="0"/>
-          <a:ext cx="0" cy="0"/>
-          <a:chOff x="0" y="0"/>
-          <a:chExt cx="0" cy="0"/>
-        </a:xfrm>
-      </p:grpSpPr>
-      <p:sp>
-        <p:nvSpPr>
-          <p:cNvPr id="2" name="Title 1">
-            <a:extLst>
-              <a:ext uri="{FF2B5EF4-FFF2-40B4-BE49-F238E27FC236}">
-                <a16:creationId xmlns:a16="http://schemas.microsoft.com/office/drawing/2014/main" id="{2F0F47D3-2B78-459C-B736-C97C3E722672}"/>
-              </a:ext>
-            </a:extLst>
-          </p:cNvPr>
-          <p:cNvSpPr>
-            <a:spLocks noGrp="1"/>
-          </p:cNvSpPr>
-          <p:nvPr>
-            <p:ph type="title"/>
-          </p:nvPr>
-        </p:nvSpPr>
-        <p:spPr/>
-        <p:txBody>
-          <a:bodyPr/>
-          <a:lstStyle/>
-          <a:p>
-            <a:r>
-              <a:rPr lang="en-US" sz="4400" b="1" dirty="0">
-                <a:solidFill>
-                  <a:srgbClr val="C00000"/>
-                </a:solidFill>
-              </a:rPr>
-              <a:t>Research Questions</a:t>
-            </a:r>
-            <a:endParaRPr lang="en-US" sz="4400" dirty="0"/>
-          </a:p>
-        </p:txBody>
-      </p:sp>
-      <p:sp>
-        <p:nvSpPr>
-          <p:cNvPr id="3" name="Content Placeholder 2">
-            <a:extLst>
-              <a:ext uri="{FF2B5EF4-FFF2-40B4-BE49-F238E27FC236}">
-                <a16:creationId xmlns:a16="http://schemas.microsoft.com/office/drawing/2014/main" id="{F4E2DDD4-D4AC-4902-9B38-CF4361F7BF6E}"/>
-              </a:ext>
-            </a:extLst>
-          </p:cNvPr>
-          <p:cNvSpPr>
-            <a:spLocks noGrp="1"/>
-          </p:cNvSpPr>
-          <p:nvPr>
-            <p:ph idx="1"/>
-          </p:nvPr>
-        </p:nvSpPr>
-        <p:spPr>
-          <a:xfrm>
-            <a:off x="838200" y="1825625"/>
-            <a:ext cx="11023242" cy="4351338"/>
-          </a:xfrm>
-        </p:spPr>
-        <p:txBody>
-          <a:bodyPr>
-            <a:noAutofit/>
-          </a:bodyPr>
-          <a:lstStyle/>
-          <a:p>
-            <a:r>
-              <a:rPr lang="en-US" sz="3600" dirty="0">
-                <a:effectLst/>
-                <a:latin typeface="Arial" panose="020B0604020202020204" pitchFamily="34" charset="0"/>
-              </a:rPr>
-              <a:t>RQ1: What are the release notes </a:t>
-            </a:r>
-            <a:r>
-              <a:rPr lang="en-US" sz="3600" dirty="0">
-                <a:solidFill>
-                  <a:srgbClr val="C00000"/>
-                </a:solidFill>
-                <a:effectLst/>
-                <a:latin typeface="Arial" panose="020B0604020202020204" pitchFamily="34" charset="0"/>
-              </a:rPr>
-              <a:t>update patterns</a:t>
-            </a:r>
-            <a:r>
-              <a:rPr lang="en-US" sz="3600" dirty="0">
-                <a:effectLst/>
-                <a:latin typeface="Arial" panose="020B0604020202020204" pitchFamily="34" charset="0"/>
-              </a:rPr>
-              <a:t>?</a:t>
-            </a:r>
-          </a:p>
-          <a:p>
-            <a:pPr marL="0" indent="0">
-              <a:buNone/>
-            </a:pPr>
-            <a:endParaRPr lang="en-US" sz="3600" dirty="0">
-              <a:effectLst/>
-              <a:latin typeface="Arial" panose="020B0604020202020204" pitchFamily="34" charset="0"/>
-            </a:endParaRPr>
-          </a:p>
-          <a:p>
-            <a:r>
-              <a:rPr lang="en-US" sz="3600" dirty="0">
-                <a:effectLst/>
-                <a:latin typeface="Arial" panose="020B0604020202020204" pitchFamily="34" charset="0"/>
-              </a:rPr>
-              <a:t>RQ2: What are the </a:t>
-            </a:r>
-            <a:r>
-              <a:rPr lang="en-US" sz="3600" dirty="0">
-                <a:solidFill>
-                  <a:srgbClr val="C00000"/>
-                </a:solidFill>
-                <a:effectLst/>
-                <a:latin typeface="Arial" panose="020B0604020202020204" pitchFamily="34" charset="0"/>
-              </a:rPr>
-              <a:t>characteristics</a:t>
-            </a:r>
-            <a:r>
-              <a:rPr lang="en-US" sz="3600" dirty="0">
-                <a:effectLst/>
-                <a:latin typeface="Arial" panose="020B0604020202020204" pitchFamily="34" charset="0"/>
-              </a:rPr>
-              <a:t> of the apps that follow a certain release notes pattern?</a:t>
-            </a:r>
-            <a:endParaRPr lang="en-US" sz="3600" dirty="0">
-              <a:latin typeface="Arial" panose="020B0604020202020204" pitchFamily="34" charset="0"/>
-            </a:endParaRPr>
-          </a:p>
-          <a:p>
-            <a:pPr marL="0" indent="0">
-              <a:buNone/>
-            </a:pPr>
-            <a:endParaRPr lang="en-US" sz="3600" dirty="0">
-              <a:latin typeface="Arial" panose="020B0604020202020204" pitchFamily="34" charset="0"/>
-            </a:endParaRPr>
-          </a:p>
-          <a:p>
-            <a:r>
-              <a:rPr lang="en-US" sz="3600" dirty="0">
-                <a:effectLst/>
-                <a:latin typeface="Arial" panose="020B0604020202020204" pitchFamily="34" charset="0"/>
-              </a:rPr>
-              <a:t>RQ3: What causes developers to </a:t>
-            </a:r>
-            <a:r>
-              <a:rPr lang="en-US" sz="3600" dirty="0">
-                <a:solidFill>
-                  <a:srgbClr val="C00000"/>
-                </a:solidFill>
-                <a:effectLst/>
-                <a:latin typeface="Arial" panose="020B0604020202020204" pitchFamily="34" charset="0"/>
-              </a:rPr>
-              <a:t>shift </a:t>
-            </a:r>
-            <a:r>
-              <a:rPr lang="en-US" sz="3600" dirty="0">
-                <a:effectLst/>
-                <a:latin typeface="Arial" panose="020B0604020202020204" pitchFamily="34" charset="0"/>
-              </a:rPr>
-              <a:t>their release notes pattern?</a:t>
-            </a:r>
-            <a:endParaRPr lang="en-US" sz="3600" dirty="0"/>
-          </a:p>
-        </p:txBody>
-      </p:sp>
-      <p:sp>
-        <p:nvSpPr>
-          <p:cNvPr id="4" name="Slide Number Placeholder 3">
-            <a:extLst>
-              <a:ext uri="{FF2B5EF4-FFF2-40B4-BE49-F238E27FC236}">
-                <a16:creationId xmlns:a16="http://schemas.microsoft.com/office/drawing/2014/main" id="{DBC15A87-B8C0-49BE-9E9A-E16E1A251D75}"/>
-              </a:ext>
-            </a:extLst>
-          </p:cNvPr>
-          <p:cNvSpPr>
-            <a:spLocks noGrp="1"/>
-          </p:cNvSpPr>
-          <p:nvPr>
-            <p:ph type="sldNum" sz="quarter" idx="12"/>
-          </p:nvPr>
-        </p:nvSpPr>
-        <p:spPr/>
-        <p:txBody>
-          <a:bodyPr/>
-          <a:lstStyle/>
-          <a:p>
-            <a:fld id="{87998442-DCDF-4622-933A-F9895919A1C1}" type="slidenum">
-              <a:rPr lang="en-US" smtClean="0"/>
-              <a:t>7</a:t>
-            </a:fld>
-            <a:endParaRPr lang="en-US"/>
-          </a:p>
-        </p:txBody>
-      </p:sp>
-    </p:spTree>
-    <p:extLst>
-      <p:ext uri="{BB962C8B-B14F-4D97-AF65-F5344CB8AC3E}">
-        <p14:creationId xmlns:p14="http://schemas.microsoft.com/office/powerpoint/2010/main" val="1815921833"/>
       </p:ext>
     </p:extLst>
   </p:cSld>
@@ -9694,22 +10105,29 @@
           <a:p>
             <a:r>
               <a:rPr lang="en-US" sz="3600" dirty="0">
+                <a:effectLst/>
+                <a:latin typeface="Arial" panose="020B0604020202020204" pitchFamily="34" charset="0"/>
+              </a:rPr>
+              <a:t>RQ2: What are the </a:t>
+            </a:r>
+            <a:r>
+              <a:rPr lang="en-US" sz="3600" dirty="0">
                 <a:solidFill>
-                  <a:schemeClr val="bg2">
-                    <a:lumMod val="75000"/>
-                  </a:schemeClr>
+                  <a:srgbClr val="C00000"/>
                 </a:solidFill>
                 <a:effectLst/>
                 <a:latin typeface="Arial" panose="020B0604020202020204" pitchFamily="34" charset="0"/>
               </a:rPr>
-              <a:t>RQ2: What are the characteristics of the apps that follow a certain release notes pattern?</a:t>
+              <a:t>characteristics</a:t>
+            </a:r>
+            <a:r>
+              <a:rPr lang="en-US" sz="3600" dirty="0">
+                <a:effectLst/>
+                <a:latin typeface="Arial" panose="020B0604020202020204" pitchFamily="34" charset="0"/>
+              </a:rPr>
+              <a:t> of the apps that follow a certain release notes pattern?</a:t>
             </a:r>
             <a:endParaRPr lang="en-US" sz="3600" dirty="0">
-              <a:solidFill>
-                <a:schemeClr val="bg2">
-                  <a:lumMod val="75000"/>
-                </a:schemeClr>
-              </a:solidFill>
               <a:latin typeface="Arial" panose="020B0604020202020204" pitchFamily="34" charset="0"/>
             </a:endParaRPr>
           </a:p>
@@ -9718,34 +10136,35 @@
               <a:buNone/>
             </a:pPr>
             <a:endParaRPr lang="en-US" sz="3600" dirty="0">
-              <a:solidFill>
-                <a:schemeClr val="bg2">
-                  <a:lumMod val="75000"/>
-                </a:schemeClr>
-              </a:solidFill>
               <a:latin typeface="Arial" panose="020B0604020202020204" pitchFamily="34" charset="0"/>
             </a:endParaRPr>
           </a:p>
           <a:p>
             <a:r>
               <a:rPr lang="en-US" sz="3600" dirty="0">
+                <a:effectLst/>
+                <a:latin typeface="Arial" panose="020B0604020202020204" pitchFamily="34" charset="0"/>
+              </a:rPr>
+              <a:t>RQ3: What causes developers to </a:t>
+            </a:r>
+            <a:r>
+              <a:rPr lang="en-US" sz="3600" dirty="0">
                 <a:solidFill>
-                  <a:schemeClr val="bg2">
-                    <a:lumMod val="75000"/>
-                  </a:schemeClr>
+                  <a:srgbClr val="C00000"/>
                 </a:solidFill>
                 <a:effectLst/>
                 <a:latin typeface="Arial" panose="020B0604020202020204" pitchFamily="34" charset="0"/>
               </a:rPr>
-              <a:t>RQ3: What causes developers to shift their release notes pattern?</a:t>
-            </a:r>
-            <a:endParaRPr lang="en-US" sz="3600" dirty="0">
-              <a:solidFill>
-                <a:schemeClr val="bg2">
-                  <a:lumMod val="75000"/>
-                </a:schemeClr>
-              </a:solidFill>
-            </a:endParaRPr>
+              <a:t>shift </a:t>
+            </a:r>
+            <a:r>
+              <a:rPr lang="en-US" sz="3600" dirty="0">
+                <a:effectLst/>
+                <a:latin typeface="Arial" panose="020B0604020202020204" pitchFamily="34" charset="0"/>
+              </a:rPr>
+              <a:t>their release notes pattern?</a:t>
+            </a:r>
+            <a:endParaRPr lang="en-US" sz="3600" dirty="0"/>
           </a:p>
         </p:txBody>
       </p:sp>
@@ -9781,7 +10200,7 @@
     </p:spTree>
     <p:extLst>
       <p:ext uri="{BB962C8B-B14F-4D97-AF65-F5344CB8AC3E}">
-        <p14:creationId xmlns:p14="http://schemas.microsoft.com/office/powerpoint/2010/main" val="1598799206"/>
+        <p14:creationId xmlns:p14="http://schemas.microsoft.com/office/powerpoint/2010/main" val="1815921833"/>
       </p:ext>
     </p:extLst>
   </p:cSld>
@@ -9810,10 +10229,163 @@
       </p:grpSpPr>
       <p:sp>
         <p:nvSpPr>
+          <p:cNvPr id="2" name="Title 1">
+            <a:extLst>
+              <a:ext uri="{FF2B5EF4-FFF2-40B4-BE49-F238E27FC236}">
+                <a16:creationId xmlns:a16="http://schemas.microsoft.com/office/drawing/2014/main" id="{2F0F47D3-2B78-459C-B736-C97C3E722672}"/>
+              </a:ext>
+            </a:extLst>
+          </p:cNvPr>
+          <p:cNvSpPr>
+            <a:spLocks noGrp="1"/>
+          </p:cNvSpPr>
+          <p:nvPr>
+            <p:ph type="title"/>
+          </p:nvPr>
+        </p:nvSpPr>
+        <p:spPr/>
+        <p:txBody>
+          <a:bodyPr/>
+          <a:lstStyle/>
+          <a:p>
+            <a:r>
+              <a:rPr lang="en-US" sz="4400" b="1" dirty="0">
+                <a:solidFill>
+                  <a:srgbClr val="C00000"/>
+                </a:solidFill>
+              </a:rPr>
+              <a:t>Research Questions</a:t>
+            </a:r>
+            <a:endParaRPr lang="en-US" sz="4400" dirty="0"/>
+          </a:p>
+        </p:txBody>
+      </p:sp>
+      <p:sp>
+        <p:nvSpPr>
+          <p:cNvPr id="3" name="Content Placeholder 2">
+            <a:extLst>
+              <a:ext uri="{FF2B5EF4-FFF2-40B4-BE49-F238E27FC236}">
+                <a16:creationId xmlns:a16="http://schemas.microsoft.com/office/drawing/2014/main" id="{F4E2DDD4-D4AC-4902-9B38-CF4361F7BF6E}"/>
+              </a:ext>
+            </a:extLst>
+          </p:cNvPr>
+          <p:cNvSpPr>
+            <a:spLocks noGrp="1"/>
+          </p:cNvSpPr>
+          <p:nvPr>
+            <p:ph idx="1"/>
+          </p:nvPr>
+        </p:nvSpPr>
+        <p:spPr>
+          <a:xfrm>
+            <a:off x="838200" y="1825625"/>
+            <a:ext cx="11023242" cy="4351338"/>
+          </a:xfrm>
+        </p:spPr>
+        <p:txBody>
+          <a:bodyPr>
+            <a:noAutofit/>
+          </a:bodyPr>
+          <a:lstStyle/>
+          <a:p>
+            <a:r>
+              <a:rPr lang="en-US" sz="3600" dirty="0">
+                <a:effectLst/>
+                <a:latin typeface="Arial" panose="020B0604020202020204" pitchFamily="34" charset="0"/>
+              </a:rPr>
+              <a:t>RQ1: What are the release notes </a:t>
+            </a:r>
+            <a:r>
+              <a:rPr lang="en-US" sz="3600" dirty="0">
+                <a:solidFill>
+                  <a:srgbClr val="C00000"/>
+                </a:solidFill>
+                <a:effectLst/>
+                <a:latin typeface="Arial" panose="020B0604020202020204" pitchFamily="34" charset="0"/>
+              </a:rPr>
+              <a:t>update patterns</a:t>
+            </a:r>
+            <a:r>
+              <a:rPr lang="en-US" sz="3600" dirty="0">
+                <a:effectLst/>
+                <a:latin typeface="Arial" panose="020B0604020202020204" pitchFamily="34" charset="0"/>
+              </a:rPr>
+              <a:t>?</a:t>
+            </a:r>
+          </a:p>
+          <a:p>
+            <a:pPr marL="0" indent="0">
+              <a:buNone/>
+            </a:pPr>
+            <a:endParaRPr lang="en-US" sz="3600" dirty="0">
+              <a:effectLst/>
+              <a:latin typeface="Arial" panose="020B0604020202020204" pitchFamily="34" charset="0"/>
+            </a:endParaRPr>
+          </a:p>
+          <a:p>
+            <a:r>
+              <a:rPr lang="en-US" sz="3600" dirty="0">
+                <a:solidFill>
+                  <a:schemeClr val="bg2">
+                    <a:lumMod val="75000"/>
+                  </a:schemeClr>
+                </a:solidFill>
+                <a:effectLst/>
+                <a:latin typeface="Arial" panose="020B0604020202020204" pitchFamily="34" charset="0"/>
+              </a:rPr>
+              <a:t>RQ2: What are the characteristics of the apps that follow a certain release notes pattern?</a:t>
+            </a:r>
+            <a:endParaRPr lang="en-US" sz="3600" dirty="0">
+              <a:solidFill>
+                <a:schemeClr val="bg2">
+                  <a:lumMod val="75000"/>
+                </a:schemeClr>
+              </a:solidFill>
+              <a:latin typeface="Arial" panose="020B0604020202020204" pitchFamily="34" charset="0"/>
+            </a:endParaRPr>
+          </a:p>
+          <a:p>
+            <a:pPr marL="0" indent="0">
+              <a:buNone/>
+            </a:pPr>
+            <a:endParaRPr lang="en-US" sz="3600" dirty="0">
+              <a:solidFill>
+                <a:schemeClr val="bg2">
+                  <a:lumMod val="75000"/>
+                </a:schemeClr>
+              </a:solidFill>
+              <a:latin typeface="Arial" panose="020B0604020202020204" pitchFamily="34" charset="0"/>
+            </a:endParaRPr>
+          </a:p>
+          <a:p>
+            <a:r>
+              <a:rPr lang="en-US" sz="3600" dirty="0">
+                <a:solidFill>
+                  <a:schemeClr val="bg2">
+                    <a:lumMod val="75000"/>
+                  </a:schemeClr>
+                </a:solidFill>
+                <a:effectLst/>
+                <a:latin typeface="Arial" panose="020B0604020202020204" pitchFamily="34" charset="0"/>
+              </a:rPr>
+              <a:t>RQ3: What causes developers to shift their release notes pattern?</a:t>
+            </a:r>
+            <a:endParaRPr lang="en-US" sz="3600" dirty="0">
+              <a:solidFill>
+                <a:schemeClr val="bg2">
+                  <a:lumMod val="75000"/>
+                </a:schemeClr>
+              </a:solidFill>
+            </a:endParaRPr>
+          </a:p>
+        </p:txBody>
+      </p:sp>
+      <p:sp>
+        <p:nvSpPr>
           <p:cNvPr id="4" name="Slide Number Placeholder 3">
             <a:extLst>
               <a:ext uri="{FF2B5EF4-FFF2-40B4-BE49-F238E27FC236}">
-                <a16:creationId xmlns:a16="http://schemas.microsoft.com/office/drawing/2014/main" id="{205923C2-A285-4DDF-AD50-1BEA52E87196}"/>
+                <a16:creationId xmlns:a16="http://schemas.microsoft.com/office/drawing/2014/main" id="{DBC15A87-B8C0-49BE-9E9A-E16E1A251D75}"/>
               </a:ext>
             </a:extLst>
           </p:cNvPr>
@@ -9837,236 +10409,16 @@
           </a:p>
         </p:txBody>
       </p:sp>
-      <p:sp>
-        <p:nvSpPr>
-          <p:cNvPr id="8" name="Title 7">
-            <a:extLst>
-              <a:ext uri="{FF2B5EF4-FFF2-40B4-BE49-F238E27FC236}">
-                <a16:creationId xmlns:a16="http://schemas.microsoft.com/office/drawing/2014/main" id="{529E6E41-F815-4343-9D29-B795352F6900}"/>
-              </a:ext>
-            </a:extLst>
-          </p:cNvPr>
-          <p:cNvSpPr>
-            <a:spLocks noGrp="1"/>
-          </p:cNvSpPr>
-          <p:nvPr>
-            <p:ph type="title"/>
-          </p:nvPr>
-        </p:nvSpPr>
-        <p:spPr>
-          <a:xfrm>
-            <a:off x="994884" y="330629"/>
-            <a:ext cx="10515600" cy="1325563"/>
-          </a:xfrm>
-        </p:spPr>
-        <p:txBody>
-          <a:bodyPr>
-            <a:normAutofit/>
-          </a:bodyPr>
-          <a:lstStyle/>
-          <a:p>
-            <a:pPr algn="ctr"/>
-            <a:r>
-              <a:rPr lang="en-US" sz="4000" b="1" dirty="0">
-                <a:solidFill>
-                  <a:srgbClr val="C00000"/>
-                </a:solidFill>
-              </a:rPr>
-              <a:t>We Observe 6 Release Note Patterns</a:t>
-            </a:r>
-            <a:endParaRPr lang="en-US" sz="4000" dirty="0"/>
-          </a:p>
-        </p:txBody>
-      </p:sp>
-      <p:pic>
-        <p:nvPicPr>
-          <p:cNvPr id="3" name="Picture 2">
-            <a:extLst>
-              <a:ext uri="{FF2B5EF4-FFF2-40B4-BE49-F238E27FC236}">
-                <a16:creationId xmlns:a16="http://schemas.microsoft.com/office/drawing/2014/main" id="{E8C0F4F9-BA6C-4F5A-91EF-4F879BC89040}"/>
-              </a:ext>
-            </a:extLst>
-          </p:cNvPr>
-          <p:cNvPicPr>
-            <a:picLocks noChangeAspect="1"/>
-          </p:cNvPicPr>
-          <p:nvPr/>
-        </p:nvPicPr>
-        <p:blipFill>
-          <a:blip r:embed="rId3"/>
-          <a:stretch>
-            <a:fillRect/>
-          </a:stretch>
-        </p:blipFill>
-        <p:spPr>
-          <a:xfrm>
-            <a:off x="1766206" y="1516863"/>
-            <a:ext cx="8659585" cy="3540459"/>
-          </a:xfrm>
-          <a:prstGeom prst="rect">
-            <a:avLst/>
-          </a:prstGeom>
-        </p:spPr>
-      </p:pic>
-      <p:sp>
-        <p:nvSpPr>
-          <p:cNvPr id="6" name="TextBox 5">
-            <a:extLst>
-              <a:ext uri="{FF2B5EF4-FFF2-40B4-BE49-F238E27FC236}">
-                <a16:creationId xmlns:a16="http://schemas.microsoft.com/office/drawing/2014/main" id="{E6911D41-849A-4AE9-AB83-B2794BBE0EC2}"/>
-              </a:ext>
-            </a:extLst>
-          </p:cNvPr>
-          <p:cNvSpPr txBox="1"/>
-          <p:nvPr/>
-        </p:nvSpPr>
-        <p:spPr>
-          <a:xfrm>
-            <a:off x="1490311" y="5057322"/>
-            <a:ext cx="9211377" cy="1200329"/>
-          </a:xfrm>
-          <a:prstGeom prst="rect">
-            <a:avLst/>
-          </a:prstGeom>
-          <a:noFill/>
-        </p:spPr>
-        <p:txBody>
-          <a:bodyPr wrap="square">
-            <a:spAutoFit/>
-          </a:bodyPr>
-          <a:lstStyle/>
-          <a:p>
-            <a:r>
-              <a:rPr lang="en-US" sz="2400" dirty="0">
-                <a:effectLst/>
-                <a:latin typeface="Calibri" panose="020F0502020204030204" pitchFamily="34" charset="0"/>
-                <a:cs typeface="Calibri" panose="020F0502020204030204" pitchFamily="34" charset="0"/>
-              </a:rPr>
-              <a:t>Example release notes: </a:t>
-            </a:r>
-          </a:p>
-          <a:p>
-            <a:pPr marL="342900" indent="-342900">
-              <a:buFont typeface="Arial" panose="020B0604020202020204" pitchFamily="34" charset="0"/>
-              <a:buChar char="•"/>
-            </a:pPr>
-            <a:r>
-              <a:rPr lang="en-US" sz="2400" dirty="0">
-                <a:effectLst/>
-                <a:latin typeface="Calibri" panose="020F0502020204030204" pitchFamily="34" charset="0"/>
-                <a:cs typeface="Calibri" panose="020F0502020204030204" pitchFamily="34" charset="0"/>
-              </a:rPr>
-              <a:t>GUI enhancements and minor fixes</a:t>
-            </a:r>
-          </a:p>
-          <a:p>
-            <a:pPr marL="342900" indent="-342900">
-              <a:buFont typeface="Arial" panose="020B0604020202020204" pitchFamily="34" charset="0"/>
-              <a:buChar char="•"/>
-            </a:pPr>
-            <a:r>
-              <a:rPr lang="en-US" sz="2400" dirty="0">
-                <a:effectLst/>
-                <a:latin typeface="Calibri" panose="020F0502020204030204" pitchFamily="34" charset="0"/>
-                <a:cs typeface="Calibri" panose="020F0502020204030204" pitchFamily="34" charset="0"/>
-              </a:rPr>
-              <a:t>Fix a bug of the grouping separator. Improved calculation precision</a:t>
-            </a:r>
-            <a:endParaRPr lang="en-US" sz="2400" dirty="0">
-              <a:latin typeface="Calibri" panose="020F0502020204030204" pitchFamily="34" charset="0"/>
-              <a:cs typeface="Calibri" panose="020F0502020204030204" pitchFamily="34" charset="0"/>
-            </a:endParaRPr>
-          </a:p>
-        </p:txBody>
-      </p:sp>
     </p:spTree>
     <p:extLst>
       <p:ext uri="{BB962C8B-B14F-4D97-AF65-F5344CB8AC3E}">
-        <p14:creationId xmlns:p14="http://schemas.microsoft.com/office/powerpoint/2010/main" val="3345027161"/>
+        <p14:creationId xmlns:p14="http://schemas.microsoft.com/office/powerpoint/2010/main" val="1598799206"/>
       </p:ext>
     </p:extLst>
   </p:cSld>
   <p:clrMapOvr>
     <a:masterClrMapping/>
   </p:clrMapOvr>
-  <p:timing>
-    <p:tnLst>
-      <p:par>
-        <p:cTn id="1" dur="indefinite" restart="never" nodeType="tmRoot">
-          <p:childTnLst>
-            <p:seq concurrent="1" nextAc="seek">
-              <p:cTn id="2" dur="indefinite" nodeType="mainSeq">
-                <p:childTnLst>
-                  <p:par>
-                    <p:cTn id="3" fill="hold">
-                      <p:stCondLst>
-                        <p:cond delay="indefinite"/>
-                      </p:stCondLst>
-                      <p:childTnLst>
-                        <p:par>
-                          <p:cTn id="4" fill="hold">
-                            <p:stCondLst>
-                              <p:cond delay="0"/>
-                            </p:stCondLst>
-                            <p:childTnLst>
-                              <p:par>
-                                <p:cTn id="5" presetID="1" presetClass="entr" presetSubtype="0" fill="hold" grpId="0" nodeType="clickEffect">
-                                  <p:stCondLst>
-                                    <p:cond delay="0"/>
-                                  </p:stCondLst>
-                                  <p:childTnLst>
-                                    <p:set>
-                                      <p:cBhvr>
-                                        <p:cTn id="6" dur="1" fill="hold">
-                                          <p:stCondLst>
-                                            <p:cond delay="0"/>
-                                          </p:stCondLst>
-                                        </p:cTn>
-                                        <p:tgtEl>
-                                          <p:spTgt spid="6"/>
-                                        </p:tgtEl>
-                                        <p:attrNameLst>
-                                          <p:attrName>style.visibility</p:attrName>
-                                        </p:attrNameLst>
-                                      </p:cBhvr>
-                                      <p:to>
-                                        <p:strVal val="visible"/>
-                                      </p:to>
-                                    </p:set>
-                                  </p:childTnLst>
-                                </p:cTn>
-                              </p:par>
-                            </p:childTnLst>
-                          </p:cTn>
-                        </p:par>
-                      </p:childTnLst>
-                    </p:cTn>
-                  </p:par>
-                </p:childTnLst>
-              </p:cTn>
-              <p:prevCondLst>
-                <p:cond evt="onPrev" delay="0">
-                  <p:tgtEl>
-                    <p:sldTgt/>
-                  </p:tgtEl>
-                </p:cond>
-              </p:prevCondLst>
-              <p:nextCondLst>
-                <p:cond evt="onNext" delay="0">
-                  <p:tgtEl>
-                    <p:sldTgt/>
-                  </p:tgtEl>
-                </p:cond>
-              </p:nextCondLst>
-            </p:seq>
-          </p:childTnLst>
-        </p:cTn>
-      </p:par>
-    </p:tnLst>
-    <p:bldLst>
-      <p:bldP spid="6" grpId="0"/>
-    </p:bldLst>
-  </p:timing>
 </p:sld>
 </file>
 

--- a/files/icse22.pptx
+++ b/files/icse22.pptx
@@ -5,7 +5,7 @@
     <p:sldMasterId id="2147483648" r:id="rId1"/>
   </p:sldMasterIdLst>
   <p:notesMasterIdLst>
-    <p:notesMasterId r:id="rId20"/>
+    <p:notesMasterId r:id="rId21"/>
   </p:notesMasterIdLst>
   <p:sldIdLst>
     <p:sldId id="366" r:id="rId2"/>
@@ -14,18 +14,19 @@
     <p:sldId id="375" r:id="rId5"/>
     <p:sldId id="347" r:id="rId6"/>
     <p:sldId id="348" r:id="rId7"/>
-    <p:sldId id="349" r:id="rId8"/>
-    <p:sldId id="367" r:id="rId9"/>
-    <p:sldId id="368" r:id="rId10"/>
-    <p:sldId id="350" r:id="rId11"/>
-    <p:sldId id="369" r:id="rId12"/>
-    <p:sldId id="356" r:id="rId13"/>
-    <p:sldId id="374" r:id="rId14"/>
-    <p:sldId id="370" r:id="rId15"/>
-    <p:sldId id="371" r:id="rId16"/>
-    <p:sldId id="372" r:id="rId17"/>
-    <p:sldId id="373" r:id="rId18"/>
-    <p:sldId id="351" r:id="rId19"/>
+    <p:sldId id="376" r:id="rId8"/>
+    <p:sldId id="349" r:id="rId9"/>
+    <p:sldId id="367" r:id="rId10"/>
+    <p:sldId id="368" r:id="rId11"/>
+    <p:sldId id="350" r:id="rId12"/>
+    <p:sldId id="369" r:id="rId13"/>
+    <p:sldId id="356" r:id="rId14"/>
+    <p:sldId id="374" r:id="rId15"/>
+    <p:sldId id="370" r:id="rId16"/>
+    <p:sldId id="371" r:id="rId17"/>
+    <p:sldId id="372" r:id="rId18"/>
+    <p:sldId id="373" r:id="rId19"/>
+    <p:sldId id="351" r:id="rId20"/>
   </p:sldIdLst>
   <p:sldSz cx="12192000" cy="6858000"/>
   <p:notesSz cx="6858000" cy="9144000"/>
@@ -226,7 +227,7 @@
           <a:p>
             <a:fld id="{7765B7B4-1140-426D-80C7-5C3DF0ADCEB4}" type="datetimeFigureOut">
               <a:rPr lang="en-US" smtClean="0"/>
-              <a:t>4/7/2022</a:t>
+              <a:t>4/9/2022</a:t>
             </a:fld>
             <a:endParaRPr lang="en-US"/>
           </a:p>
@@ -539,27 +540,51 @@
           <a:p>
             <a:r>
               <a:rPr lang="en-US" dirty="0"/>
-              <a:t>say it was published in </a:t>
+              <a:t>Hello everyone, and welcome to my ICSE journal first talk.</a:t>
+            </a:r>
+          </a:p>
+          <a:p>
+            <a:r>
+              <a:rPr lang="en-US" dirty="0"/>
+              <a:t>This paper is titled An Empirical Study on Release Notes Patterns of</a:t>
+            </a:r>
+            <a:br>
+              <a:rPr lang="en-US" dirty="0"/>
+            </a:br>
+            <a:r>
+              <a:rPr lang="en-US" dirty="0"/>
+              <a:t>Popular Apps in the Google Play Store, and it is published under EMSE in 2022.</a:t>
+            </a:r>
+          </a:p>
+          <a:p>
+            <a:r>
+              <a:rPr lang="en-US" dirty="0"/>
+              <a:t>My name is Aidan Yang, and I am a </a:t>
             </a:r>
             <a:r>
               <a:rPr lang="en-US" dirty="0" err="1"/>
-              <a:t>emse</a:t>
+              <a:t>phd</a:t>
             </a:r>
             <a:r>
               <a:rPr lang="en-US" dirty="0"/>
-              <a:t>, give full citation</a:t>
-            </a:r>
-          </a:p>
-          <a:p>
+              <a:t> student at Carnegie </a:t>
+            </a:r>
+            <a:r>
+              <a:rPr lang="en-US" dirty="0" err="1"/>
+              <a:t>mellon</a:t>
+            </a:r>
             <a:r>
               <a:rPr lang="en-US" dirty="0"/>
-              <a:t>also talk about my affiliation</a:t>
-            </a:r>
+              <a:t> university, where my research is focused on software engineering and machine learning. </a:t>
+            </a:r>
+          </a:p>
+          <a:p>
+            <a:endParaRPr lang="en-US" dirty="0"/>
           </a:p>
           <a:p>
             <a:r>
               <a:rPr lang="en-US" dirty="0"/>
-              <a:t>impress people</a:t>
+              <a:t>The main motivation behind this paper is that developers on app stores write a release note at every update of their app, and prior to this work, no one has done an empirical, longitudinal study on release notes. </a:t>
             </a:r>
           </a:p>
         </p:txBody>
@@ -646,13 +671,7 @@
           <a:p>
             <a:r>
               <a:rPr lang="en-US" dirty="0"/>
-              <a:t>what is correlated with a shift in release notes. we wanted to formalize and learn about the apps. </a:t>
-            </a:r>
-          </a:p>
-          <a:p>
-            <a:r>
-              <a:rPr lang="en-US" dirty="0"/>
-              <a:t>we took a natural science approach to see if release patterns change at all. we observe they follow different patterns and have characteristics. </a:t>
+              <a:t>rq2 do </a:t>
             </a:r>
           </a:p>
         </p:txBody>
@@ -674,7 +693,7 @@
           <a:p>
             <a:fld id="{F4FE2420-440E-4D53-B736-BE72874883E6}" type="slidenum">
               <a:rPr lang="en-US" smtClean="0"/>
-              <a:t>14</a:t>
+              <a:t>10</a:t>
             </a:fld>
             <a:endParaRPr lang="en-US"/>
           </a:p>
@@ -683,7 +702,7 @@
     </p:spTree>
     <p:extLst>
       <p:ext uri="{BB962C8B-B14F-4D97-AF65-F5344CB8AC3E}">
-        <p14:creationId xmlns:p14="http://schemas.microsoft.com/office/powerpoint/2010/main" val="4089347118"/>
+        <p14:creationId xmlns:p14="http://schemas.microsoft.com/office/powerpoint/2010/main" val="3893156459"/>
       </p:ext>
     </p:extLst>
   </p:cSld>
@@ -739,19 +758,25 @@
           <a:p>
             <a:r>
               <a:rPr lang="en-US" dirty="0"/>
-              <a:t>why is this important, do a motivation on all 3 of these. </a:t>
-            </a:r>
+              <a:t>We find 6 different release note patterns based on the release note features, which we use the string length of release note, and cosine similarity of each release note to its previous version, which we call updatability.</a:t>
+            </a:r>
+          </a:p>
+          <a:p>
+            <a:endParaRPr lang="en-US" dirty="0"/>
           </a:p>
           <a:p>
             <a:r>
               <a:rPr lang="en-US" dirty="0"/>
-              <a:t>show a graphical representation of the time series. </a:t>
-            </a:r>
+              <a:t>For example, pattern 1, short non-updating steady, has short and always low updating release notes. These types of release notes will always say something like “bug fixes”, or “minor improvements”. Of our dataset, we find that 439 of the apps exhibit these kinds of release notes. </a:t>
+            </a:r>
+          </a:p>
+          <a:p>
+            <a:endParaRPr lang="en-US" dirty="0"/>
           </a:p>
           <a:p>
             <a:r>
               <a:rPr lang="en-US" dirty="0"/>
-              <a:t>we use the mean and variance of the windows. </a:t>
+              <a:t>Pattern 2 is short updating and steady. That means that release notes are short but always update at each release. We find only 111 apps that writes these kinds of release notes.</a:t>
             </a:r>
           </a:p>
           <a:p>
@@ -760,7 +785,7 @@
           <a:p>
             <a:r>
               <a:rPr lang="en-US" dirty="0"/>
-              <a:t>we study how much things change based on time series analysis</a:t>
+              <a:t>We also find another type of pattern, where apps don’t change their release notes, until a major release. We sometimes see apps that have much more descriptive release notes when the app undergoes a big change. For example, pattern 6, long rising-updatability with major releases. Of this type, we find 288 apps within our dataset. </a:t>
             </a:r>
           </a:p>
         </p:txBody>
@@ -782,7 +807,7 @@
           <a:p>
             <a:fld id="{F4FE2420-440E-4D53-B736-BE72874883E6}" type="slidenum">
               <a:rPr lang="en-US" smtClean="0"/>
-              <a:t>15</a:t>
+              <a:t>11</a:t>
             </a:fld>
             <a:endParaRPr lang="en-US"/>
           </a:p>
@@ -791,7 +816,7 @@
     </p:spTree>
     <p:extLst>
       <p:ext uri="{BB962C8B-B14F-4D97-AF65-F5344CB8AC3E}">
-        <p14:creationId xmlns:p14="http://schemas.microsoft.com/office/powerpoint/2010/main" val="2348628236"/>
+        <p14:creationId xmlns:p14="http://schemas.microsoft.com/office/powerpoint/2010/main" val="4051495345"/>
       </p:ext>
     </p:extLst>
   </p:cSld>
@@ -847,13 +872,13 @@
           <a:p>
             <a:r>
               <a:rPr lang="en-US" dirty="0"/>
-              <a:t>thickness of the arrow </a:t>
+              <a:t>Now we want to know if these release note patterns have anything to do with how other app characteristics. Think back to the staples app example, I wonder if it is just that one user who really didn’t like the staples release notes, giving a negative review. Or, maybe the way release notes are written actually have correlation with other app qualities as a general trend on the google play store.</a:t>
             </a:r>
           </a:p>
           <a:p>
             <a:r>
               <a:rPr lang="en-US" dirty="0"/>
-              <a:t>skip a lot of this slide </a:t>
+              <a:t>To answer that question, we use statistical and machine learning tools to find characteristics of apps that correlate with any of our identified release note patterns. </a:t>
             </a:r>
           </a:p>
         </p:txBody>
@@ -875,7 +900,7 @@
           <a:p>
             <a:fld id="{F4FE2420-440E-4D53-B736-BE72874883E6}" type="slidenum">
               <a:rPr lang="en-US" smtClean="0"/>
-              <a:t>16</a:t>
+              <a:t>12</a:t>
             </a:fld>
             <a:endParaRPr lang="en-US"/>
           </a:p>
@@ -884,7 +909,7 @@
     </p:spTree>
     <p:extLst>
       <p:ext uri="{BB962C8B-B14F-4D97-AF65-F5344CB8AC3E}">
-        <p14:creationId xmlns:p14="http://schemas.microsoft.com/office/powerpoint/2010/main" val="1817942388"/>
+        <p14:creationId xmlns:p14="http://schemas.microsoft.com/office/powerpoint/2010/main" val="3572565714"/>
       </p:ext>
     </p:extLst>
   </p:cSld>
@@ -938,33 +963,6 @@
           <a:bodyPr/>
           <a:lstStyle/>
           <a:p>
-            <a:r>
-              <a:rPr lang="en-US" dirty="0"/>
-              <a:t>go into this point more</a:t>
-            </a:r>
-          </a:p>
-          <a:p>
-            <a:endParaRPr lang="en-US" dirty="0"/>
-          </a:p>
-          <a:p>
-            <a:r>
-              <a:rPr lang="en-US" dirty="0"/>
-              <a:t>tables are very small make bigger for all figures</a:t>
-            </a:r>
-          </a:p>
-          <a:p>
-            <a:endParaRPr lang="en-US" dirty="0"/>
-          </a:p>
-          <a:p>
-            <a:r>
-              <a:rPr lang="en-US" dirty="0"/>
-              <a:t>bolding more texts</a:t>
-            </a:r>
-          </a:p>
-          <a:p>
-            <a:endParaRPr lang="en-US" dirty="0"/>
-          </a:p>
-          <a:p>
             <a:endParaRPr lang="en-US" dirty="0"/>
           </a:p>
         </p:txBody>
@@ -986,7 +984,7 @@
           <a:p>
             <a:fld id="{F4FE2420-440E-4D53-B736-BE72874883E6}" type="slidenum">
               <a:rPr lang="en-US" smtClean="0"/>
-              <a:t>17</a:t>
+              <a:t>13</a:t>
             </a:fld>
             <a:endParaRPr lang="en-US"/>
           </a:p>
@@ -995,7 +993,7 @@
     </p:spTree>
     <p:extLst>
       <p:ext uri="{BB962C8B-B14F-4D97-AF65-F5344CB8AC3E}">
-        <p14:creationId xmlns:p14="http://schemas.microsoft.com/office/powerpoint/2010/main" val="2020759122"/>
+        <p14:creationId xmlns:p14="http://schemas.microsoft.com/office/powerpoint/2010/main" val="992230321"/>
       </p:ext>
     </p:extLst>
   </p:cSld>
@@ -1051,13 +1049,336 @@
           <a:p>
             <a:r>
               <a:rPr lang="en-US" dirty="0"/>
-              <a:t>make more clear imperfect release notes. there is something interesting with release notes. no-one has done this before dig into it. </a:t>
+              <a:t>what is correlated with a shift in release notes. we wanted to formalize and learn about the apps. </a:t>
             </a:r>
           </a:p>
           <a:p>
             <a:r>
               <a:rPr lang="en-US" dirty="0"/>
-              <a:t>it seems there are correlations with updated</a:t>
+              <a:t>we took a natural science approach to see if release patterns change at all. we observe they follow different patterns and have characteristics. </a:t>
+            </a:r>
+          </a:p>
+        </p:txBody>
+      </p:sp>
+      <p:sp>
+        <p:nvSpPr>
+          <p:cNvPr id="4" name="Slide Number Placeholder 3"/>
+          <p:cNvSpPr>
+            <a:spLocks noGrp="1"/>
+          </p:cNvSpPr>
+          <p:nvPr>
+            <p:ph type="sldNum" sz="quarter" idx="5"/>
+          </p:nvPr>
+        </p:nvSpPr>
+        <p:spPr/>
+        <p:txBody>
+          <a:bodyPr/>
+          <a:lstStyle/>
+          <a:p>
+            <a:fld id="{F4FE2420-440E-4D53-B736-BE72874883E6}" type="slidenum">
+              <a:rPr lang="en-US" smtClean="0"/>
+              <a:t>15</a:t>
+            </a:fld>
+            <a:endParaRPr lang="en-US"/>
+          </a:p>
+        </p:txBody>
+      </p:sp>
+    </p:spTree>
+    <p:extLst>
+      <p:ext uri="{BB962C8B-B14F-4D97-AF65-F5344CB8AC3E}">
+        <p14:creationId xmlns:p14="http://schemas.microsoft.com/office/powerpoint/2010/main" val="4089347118"/>
+      </p:ext>
+    </p:extLst>
+  </p:cSld>
+  <p:clrMapOvr>
+    <a:masterClrMapping/>
+  </p:clrMapOvr>
+</p:notes>
+</file>
+
+<file path=ppt/notesSlides/notesSlide15.xml><?xml version="1.0" encoding="utf-8"?>
+<p:notes xmlns:a="http://schemas.openxmlformats.org/drawingml/2006/main" xmlns:r="http://schemas.openxmlformats.org/officeDocument/2006/relationships" xmlns:p="http://schemas.openxmlformats.org/presentationml/2006/main">
+  <p:cSld>
+    <p:spTree>
+      <p:nvGrpSpPr>
+        <p:cNvPr id="1" name=""/>
+        <p:cNvGrpSpPr/>
+        <p:nvPr/>
+      </p:nvGrpSpPr>
+      <p:grpSpPr>
+        <a:xfrm>
+          <a:off x="0" y="0"/>
+          <a:ext cx="0" cy="0"/>
+          <a:chOff x="0" y="0"/>
+          <a:chExt cx="0" cy="0"/>
+        </a:xfrm>
+      </p:grpSpPr>
+      <p:sp>
+        <p:nvSpPr>
+          <p:cNvPr id="2" name="Slide Image Placeholder 1"/>
+          <p:cNvSpPr>
+            <a:spLocks noGrp="1" noRot="1" noChangeAspect="1"/>
+          </p:cNvSpPr>
+          <p:nvPr>
+            <p:ph type="sldImg"/>
+          </p:nvPr>
+        </p:nvSpPr>
+        <p:spPr/>
+      </p:sp>
+      <p:sp>
+        <p:nvSpPr>
+          <p:cNvPr id="3" name="Notes Placeholder 2"/>
+          <p:cNvSpPr>
+            <a:spLocks noGrp="1"/>
+          </p:cNvSpPr>
+          <p:nvPr>
+            <p:ph type="body" idx="1"/>
+          </p:nvPr>
+        </p:nvSpPr>
+        <p:spPr/>
+        <p:txBody>
+          <a:bodyPr/>
+          <a:lstStyle/>
+          <a:p>
+            <a:endParaRPr lang="en-US" dirty="0"/>
+          </a:p>
+          <a:p>
+            <a:r>
+              <a:rPr lang="en-US" dirty="0"/>
+              <a:t>we study how much a release note pattern changes based on time series analysis</a:t>
+            </a:r>
+          </a:p>
+        </p:txBody>
+      </p:sp>
+      <p:sp>
+        <p:nvSpPr>
+          <p:cNvPr id="4" name="Slide Number Placeholder 3"/>
+          <p:cNvSpPr>
+            <a:spLocks noGrp="1"/>
+          </p:cNvSpPr>
+          <p:nvPr>
+            <p:ph type="sldNum" sz="quarter" idx="5"/>
+          </p:nvPr>
+        </p:nvSpPr>
+        <p:spPr/>
+        <p:txBody>
+          <a:bodyPr/>
+          <a:lstStyle/>
+          <a:p>
+            <a:fld id="{F4FE2420-440E-4D53-B736-BE72874883E6}" type="slidenum">
+              <a:rPr lang="en-US" smtClean="0"/>
+              <a:t>16</a:t>
+            </a:fld>
+            <a:endParaRPr lang="en-US"/>
+          </a:p>
+        </p:txBody>
+      </p:sp>
+    </p:spTree>
+    <p:extLst>
+      <p:ext uri="{BB962C8B-B14F-4D97-AF65-F5344CB8AC3E}">
+        <p14:creationId xmlns:p14="http://schemas.microsoft.com/office/powerpoint/2010/main" val="2348628236"/>
+      </p:ext>
+    </p:extLst>
+  </p:cSld>
+  <p:clrMapOvr>
+    <a:masterClrMapping/>
+  </p:clrMapOvr>
+</p:notes>
+</file>
+
+<file path=ppt/notesSlides/notesSlide16.xml><?xml version="1.0" encoding="utf-8"?>
+<p:notes xmlns:a="http://schemas.openxmlformats.org/drawingml/2006/main" xmlns:r="http://schemas.openxmlformats.org/officeDocument/2006/relationships" xmlns:p="http://schemas.openxmlformats.org/presentationml/2006/main">
+  <p:cSld>
+    <p:spTree>
+      <p:nvGrpSpPr>
+        <p:cNvPr id="1" name=""/>
+        <p:cNvGrpSpPr/>
+        <p:nvPr/>
+      </p:nvGrpSpPr>
+      <p:grpSpPr>
+        <a:xfrm>
+          <a:off x="0" y="0"/>
+          <a:ext cx="0" cy="0"/>
+          <a:chOff x="0" y="0"/>
+          <a:chExt cx="0" cy="0"/>
+        </a:xfrm>
+      </p:grpSpPr>
+      <p:sp>
+        <p:nvSpPr>
+          <p:cNvPr id="2" name="Slide Image Placeholder 1"/>
+          <p:cNvSpPr>
+            <a:spLocks noGrp="1" noRot="1" noChangeAspect="1"/>
+          </p:cNvSpPr>
+          <p:nvPr>
+            <p:ph type="sldImg"/>
+          </p:nvPr>
+        </p:nvSpPr>
+        <p:spPr/>
+      </p:sp>
+      <p:sp>
+        <p:nvSpPr>
+          <p:cNvPr id="3" name="Notes Placeholder 2"/>
+          <p:cNvSpPr>
+            <a:spLocks noGrp="1"/>
+          </p:cNvSpPr>
+          <p:nvPr>
+            <p:ph type="body" idx="1"/>
+          </p:nvPr>
+        </p:nvSpPr>
+        <p:spPr/>
+        <p:txBody>
+          <a:bodyPr/>
+          <a:lstStyle/>
+          <a:p>
+            <a:r>
+              <a:rPr lang="en-US" dirty="0"/>
+              <a:t>thickness of the arrow </a:t>
+            </a:r>
+          </a:p>
+          <a:p>
+            <a:r>
+              <a:rPr lang="en-US" dirty="0"/>
+              <a:t>skip a lot of this slide </a:t>
+            </a:r>
+          </a:p>
+        </p:txBody>
+      </p:sp>
+      <p:sp>
+        <p:nvSpPr>
+          <p:cNvPr id="4" name="Slide Number Placeholder 3"/>
+          <p:cNvSpPr>
+            <a:spLocks noGrp="1"/>
+          </p:cNvSpPr>
+          <p:nvPr>
+            <p:ph type="sldNum" sz="quarter" idx="5"/>
+          </p:nvPr>
+        </p:nvSpPr>
+        <p:spPr/>
+        <p:txBody>
+          <a:bodyPr/>
+          <a:lstStyle/>
+          <a:p>
+            <a:fld id="{F4FE2420-440E-4D53-B736-BE72874883E6}" type="slidenum">
+              <a:rPr lang="en-US" smtClean="0"/>
+              <a:t>17</a:t>
+            </a:fld>
+            <a:endParaRPr lang="en-US"/>
+          </a:p>
+        </p:txBody>
+      </p:sp>
+    </p:spTree>
+    <p:extLst>
+      <p:ext uri="{BB962C8B-B14F-4D97-AF65-F5344CB8AC3E}">
+        <p14:creationId xmlns:p14="http://schemas.microsoft.com/office/powerpoint/2010/main" val="1817942388"/>
+      </p:ext>
+    </p:extLst>
+  </p:cSld>
+  <p:clrMapOvr>
+    <a:masterClrMapping/>
+  </p:clrMapOvr>
+</p:notes>
+</file>
+
+<file path=ppt/notesSlides/notesSlide17.xml><?xml version="1.0" encoding="utf-8"?>
+<p:notes xmlns:a="http://schemas.openxmlformats.org/drawingml/2006/main" xmlns:r="http://schemas.openxmlformats.org/officeDocument/2006/relationships" xmlns:p="http://schemas.openxmlformats.org/presentationml/2006/main">
+  <p:cSld>
+    <p:spTree>
+      <p:nvGrpSpPr>
+        <p:cNvPr id="1" name=""/>
+        <p:cNvGrpSpPr/>
+        <p:nvPr/>
+      </p:nvGrpSpPr>
+      <p:grpSpPr>
+        <a:xfrm>
+          <a:off x="0" y="0"/>
+          <a:ext cx="0" cy="0"/>
+          <a:chOff x="0" y="0"/>
+          <a:chExt cx="0" cy="0"/>
+        </a:xfrm>
+      </p:grpSpPr>
+      <p:sp>
+        <p:nvSpPr>
+          <p:cNvPr id="2" name="Slide Image Placeholder 1"/>
+          <p:cNvSpPr>
+            <a:spLocks noGrp="1" noRot="1" noChangeAspect="1"/>
+          </p:cNvSpPr>
+          <p:nvPr>
+            <p:ph type="sldImg"/>
+          </p:nvPr>
+        </p:nvSpPr>
+        <p:spPr/>
+      </p:sp>
+      <p:sp>
+        <p:nvSpPr>
+          <p:cNvPr id="3" name="Notes Placeholder 2"/>
+          <p:cNvSpPr>
+            <a:spLocks noGrp="1"/>
+          </p:cNvSpPr>
+          <p:nvPr>
+            <p:ph type="body" idx="1"/>
+          </p:nvPr>
+        </p:nvSpPr>
+        <p:spPr/>
+        <p:txBody>
+          <a:bodyPr/>
+          <a:lstStyle/>
+          <a:p>
+            <a:endParaRPr lang="en-US" dirty="0"/>
+          </a:p>
+          <a:p>
+            <a:endParaRPr lang="en-US" dirty="0"/>
+          </a:p>
+          <a:p>
+            <a:r>
+              <a:rPr lang="en-US" dirty="0"/>
+              <a:t>For all the 54 apps that show a pattern shift, we read the release notes before and after its shift to see why the release notes are different. </a:t>
+            </a:r>
+          </a:p>
+          <a:p>
+            <a:endParaRPr lang="en-US" dirty="0"/>
+          </a:p>
+          <a:p>
+            <a:r>
+              <a:rPr lang="en-US" dirty="0"/>
+              <a:t>We saw that some shifts are because of apps need to teach users how to use a new feature</a:t>
+            </a:r>
+          </a:p>
+          <a:p>
+            <a:r>
+              <a:rPr lang="en-US" dirty="0"/>
+              <a:t>Address a particularly negative user feedback, talk about a big fixes or UI changes that might confuse users.</a:t>
+            </a:r>
+          </a:p>
+          <a:p>
+            <a:r>
+              <a:rPr lang="en-US" dirty="0"/>
+              <a:t>Sometimes they change patterns because google play store has a service update so they have to mention it in subsequent release notes.</a:t>
+            </a:r>
+          </a:p>
+          <a:p>
+            <a:endParaRPr lang="en-US" dirty="0"/>
+          </a:p>
+          <a:p>
+            <a:r>
+              <a:rPr lang="en-US" dirty="0"/>
+              <a:t>And the last two are fun! Sometimes </a:t>
+            </a:r>
+            <a:r>
+              <a:rPr lang="en-US" dirty="0" err="1"/>
+              <a:t>devs</a:t>
+            </a:r>
+            <a:r>
+              <a:rPr lang="en-US" dirty="0"/>
+              <a:t> just include a fun holiday release note or make jokes about the new updates. </a:t>
+            </a:r>
+          </a:p>
+          <a:p>
+            <a:endParaRPr lang="en-US" dirty="0"/>
+          </a:p>
+          <a:p>
+            <a:r>
+              <a:rPr lang="en-US" dirty="0"/>
+              <a:t>One important finding we saw was that in one particular shift, pattern 1 to pattern 5, which goes from short and never updating release notes to long and updating release notes show a 94% higher average rating AFTER the shift. So developers writing descriptive and updating release notes does see a correlation with users enjoying the app more!</a:t>
             </a:r>
           </a:p>
         </p:txBody>
@@ -1080,6 +1401,99 @@
             <a:fld id="{F4FE2420-440E-4D53-B736-BE72874883E6}" type="slidenum">
               <a:rPr lang="en-US" smtClean="0"/>
               <a:t>18</a:t>
+            </a:fld>
+            <a:endParaRPr lang="en-US"/>
+          </a:p>
+        </p:txBody>
+      </p:sp>
+    </p:spTree>
+    <p:extLst>
+      <p:ext uri="{BB962C8B-B14F-4D97-AF65-F5344CB8AC3E}">
+        <p14:creationId xmlns:p14="http://schemas.microsoft.com/office/powerpoint/2010/main" val="2020759122"/>
+      </p:ext>
+    </p:extLst>
+  </p:cSld>
+  <p:clrMapOvr>
+    <a:masterClrMapping/>
+  </p:clrMapOvr>
+</p:notes>
+</file>
+
+<file path=ppt/notesSlides/notesSlide18.xml><?xml version="1.0" encoding="utf-8"?>
+<p:notes xmlns:a="http://schemas.openxmlformats.org/drawingml/2006/main" xmlns:r="http://schemas.openxmlformats.org/officeDocument/2006/relationships" xmlns:p="http://schemas.openxmlformats.org/presentationml/2006/main">
+  <p:cSld>
+    <p:spTree>
+      <p:nvGrpSpPr>
+        <p:cNvPr id="1" name=""/>
+        <p:cNvGrpSpPr/>
+        <p:nvPr/>
+      </p:nvGrpSpPr>
+      <p:grpSpPr>
+        <a:xfrm>
+          <a:off x="0" y="0"/>
+          <a:ext cx="0" cy="0"/>
+          <a:chOff x="0" y="0"/>
+          <a:chExt cx="0" cy="0"/>
+        </a:xfrm>
+      </p:grpSpPr>
+      <p:sp>
+        <p:nvSpPr>
+          <p:cNvPr id="2" name="Slide Image Placeholder 1"/>
+          <p:cNvSpPr>
+            <a:spLocks noGrp="1" noRot="1" noChangeAspect="1"/>
+          </p:cNvSpPr>
+          <p:nvPr>
+            <p:ph type="sldImg"/>
+          </p:nvPr>
+        </p:nvSpPr>
+        <p:spPr/>
+      </p:sp>
+      <p:sp>
+        <p:nvSpPr>
+          <p:cNvPr id="3" name="Notes Placeholder 2"/>
+          <p:cNvSpPr>
+            <a:spLocks noGrp="1"/>
+          </p:cNvSpPr>
+          <p:nvPr>
+            <p:ph type="body" idx="1"/>
+          </p:nvPr>
+        </p:nvSpPr>
+        <p:spPr/>
+        <p:txBody>
+          <a:bodyPr/>
+          <a:lstStyle/>
+          <a:p>
+            <a:r>
+              <a:rPr lang="en-US" dirty="0"/>
+              <a:t>make more clear imperfect release notes. there is something interesting with release notes. no-one has done this before dig into it. </a:t>
+            </a:r>
+          </a:p>
+          <a:p>
+            <a:r>
+              <a:rPr lang="en-US" dirty="0"/>
+              <a:t>it seems there are correlations with updated</a:t>
+            </a:r>
+          </a:p>
+        </p:txBody>
+      </p:sp>
+      <p:sp>
+        <p:nvSpPr>
+          <p:cNvPr id="4" name="Slide Number Placeholder 3"/>
+          <p:cNvSpPr>
+            <a:spLocks noGrp="1"/>
+          </p:cNvSpPr>
+          <p:nvPr>
+            <p:ph type="sldNum" sz="quarter" idx="5"/>
+          </p:nvPr>
+        </p:nvSpPr>
+        <p:spPr/>
+        <p:txBody>
+          <a:bodyPr/>
+          <a:lstStyle/>
+          <a:p>
+            <a:fld id="{F4FE2420-440E-4D53-B736-BE72874883E6}" type="slidenum">
+              <a:rPr lang="en-US" smtClean="0"/>
+              <a:t>19</a:t>
             </a:fld>
             <a:endParaRPr lang="en-US"/>
           </a:p>
@@ -1144,13 +1558,13 @@
           <a:p>
             <a:r>
               <a:rPr lang="en-US" dirty="0"/>
-              <a:t>release notes describe new features</a:t>
+              <a:t>release notes describe new features and fixes in an app’s update. </a:t>
             </a:r>
           </a:p>
           <a:p>
             <a:r>
               <a:rPr lang="en-US" dirty="0"/>
-              <a:t>a popular app </a:t>
+              <a:t>Here is an example of a release note, from a popular app that </a:t>
             </a:r>
             <a:r>
               <a:rPr lang="en-US" dirty="0" err="1"/>
@@ -1158,18 +1572,15 @@
             </a:r>
             <a:r>
               <a:rPr lang="en-US" dirty="0"/>
-              <a:t> really like is </a:t>
+              <a:t> really like: </a:t>
             </a:r>
             <a:r>
               <a:rPr lang="en-US" dirty="0" err="1"/>
               <a:t>duolingo</a:t>
             </a:r>
-            <a:endParaRPr lang="en-US" dirty="0"/>
-          </a:p>
-          <a:p>
             <a:r>
               <a:rPr lang="en-US" dirty="0"/>
-              <a:t>a </a:t>
+              <a:t>, a </a:t>
             </a:r>
             <a:r>
               <a:rPr lang="en-US" dirty="0" err="1"/>
@@ -1177,7 +1588,7 @@
             </a:r>
             <a:r>
               <a:rPr lang="en-US" dirty="0"/>
-              <a:t> native company</a:t>
+              <a:t> native company.</a:t>
             </a:r>
           </a:p>
           <a:p>
@@ -1186,7 +1597,21 @@
           <a:p>
             <a:r>
               <a:rPr lang="en-US" dirty="0"/>
-              <a:t>release notes are useful for both developers and users but are imperfect</a:t>
+              <a:t>In their release note, </a:t>
+            </a:r>
+            <a:r>
+              <a:rPr lang="en-US" dirty="0" err="1"/>
+              <a:t>duolingo</a:t>
+            </a:r>
+            <a:r>
+              <a:rPr lang="en-US" dirty="0"/>
+              <a:t> developers describe their new language tip icon. On first glance, this seems like a descriptive, and well written release note. </a:t>
+            </a:r>
+          </a:p>
+          <a:p>
+            <a:r>
+              <a:rPr lang="en-US" dirty="0"/>
+              <a:t>But what we don’t know is: is this release note updated from the last one? Or does this release note adequately describe the most current release?</a:t>
             </a:r>
           </a:p>
           <a:p>
@@ -1195,22 +1620,16 @@
           <a:p>
             <a:r>
               <a:rPr lang="en-US" dirty="0"/>
-              <a:t>they are all quotes, change background</a:t>
-            </a:r>
+              <a:t>We can see from a corresponding user review to this release that the release note does not provide all the details of the app update. One thing they missed is the finger print login set up.</a:t>
+            </a:r>
+          </a:p>
+          <a:p>
+            <a:endParaRPr lang="en-US" dirty="0"/>
           </a:p>
           <a:p>
             <a:r>
               <a:rPr lang="en-US" dirty="0"/>
-              <a:t>put user reviews above </a:t>
-            </a:r>
-          </a:p>
-          <a:p>
-            <a:endParaRPr lang="en-US" dirty="0"/>
-          </a:p>
-          <a:p>
-            <a:r>
-              <a:rPr lang="en-US" dirty="0"/>
-              <a:t>list out reasons why release notes are not good based on example</a:t>
+              <a:t>From this example, we see that release notes are imperfect, and users sometimes complain about them. But now we want to ask, do developers care about release note complaints? </a:t>
             </a:r>
           </a:p>
         </p:txBody>
@@ -1297,13 +1716,34 @@
           <a:p>
             <a:r>
               <a:rPr lang="en-US" dirty="0"/>
-              <a:t>read these out</a:t>
-            </a:r>
+              <a:t>As I dig around to answer my previous question, I come across a case where developers actually use a release note to directly address user concerns. </a:t>
+            </a:r>
+          </a:p>
+          <a:p>
+            <a:endParaRPr lang="en-US" dirty="0"/>
           </a:p>
           <a:p>
             <a:r>
               <a:rPr lang="en-US" dirty="0"/>
-              <a:t>animate in the dialogue</a:t>
+              <a:t>An app that I use is the staples shopping app, which has recently been seeing a decline in user ratings. I was curious to see why that was the case.</a:t>
+            </a:r>
+          </a:p>
+          <a:p>
+            <a:r>
+              <a:rPr lang="en-US" dirty="0"/>
+              <a:t>So I found a negative user review for a release.</a:t>
+            </a:r>
+          </a:p>
+          <a:p>
+            <a:r>
+              <a:rPr lang="en-US" dirty="0"/>
+              <a:t>I observed that the very next staples release note talks about the complaint, and another developer response to the user shortly after, asking them to update the app.</a:t>
+            </a:r>
+          </a:p>
+          <a:p>
+            <a:r>
+              <a:rPr lang="en-US" dirty="0"/>
+              <a:t>So in this example, I see that developers are using release notes as more than just an update placeholder. </a:t>
             </a:r>
           </a:p>
           <a:p>
@@ -1312,7 +1752,7 @@
           <a:p>
             <a:r>
               <a:rPr lang="en-US" dirty="0"/>
-              <a:t>we are not sure </a:t>
+              <a:t>At this point, I can see that both users and developers care about release notes, but these are specific examples. </a:t>
             </a:r>
           </a:p>
         </p:txBody>
@@ -1399,41 +1839,8 @@
           <a:p>
             <a:r>
               <a:rPr lang="en-US" dirty="0"/>
-              <a:t>how did </a:t>
-            </a:r>
-            <a:r>
-              <a:rPr lang="en-US" dirty="0" err="1"/>
-              <a:t>i</a:t>
-            </a:r>
-            <a:r>
-              <a:rPr lang="en-US" dirty="0"/>
-              <a:t> select them and what did I ask them. </a:t>
-            </a:r>
-          </a:p>
-          <a:p>
-            <a:r>
-              <a:rPr lang="en-US" dirty="0"/>
-              <a:t>slide between 3 and 4 for motivating why </a:t>
-            </a:r>
-            <a:r>
-              <a:rPr lang="en-US" dirty="0" err="1"/>
-              <a:t>i</a:t>
-            </a:r>
-            <a:r>
-              <a:rPr lang="en-US" dirty="0"/>
-              <a:t> did survey: do </a:t>
-            </a:r>
-            <a:r>
-              <a:rPr lang="en-US" dirty="0" err="1"/>
-              <a:t>devs</a:t>
-            </a:r>
-            <a:r>
-              <a:rPr lang="en-US" dirty="0"/>
-              <a:t> care about release notes. tell a story.</a:t>
-            </a:r>
-          </a:p>
-          <a:p>
-            <a:endParaRPr lang="en-US" dirty="0"/>
+              <a:t>Now I want to ask if developers really care about release notes. We sent out survey invitations on multiple discuss platforms for app developers, and asked them questions about how they write release notes.</a:t>
+            </a:r>
           </a:p>
         </p:txBody>
       </p:sp>
@@ -1454,7 +1861,7 @@
           <a:p>
             <a:fld id="{F4FE2420-440E-4D53-B736-BE72874883E6}" type="slidenum">
               <a:rPr lang="en-US" smtClean="0"/>
-              <a:t>5</a:t>
+              <a:t>4</a:t>
             </a:fld>
             <a:endParaRPr lang="en-US"/>
           </a:p>
@@ -1463,7 +1870,7 @@
     </p:spTree>
     <p:extLst>
       <p:ext uri="{BB962C8B-B14F-4D97-AF65-F5344CB8AC3E}">
-        <p14:creationId xmlns:p14="http://schemas.microsoft.com/office/powerpoint/2010/main" val="3393587572"/>
+        <p14:creationId xmlns:p14="http://schemas.microsoft.com/office/powerpoint/2010/main" val="1614841188"/>
       </p:ext>
     </p:extLst>
   </p:cSld>
@@ -1519,21 +1926,15 @@
           <a:p>
             <a:r>
               <a:rPr lang="en-US" dirty="0"/>
-              <a:t>put the question instead of the developers answers for </a:t>
+              <a:t>We first want to see some of the background of the surveyed developers. We find a variety of specific roles they perform within their organization, such as project management, testing and QA, or configuration management. We see that release notes are written by all types of </a:t>
             </a:r>
             <a:r>
               <a:rPr lang="en-US" dirty="0" err="1"/>
-              <a:t>uptop</a:t>
+              <a:t>devs</a:t>
             </a:r>
             <a:r>
               <a:rPr lang="en-US" dirty="0"/>
-              <a:t>. </a:t>
-            </a:r>
-          </a:p>
-          <a:p>
-            <a:r>
-              <a:rPr lang="en-US" dirty="0"/>
-              <a:t>make texts bigger</a:t>
+              <a:t> in a team. </a:t>
             </a:r>
           </a:p>
         </p:txBody>
@@ -1555,7 +1956,7 @@
           <a:p>
             <a:fld id="{F4FE2420-440E-4D53-B736-BE72874883E6}" type="slidenum">
               <a:rPr lang="en-US" smtClean="0"/>
-              <a:t>6</a:t>
+              <a:t>5</a:t>
             </a:fld>
             <a:endParaRPr lang="en-US"/>
           </a:p>
@@ -1564,7 +1965,7 @@
     </p:spTree>
     <p:extLst>
       <p:ext uri="{BB962C8B-B14F-4D97-AF65-F5344CB8AC3E}">
-        <p14:creationId xmlns:p14="http://schemas.microsoft.com/office/powerpoint/2010/main" val="3145964352"/>
+        <p14:creationId xmlns:p14="http://schemas.microsoft.com/office/powerpoint/2010/main" val="3393587572"/>
       </p:ext>
     </p:extLst>
   </p:cSld>
@@ -1618,18 +2019,7 @@
           <a:bodyPr/>
           <a:lstStyle/>
           <a:p>
-            <a:r>
-              <a:rPr lang="en-US" dirty="0"/>
-              <a:t>another slide on why </a:t>
-            </a:r>
-            <a:r>
-              <a:rPr lang="en-US" dirty="0" err="1"/>
-              <a:t>i</a:t>
-            </a:r>
-            <a:r>
-              <a:rPr lang="en-US" dirty="0"/>
-              <a:t> do data collection. emphasize the 3 year thing. I should release dataset. </a:t>
-            </a:r>
+            <a:endParaRPr lang="en-US" dirty="0"/>
           </a:p>
         </p:txBody>
       </p:sp>
@@ -1650,7 +2040,7 @@
           <a:p>
             <a:fld id="{F4FE2420-440E-4D53-B736-BE72874883E6}" type="slidenum">
               <a:rPr lang="en-US" smtClean="0"/>
-              <a:t>7</a:t>
+              <a:t>6</a:t>
             </a:fld>
             <a:endParaRPr lang="en-US"/>
           </a:p>
@@ -1659,7 +2049,7 @@
     </p:spTree>
     <p:extLst>
       <p:ext uri="{BB962C8B-B14F-4D97-AF65-F5344CB8AC3E}">
-        <p14:creationId xmlns:p14="http://schemas.microsoft.com/office/powerpoint/2010/main" val="3822459188"/>
+        <p14:creationId xmlns:p14="http://schemas.microsoft.com/office/powerpoint/2010/main" val="3145964352"/>
       </p:ext>
     </p:extLst>
   </p:cSld>
@@ -1715,15 +2105,7 @@
           <a:p>
             <a:r>
               <a:rPr lang="en-US" dirty="0"/>
-              <a:t>rephrase the </a:t>
-            </a:r>
-            <a:r>
-              <a:rPr lang="en-US" dirty="0" err="1"/>
-              <a:t>rqs</a:t>
-            </a:r>
-            <a:r>
-              <a:rPr lang="en-US" dirty="0"/>
-              <a:t> without data collection details. have higher level goal. describe update pattern. </a:t>
+              <a:t>Now that we have some survey results, we want to use the data available from existing apps to see if we can identify patterns from release notes. If there are patterns, maybe I can use these patterns to identify app behaviors correlated to those patterns. </a:t>
             </a:r>
           </a:p>
         </p:txBody>
@@ -1745,7 +2127,7 @@
           <a:p>
             <a:fld id="{F4FE2420-440E-4D53-B736-BE72874883E6}" type="slidenum">
               <a:rPr lang="en-US" smtClean="0"/>
-              <a:t>8</a:t>
+              <a:t>7</a:t>
             </a:fld>
             <a:endParaRPr lang="en-US"/>
           </a:p>
@@ -1754,7 +2136,7 @@
     </p:spTree>
     <p:extLst>
       <p:ext uri="{BB962C8B-B14F-4D97-AF65-F5344CB8AC3E}">
-        <p14:creationId xmlns:p14="http://schemas.microsoft.com/office/powerpoint/2010/main" val="3255044411"/>
+        <p14:creationId xmlns:p14="http://schemas.microsoft.com/office/powerpoint/2010/main" val="554763037"/>
       </p:ext>
     </p:extLst>
   </p:cSld>
@@ -1808,10 +2190,7 @@
           <a:bodyPr/>
           <a:lstStyle/>
           <a:p>
-            <a:r>
-              <a:rPr lang="en-US" dirty="0"/>
-              <a:t>rq2 do </a:t>
-            </a:r>
+            <a:endParaRPr lang="en-US" dirty="0"/>
           </a:p>
         </p:txBody>
       </p:sp>
@@ -1832,7 +2211,7 @@
           <a:p>
             <a:fld id="{F4FE2420-440E-4D53-B736-BE72874883E6}" type="slidenum">
               <a:rPr lang="en-US" smtClean="0"/>
-              <a:t>9</a:t>
+              <a:t>8</a:t>
             </a:fld>
             <a:endParaRPr lang="en-US"/>
           </a:p>
@@ -1841,7 +2220,7 @@
     </p:spTree>
     <p:extLst>
       <p:ext uri="{BB962C8B-B14F-4D97-AF65-F5344CB8AC3E}">
-        <p14:creationId xmlns:p14="http://schemas.microsoft.com/office/powerpoint/2010/main" val="3893156459"/>
+        <p14:creationId xmlns:p14="http://schemas.microsoft.com/office/powerpoint/2010/main" val="3822459188"/>
       </p:ext>
     </p:extLst>
   </p:cSld>
@@ -1895,31 +2274,7 @@
           <a:bodyPr/>
           <a:lstStyle/>
           <a:p>
-            <a:r>
-              <a:rPr lang="en-US" dirty="0"/>
-              <a:t>rising vs steady, talk about the axis. </a:t>
-            </a:r>
-          </a:p>
-          <a:p>
-            <a:r>
-              <a:rPr lang="en-US" dirty="0"/>
-              <a:t>introduce the terminology better. another slide for </a:t>
-            </a:r>
-          </a:p>
-          <a:p>
-            <a:r>
-              <a:rPr lang="en-US" dirty="0"/>
-              <a:t>make graphs to help with pattern names</a:t>
-            </a:r>
-          </a:p>
-          <a:p>
             <a:endParaRPr lang="en-US" dirty="0"/>
-          </a:p>
-          <a:p>
-            <a:r>
-              <a:rPr lang="en-US" dirty="0"/>
-              <a:t>place them into different columns. </a:t>
-            </a:r>
           </a:p>
         </p:txBody>
       </p:sp>
@@ -1940,7 +2295,7 @@
           <a:p>
             <a:fld id="{F4FE2420-440E-4D53-B736-BE72874883E6}" type="slidenum">
               <a:rPr lang="en-US" smtClean="0"/>
-              <a:t>10</a:t>
+              <a:t>9</a:t>
             </a:fld>
             <a:endParaRPr lang="en-US"/>
           </a:p>
@@ -1949,7 +2304,7 @@
     </p:spTree>
     <p:extLst>
       <p:ext uri="{BB962C8B-B14F-4D97-AF65-F5344CB8AC3E}">
-        <p14:creationId xmlns:p14="http://schemas.microsoft.com/office/powerpoint/2010/main" val="4051495345"/>
+        <p14:creationId xmlns:p14="http://schemas.microsoft.com/office/powerpoint/2010/main" val="3255044411"/>
       </p:ext>
     </p:extLst>
   </p:cSld>
@@ -2106,7 +2461,7 @@
           <a:p>
             <a:fld id="{54D71D37-BE42-4C51-8961-B9AA167182C2}" type="datetime1">
               <a:rPr lang="en-US" smtClean="0"/>
-              <a:t>4/7/2022</a:t>
+              <a:t>4/9/2022</a:t>
             </a:fld>
             <a:endParaRPr lang="en-US"/>
           </a:p>
@@ -2304,7 +2659,7 @@
           <a:p>
             <a:fld id="{692FD857-EF9C-4377-A29A-72B4A929BFB1}" type="datetime1">
               <a:rPr lang="en-US" smtClean="0"/>
-              <a:t>4/7/2022</a:t>
+              <a:t>4/9/2022</a:t>
             </a:fld>
             <a:endParaRPr lang="en-US"/>
           </a:p>
@@ -2512,7 +2867,7 @@
           <a:p>
             <a:fld id="{566CB2E4-01B2-4784-B916-33CF5F6788E5}" type="datetime1">
               <a:rPr lang="en-US" smtClean="0"/>
-              <a:t>4/7/2022</a:t>
+              <a:t>4/9/2022</a:t>
             </a:fld>
             <a:endParaRPr lang="en-US"/>
           </a:p>
@@ -2748,7 +3103,7 @@
           <a:p>
             <a:fld id="{212C6BE7-9C3B-4806-9271-F8E78CB16BCD}" type="datetime1">
               <a:rPr lang="en-US" smtClean="0"/>
-              <a:t>4/7/2022</a:t>
+              <a:t>4/9/2022</a:t>
             </a:fld>
             <a:endParaRPr lang="en-US"/>
           </a:p>
@@ -3023,7 +3378,7 @@
           <a:p>
             <a:fld id="{B77B076C-C7C2-43D5-83A0-702B2B503D3A}" type="datetime1">
               <a:rPr lang="en-US" smtClean="0"/>
-              <a:t>4/7/2022</a:t>
+              <a:t>4/9/2022</a:t>
             </a:fld>
             <a:endParaRPr lang="en-US"/>
           </a:p>
@@ -3369,7 +3724,7 @@
             <a:fld id="{E1EB4593-7B6D-421D-8A6C-EEBB90132B40}" type="datetime1">
               <a:rPr lang="en-US" smtClean="0"/>
               <a:pPr/>
-              <a:t>4/7/2022</a:t>
+              <a:t>4/9/2022</a:t>
             </a:fld>
             <a:endParaRPr lang="en-US"/>
           </a:p>
@@ -3796,7 +4151,7 @@
           <a:p>
             <a:fld id="{AC891ECA-9016-46A2-BCCF-52CCF30F3C3F}" type="datetime1">
               <a:rPr lang="en-US" smtClean="0"/>
-              <a:t>4/7/2022</a:t>
+              <a:t>4/9/2022</a:t>
             </a:fld>
             <a:endParaRPr lang="en-US"/>
           </a:p>
@@ -3937,7 +4292,7 @@
           <a:p>
             <a:fld id="{745F822E-6754-4396-A549-C203647D2807}" type="datetime1">
               <a:rPr lang="en-US" smtClean="0"/>
-              <a:t>4/7/2022</a:t>
+              <a:t>4/9/2022</a:t>
             </a:fld>
             <a:endParaRPr lang="en-US"/>
           </a:p>
@@ -4050,7 +4405,7 @@
           <a:p>
             <a:fld id="{0B7C82E4-F2CD-41BB-9139-5029F2805B89}" type="datetime1">
               <a:rPr lang="en-US" smtClean="0"/>
-              <a:t>4/7/2022</a:t>
+              <a:t>4/9/2022</a:t>
             </a:fld>
             <a:endParaRPr lang="en-US"/>
           </a:p>
@@ -4361,7 +4716,7 @@
           <a:p>
             <a:fld id="{13C9C19A-62F3-4FAE-88A7-622836A2CC7E}" type="datetime1">
               <a:rPr lang="en-US" smtClean="0"/>
-              <a:t>4/7/2022</a:t>
+              <a:t>4/9/2022</a:t>
             </a:fld>
             <a:endParaRPr lang="en-US"/>
           </a:p>
@@ -4649,7 +5004,7 @@
           <a:p>
             <a:fld id="{9CBFB8D4-8067-4C4E-A4D8-A060ACCA2426}" type="datetime1">
               <a:rPr lang="en-US" smtClean="0"/>
-              <a:t>4/7/2022</a:t>
+              <a:t>4/9/2022</a:t>
             </a:fld>
             <a:endParaRPr lang="en-US"/>
           </a:p>
@@ -4890,7 +5245,7 @@
           <a:p>
             <a:fld id="{2EDDBF34-CBA6-4FE1-B1DA-75020C6AFCC8}" type="datetime1">
               <a:rPr lang="en-US" smtClean="0"/>
-              <a:t>4/7/2022</a:t>
+              <a:t>4/9/2022</a:t>
             </a:fld>
             <a:endParaRPr lang="en-US"/>
           </a:p>
@@ -5551,10 +5906,209 @@
       </p:grpSpPr>
       <p:sp>
         <p:nvSpPr>
+          <p:cNvPr id="2" name="Title 1">
+            <a:extLst>
+              <a:ext uri="{FF2B5EF4-FFF2-40B4-BE49-F238E27FC236}">
+                <a16:creationId xmlns:a16="http://schemas.microsoft.com/office/drawing/2014/main" id="{2F0F47D3-2B78-459C-B736-C97C3E722672}"/>
+              </a:ext>
+            </a:extLst>
+          </p:cNvPr>
+          <p:cNvSpPr>
+            <a:spLocks noGrp="1"/>
+          </p:cNvSpPr>
+          <p:nvPr>
+            <p:ph type="title"/>
+          </p:nvPr>
+        </p:nvSpPr>
+        <p:spPr/>
+        <p:txBody>
+          <a:bodyPr/>
+          <a:lstStyle/>
+          <a:p>
+            <a:r>
+              <a:rPr lang="en-US" sz="4400" b="1" dirty="0">
+                <a:solidFill>
+                  <a:srgbClr val="C00000"/>
+                </a:solidFill>
+              </a:rPr>
+              <a:t>Research Questions</a:t>
+            </a:r>
+            <a:endParaRPr lang="en-US" sz="4400" dirty="0"/>
+          </a:p>
+        </p:txBody>
+      </p:sp>
+      <p:sp>
+        <p:nvSpPr>
+          <p:cNvPr id="3" name="Content Placeholder 2">
+            <a:extLst>
+              <a:ext uri="{FF2B5EF4-FFF2-40B4-BE49-F238E27FC236}">
+                <a16:creationId xmlns:a16="http://schemas.microsoft.com/office/drawing/2014/main" id="{F4E2DDD4-D4AC-4902-9B38-CF4361F7BF6E}"/>
+              </a:ext>
+            </a:extLst>
+          </p:cNvPr>
+          <p:cNvSpPr>
+            <a:spLocks noGrp="1"/>
+          </p:cNvSpPr>
+          <p:nvPr>
+            <p:ph idx="1"/>
+          </p:nvPr>
+        </p:nvSpPr>
+        <p:spPr>
+          <a:xfrm>
+            <a:off x="838200" y="1825625"/>
+            <a:ext cx="11023242" cy="4351338"/>
+          </a:xfrm>
+        </p:spPr>
+        <p:txBody>
+          <a:bodyPr>
+            <a:noAutofit/>
+          </a:bodyPr>
+          <a:lstStyle/>
+          <a:p>
+            <a:r>
+              <a:rPr lang="en-US" sz="3600" dirty="0">
+                <a:effectLst/>
+                <a:latin typeface="Arial" panose="020B0604020202020204" pitchFamily="34" charset="0"/>
+              </a:rPr>
+              <a:t>RQ1: What are the release notes </a:t>
+            </a:r>
+            <a:r>
+              <a:rPr lang="en-US" sz="3600" dirty="0">
+                <a:solidFill>
+                  <a:srgbClr val="C00000"/>
+                </a:solidFill>
+                <a:effectLst/>
+                <a:latin typeface="Arial" panose="020B0604020202020204" pitchFamily="34" charset="0"/>
+              </a:rPr>
+              <a:t>update patterns</a:t>
+            </a:r>
+            <a:r>
+              <a:rPr lang="en-US" sz="3600" dirty="0">
+                <a:effectLst/>
+                <a:latin typeface="Arial" panose="020B0604020202020204" pitchFamily="34" charset="0"/>
+              </a:rPr>
+              <a:t>?</a:t>
+            </a:r>
+          </a:p>
+          <a:p>
+            <a:pPr marL="0" indent="0">
+              <a:buNone/>
+            </a:pPr>
+            <a:endParaRPr lang="en-US" sz="3600" dirty="0">
+              <a:effectLst/>
+              <a:latin typeface="Arial" panose="020B0604020202020204" pitchFamily="34" charset="0"/>
+            </a:endParaRPr>
+          </a:p>
+          <a:p>
+            <a:r>
+              <a:rPr lang="en-US" sz="3600" dirty="0">
+                <a:solidFill>
+                  <a:schemeClr val="bg2">
+                    <a:lumMod val="75000"/>
+                  </a:schemeClr>
+                </a:solidFill>
+                <a:effectLst/>
+                <a:latin typeface="Arial" panose="020B0604020202020204" pitchFamily="34" charset="0"/>
+              </a:rPr>
+              <a:t>RQ2: What are the characteristics of the apps that follow a certain release notes pattern?</a:t>
+            </a:r>
+            <a:endParaRPr lang="en-US" sz="3600" dirty="0">
+              <a:solidFill>
+                <a:schemeClr val="bg2">
+                  <a:lumMod val="75000"/>
+                </a:schemeClr>
+              </a:solidFill>
+              <a:latin typeface="Arial" panose="020B0604020202020204" pitchFamily="34" charset="0"/>
+            </a:endParaRPr>
+          </a:p>
+          <a:p>
+            <a:pPr marL="0" indent="0">
+              <a:buNone/>
+            </a:pPr>
+            <a:endParaRPr lang="en-US" sz="3600" dirty="0">
+              <a:solidFill>
+                <a:schemeClr val="bg2">
+                  <a:lumMod val="75000"/>
+                </a:schemeClr>
+              </a:solidFill>
+              <a:latin typeface="Arial" panose="020B0604020202020204" pitchFamily="34" charset="0"/>
+            </a:endParaRPr>
+          </a:p>
+          <a:p>
+            <a:r>
+              <a:rPr lang="en-US" sz="3600" dirty="0">
+                <a:solidFill>
+                  <a:schemeClr val="bg2">
+                    <a:lumMod val="90000"/>
+                  </a:schemeClr>
+                </a:solidFill>
+                <a:effectLst/>
+                <a:latin typeface="Arial" panose="020B0604020202020204" pitchFamily="34" charset="0"/>
+              </a:rPr>
+              <a:t>RQ3: </a:t>
+            </a:r>
+            <a:r>
+              <a:rPr lang="en-US" sz="3600" dirty="0">
+                <a:solidFill>
+                  <a:schemeClr val="bg2">
+                    <a:lumMod val="90000"/>
+                  </a:schemeClr>
+                </a:solidFill>
+                <a:latin typeface="Arial" panose="020B0604020202020204" pitchFamily="34" charset="0"/>
+              </a:rPr>
+              <a:t>Do </a:t>
+            </a:r>
+            <a:r>
+              <a:rPr lang="en-US" sz="3600" dirty="0">
+                <a:solidFill>
+                  <a:schemeClr val="bg2">
+                    <a:lumMod val="90000"/>
+                  </a:schemeClr>
+                </a:solidFill>
+                <a:effectLst/>
+                <a:latin typeface="Arial" panose="020B0604020202020204" pitchFamily="34" charset="0"/>
+              </a:rPr>
+              <a:t>developers ever </a:t>
+            </a:r>
+            <a:r>
+              <a:rPr lang="en-US" sz="3600" dirty="0">
+                <a:solidFill>
+                  <a:schemeClr val="bg2">
+                    <a:lumMod val="90000"/>
+                  </a:schemeClr>
+                </a:solidFill>
+                <a:latin typeface="Arial" panose="020B0604020202020204" pitchFamily="34" charset="0"/>
+              </a:rPr>
+              <a:t>change</a:t>
+            </a:r>
+            <a:r>
+              <a:rPr lang="en-US" sz="3600" dirty="0">
+                <a:solidFill>
+                  <a:schemeClr val="bg2">
+                    <a:lumMod val="90000"/>
+                  </a:schemeClr>
+                </a:solidFill>
+                <a:effectLst/>
+                <a:latin typeface="Arial" panose="020B0604020202020204" pitchFamily="34" charset="0"/>
+              </a:rPr>
+              <a:t> their release notes pattern? </a:t>
+            </a:r>
+            <a:endParaRPr lang="en-US" sz="3600" dirty="0">
+              <a:solidFill>
+                <a:schemeClr val="bg2">
+                  <a:lumMod val="90000"/>
+                </a:schemeClr>
+              </a:solidFill>
+            </a:endParaRPr>
+          </a:p>
+        </p:txBody>
+      </p:sp>
+      <p:sp>
+        <p:nvSpPr>
           <p:cNvPr id="4" name="Slide Number Placeholder 3">
             <a:extLst>
               <a:ext uri="{FF2B5EF4-FFF2-40B4-BE49-F238E27FC236}">
-                <a16:creationId xmlns:a16="http://schemas.microsoft.com/office/drawing/2014/main" id="{205923C2-A285-4DDF-AD50-1BEA52E87196}"/>
+                <a16:creationId xmlns:a16="http://schemas.microsoft.com/office/drawing/2014/main" id="{DBC15A87-B8C0-49BE-9E9A-E16E1A251D75}"/>
               </a:ext>
             </a:extLst>
           </p:cNvPr>
@@ -5573,6 +6127,65 @@
             <a:fld id="{87998442-DCDF-4622-933A-F9895919A1C1}" type="slidenum">
               <a:rPr lang="en-US" smtClean="0"/>
               <a:t>10</a:t>
+            </a:fld>
+            <a:endParaRPr lang="en-US"/>
+          </a:p>
+        </p:txBody>
+      </p:sp>
+    </p:spTree>
+    <p:extLst>
+      <p:ext uri="{BB962C8B-B14F-4D97-AF65-F5344CB8AC3E}">
+        <p14:creationId xmlns:p14="http://schemas.microsoft.com/office/powerpoint/2010/main" val="1598799206"/>
+      </p:ext>
+    </p:extLst>
+  </p:cSld>
+  <p:clrMapOvr>
+    <a:masterClrMapping/>
+  </p:clrMapOvr>
+</p:sld>
+</file>
+
+<file path=ppt/slides/slide11.xml><?xml version="1.0" encoding="utf-8"?>
+<p:sld xmlns:a="http://schemas.openxmlformats.org/drawingml/2006/main" xmlns:r="http://schemas.openxmlformats.org/officeDocument/2006/relationships" xmlns:p="http://schemas.openxmlformats.org/presentationml/2006/main">
+  <p:cSld>
+    <p:spTree>
+      <p:nvGrpSpPr>
+        <p:cNvPr id="1" name=""/>
+        <p:cNvGrpSpPr/>
+        <p:nvPr/>
+      </p:nvGrpSpPr>
+      <p:grpSpPr>
+        <a:xfrm>
+          <a:off x="0" y="0"/>
+          <a:ext cx="0" cy="0"/>
+          <a:chOff x="0" y="0"/>
+          <a:chExt cx="0" cy="0"/>
+        </a:xfrm>
+      </p:grpSpPr>
+      <p:sp>
+        <p:nvSpPr>
+          <p:cNvPr id="4" name="Slide Number Placeholder 3">
+            <a:extLst>
+              <a:ext uri="{FF2B5EF4-FFF2-40B4-BE49-F238E27FC236}">
+                <a16:creationId xmlns:a16="http://schemas.microsoft.com/office/drawing/2014/main" id="{205923C2-A285-4DDF-AD50-1BEA52E87196}"/>
+              </a:ext>
+            </a:extLst>
+          </p:cNvPr>
+          <p:cNvSpPr>
+            <a:spLocks noGrp="1"/>
+          </p:cNvSpPr>
+          <p:nvPr>
+            <p:ph type="sldNum" sz="quarter" idx="12"/>
+          </p:nvPr>
+        </p:nvSpPr>
+        <p:spPr/>
+        <p:txBody>
+          <a:bodyPr/>
+          <a:lstStyle/>
+          <a:p>
+            <a:fld id="{87998442-DCDF-4622-933A-F9895919A1C1}" type="slidenum">
+              <a:rPr lang="en-US" smtClean="0"/>
+              <a:t>11</a:t>
             </a:fld>
             <a:endParaRPr lang="en-US"/>
           </a:p>
@@ -5621,10 +6234,753 @@
       </p:sp>
       <p:pic>
         <p:nvPicPr>
+          <p:cNvPr id="9" name="Picture 8" descr="Text, letter&#10;&#10;Description automatically generated">
+            <a:extLst>
+              <a:ext uri="{FF2B5EF4-FFF2-40B4-BE49-F238E27FC236}">
+                <a16:creationId xmlns:a16="http://schemas.microsoft.com/office/drawing/2014/main" id="{8A1C7F0E-C370-4382-A18A-5ABE1C830414}"/>
+              </a:ext>
+            </a:extLst>
+          </p:cNvPr>
+          <p:cNvPicPr>
+            <a:picLocks noChangeAspect="1"/>
+          </p:cNvPicPr>
+          <p:nvPr/>
+        </p:nvPicPr>
+        <p:blipFill>
+          <a:blip r:embed="rId3">
+            <a:extLst>
+              <a:ext uri="{28A0092B-C50C-407E-A947-70E740481C1C}">
+                <a14:useLocalDpi xmlns:a14="http://schemas.microsoft.com/office/drawing/2010/main" val="0"/>
+              </a:ext>
+            </a:extLst>
+          </a:blip>
+          <a:stretch>
+            <a:fillRect/>
+          </a:stretch>
+        </p:blipFill>
+        <p:spPr>
+          <a:xfrm>
+            <a:off x="5960503" y="1384701"/>
+            <a:ext cx="4103974" cy="1632668"/>
+          </a:xfrm>
+          <a:prstGeom prst="rect">
+            <a:avLst/>
+          </a:prstGeom>
+        </p:spPr>
+      </p:pic>
+      <p:pic>
+        <p:nvPicPr>
+          <p:cNvPr id="13" name="Picture 12" descr="Text, letter&#10;&#10;Description automatically generated">
+            <a:extLst>
+              <a:ext uri="{FF2B5EF4-FFF2-40B4-BE49-F238E27FC236}">
+                <a16:creationId xmlns:a16="http://schemas.microsoft.com/office/drawing/2014/main" id="{7E874403-19F9-44A6-B48E-FA77C8C9357C}"/>
+              </a:ext>
+            </a:extLst>
+          </p:cNvPr>
+          <p:cNvPicPr>
+            <a:picLocks noChangeAspect="1"/>
+          </p:cNvPicPr>
+          <p:nvPr/>
+        </p:nvPicPr>
+        <p:blipFill>
+          <a:blip r:embed="rId4">
+            <a:extLst>
+              <a:ext uri="{28A0092B-C50C-407E-A947-70E740481C1C}">
+                <a14:useLocalDpi xmlns:a14="http://schemas.microsoft.com/office/drawing/2010/main" val="0"/>
+              </a:ext>
+            </a:extLst>
+          </a:blip>
+          <a:stretch>
+            <a:fillRect/>
+          </a:stretch>
+        </p:blipFill>
+        <p:spPr>
+          <a:xfrm>
+            <a:off x="6096000" y="4801069"/>
+            <a:ext cx="4282440" cy="1726302"/>
+          </a:xfrm>
+          <a:prstGeom prst="rect">
+            <a:avLst/>
+          </a:prstGeom>
+        </p:spPr>
+      </p:pic>
+      <p:pic>
+        <p:nvPicPr>
+          <p:cNvPr id="15" name="Picture 14" descr="Letter&#10;&#10;Description automatically generated">
+            <a:extLst>
+              <a:ext uri="{FF2B5EF4-FFF2-40B4-BE49-F238E27FC236}">
+                <a16:creationId xmlns:a16="http://schemas.microsoft.com/office/drawing/2014/main" id="{3BF290BC-2F6B-426B-933F-0B4BAA496ECA}"/>
+              </a:ext>
+            </a:extLst>
+          </p:cNvPr>
+          <p:cNvPicPr>
+            <a:picLocks noChangeAspect="1"/>
+          </p:cNvPicPr>
+          <p:nvPr/>
+        </p:nvPicPr>
+        <p:blipFill>
+          <a:blip r:embed="rId5">
+            <a:extLst>
+              <a:ext uri="{28A0092B-C50C-407E-A947-70E740481C1C}">
+                <a14:useLocalDpi xmlns:a14="http://schemas.microsoft.com/office/drawing/2010/main" val="0"/>
+              </a:ext>
+            </a:extLst>
+          </a:blip>
+          <a:stretch>
+            <a:fillRect/>
+          </a:stretch>
+        </p:blipFill>
+        <p:spPr>
+          <a:xfrm>
+            <a:off x="6185233" y="3032625"/>
+            <a:ext cx="4103973" cy="1652515"/>
+          </a:xfrm>
+          <a:prstGeom prst="rect">
+            <a:avLst/>
+          </a:prstGeom>
+        </p:spPr>
+      </p:pic>
+      <p:pic>
+        <p:nvPicPr>
+          <p:cNvPr id="17" name="Picture 16">
+            <a:extLst>
+              <a:ext uri="{FF2B5EF4-FFF2-40B4-BE49-F238E27FC236}">
+                <a16:creationId xmlns:a16="http://schemas.microsoft.com/office/drawing/2014/main" id="{134A3EAD-6284-4A23-AC27-746659880DF3}"/>
+              </a:ext>
+            </a:extLst>
+          </p:cNvPr>
+          <p:cNvPicPr>
+            <a:picLocks noChangeAspect="1"/>
+          </p:cNvPicPr>
+          <p:nvPr/>
+        </p:nvPicPr>
+        <p:blipFill>
+          <a:blip r:embed="rId6"/>
+          <a:stretch>
+            <a:fillRect/>
+          </a:stretch>
+        </p:blipFill>
+        <p:spPr>
+          <a:xfrm>
+            <a:off x="862804" y="1857362"/>
+            <a:ext cx="4199169" cy="4003040"/>
+          </a:xfrm>
+          <a:prstGeom prst="rect">
+            <a:avLst/>
+          </a:prstGeom>
+        </p:spPr>
+      </p:pic>
+    </p:spTree>
+    <p:extLst>
+      <p:ext uri="{BB962C8B-B14F-4D97-AF65-F5344CB8AC3E}">
+        <p14:creationId xmlns:p14="http://schemas.microsoft.com/office/powerpoint/2010/main" val="3345027161"/>
+      </p:ext>
+    </p:extLst>
+  </p:cSld>
+  <p:clrMapOvr>
+    <a:masterClrMapping/>
+  </p:clrMapOvr>
+  <p:timing>
+    <p:tnLst>
+      <p:par>
+        <p:cTn id="1" dur="indefinite" restart="never" nodeType="tmRoot">
+          <p:childTnLst>
+            <p:seq concurrent="1" nextAc="seek">
+              <p:cTn id="2" dur="indefinite" nodeType="mainSeq">
+                <p:childTnLst>
+                  <p:par>
+                    <p:cTn id="3" fill="hold">
+                      <p:stCondLst>
+                        <p:cond delay="indefinite"/>
+                      </p:stCondLst>
+                      <p:childTnLst>
+                        <p:par>
+                          <p:cTn id="4" fill="hold">
+                            <p:stCondLst>
+                              <p:cond delay="0"/>
+                            </p:stCondLst>
+                            <p:childTnLst>
+                              <p:par>
+                                <p:cTn id="5" presetID="1" presetClass="entr" presetSubtype="0" fill="hold" nodeType="clickEffect">
+                                  <p:stCondLst>
+                                    <p:cond delay="0"/>
+                                  </p:stCondLst>
+                                  <p:childTnLst>
+                                    <p:set>
+                                      <p:cBhvr>
+                                        <p:cTn id="6" dur="1" fill="hold">
+                                          <p:stCondLst>
+                                            <p:cond delay="0"/>
+                                          </p:stCondLst>
+                                        </p:cTn>
+                                        <p:tgtEl>
+                                          <p:spTgt spid="9"/>
+                                        </p:tgtEl>
+                                        <p:attrNameLst>
+                                          <p:attrName>style.visibility</p:attrName>
+                                        </p:attrNameLst>
+                                      </p:cBhvr>
+                                      <p:to>
+                                        <p:strVal val="visible"/>
+                                      </p:to>
+                                    </p:set>
+                                  </p:childTnLst>
+                                </p:cTn>
+                              </p:par>
+                            </p:childTnLst>
+                          </p:cTn>
+                        </p:par>
+                      </p:childTnLst>
+                    </p:cTn>
+                  </p:par>
+                  <p:par>
+                    <p:cTn id="7" fill="hold">
+                      <p:stCondLst>
+                        <p:cond delay="indefinite"/>
+                      </p:stCondLst>
+                      <p:childTnLst>
+                        <p:par>
+                          <p:cTn id="8" fill="hold">
+                            <p:stCondLst>
+                              <p:cond delay="0"/>
+                            </p:stCondLst>
+                            <p:childTnLst>
+                              <p:par>
+                                <p:cTn id="9" presetID="1" presetClass="entr" presetSubtype="0" fill="hold" nodeType="clickEffect">
+                                  <p:stCondLst>
+                                    <p:cond delay="0"/>
+                                  </p:stCondLst>
+                                  <p:childTnLst>
+                                    <p:set>
+                                      <p:cBhvr>
+                                        <p:cTn id="10" dur="1" fill="hold">
+                                          <p:stCondLst>
+                                            <p:cond delay="0"/>
+                                          </p:stCondLst>
+                                        </p:cTn>
+                                        <p:tgtEl>
+                                          <p:spTgt spid="15"/>
+                                        </p:tgtEl>
+                                        <p:attrNameLst>
+                                          <p:attrName>style.visibility</p:attrName>
+                                        </p:attrNameLst>
+                                      </p:cBhvr>
+                                      <p:to>
+                                        <p:strVal val="visible"/>
+                                      </p:to>
+                                    </p:set>
+                                  </p:childTnLst>
+                                </p:cTn>
+                              </p:par>
+                            </p:childTnLst>
+                          </p:cTn>
+                        </p:par>
+                      </p:childTnLst>
+                    </p:cTn>
+                  </p:par>
+                  <p:par>
+                    <p:cTn id="11" fill="hold">
+                      <p:stCondLst>
+                        <p:cond delay="indefinite"/>
+                      </p:stCondLst>
+                      <p:childTnLst>
+                        <p:par>
+                          <p:cTn id="12" fill="hold">
+                            <p:stCondLst>
+                              <p:cond delay="0"/>
+                            </p:stCondLst>
+                            <p:childTnLst>
+                              <p:par>
+                                <p:cTn id="13" presetID="1" presetClass="entr" presetSubtype="0" fill="hold" nodeType="clickEffect">
+                                  <p:stCondLst>
+                                    <p:cond delay="0"/>
+                                  </p:stCondLst>
+                                  <p:childTnLst>
+                                    <p:set>
+                                      <p:cBhvr>
+                                        <p:cTn id="14" dur="1" fill="hold">
+                                          <p:stCondLst>
+                                            <p:cond delay="0"/>
+                                          </p:stCondLst>
+                                        </p:cTn>
+                                        <p:tgtEl>
+                                          <p:spTgt spid="13"/>
+                                        </p:tgtEl>
+                                        <p:attrNameLst>
+                                          <p:attrName>style.visibility</p:attrName>
+                                        </p:attrNameLst>
+                                      </p:cBhvr>
+                                      <p:to>
+                                        <p:strVal val="visible"/>
+                                      </p:to>
+                                    </p:set>
+                                  </p:childTnLst>
+                                </p:cTn>
+                              </p:par>
+                            </p:childTnLst>
+                          </p:cTn>
+                        </p:par>
+                      </p:childTnLst>
+                    </p:cTn>
+                  </p:par>
+                </p:childTnLst>
+              </p:cTn>
+              <p:prevCondLst>
+                <p:cond evt="onPrev" delay="0">
+                  <p:tgtEl>
+                    <p:sldTgt/>
+                  </p:tgtEl>
+                </p:cond>
+              </p:prevCondLst>
+              <p:nextCondLst>
+                <p:cond evt="onNext" delay="0">
+                  <p:tgtEl>
+                    <p:sldTgt/>
+                  </p:tgtEl>
+                </p:cond>
+              </p:nextCondLst>
+            </p:seq>
+          </p:childTnLst>
+        </p:cTn>
+      </p:par>
+    </p:tnLst>
+  </p:timing>
+</p:sld>
+</file>
+
+<file path=ppt/slides/slide12.xml><?xml version="1.0" encoding="utf-8"?>
+<p:sld xmlns:a="http://schemas.openxmlformats.org/drawingml/2006/main" xmlns:r="http://schemas.openxmlformats.org/officeDocument/2006/relationships" xmlns:p="http://schemas.openxmlformats.org/presentationml/2006/main">
+  <p:cSld>
+    <p:spTree>
+      <p:nvGrpSpPr>
+        <p:cNvPr id="1" name=""/>
+        <p:cNvGrpSpPr/>
+        <p:nvPr/>
+      </p:nvGrpSpPr>
+      <p:grpSpPr>
+        <a:xfrm>
+          <a:off x="0" y="0"/>
+          <a:ext cx="0" cy="0"/>
+          <a:chOff x="0" y="0"/>
+          <a:chExt cx="0" cy="0"/>
+        </a:xfrm>
+      </p:grpSpPr>
+      <p:sp>
+        <p:nvSpPr>
+          <p:cNvPr id="2" name="Title 1">
+            <a:extLst>
+              <a:ext uri="{FF2B5EF4-FFF2-40B4-BE49-F238E27FC236}">
+                <a16:creationId xmlns:a16="http://schemas.microsoft.com/office/drawing/2014/main" id="{2F0F47D3-2B78-459C-B736-C97C3E722672}"/>
+              </a:ext>
+            </a:extLst>
+          </p:cNvPr>
+          <p:cNvSpPr>
+            <a:spLocks noGrp="1"/>
+          </p:cNvSpPr>
+          <p:nvPr>
+            <p:ph type="title"/>
+          </p:nvPr>
+        </p:nvSpPr>
+        <p:spPr/>
+        <p:txBody>
+          <a:bodyPr/>
+          <a:lstStyle/>
+          <a:p>
+            <a:r>
+              <a:rPr lang="en-US" sz="4400" b="1" dirty="0">
+                <a:solidFill>
+                  <a:srgbClr val="C00000"/>
+                </a:solidFill>
+              </a:rPr>
+              <a:t>Research Questions</a:t>
+            </a:r>
+            <a:endParaRPr lang="en-US" sz="4400" dirty="0"/>
+          </a:p>
+        </p:txBody>
+      </p:sp>
+      <p:sp>
+        <p:nvSpPr>
+          <p:cNvPr id="3" name="Content Placeholder 2">
+            <a:extLst>
+              <a:ext uri="{FF2B5EF4-FFF2-40B4-BE49-F238E27FC236}">
+                <a16:creationId xmlns:a16="http://schemas.microsoft.com/office/drawing/2014/main" id="{F4E2DDD4-D4AC-4902-9B38-CF4361F7BF6E}"/>
+              </a:ext>
+            </a:extLst>
+          </p:cNvPr>
+          <p:cNvSpPr>
+            <a:spLocks noGrp="1"/>
+          </p:cNvSpPr>
+          <p:nvPr>
+            <p:ph idx="1"/>
+          </p:nvPr>
+        </p:nvSpPr>
+        <p:spPr>
+          <a:xfrm>
+            <a:off x="838200" y="1825625"/>
+            <a:ext cx="11023242" cy="4351338"/>
+          </a:xfrm>
+        </p:spPr>
+        <p:txBody>
+          <a:bodyPr>
+            <a:noAutofit/>
+          </a:bodyPr>
+          <a:lstStyle/>
+          <a:p>
+            <a:r>
+              <a:rPr lang="en-US" sz="3600" dirty="0">
+                <a:solidFill>
+                  <a:schemeClr val="bg2">
+                    <a:lumMod val="75000"/>
+                  </a:schemeClr>
+                </a:solidFill>
+                <a:effectLst/>
+                <a:latin typeface="Arial" panose="020B0604020202020204" pitchFamily="34" charset="0"/>
+              </a:rPr>
+              <a:t>RQ1: What are the release notes update patterns?</a:t>
+            </a:r>
+          </a:p>
+          <a:p>
+            <a:pPr marL="0" indent="0">
+              <a:buNone/>
+            </a:pPr>
+            <a:endParaRPr lang="en-US" sz="3600" dirty="0">
+              <a:effectLst/>
+              <a:latin typeface="Arial" panose="020B0604020202020204" pitchFamily="34" charset="0"/>
+            </a:endParaRPr>
+          </a:p>
+          <a:p>
+            <a:r>
+              <a:rPr lang="en-US" sz="3600" dirty="0">
+                <a:effectLst/>
+                <a:latin typeface="Arial" panose="020B0604020202020204" pitchFamily="34" charset="0"/>
+              </a:rPr>
+              <a:t>RQ2: What are the </a:t>
+            </a:r>
+            <a:r>
+              <a:rPr lang="en-US" sz="3600" dirty="0">
+                <a:solidFill>
+                  <a:srgbClr val="C00000"/>
+                </a:solidFill>
+                <a:effectLst/>
+                <a:latin typeface="Arial" panose="020B0604020202020204" pitchFamily="34" charset="0"/>
+              </a:rPr>
+              <a:t>characteristics</a:t>
+            </a:r>
+            <a:r>
+              <a:rPr lang="en-US" sz="3600" dirty="0">
+                <a:effectLst/>
+                <a:latin typeface="Arial" panose="020B0604020202020204" pitchFamily="34" charset="0"/>
+              </a:rPr>
+              <a:t> of the apps that follow a certain release notes pattern?</a:t>
+            </a:r>
+            <a:endParaRPr lang="en-US" sz="3600" dirty="0">
+              <a:latin typeface="Arial" panose="020B0604020202020204" pitchFamily="34" charset="0"/>
+            </a:endParaRPr>
+          </a:p>
+          <a:p>
+            <a:pPr marL="0" indent="0">
+              <a:buNone/>
+            </a:pPr>
+            <a:endParaRPr lang="en-US" sz="3600" dirty="0">
+              <a:solidFill>
+                <a:schemeClr val="bg2">
+                  <a:lumMod val="75000"/>
+                </a:schemeClr>
+              </a:solidFill>
+              <a:latin typeface="Arial" panose="020B0604020202020204" pitchFamily="34" charset="0"/>
+            </a:endParaRPr>
+          </a:p>
+          <a:p>
+            <a:r>
+              <a:rPr lang="en-US" sz="3600" dirty="0">
+                <a:solidFill>
+                  <a:schemeClr val="bg2">
+                    <a:lumMod val="90000"/>
+                  </a:schemeClr>
+                </a:solidFill>
+                <a:effectLst/>
+                <a:latin typeface="Arial" panose="020B0604020202020204" pitchFamily="34" charset="0"/>
+              </a:rPr>
+              <a:t>RQ3: </a:t>
+            </a:r>
+            <a:r>
+              <a:rPr lang="en-US" sz="3600" dirty="0">
+                <a:solidFill>
+                  <a:schemeClr val="bg2">
+                    <a:lumMod val="90000"/>
+                  </a:schemeClr>
+                </a:solidFill>
+                <a:latin typeface="Arial" panose="020B0604020202020204" pitchFamily="34" charset="0"/>
+              </a:rPr>
+              <a:t>Do </a:t>
+            </a:r>
+            <a:r>
+              <a:rPr lang="en-US" sz="3600" dirty="0">
+                <a:solidFill>
+                  <a:schemeClr val="bg2">
+                    <a:lumMod val="90000"/>
+                  </a:schemeClr>
+                </a:solidFill>
+                <a:effectLst/>
+                <a:latin typeface="Arial" panose="020B0604020202020204" pitchFamily="34" charset="0"/>
+              </a:rPr>
+              <a:t>developers ever </a:t>
+            </a:r>
+            <a:r>
+              <a:rPr lang="en-US" sz="3600" dirty="0">
+                <a:solidFill>
+                  <a:schemeClr val="bg2">
+                    <a:lumMod val="90000"/>
+                  </a:schemeClr>
+                </a:solidFill>
+                <a:latin typeface="Arial" panose="020B0604020202020204" pitchFamily="34" charset="0"/>
+              </a:rPr>
+              <a:t>change</a:t>
+            </a:r>
+            <a:r>
+              <a:rPr lang="en-US" sz="3600" dirty="0">
+                <a:solidFill>
+                  <a:schemeClr val="bg2">
+                    <a:lumMod val="90000"/>
+                  </a:schemeClr>
+                </a:solidFill>
+                <a:effectLst/>
+                <a:latin typeface="Arial" panose="020B0604020202020204" pitchFamily="34" charset="0"/>
+              </a:rPr>
+              <a:t> their release notes pattern? </a:t>
+            </a:r>
+            <a:endParaRPr lang="en-US" sz="3600" dirty="0">
+              <a:solidFill>
+                <a:schemeClr val="bg2">
+                  <a:lumMod val="90000"/>
+                </a:schemeClr>
+              </a:solidFill>
+            </a:endParaRPr>
+          </a:p>
+        </p:txBody>
+      </p:sp>
+      <p:sp>
+        <p:nvSpPr>
+          <p:cNvPr id="4" name="Slide Number Placeholder 3">
+            <a:extLst>
+              <a:ext uri="{FF2B5EF4-FFF2-40B4-BE49-F238E27FC236}">
+                <a16:creationId xmlns:a16="http://schemas.microsoft.com/office/drawing/2014/main" id="{DBC15A87-B8C0-49BE-9E9A-E16E1A251D75}"/>
+              </a:ext>
+            </a:extLst>
+          </p:cNvPr>
+          <p:cNvSpPr>
+            <a:spLocks noGrp="1"/>
+          </p:cNvSpPr>
+          <p:nvPr>
+            <p:ph type="sldNum" sz="quarter" idx="12"/>
+          </p:nvPr>
+        </p:nvSpPr>
+        <p:spPr/>
+        <p:txBody>
+          <a:bodyPr/>
+          <a:lstStyle/>
+          <a:p>
+            <a:fld id="{87998442-DCDF-4622-933A-F9895919A1C1}" type="slidenum">
+              <a:rPr lang="en-US" smtClean="0"/>
+              <a:t>12</a:t>
+            </a:fld>
+            <a:endParaRPr lang="en-US"/>
+          </a:p>
+        </p:txBody>
+      </p:sp>
+    </p:spTree>
+    <p:extLst>
+      <p:ext uri="{BB962C8B-B14F-4D97-AF65-F5344CB8AC3E}">
+        <p14:creationId xmlns:p14="http://schemas.microsoft.com/office/powerpoint/2010/main" val="2195144130"/>
+      </p:ext>
+    </p:extLst>
+  </p:cSld>
+  <p:clrMapOvr>
+    <a:masterClrMapping/>
+  </p:clrMapOvr>
+</p:sld>
+</file>
+
+<file path=ppt/slides/slide13.xml><?xml version="1.0" encoding="utf-8"?>
+<p:sld xmlns:a="http://schemas.openxmlformats.org/drawingml/2006/main" xmlns:r="http://schemas.openxmlformats.org/officeDocument/2006/relationships" xmlns:p="http://schemas.openxmlformats.org/presentationml/2006/main">
+  <p:cSld>
+    <p:spTree>
+      <p:nvGrpSpPr>
+        <p:cNvPr id="1" name=""/>
+        <p:cNvGrpSpPr/>
+        <p:nvPr/>
+      </p:nvGrpSpPr>
+      <p:grpSpPr>
+        <a:xfrm>
+          <a:off x="0" y="0"/>
+          <a:ext cx="0" cy="0"/>
+          <a:chOff x="0" y="0"/>
+          <a:chExt cx="0" cy="0"/>
+        </a:xfrm>
+      </p:grpSpPr>
+      <p:sp>
+        <p:nvSpPr>
+          <p:cNvPr id="4" name="Slide Number Placeholder 3">
+            <a:extLst>
+              <a:ext uri="{FF2B5EF4-FFF2-40B4-BE49-F238E27FC236}">
+                <a16:creationId xmlns:a16="http://schemas.microsoft.com/office/drawing/2014/main" id="{205923C2-A285-4DDF-AD50-1BEA52E87196}"/>
+              </a:ext>
+            </a:extLst>
+          </p:cNvPr>
+          <p:cNvSpPr>
+            <a:spLocks noGrp="1"/>
+          </p:cNvSpPr>
+          <p:nvPr>
+            <p:ph type="sldNum" sz="quarter" idx="12"/>
+          </p:nvPr>
+        </p:nvSpPr>
+        <p:spPr/>
+        <p:txBody>
+          <a:bodyPr/>
+          <a:lstStyle/>
+          <a:p>
+            <a:fld id="{87998442-DCDF-4622-933A-F9895919A1C1}" type="slidenum">
+              <a:rPr lang="en-US" smtClean="0"/>
+              <a:t>13</a:t>
+            </a:fld>
+            <a:endParaRPr lang="en-US"/>
+          </a:p>
+        </p:txBody>
+      </p:sp>
+      <p:sp>
+        <p:nvSpPr>
+          <p:cNvPr id="8" name="Title 7">
+            <a:extLst>
+              <a:ext uri="{FF2B5EF4-FFF2-40B4-BE49-F238E27FC236}">
+                <a16:creationId xmlns:a16="http://schemas.microsoft.com/office/drawing/2014/main" id="{529E6E41-F815-4343-9D29-B795352F6900}"/>
+              </a:ext>
+            </a:extLst>
+          </p:cNvPr>
+          <p:cNvSpPr>
+            <a:spLocks noGrp="1"/>
+          </p:cNvSpPr>
+          <p:nvPr>
+            <p:ph type="title"/>
+          </p:nvPr>
+        </p:nvSpPr>
+        <p:spPr>
+          <a:xfrm>
+            <a:off x="844730" y="281170"/>
+            <a:ext cx="4380413" cy="1850679"/>
+          </a:xfrm>
+        </p:spPr>
+        <p:txBody>
+          <a:bodyPr>
+            <a:normAutofit/>
+          </a:bodyPr>
+          <a:lstStyle/>
+          <a:p>
+            <a:pPr algn="ctr"/>
+            <a:r>
+              <a:rPr lang="en-US" sz="4000" b="1" dirty="0">
+                <a:solidFill>
+                  <a:srgbClr val="C00000"/>
+                </a:solidFill>
+              </a:rPr>
+              <a:t>RQ2 Approach: Regression Models</a:t>
+            </a:r>
+            <a:endParaRPr lang="en-US" sz="4000" dirty="0"/>
+          </a:p>
+        </p:txBody>
+      </p:sp>
+      <p:sp>
+        <p:nvSpPr>
+          <p:cNvPr id="14" name="TextBox 13">
+            <a:extLst>
+              <a:ext uri="{FF2B5EF4-FFF2-40B4-BE49-F238E27FC236}">
+                <a16:creationId xmlns:a16="http://schemas.microsoft.com/office/drawing/2014/main" id="{71CB9114-95A8-4F74-96A2-949603061FAA}"/>
+              </a:ext>
+            </a:extLst>
+          </p:cNvPr>
+          <p:cNvSpPr txBox="1"/>
+          <p:nvPr/>
+        </p:nvSpPr>
+        <p:spPr>
+          <a:xfrm>
+            <a:off x="943019" y="3565832"/>
+            <a:ext cx="4713559" cy="2308324"/>
+          </a:xfrm>
+          <a:prstGeom prst="rect">
+            <a:avLst/>
+          </a:prstGeom>
+          <a:noFill/>
+        </p:spPr>
+        <p:txBody>
+          <a:bodyPr wrap="square">
+            <a:spAutoFit/>
+          </a:bodyPr>
+          <a:lstStyle/>
+          <a:p>
+            <a:pPr algn="l"/>
+            <a:endParaRPr lang="en-US" sz="2400" b="0" i="0" u="none" strike="noStrike" baseline="0" dirty="0">
+              <a:latin typeface="Calibri" panose="020F0502020204030204" pitchFamily="34" charset="0"/>
+              <a:cs typeface="Calibri" panose="020F0502020204030204" pitchFamily="34" charset="0"/>
+            </a:endParaRPr>
+          </a:p>
+          <a:p>
+            <a:pPr algn="l"/>
+            <a:r>
+              <a:rPr lang="en-US" sz="2400" b="0" i="0" u="none" strike="noStrike" baseline="0" dirty="0">
+                <a:latin typeface="Calibri" panose="020F0502020204030204" pitchFamily="34" charset="0"/>
+                <a:cs typeface="Calibri" panose="020F0502020204030204" pitchFamily="34" charset="0"/>
+              </a:rPr>
+              <a:t>We build </a:t>
+            </a:r>
+            <a:r>
+              <a:rPr lang="en-US" sz="2400" dirty="0">
+                <a:solidFill>
+                  <a:srgbClr val="C00000"/>
+                </a:solidFill>
+                <a:latin typeface="Calibri" panose="020F0502020204030204" pitchFamily="34" charset="0"/>
+                <a:cs typeface="Calibri" panose="020F0502020204030204" pitchFamily="34" charset="0"/>
+              </a:rPr>
+              <a:t>6 </a:t>
+            </a:r>
+            <a:r>
+              <a:rPr lang="en-US" sz="2400" i="0" u="none" strike="noStrike" baseline="0" dirty="0">
+                <a:solidFill>
+                  <a:srgbClr val="C00000"/>
+                </a:solidFill>
+                <a:latin typeface="Calibri" panose="020F0502020204030204" pitchFamily="34" charset="0"/>
+                <a:cs typeface="Calibri" panose="020F0502020204030204" pitchFamily="34" charset="0"/>
+              </a:rPr>
+              <a:t>logistic regression models</a:t>
+            </a:r>
+            <a:r>
+              <a:rPr lang="en-US" sz="2400" i="0" u="none" strike="noStrike" baseline="0" dirty="0">
+                <a:latin typeface="Calibri" panose="020F0502020204030204" pitchFamily="34" charset="0"/>
+                <a:cs typeface="Calibri" panose="020F0502020204030204" pitchFamily="34" charset="0"/>
+              </a:rPr>
+              <a:t> on each of the 6 patterns</a:t>
+            </a:r>
+            <a:r>
+              <a:rPr lang="en-US" sz="2400" b="1" i="0" u="none" strike="noStrike" baseline="0" dirty="0">
+                <a:latin typeface="Calibri" panose="020F0502020204030204" pitchFamily="34" charset="0"/>
+                <a:cs typeface="Calibri" panose="020F0502020204030204" pitchFamily="34" charset="0"/>
+              </a:rPr>
+              <a:t> </a:t>
+            </a:r>
+            <a:r>
+              <a:rPr lang="en-US" sz="2400" b="0" i="0" u="none" strike="noStrike" baseline="0" dirty="0">
+                <a:latin typeface="Calibri" panose="020F0502020204030204" pitchFamily="34" charset="0"/>
+                <a:cs typeface="Calibri" panose="020F0502020204030204" pitchFamily="34" charset="0"/>
+              </a:rPr>
+              <a:t>to observe if certain app attributes are correlated with release note patterns. </a:t>
+            </a:r>
+          </a:p>
+        </p:txBody>
+      </p:sp>
+      <p:pic>
+        <p:nvPicPr>
           <p:cNvPr id="3" name="Picture 2">
             <a:extLst>
               <a:ext uri="{FF2B5EF4-FFF2-40B4-BE49-F238E27FC236}">
-                <a16:creationId xmlns:a16="http://schemas.microsoft.com/office/drawing/2014/main" id="{E8C0F4F9-BA6C-4F5A-91EF-4F879BC89040}"/>
+                <a16:creationId xmlns:a16="http://schemas.microsoft.com/office/drawing/2014/main" id="{12693CC8-FDBD-4FAA-AB9A-A357211E7586}"/>
               </a:ext>
             </a:extLst>
           </p:cNvPr>
@@ -5641,20 +6997,91 @@
         </p:blipFill>
         <p:spPr>
           <a:xfrm>
-            <a:off x="1766206" y="1516863"/>
-            <a:ext cx="8659585" cy="3540459"/>
+            <a:off x="6278881" y="572523"/>
+            <a:ext cx="2968554" cy="5783827"/>
           </a:xfrm>
           <a:prstGeom prst="rect">
             <a:avLst/>
           </a:prstGeom>
         </p:spPr>
       </p:pic>
-      <p:sp>
-        <p:nvSpPr>
-          <p:cNvPr id="6" name="TextBox 5">
-            <a:extLst>
-              <a:ext uri="{FF2B5EF4-FFF2-40B4-BE49-F238E27FC236}">
-                <a16:creationId xmlns:a16="http://schemas.microsoft.com/office/drawing/2014/main" id="{E6911D41-849A-4AE9-AB83-B2794BBE0EC2}"/>
+      <p:pic>
+        <p:nvPicPr>
+          <p:cNvPr id="10" name="Picture 9">
+            <a:extLst>
+              <a:ext uri="{FF2B5EF4-FFF2-40B4-BE49-F238E27FC236}">
+                <a16:creationId xmlns:a16="http://schemas.microsoft.com/office/drawing/2014/main" id="{FB5D5434-9F97-45EC-8DE8-A3AD7F32CB1F}"/>
+              </a:ext>
+            </a:extLst>
+          </p:cNvPr>
+          <p:cNvPicPr>
+            <a:picLocks noChangeAspect="1"/>
+          </p:cNvPicPr>
+          <p:nvPr/>
+        </p:nvPicPr>
+        <p:blipFill>
+          <a:blip r:embed="rId4"/>
+          <a:stretch>
+            <a:fillRect/>
+          </a:stretch>
+        </p:blipFill>
+        <p:spPr>
+          <a:xfrm>
+            <a:off x="1046023" y="2001102"/>
+            <a:ext cx="4244124" cy="1534414"/>
+          </a:xfrm>
+          <a:prstGeom prst="rect">
+            <a:avLst/>
+          </a:prstGeom>
+        </p:spPr>
+      </p:pic>
+      <p:cxnSp>
+        <p:nvCxnSpPr>
+          <p:cNvPr id="12" name="Straight Arrow Connector 11">
+            <a:extLst>
+              <a:ext uri="{FF2B5EF4-FFF2-40B4-BE49-F238E27FC236}">
+                <a16:creationId xmlns:a16="http://schemas.microsoft.com/office/drawing/2014/main" id="{B724EC96-9E9B-40B4-8C7E-EE41397A5661}"/>
+              </a:ext>
+            </a:extLst>
+          </p:cNvPr>
+          <p:cNvCxnSpPr>
+            <a:cxnSpLocks/>
+          </p:cNvCxnSpPr>
+          <p:nvPr/>
+        </p:nvCxnSpPr>
+        <p:spPr>
+          <a:xfrm flipH="1" flipV="1">
+            <a:off x="9344027" y="3573627"/>
+            <a:ext cx="508312" cy="184772"/>
+          </a:xfrm>
+          <a:prstGeom prst="straightConnector1">
+            <a:avLst/>
+          </a:prstGeom>
+          <a:ln>
+            <a:tailEnd type="triangle"/>
+          </a:ln>
+        </p:spPr>
+        <p:style>
+          <a:lnRef idx="3">
+            <a:schemeClr val="accent2"/>
+          </a:lnRef>
+          <a:fillRef idx="0">
+            <a:schemeClr val="accent2"/>
+          </a:fillRef>
+          <a:effectRef idx="2">
+            <a:schemeClr val="accent2"/>
+          </a:effectRef>
+          <a:fontRef idx="minor">
+            <a:schemeClr val="tx1"/>
+          </a:fontRef>
+        </p:style>
+      </p:cxnSp>
+      <p:sp>
+        <p:nvSpPr>
+          <p:cNvPr id="22" name="TextBox 21">
+            <a:extLst>
+              <a:ext uri="{FF2B5EF4-FFF2-40B4-BE49-F238E27FC236}">
+                <a16:creationId xmlns:a16="http://schemas.microsoft.com/office/drawing/2014/main" id="{CBC6EEDB-82E9-49E4-8E59-26B46CE86964}"/>
               </a:ext>
             </a:extLst>
           </p:cNvPr>
@@ -5663,8 +7090,8 @@
         </p:nvSpPr>
         <p:spPr>
           <a:xfrm>
-            <a:off x="1490311" y="5057322"/>
-            <a:ext cx="9211377" cy="1200329"/>
+            <a:off x="9708220" y="3705144"/>
+            <a:ext cx="4713559" cy="461665"/>
           </a:xfrm>
           <a:prstGeom prst="rect">
             <a:avLst/>
@@ -5677,19 +7104,1289 @@
           </a:bodyPr>
           <a:lstStyle/>
           <a:p>
+            <a:pPr algn="l"/>
+            <a:r>
+              <a:rPr lang="en-US" sz="2400" b="0" i="0" u="none" strike="noStrike" baseline="0" dirty="0">
+                <a:latin typeface="Calibri" panose="020F0502020204030204" pitchFamily="34" charset="0"/>
+                <a:cs typeface="Calibri" panose="020F0502020204030204" pitchFamily="34" charset="0"/>
+              </a:rPr>
+              <a:t>Significant</a:t>
+            </a:r>
+          </a:p>
+        </p:txBody>
+      </p:sp>
+      <p:cxnSp>
+        <p:nvCxnSpPr>
+          <p:cNvPr id="27" name="Straight Arrow Connector 26">
+            <a:extLst>
+              <a:ext uri="{FF2B5EF4-FFF2-40B4-BE49-F238E27FC236}">
+                <a16:creationId xmlns:a16="http://schemas.microsoft.com/office/drawing/2014/main" id="{2E197FEB-CA91-49B8-A587-A32659EFB396}"/>
+              </a:ext>
+            </a:extLst>
+          </p:cNvPr>
+          <p:cNvCxnSpPr>
+            <a:cxnSpLocks/>
+          </p:cNvCxnSpPr>
+          <p:nvPr/>
+        </p:nvCxnSpPr>
+        <p:spPr>
+          <a:xfrm flipH="1">
+            <a:off x="9344027" y="4118018"/>
+            <a:ext cx="468160" cy="125571"/>
+          </a:xfrm>
+          <a:prstGeom prst="straightConnector1">
+            <a:avLst/>
+          </a:prstGeom>
+          <a:ln>
+            <a:tailEnd type="triangle"/>
+          </a:ln>
+        </p:spPr>
+        <p:style>
+          <a:lnRef idx="3">
+            <a:schemeClr val="accent2"/>
+          </a:lnRef>
+          <a:fillRef idx="0">
+            <a:schemeClr val="accent2"/>
+          </a:fillRef>
+          <a:effectRef idx="2">
+            <a:schemeClr val="accent2"/>
+          </a:effectRef>
+          <a:fontRef idx="minor">
+            <a:schemeClr val="tx1"/>
+          </a:fontRef>
+        </p:style>
+      </p:cxnSp>
+    </p:spTree>
+    <p:extLst>
+      <p:ext uri="{BB962C8B-B14F-4D97-AF65-F5344CB8AC3E}">
+        <p14:creationId xmlns:p14="http://schemas.microsoft.com/office/powerpoint/2010/main" val="1676162561"/>
+      </p:ext>
+    </p:extLst>
+  </p:cSld>
+  <p:clrMapOvr>
+    <a:masterClrMapping/>
+  </p:clrMapOvr>
+</p:sld>
+</file>
+
+<file path=ppt/slides/slide14.xml><?xml version="1.0" encoding="utf-8"?>
+<p:sld xmlns:a="http://schemas.openxmlformats.org/drawingml/2006/main" xmlns:r="http://schemas.openxmlformats.org/officeDocument/2006/relationships" xmlns:p="http://schemas.openxmlformats.org/presentationml/2006/main">
+  <p:cSld>
+    <p:spTree>
+      <p:nvGrpSpPr>
+        <p:cNvPr id="1" name=""/>
+        <p:cNvGrpSpPr/>
+        <p:nvPr/>
+      </p:nvGrpSpPr>
+      <p:grpSpPr>
+        <a:xfrm>
+          <a:off x="0" y="0"/>
+          <a:ext cx="0" cy="0"/>
+          <a:chOff x="0" y="0"/>
+          <a:chExt cx="0" cy="0"/>
+        </a:xfrm>
+      </p:grpSpPr>
+      <p:sp>
+        <p:nvSpPr>
+          <p:cNvPr id="2" name="Title 1">
+            <a:extLst>
+              <a:ext uri="{FF2B5EF4-FFF2-40B4-BE49-F238E27FC236}">
+                <a16:creationId xmlns:a16="http://schemas.microsoft.com/office/drawing/2014/main" id="{ABAAF143-4D21-4114-8178-31D3B8F23B6C}"/>
+              </a:ext>
+            </a:extLst>
+          </p:cNvPr>
+          <p:cNvSpPr>
+            <a:spLocks noGrp="1"/>
+          </p:cNvSpPr>
+          <p:nvPr>
+            <p:ph type="title"/>
+          </p:nvPr>
+        </p:nvSpPr>
+        <p:spPr/>
+        <p:txBody>
+          <a:bodyPr/>
+          <a:lstStyle/>
+          <a:p>
+            <a:r>
+              <a:rPr lang="en-US" sz="4400" b="1" dirty="0">
+                <a:solidFill>
+                  <a:srgbClr val="C00000"/>
+                </a:solidFill>
+              </a:rPr>
+              <a:t>Models Results</a:t>
+            </a:r>
+            <a:endParaRPr lang="en-US" dirty="0"/>
+          </a:p>
+        </p:txBody>
+      </p:sp>
+      <p:sp>
+        <p:nvSpPr>
+          <p:cNvPr id="3" name="Content Placeholder 2">
+            <a:extLst>
+              <a:ext uri="{FF2B5EF4-FFF2-40B4-BE49-F238E27FC236}">
+                <a16:creationId xmlns:a16="http://schemas.microsoft.com/office/drawing/2014/main" id="{A48483C2-5AC8-4834-8E9D-0639C227CF5D}"/>
+              </a:ext>
+            </a:extLst>
+          </p:cNvPr>
+          <p:cNvSpPr>
+            <a:spLocks noGrp="1"/>
+          </p:cNvSpPr>
+          <p:nvPr>
+            <p:ph idx="1"/>
+          </p:nvPr>
+        </p:nvSpPr>
+        <p:spPr>
+          <a:xfrm>
+            <a:off x="838200" y="1825625"/>
+            <a:ext cx="10515600" cy="1231009"/>
+          </a:xfrm>
+        </p:spPr>
+        <p:txBody>
+          <a:bodyPr/>
+          <a:lstStyle/>
+          <a:p>
+            <a:r>
+              <a:rPr lang="en-US" dirty="0">
+                <a:effectLst/>
+              </a:rPr>
+              <a:t>Apps in patterns 2 and 5 with updating release notes tend to have a </a:t>
+            </a:r>
+            <a:r>
+              <a:rPr lang="en-US" dirty="0">
+                <a:solidFill>
+                  <a:srgbClr val="C00000"/>
+                </a:solidFill>
+                <a:effectLst/>
+              </a:rPr>
+              <a:t>lower number of releases</a:t>
+            </a:r>
+            <a:r>
+              <a:rPr lang="en-US" dirty="0">
+                <a:effectLst/>
+              </a:rPr>
+              <a:t>. </a:t>
+            </a:r>
+          </a:p>
+        </p:txBody>
+      </p:sp>
+      <p:sp>
+        <p:nvSpPr>
+          <p:cNvPr id="4" name="Slide Number Placeholder 3">
+            <a:extLst>
+              <a:ext uri="{FF2B5EF4-FFF2-40B4-BE49-F238E27FC236}">
+                <a16:creationId xmlns:a16="http://schemas.microsoft.com/office/drawing/2014/main" id="{8D565DAD-AD37-4FCF-A40C-38A31691AA60}"/>
+              </a:ext>
+            </a:extLst>
+          </p:cNvPr>
+          <p:cNvSpPr>
+            <a:spLocks noGrp="1"/>
+          </p:cNvSpPr>
+          <p:nvPr>
+            <p:ph type="sldNum" sz="quarter" idx="12"/>
+          </p:nvPr>
+        </p:nvSpPr>
+        <p:spPr/>
+        <p:txBody>
+          <a:bodyPr/>
+          <a:lstStyle/>
+          <a:p>
+            <a:fld id="{87998442-DCDF-4622-933A-F9895919A1C1}" type="slidenum">
+              <a:rPr lang="en-US" smtClean="0"/>
+              <a:t>14</a:t>
+            </a:fld>
+            <a:endParaRPr lang="en-US"/>
+          </a:p>
+        </p:txBody>
+      </p:sp>
+      <p:sp>
+        <p:nvSpPr>
+          <p:cNvPr id="8" name="TextBox 7">
+            <a:extLst>
+              <a:ext uri="{FF2B5EF4-FFF2-40B4-BE49-F238E27FC236}">
+                <a16:creationId xmlns:a16="http://schemas.microsoft.com/office/drawing/2014/main" id="{EC737060-2AE1-4A73-B7EC-7E6BEC7F04BC}"/>
+              </a:ext>
+            </a:extLst>
+          </p:cNvPr>
+          <p:cNvSpPr txBox="1"/>
+          <p:nvPr/>
+        </p:nvSpPr>
+        <p:spPr>
+          <a:xfrm>
+            <a:off x="838200" y="3056634"/>
+            <a:ext cx="9870440" cy="867930"/>
+          </a:xfrm>
+          <a:prstGeom prst="rect">
+            <a:avLst/>
+          </a:prstGeom>
+          <a:noFill/>
+        </p:spPr>
+        <p:txBody>
+          <a:bodyPr wrap="square">
+            <a:spAutoFit/>
+          </a:bodyPr>
+          <a:lstStyle/>
+          <a:p>
+            <a:pPr marL="228600" marR="0" lvl="0" indent="-228600" algn="l" defTabSz="914400" rtl="0" eaLnBrk="1" fontAlgn="auto" latinLnBrk="0" hangingPunct="1">
+              <a:lnSpc>
+                <a:spcPct val="90000"/>
+              </a:lnSpc>
+              <a:spcBef>
+                <a:spcPts val="1000"/>
+              </a:spcBef>
+              <a:spcAft>
+                <a:spcPts val="0"/>
+              </a:spcAft>
+              <a:buClrTx/>
+              <a:buSzTx/>
+              <a:buFont typeface="Arial" panose="020B0604020202020204" pitchFamily="34" charset="0"/>
+              <a:buChar char="•"/>
+              <a:tabLst/>
+              <a:defRPr/>
+            </a:pPr>
+            <a:r>
+              <a:rPr kumimoji="0" lang="en-US" sz="2800" b="0" i="0" u="none" strike="noStrike" kern="1200" cap="none" spc="0" normalizeH="0" baseline="0" noProof="0" dirty="0">
+                <a:ln>
+                  <a:noFill/>
+                </a:ln>
+                <a:solidFill>
+                  <a:prstClr val="black"/>
+                </a:solidFill>
+                <a:effectLst/>
+                <a:uLnTx/>
+                <a:uFillTx/>
+                <a:latin typeface="Calibri" panose="020F0502020204030204" pitchFamily="34" charset="0"/>
+                <a:ea typeface="+mn-ea"/>
+                <a:cs typeface="Calibri" panose="020F0502020204030204" pitchFamily="34" charset="0"/>
+              </a:rPr>
+              <a:t>Apps in pattern 6 that have long, rising-updatability release notes tend to have a </a:t>
+            </a:r>
+            <a:r>
+              <a:rPr kumimoji="0" lang="en-US" sz="2800" b="0" i="0" u="none" strike="noStrike" kern="1200" cap="none" spc="0" normalizeH="0" baseline="0" noProof="0" dirty="0">
+                <a:ln>
+                  <a:noFill/>
+                </a:ln>
+                <a:solidFill>
+                  <a:srgbClr val="C00000"/>
+                </a:solidFill>
+                <a:effectLst/>
+                <a:uLnTx/>
+                <a:uFillTx/>
+                <a:latin typeface="Calibri" panose="020F0502020204030204" pitchFamily="34" charset="0"/>
+                <a:ea typeface="+mn-ea"/>
+                <a:cs typeface="Calibri" panose="020F0502020204030204" pitchFamily="34" charset="0"/>
+              </a:rPr>
+              <a:t>higher user response rate</a:t>
+            </a:r>
+            <a:r>
+              <a:rPr kumimoji="0" lang="en-US" sz="2800" b="0" i="0" u="none" strike="noStrike" kern="1200" cap="none" spc="0" normalizeH="0" baseline="0" noProof="0" dirty="0">
+                <a:ln>
+                  <a:noFill/>
+                </a:ln>
+                <a:solidFill>
+                  <a:prstClr val="black"/>
+                </a:solidFill>
+                <a:effectLst/>
+                <a:uLnTx/>
+                <a:uFillTx/>
+                <a:latin typeface="Calibri" panose="020F0502020204030204" pitchFamily="34" charset="0"/>
+                <a:ea typeface="+mn-ea"/>
+                <a:cs typeface="Calibri" panose="020F0502020204030204" pitchFamily="34" charset="0"/>
+              </a:rPr>
+              <a:t> than other apps. </a:t>
+            </a:r>
+          </a:p>
+        </p:txBody>
+      </p:sp>
+      <p:sp>
+        <p:nvSpPr>
+          <p:cNvPr id="10" name="TextBox 9">
+            <a:extLst>
+              <a:ext uri="{FF2B5EF4-FFF2-40B4-BE49-F238E27FC236}">
+                <a16:creationId xmlns:a16="http://schemas.microsoft.com/office/drawing/2014/main" id="{68101FA1-F90B-4CB8-AF0D-FD1C5E4C9038}"/>
+              </a:ext>
+            </a:extLst>
+          </p:cNvPr>
+          <p:cNvSpPr txBox="1"/>
+          <p:nvPr/>
+        </p:nvSpPr>
+        <p:spPr>
+          <a:xfrm>
+            <a:off x="789940" y="4363262"/>
+            <a:ext cx="10612120" cy="867930"/>
+          </a:xfrm>
+          <a:prstGeom prst="rect">
+            <a:avLst/>
+          </a:prstGeom>
+          <a:noFill/>
+        </p:spPr>
+        <p:txBody>
+          <a:bodyPr wrap="square">
+            <a:spAutoFit/>
+          </a:bodyPr>
+          <a:lstStyle/>
+          <a:p>
+            <a:pPr marL="228600" marR="0" lvl="0" indent="-228600" algn="l" defTabSz="914400" rtl="0" eaLnBrk="1" fontAlgn="auto" latinLnBrk="0" hangingPunct="1">
+              <a:lnSpc>
+                <a:spcPct val="90000"/>
+              </a:lnSpc>
+              <a:spcBef>
+                <a:spcPts val="1000"/>
+              </a:spcBef>
+              <a:spcAft>
+                <a:spcPts val="0"/>
+              </a:spcAft>
+              <a:buClrTx/>
+              <a:buSzTx/>
+              <a:buFont typeface="Arial" panose="020B0604020202020204" pitchFamily="34" charset="0"/>
+              <a:buChar char="•"/>
+              <a:tabLst/>
+              <a:defRPr/>
+            </a:pPr>
+            <a:r>
+              <a:rPr kumimoji="0" lang="en-US" sz="2800" b="0" i="0" u="none" strike="noStrike" kern="1200" cap="none" spc="0" normalizeH="0" baseline="0" noProof="0" dirty="0">
+                <a:ln>
+                  <a:noFill/>
+                </a:ln>
+                <a:solidFill>
+                  <a:prstClr val="black"/>
+                </a:solidFill>
+                <a:effectLst/>
+                <a:uLnTx/>
+                <a:uFillTx/>
+                <a:latin typeface="Calibri" panose="020F0502020204030204" pitchFamily="34" charset="0"/>
+                <a:ea typeface="+mn-ea"/>
+                <a:cs typeface="Calibri" panose="020F0502020204030204" pitchFamily="34" charset="0"/>
+              </a:rPr>
+              <a:t>Apps in pattern 5 that have long and updating release notes have higher </a:t>
+            </a:r>
+            <a:r>
+              <a:rPr kumimoji="0" lang="en-US" sz="2800" b="0" i="0" u="none" strike="noStrike" kern="1200" cap="none" spc="0" normalizeH="0" baseline="0" noProof="0" dirty="0">
+                <a:ln>
+                  <a:noFill/>
+                </a:ln>
+                <a:solidFill>
+                  <a:srgbClr val="C00000"/>
+                </a:solidFill>
+                <a:effectLst/>
+                <a:uLnTx/>
+                <a:uFillTx/>
+                <a:latin typeface="Calibri" panose="020F0502020204030204" pitchFamily="34" charset="0"/>
+                <a:ea typeface="+mn-ea"/>
+                <a:cs typeface="Calibri" panose="020F0502020204030204" pitchFamily="34" charset="0"/>
+              </a:rPr>
+              <a:t>perceived quality releases </a:t>
+            </a:r>
+            <a:r>
+              <a:rPr kumimoji="0" lang="en-US" sz="2800" b="0" i="0" u="none" strike="noStrike" kern="1200" cap="none" spc="0" normalizeH="0" baseline="0" noProof="0" dirty="0">
+                <a:ln>
+                  <a:noFill/>
+                </a:ln>
+                <a:solidFill>
+                  <a:prstClr val="black"/>
+                </a:solidFill>
+                <a:effectLst/>
+                <a:uLnTx/>
+                <a:uFillTx/>
+                <a:latin typeface="Calibri" panose="020F0502020204030204" pitchFamily="34" charset="0"/>
+                <a:ea typeface="+mn-ea"/>
+                <a:cs typeface="Calibri" panose="020F0502020204030204" pitchFamily="34" charset="0"/>
+              </a:rPr>
+              <a:t>compared to other apps.</a:t>
+            </a:r>
+          </a:p>
+        </p:txBody>
+      </p:sp>
+    </p:spTree>
+    <p:extLst>
+      <p:ext uri="{BB962C8B-B14F-4D97-AF65-F5344CB8AC3E}">
+        <p14:creationId xmlns:p14="http://schemas.microsoft.com/office/powerpoint/2010/main" val="4038372912"/>
+      </p:ext>
+    </p:extLst>
+  </p:cSld>
+  <p:clrMapOvr>
+    <a:masterClrMapping/>
+  </p:clrMapOvr>
+  <p:timing>
+    <p:tnLst>
+      <p:par>
+        <p:cTn id="1" dur="indefinite" restart="never" nodeType="tmRoot">
+          <p:childTnLst>
+            <p:seq concurrent="1" nextAc="seek">
+              <p:cTn id="2" dur="indefinite" nodeType="mainSeq">
+                <p:childTnLst>
+                  <p:par>
+                    <p:cTn id="3" fill="hold">
+                      <p:stCondLst>
+                        <p:cond delay="indefinite"/>
+                      </p:stCondLst>
+                      <p:childTnLst>
+                        <p:par>
+                          <p:cTn id="4" fill="hold">
+                            <p:stCondLst>
+                              <p:cond delay="0"/>
+                            </p:stCondLst>
+                            <p:childTnLst>
+                              <p:par>
+                                <p:cTn id="5" presetID="1" presetClass="entr" presetSubtype="0" fill="hold" grpId="0" nodeType="clickEffect">
+                                  <p:stCondLst>
+                                    <p:cond delay="0"/>
+                                  </p:stCondLst>
+                                  <p:childTnLst>
+                                    <p:set>
+                                      <p:cBhvr>
+                                        <p:cTn id="6" dur="1" fill="hold">
+                                          <p:stCondLst>
+                                            <p:cond delay="0"/>
+                                          </p:stCondLst>
+                                        </p:cTn>
+                                        <p:tgtEl>
+                                          <p:spTgt spid="8"/>
+                                        </p:tgtEl>
+                                        <p:attrNameLst>
+                                          <p:attrName>style.visibility</p:attrName>
+                                        </p:attrNameLst>
+                                      </p:cBhvr>
+                                      <p:to>
+                                        <p:strVal val="visible"/>
+                                      </p:to>
+                                    </p:set>
+                                  </p:childTnLst>
+                                </p:cTn>
+                              </p:par>
+                            </p:childTnLst>
+                          </p:cTn>
+                        </p:par>
+                      </p:childTnLst>
+                    </p:cTn>
+                  </p:par>
+                  <p:par>
+                    <p:cTn id="7" fill="hold">
+                      <p:stCondLst>
+                        <p:cond delay="indefinite"/>
+                      </p:stCondLst>
+                      <p:childTnLst>
+                        <p:par>
+                          <p:cTn id="8" fill="hold">
+                            <p:stCondLst>
+                              <p:cond delay="0"/>
+                            </p:stCondLst>
+                            <p:childTnLst>
+                              <p:par>
+                                <p:cTn id="9" presetID="1" presetClass="entr" presetSubtype="0" fill="hold" grpId="0" nodeType="clickEffect">
+                                  <p:stCondLst>
+                                    <p:cond delay="0"/>
+                                  </p:stCondLst>
+                                  <p:childTnLst>
+                                    <p:set>
+                                      <p:cBhvr>
+                                        <p:cTn id="10" dur="1" fill="hold">
+                                          <p:stCondLst>
+                                            <p:cond delay="0"/>
+                                          </p:stCondLst>
+                                        </p:cTn>
+                                        <p:tgtEl>
+                                          <p:spTgt spid="10"/>
+                                        </p:tgtEl>
+                                        <p:attrNameLst>
+                                          <p:attrName>style.visibility</p:attrName>
+                                        </p:attrNameLst>
+                                      </p:cBhvr>
+                                      <p:to>
+                                        <p:strVal val="visible"/>
+                                      </p:to>
+                                    </p:set>
+                                  </p:childTnLst>
+                                </p:cTn>
+                              </p:par>
+                            </p:childTnLst>
+                          </p:cTn>
+                        </p:par>
+                      </p:childTnLst>
+                    </p:cTn>
+                  </p:par>
+                </p:childTnLst>
+              </p:cTn>
+              <p:prevCondLst>
+                <p:cond evt="onPrev" delay="0">
+                  <p:tgtEl>
+                    <p:sldTgt/>
+                  </p:tgtEl>
+                </p:cond>
+              </p:prevCondLst>
+              <p:nextCondLst>
+                <p:cond evt="onNext" delay="0">
+                  <p:tgtEl>
+                    <p:sldTgt/>
+                  </p:tgtEl>
+                </p:cond>
+              </p:nextCondLst>
+            </p:seq>
+          </p:childTnLst>
+        </p:cTn>
+      </p:par>
+    </p:tnLst>
+    <p:bldLst>
+      <p:bldP spid="8" grpId="0"/>
+      <p:bldP spid="10" grpId="0"/>
+    </p:bldLst>
+  </p:timing>
+</p:sld>
+</file>
+
+<file path=ppt/slides/slide15.xml><?xml version="1.0" encoding="utf-8"?>
+<p:sld xmlns:a="http://schemas.openxmlformats.org/drawingml/2006/main" xmlns:r="http://schemas.openxmlformats.org/officeDocument/2006/relationships" xmlns:p="http://schemas.openxmlformats.org/presentationml/2006/main">
+  <p:cSld>
+    <p:spTree>
+      <p:nvGrpSpPr>
+        <p:cNvPr id="1" name=""/>
+        <p:cNvGrpSpPr/>
+        <p:nvPr/>
+      </p:nvGrpSpPr>
+      <p:grpSpPr>
+        <a:xfrm>
+          <a:off x="0" y="0"/>
+          <a:ext cx="0" cy="0"/>
+          <a:chOff x="0" y="0"/>
+          <a:chExt cx="0" cy="0"/>
+        </a:xfrm>
+      </p:grpSpPr>
+      <p:sp>
+        <p:nvSpPr>
+          <p:cNvPr id="2" name="Title 1">
+            <a:extLst>
+              <a:ext uri="{FF2B5EF4-FFF2-40B4-BE49-F238E27FC236}">
+                <a16:creationId xmlns:a16="http://schemas.microsoft.com/office/drawing/2014/main" id="{2F0F47D3-2B78-459C-B736-C97C3E722672}"/>
+              </a:ext>
+            </a:extLst>
+          </p:cNvPr>
+          <p:cNvSpPr>
+            <a:spLocks noGrp="1"/>
+          </p:cNvSpPr>
+          <p:nvPr>
+            <p:ph type="title"/>
+          </p:nvPr>
+        </p:nvSpPr>
+        <p:spPr/>
+        <p:txBody>
+          <a:bodyPr/>
+          <a:lstStyle/>
+          <a:p>
+            <a:r>
+              <a:rPr lang="en-US" sz="4400" b="1" dirty="0">
+                <a:solidFill>
+                  <a:srgbClr val="C00000"/>
+                </a:solidFill>
+              </a:rPr>
+              <a:t>Research Questions</a:t>
+            </a:r>
+            <a:endParaRPr lang="en-US" sz="4400" dirty="0"/>
+          </a:p>
+        </p:txBody>
+      </p:sp>
+      <p:sp>
+        <p:nvSpPr>
+          <p:cNvPr id="3" name="Content Placeholder 2">
+            <a:extLst>
+              <a:ext uri="{FF2B5EF4-FFF2-40B4-BE49-F238E27FC236}">
+                <a16:creationId xmlns:a16="http://schemas.microsoft.com/office/drawing/2014/main" id="{F4E2DDD4-D4AC-4902-9B38-CF4361F7BF6E}"/>
+              </a:ext>
+            </a:extLst>
+          </p:cNvPr>
+          <p:cNvSpPr>
+            <a:spLocks noGrp="1"/>
+          </p:cNvSpPr>
+          <p:nvPr>
+            <p:ph idx="1"/>
+          </p:nvPr>
+        </p:nvSpPr>
+        <p:spPr>
+          <a:xfrm>
+            <a:off x="838200" y="1825625"/>
+            <a:ext cx="11023242" cy="4351338"/>
+          </a:xfrm>
+        </p:spPr>
+        <p:txBody>
+          <a:bodyPr>
+            <a:noAutofit/>
+          </a:bodyPr>
+          <a:lstStyle/>
+          <a:p>
+            <a:r>
+              <a:rPr lang="en-US" sz="3600" dirty="0">
+                <a:solidFill>
+                  <a:schemeClr val="bg2">
+                    <a:lumMod val="75000"/>
+                  </a:schemeClr>
+                </a:solidFill>
+                <a:effectLst/>
+                <a:latin typeface="Arial" panose="020B0604020202020204" pitchFamily="34" charset="0"/>
+              </a:rPr>
+              <a:t>RQ1: What are the release notes update patterns?</a:t>
+            </a:r>
+          </a:p>
+          <a:p>
+            <a:pPr marL="0" indent="0">
+              <a:buNone/>
+            </a:pPr>
+            <a:endParaRPr lang="en-US" sz="3600" dirty="0">
+              <a:solidFill>
+                <a:schemeClr val="bg2">
+                  <a:lumMod val="75000"/>
+                </a:schemeClr>
+              </a:solidFill>
+              <a:effectLst/>
+              <a:latin typeface="Arial" panose="020B0604020202020204" pitchFamily="34" charset="0"/>
+            </a:endParaRPr>
+          </a:p>
+          <a:p>
+            <a:r>
+              <a:rPr lang="en-US" sz="3600" dirty="0">
+                <a:solidFill>
+                  <a:schemeClr val="bg2">
+                    <a:lumMod val="75000"/>
+                  </a:schemeClr>
+                </a:solidFill>
+                <a:effectLst/>
+                <a:latin typeface="Arial" panose="020B0604020202020204" pitchFamily="34" charset="0"/>
+              </a:rPr>
+              <a:t>RQ2: What are the characteristics of the apps that follow a certain release notes pattern?</a:t>
+            </a:r>
+            <a:endParaRPr lang="en-US" sz="3600" dirty="0">
+              <a:solidFill>
+                <a:schemeClr val="bg2">
+                  <a:lumMod val="75000"/>
+                </a:schemeClr>
+              </a:solidFill>
+              <a:latin typeface="Arial" panose="020B0604020202020204" pitchFamily="34" charset="0"/>
+            </a:endParaRPr>
+          </a:p>
+          <a:p>
+            <a:pPr marL="0" indent="0">
+              <a:buNone/>
+            </a:pPr>
+            <a:endParaRPr lang="en-US" sz="3600" dirty="0">
+              <a:latin typeface="Arial" panose="020B0604020202020204" pitchFamily="34" charset="0"/>
+            </a:endParaRPr>
+          </a:p>
+          <a:p>
+            <a:r>
+              <a:rPr lang="en-US" sz="3600" dirty="0">
+                <a:effectLst/>
+                <a:latin typeface="Arial" panose="020B0604020202020204" pitchFamily="34" charset="0"/>
+              </a:rPr>
+              <a:t>RQ3: </a:t>
+            </a:r>
+            <a:r>
+              <a:rPr lang="en-US" sz="3600" dirty="0">
+                <a:latin typeface="Arial" panose="020B0604020202020204" pitchFamily="34" charset="0"/>
+              </a:rPr>
+              <a:t>Do </a:t>
+            </a:r>
+            <a:r>
+              <a:rPr lang="en-US" sz="3600" dirty="0">
+                <a:effectLst/>
+                <a:latin typeface="Arial" panose="020B0604020202020204" pitchFamily="34" charset="0"/>
+              </a:rPr>
+              <a:t>developers ever </a:t>
+            </a:r>
+            <a:r>
+              <a:rPr lang="en-US" sz="3600" dirty="0">
+                <a:solidFill>
+                  <a:srgbClr val="C00000"/>
+                </a:solidFill>
+                <a:latin typeface="Arial" panose="020B0604020202020204" pitchFamily="34" charset="0"/>
+              </a:rPr>
+              <a:t>change</a:t>
+            </a:r>
+            <a:r>
+              <a:rPr lang="en-US" sz="3600" dirty="0">
+                <a:solidFill>
+                  <a:srgbClr val="C00000"/>
+                </a:solidFill>
+                <a:effectLst/>
+                <a:latin typeface="Arial" panose="020B0604020202020204" pitchFamily="34" charset="0"/>
+              </a:rPr>
+              <a:t> </a:t>
+            </a:r>
+            <a:r>
+              <a:rPr lang="en-US" sz="3600" dirty="0">
+                <a:effectLst/>
+                <a:latin typeface="Arial" panose="020B0604020202020204" pitchFamily="34" charset="0"/>
+              </a:rPr>
+              <a:t>their release notes pattern? </a:t>
+            </a:r>
+            <a:endParaRPr lang="en-US" sz="3600" dirty="0"/>
+          </a:p>
+        </p:txBody>
+      </p:sp>
+      <p:sp>
+        <p:nvSpPr>
+          <p:cNvPr id="4" name="Slide Number Placeholder 3">
+            <a:extLst>
+              <a:ext uri="{FF2B5EF4-FFF2-40B4-BE49-F238E27FC236}">
+                <a16:creationId xmlns:a16="http://schemas.microsoft.com/office/drawing/2014/main" id="{DBC15A87-B8C0-49BE-9E9A-E16E1A251D75}"/>
+              </a:ext>
+            </a:extLst>
+          </p:cNvPr>
+          <p:cNvSpPr>
+            <a:spLocks noGrp="1"/>
+          </p:cNvSpPr>
+          <p:nvPr>
+            <p:ph type="sldNum" sz="quarter" idx="12"/>
+          </p:nvPr>
+        </p:nvSpPr>
+        <p:spPr/>
+        <p:txBody>
+          <a:bodyPr/>
+          <a:lstStyle/>
+          <a:p>
+            <a:fld id="{87998442-DCDF-4622-933A-F9895919A1C1}" type="slidenum">
+              <a:rPr lang="en-US" smtClean="0"/>
+              <a:t>15</a:t>
+            </a:fld>
+            <a:endParaRPr lang="en-US"/>
+          </a:p>
+        </p:txBody>
+      </p:sp>
+    </p:spTree>
+    <p:extLst>
+      <p:ext uri="{BB962C8B-B14F-4D97-AF65-F5344CB8AC3E}">
+        <p14:creationId xmlns:p14="http://schemas.microsoft.com/office/powerpoint/2010/main" val="2779581196"/>
+      </p:ext>
+    </p:extLst>
+  </p:cSld>
+  <p:clrMapOvr>
+    <a:masterClrMapping/>
+  </p:clrMapOvr>
+</p:sld>
+</file>
+
+<file path=ppt/slides/slide16.xml><?xml version="1.0" encoding="utf-8"?>
+<p:sld xmlns:a="http://schemas.openxmlformats.org/drawingml/2006/main" xmlns:r="http://schemas.openxmlformats.org/officeDocument/2006/relationships" xmlns:p="http://schemas.openxmlformats.org/presentationml/2006/main">
+  <p:cSld>
+    <p:spTree>
+      <p:nvGrpSpPr>
+        <p:cNvPr id="1" name=""/>
+        <p:cNvGrpSpPr/>
+        <p:nvPr/>
+      </p:nvGrpSpPr>
+      <p:grpSpPr>
+        <a:xfrm>
+          <a:off x="0" y="0"/>
+          <a:ext cx="0" cy="0"/>
+          <a:chOff x="0" y="0"/>
+          <a:chExt cx="0" cy="0"/>
+        </a:xfrm>
+      </p:grpSpPr>
+      <p:sp>
+        <p:nvSpPr>
+          <p:cNvPr id="2" name="Title 1">
+            <a:extLst>
+              <a:ext uri="{FF2B5EF4-FFF2-40B4-BE49-F238E27FC236}">
+                <a16:creationId xmlns:a16="http://schemas.microsoft.com/office/drawing/2014/main" id="{E2A0CA41-2769-4B7E-8F81-FE6EC5896481}"/>
+              </a:ext>
+            </a:extLst>
+          </p:cNvPr>
+          <p:cNvSpPr>
+            <a:spLocks noGrp="1"/>
+          </p:cNvSpPr>
+          <p:nvPr>
+            <p:ph type="title"/>
+          </p:nvPr>
+        </p:nvSpPr>
+        <p:spPr/>
+        <p:txBody>
+          <a:bodyPr/>
+          <a:lstStyle/>
+          <a:p>
+            <a:r>
+              <a:rPr lang="en-US" sz="4400" b="1" dirty="0">
+                <a:solidFill>
+                  <a:srgbClr val="C00000"/>
+                </a:solidFill>
+              </a:rPr>
+              <a:t>RQ3 Approach</a:t>
+            </a:r>
+            <a:endParaRPr lang="en-US" dirty="0"/>
+          </a:p>
+        </p:txBody>
+      </p:sp>
+      <p:sp>
+        <p:nvSpPr>
+          <p:cNvPr id="3" name="Content Placeholder 2">
+            <a:extLst>
+              <a:ext uri="{FF2B5EF4-FFF2-40B4-BE49-F238E27FC236}">
+                <a16:creationId xmlns:a16="http://schemas.microsoft.com/office/drawing/2014/main" id="{F53A895F-1E33-4DB0-95A7-92FE61331FE4}"/>
+              </a:ext>
+            </a:extLst>
+          </p:cNvPr>
+          <p:cNvSpPr>
+            <a:spLocks noGrp="1"/>
+          </p:cNvSpPr>
+          <p:nvPr>
+            <p:ph idx="1"/>
+          </p:nvPr>
+        </p:nvSpPr>
+        <p:spPr/>
+        <p:txBody>
+          <a:bodyPr/>
+          <a:lstStyle/>
+          <a:p>
+            <a:pPr marL="0" indent="0">
+              <a:buNone/>
+            </a:pPr>
+            <a:r>
+              <a:rPr lang="en-US" dirty="0">
+                <a:effectLst/>
+              </a:rPr>
+              <a:t>For all the studied apps, we treat each of the clustering metrics</a:t>
+            </a:r>
+            <a:br>
+              <a:rPr lang="en-US" dirty="0"/>
+            </a:br>
+            <a:r>
+              <a:rPr lang="en-US" dirty="0">
+                <a:effectLst/>
+              </a:rPr>
+              <a:t>(e.g., length and updatability) as a </a:t>
+            </a:r>
+            <a:r>
+              <a:rPr lang="en-US" dirty="0">
+                <a:solidFill>
+                  <a:srgbClr val="C00000"/>
+                </a:solidFill>
+                <a:effectLst/>
+              </a:rPr>
+              <a:t>time series</a:t>
+            </a:r>
+          </a:p>
+          <a:p>
+            <a:pPr marL="0" indent="0">
+              <a:buNone/>
+            </a:pPr>
+            <a:endParaRPr lang="en-US" dirty="0"/>
+          </a:p>
+          <a:p>
+            <a:pPr marL="0" indent="0">
+              <a:buNone/>
+            </a:pPr>
+            <a:r>
+              <a:rPr lang="en-US" dirty="0">
+                <a:effectLst/>
+              </a:rPr>
+              <a:t>We use </a:t>
+            </a:r>
+            <a:r>
+              <a:rPr lang="en-US" dirty="0">
+                <a:solidFill>
+                  <a:srgbClr val="C00000"/>
+                </a:solidFill>
+                <a:effectLst/>
+              </a:rPr>
+              <a:t>stationarity </a:t>
+            </a:r>
+            <a:r>
+              <a:rPr lang="en-US" dirty="0">
+                <a:effectLst/>
+              </a:rPr>
+              <a:t>as a measure for each app. If an app exhibits a significant change in its clustering metric, we call it </a:t>
+            </a:r>
+            <a:r>
+              <a:rPr lang="en-US" dirty="0">
+                <a:solidFill>
+                  <a:srgbClr val="C00000"/>
+                </a:solidFill>
+              </a:rPr>
+              <a:t>non-</a:t>
+            </a:r>
+            <a:r>
+              <a:rPr lang="en-US" dirty="0">
+                <a:solidFill>
+                  <a:srgbClr val="C00000"/>
+                </a:solidFill>
+                <a:effectLst/>
+              </a:rPr>
+              <a:t>stationarity</a:t>
+            </a:r>
+            <a:endParaRPr lang="en-US" dirty="0">
+              <a:solidFill>
+                <a:srgbClr val="C00000"/>
+              </a:solidFill>
+            </a:endParaRPr>
+          </a:p>
+        </p:txBody>
+      </p:sp>
+      <p:sp>
+        <p:nvSpPr>
+          <p:cNvPr id="4" name="Slide Number Placeholder 3">
+            <a:extLst>
+              <a:ext uri="{FF2B5EF4-FFF2-40B4-BE49-F238E27FC236}">
+                <a16:creationId xmlns:a16="http://schemas.microsoft.com/office/drawing/2014/main" id="{B5BA8610-99B4-4C6C-8758-76224F860B1A}"/>
+              </a:ext>
+            </a:extLst>
+          </p:cNvPr>
+          <p:cNvSpPr>
+            <a:spLocks noGrp="1"/>
+          </p:cNvSpPr>
+          <p:nvPr>
+            <p:ph type="sldNum" sz="quarter" idx="12"/>
+          </p:nvPr>
+        </p:nvSpPr>
+        <p:spPr/>
+        <p:txBody>
+          <a:bodyPr/>
+          <a:lstStyle/>
+          <a:p>
+            <a:fld id="{87998442-DCDF-4622-933A-F9895919A1C1}" type="slidenum">
+              <a:rPr lang="en-US" smtClean="0"/>
+              <a:t>16</a:t>
+            </a:fld>
+            <a:endParaRPr lang="en-US"/>
+          </a:p>
+        </p:txBody>
+      </p:sp>
+    </p:spTree>
+    <p:extLst>
+      <p:ext uri="{BB962C8B-B14F-4D97-AF65-F5344CB8AC3E}">
+        <p14:creationId xmlns:p14="http://schemas.microsoft.com/office/powerpoint/2010/main" val="3855831"/>
+      </p:ext>
+    </p:extLst>
+  </p:cSld>
+  <p:clrMapOvr>
+    <a:masterClrMapping/>
+  </p:clrMapOvr>
+</p:sld>
+</file>
+
+<file path=ppt/slides/slide17.xml><?xml version="1.0" encoding="utf-8"?>
+<p:sld xmlns:a="http://schemas.openxmlformats.org/drawingml/2006/main" xmlns:r="http://schemas.openxmlformats.org/officeDocument/2006/relationships" xmlns:p="http://schemas.openxmlformats.org/presentationml/2006/main">
+  <p:cSld>
+    <p:spTree>
+      <p:nvGrpSpPr>
+        <p:cNvPr id="1" name=""/>
+        <p:cNvGrpSpPr/>
+        <p:nvPr/>
+      </p:nvGrpSpPr>
+      <p:grpSpPr>
+        <a:xfrm>
+          <a:off x="0" y="0"/>
+          <a:ext cx="0" cy="0"/>
+          <a:chOff x="0" y="0"/>
+          <a:chExt cx="0" cy="0"/>
+        </a:xfrm>
+      </p:grpSpPr>
+      <p:sp>
+        <p:nvSpPr>
+          <p:cNvPr id="2" name="Title 1">
+            <a:extLst>
+              <a:ext uri="{FF2B5EF4-FFF2-40B4-BE49-F238E27FC236}">
+                <a16:creationId xmlns:a16="http://schemas.microsoft.com/office/drawing/2014/main" id="{5D90C1D7-C79C-4848-AD21-8E880C8121E0}"/>
+              </a:ext>
+            </a:extLst>
+          </p:cNvPr>
+          <p:cNvSpPr>
+            <a:spLocks noGrp="1"/>
+          </p:cNvSpPr>
+          <p:nvPr>
+            <p:ph type="title"/>
+          </p:nvPr>
+        </p:nvSpPr>
+        <p:spPr/>
+        <p:txBody>
+          <a:bodyPr/>
+          <a:lstStyle/>
+          <a:p>
+            <a:r>
+              <a:rPr lang="en-US" sz="4400" b="1" dirty="0">
+                <a:solidFill>
+                  <a:srgbClr val="C00000"/>
+                </a:solidFill>
+              </a:rPr>
+              <a:t>Summary of Shifts</a:t>
+            </a:r>
+            <a:endParaRPr lang="en-US" dirty="0">
+              <a:solidFill>
+                <a:srgbClr val="C00000"/>
+              </a:solidFill>
+            </a:endParaRPr>
+          </a:p>
+        </p:txBody>
+      </p:sp>
+      <p:pic>
+        <p:nvPicPr>
+          <p:cNvPr id="6" name="Content Placeholder 5">
+            <a:extLst>
+              <a:ext uri="{FF2B5EF4-FFF2-40B4-BE49-F238E27FC236}">
+                <a16:creationId xmlns:a16="http://schemas.microsoft.com/office/drawing/2014/main" id="{E3BE971B-9E75-4373-810B-0B0476A09DEF}"/>
+              </a:ext>
+            </a:extLst>
+          </p:cNvPr>
+          <p:cNvPicPr>
+            <a:picLocks noGrp="1" noChangeAspect="1"/>
+          </p:cNvPicPr>
+          <p:nvPr>
+            <p:ph idx="1"/>
+          </p:nvPr>
+        </p:nvPicPr>
+        <p:blipFill rotWithShape="1">
+          <a:blip r:embed="rId3"/>
+          <a:srcRect l="132" b="31961"/>
+          <a:stretch/>
+        </p:blipFill>
+        <p:spPr>
+          <a:xfrm>
+            <a:off x="5545643" y="1632088"/>
+            <a:ext cx="5808157" cy="4222351"/>
+          </a:xfrm>
+        </p:spPr>
+      </p:pic>
+      <p:sp>
+        <p:nvSpPr>
+          <p:cNvPr id="4" name="Slide Number Placeholder 3">
+            <a:extLst>
+              <a:ext uri="{FF2B5EF4-FFF2-40B4-BE49-F238E27FC236}">
+                <a16:creationId xmlns:a16="http://schemas.microsoft.com/office/drawing/2014/main" id="{2DA8941E-8626-47D9-8143-0F3720B0B4A6}"/>
+              </a:ext>
+            </a:extLst>
+          </p:cNvPr>
+          <p:cNvSpPr>
+            <a:spLocks noGrp="1"/>
+          </p:cNvSpPr>
+          <p:nvPr>
+            <p:ph type="sldNum" sz="quarter" idx="12"/>
+          </p:nvPr>
+        </p:nvSpPr>
+        <p:spPr/>
+        <p:txBody>
+          <a:bodyPr/>
+          <a:lstStyle/>
+          <a:p>
+            <a:fld id="{87998442-DCDF-4622-933A-F9895919A1C1}" type="slidenum">
+              <a:rPr lang="en-US" smtClean="0"/>
+              <a:t>17</a:t>
+            </a:fld>
+            <a:endParaRPr lang="en-US"/>
+          </a:p>
+        </p:txBody>
+      </p:sp>
+      <p:sp>
+        <p:nvSpPr>
+          <p:cNvPr id="8" name="TextBox 7">
+            <a:extLst>
+              <a:ext uri="{FF2B5EF4-FFF2-40B4-BE49-F238E27FC236}">
+                <a16:creationId xmlns:a16="http://schemas.microsoft.com/office/drawing/2014/main" id="{4982D9B5-3EF7-411A-845C-4A9669426492}"/>
+              </a:ext>
+            </a:extLst>
+          </p:cNvPr>
+          <p:cNvSpPr txBox="1"/>
+          <p:nvPr/>
+        </p:nvSpPr>
+        <p:spPr>
+          <a:xfrm>
+            <a:off x="1053935" y="2369323"/>
+            <a:ext cx="4077955" cy="2954655"/>
+          </a:xfrm>
+          <a:prstGeom prst="rect">
+            <a:avLst/>
+          </a:prstGeom>
+          <a:noFill/>
+        </p:spPr>
+        <p:txBody>
+          <a:bodyPr wrap="square">
+            <a:spAutoFit/>
+          </a:bodyPr>
+          <a:lstStyle/>
+          <a:p>
+            <a:r>
+              <a:rPr lang="en-US" sz="2800" b="1" dirty="0">
+                <a:solidFill>
+                  <a:srgbClr val="C00000"/>
+                </a:solidFill>
+                <a:effectLst/>
+                <a:latin typeface="Calibri" panose="020F0502020204030204" pitchFamily="34" charset="0"/>
+                <a:cs typeface="Calibri" panose="020F0502020204030204" pitchFamily="34" charset="0"/>
+              </a:rPr>
+              <a:t>92%</a:t>
+            </a:r>
+            <a:r>
+              <a:rPr lang="en-US" sz="2800" dirty="0">
+                <a:solidFill>
+                  <a:srgbClr val="C00000"/>
+                </a:solidFill>
+                <a:effectLst/>
+                <a:latin typeface="Calibri" panose="020F0502020204030204" pitchFamily="34" charset="0"/>
+                <a:cs typeface="Calibri" panose="020F0502020204030204" pitchFamily="34" charset="0"/>
+              </a:rPr>
+              <a:t> </a:t>
+            </a:r>
+            <a:r>
+              <a:rPr lang="en-US" sz="2800" dirty="0">
+                <a:effectLst/>
+                <a:latin typeface="Calibri" panose="020F0502020204030204" pitchFamily="34" charset="0"/>
+                <a:cs typeface="Calibri" panose="020F0502020204030204" pitchFamily="34" charset="0"/>
+              </a:rPr>
+              <a:t>of the shifts are either from short to long release</a:t>
+            </a:r>
+            <a:br>
+              <a:rPr lang="en-US" sz="2800" dirty="0">
+                <a:latin typeface="Calibri" panose="020F0502020204030204" pitchFamily="34" charset="0"/>
+                <a:cs typeface="Calibri" panose="020F0502020204030204" pitchFamily="34" charset="0"/>
+              </a:rPr>
+            </a:br>
+            <a:r>
+              <a:rPr lang="en-US" sz="2800" dirty="0">
+                <a:effectLst/>
+                <a:latin typeface="Calibri" panose="020F0502020204030204" pitchFamily="34" charset="0"/>
+                <a:cs typeface="Calibri" panose="020F0502020204030204" pitchFamily="34" charset="0"/>
+              </a:rPr>
+              <a:t>notes or from rarely updated to frequently updated release notes.</a:t>
+            </a:r>
+          </a:p>
+          <a:p>
+            <a:endParaRPr lang="en-US" dirty="0">
+              <a:latin typeface="Calibri" panose="020F0502020204030204" pitchFamily="34" charset="0"/>
+              <a:cs typeface="Calibri" panose="020F0502020204030204" pitchFamily="34" charset="0"/>
+            </a:endParaRPr>
+          </a:p>
+        </p:txBody>
+      </p:sp>
+    </p:spTree>
+    <p:extLst>
+      <p:ext uri="{BB962C8B-B14F-4D97-AF65-F5344CB8AC3E}">
+        <p14:creationId xmlns:p14="http://schemas.microsoft.com/office/powerpoint/2010/main" val="2203080370"/>
+      </p:ext>
+    </p:extLst>
+  </p:cSld>
+  <p:clrMapOvr>
+    <a:masterClrMapping/>
+  </p:clrMapOvr>
+</p:sld>
+</file>
+
+<file path=ppt/slides/slide18.xml><?xml version="1.0" encoding="utf-8"?>
+<p:sld xmlns:a="http://schemas.openxmlformats.org/drawingml/2006/main" xmlns:r="http://schemas.openxmlformats.org/officeDocument/2006/relationships" xmlns:p="http://schemas.openxmlformats.org/presentationml/2006/main">
+  <p:cSld>
+    <p:spTree>
+      <p:nvGrpSpPr>
+        <p:cNvPr id="1" name=""/>
+        <p:cNvGrpSpPr/>
+        <p:nvPr/>
+      </p:nvGrpSpPr>
+      <p:grpSpPr>
+        <a:xfrm>
+          <a:off x="0" y="0"/>
+          <a:ext cx="0" cy="0"/>
+          <a:chOff x="0" y="0"/>
+          <a:chExt cx="0" cy="0"/>
+        </a:xfrm>
+      </p:grpSpPr>
+      <p:sp>
+        <p:nvSpPr>
+          <p:cNvPr id="2" name="Title 1">
+            <a:extLst>
+              <a:ext uri="{FF2B5EF4-FFF2-40B4-BE49-F238E27FC236}">
+                <a16:creationId xmlns:a16="http://schemas.microsoft.com/office/drawing/2014/main" id="{D2810FA6-1A49-49C2-9147-2A63B3AE58A1}"/>
+              </a:ext>
+            </a:extLst>
+          </p:cNvPr>
+          <p:cNvSpPr>
+            <a:spLocks noGrp="1"/>
+          </p:cNvSpPr>
+          <p:nvPr>
+            <p:ph type="title"/>
+          </p:nvPr>
+        </p:nvSpPr>
+        <p:spPr/>
+        <p:txBody>
+          <a:bodyPr/>
+          <a:lstStyle/>
+          <a:p>
+            <a:r>
+              <a:rPr lang="en-US" sz="4400" b="1" dirty="0">
+                <a:solidFill>
+                  <a:srgbClr val="C00000"/>
+                </a:solidFill>
+              </a:rPr>
+              <a:t>Reasons for Shifts</a:t>
+            </a:r>
+            <a:endParaRPr lang="en-US" dirty="0"/>
+          </a:p>
+        </p:txBody>
+      </p:sp>
+      <p:sp>
+        <p:nvSpPr>
+          <p:cNvPr id="4" name="Slide Number Placeholder 3">
+            <a:extLst>
+              <a:ext uri="{FF2B5EF4-FFF2-40B4-BE49-F238E27FC236}">
+                <a16:creationId xmlns:a16="http://schemas.microsoft.com/office/drawing/2014/main" id="{526D01A5-C091-49DD-A51D-567A97EB3A90}"/>
+              </a:ext>
+            </a:extLst>
+          </p:cNvPr>
+          <p:cNvSpPr>
+            <a:spLocks noGrp="1"/>
+          </p:cNvSpPr>
+          <p:nvPr>
+            <p:ph type="sldNum" sz="quarter" idx="12"/>
+          </p:nvPr>
+        </p:nvSpPr>
+        <p:spPr/>
+        <p:txBody>
+          <a:bodyPr/>
+          <a:lstStyle/>
+          <a:p>
+            <a:fld id="{87998442-DCDF-4622-933A-F9895919A1C1}" type="slidenum">
+              <a:rPr lang="en-US" smtClean="0"/>
+              <a:t>18</a:t>
+            </a:fld>
+            <a:endParaRPr lang="en-US"/>
+          </a:p>
+        </p:txBody>
+      </p:sp>
+      <p:sp>
+        <p:nvSpPr>
+          <p:cNvPr id="8" name="TextBox 7">
+            <a:extLst>
+              <a:ext uri="{FF2B5EF4-FFF2-40B4-BE49-F238E27FC236}">
+                <a16:creationId xmlns:a16="http://schemas.microsoft.com/office/drawing/2014/main" id="{05CBF7F3-2FA1-43C0-A8FD-AC9AC82FA825}"/>
+              </a:ext>
+            </a:extLst>
+          </p:cNvPr>
+          <p:cNvSpPr txBox="1"/>
+          <p:nvPr/>
+        </p:nvSpPr>
+        <p:spPr>
+          <a:xfrm>
+            <a:off x="838200" y="2237642"/>
+            <a:ext cx="13377792" cy="3416320"/>
+          </a:xfrm>
+          <a:prstGeom prst="rect">
+            <a:avLst/>
+          </a:prstGeom>
+          <a:noFill/>
+        </p:spPr>
+        <p:txBody>
+          <a:bodyPr wrap="square">
+            <a:spAutoFit/>
+          </a:bodyPr>
+          <a:lstStyle/>
+          <a:p>
             <a:r>
               <a:rPr lang="en-US" sz="2400" dirty="0">
                 <a:effectLst/>
                 <a:latin typeface="Calibri" panose="020F0502020204030204" pitchFamily="34" charset="0"/>
                 <a:cs typeface="Calibri" panose="020F0502020204030204" pitchFamily="34" charset="0"/>
               </a:rPr>
-              <a:t>Example release notes: </a:t>
-            </a:r>
+              <a:t>We found 7 reasons for why these apps shifted</a:t>
+            </a:r>
+            <a:endParaRPr lang="en-US" sz="2400" dirty="0">
+              <a:latin typeface="Calibri" panose="020F0502020204030204" pitchFamily="34" charset="0"/>
+              <a:cs typeface="Calibri" panose="020F0502020204030204" pitchFamily="34" charset="0"/>
+            </a:endParaRPr>
           </a:p>
           <a:p>
             <a:pPr marL="342900" indent="-342900">
-              <a:buFont typeface="Arial" panose="020B0604020202020204" pitchFamily="34" charset="0"/>
-              <a:buChar char="•"/>
+              <a:buFont typeface="+mj-lt"/>
+              <a:buAutoNum type="arabicPeriod"/>
             </a:pPr>
             <a:r>
               <a:rPr lang="en-US" sz="2400" dirty="0">
@@ -5697,13 +8394,13 @@
                 <a:latin typeface="Calibri" panose="020F0502020204030204" pitchFamily="34" charset="0"/>
                 <a:cs typeface="Calibri" panose="020F0502020204030204" pitchFamily="34" charset="0"/>
               </a:rPr>
-              <a:t>GUI enhancements and minor fixes</a:t>
+              <a:t>Provide guides for new features</a:t>
             </a:r>
           </a:p>
           <a:p>
             <a:pPr marL="342900" indent="-342900">
-              <a:buFont typeface="Arial" panose="020B0604020202020204" pitchFamily="34" charset="0"/>
-              <a:buChar char="•"/>
+              <a:buFont typeface="+mj-lt"/>
+              <a:buAutoNum type="arabicPeriod"/>
             </a:pPr>
             <a:r>
               <a:rPr lang="en-US" sz="2400" dirty="0">
@@ -5711,7 +8408,204 @@
                 <a:latin typeface="Calibri" panose="020F0502020204030204" pitchFamily="34" charset="0"/>
                 <a:cs typeface="Calibri" panose="020F0502020204030204" pitchFamily="34" charset="0"/>
               </a:rPr>
-              <a:t>Fix a bug of the grouping separator. Improved calculation precision</a:t>
+              <a:t>Negative user feedback</a:t>
+            </a:r>
+          </a:p>
+          <a:p>
+            <a:pPr marL="342900" indent="-342900">
+              <a:buFont typeface="+mj-lt"/>
+              <a:buAutoNum type="arabicPeriod"/>
+            </a:pPr>
+            <a:r>
+              <a:rPr lang="en-US" sz="2400" dirty="0">
+                <a:latin typeface="Calibri" panose="020F0502020204030204" pitchFamily="34" charset="0"/>
+                <a:cs typeface="Calibri" panose="020F0502020204030204" pitchFamily="34" charset="0"/>
+              </a:rPr>
+              <a:t>Crash fix</a:t>
+            </a:r>
+          </a:p>
+          <a:p>
+            <a:pPr marL="342900" indent="-342900">
+              <a:buFont typeface="+mj-lt"/>
+              <a:buAutoNum type="arabicPeriod"/>
+            </a:pPr>
+            <a:r>
+              <a:rPr lang="en-US" sz="2400" dirty="0">
+                <a:effectLst/>
+                <a:latin typeface="Calibri" panose="020F0502020204030204" pitchFamily="34" charset="0"/>
+                <a:cs typeface="Calibri" panose="020F0502020204030204" pitchFamily="34" charset="0"/>
+              </a:rPr>
+              <a:t>Big UI-changes</a:t>
+            </a:r>
+          </a:p>
+          <a:p>
+            <a:pPr marL="342900" indent="-342900">
+              <a:buFont typeface="+mj-lt"/>
+              <a:buAutoNum type="arabicPeriod"/>
+            </a:pPr>
+            <a:r>
+              <a:rPr lang="en-US" sz="2400" dirty="0">
+                <a:latin typeface="Calibri" panose="020F0502020204030204" pitchFamily="34" charset="0"/>
+                <a:cs typeface="Calibri" panose="020F0502020204030204" pitchFamily="34" charset="0"/>
+              </a:rPr>
+              <a:t>Google Play Store service changes</a:t>
+            </a:r>
+            <a:endParaRPr lang="en-US" sz="2400" dirty="0">
+              <a:effectLst/>
+              <a:latin typeface="Calibri" panose="020F0502020204030204" pitchFamily="34" charset="0"/>
+              <a:cs typeface="Calibri" panose="020F0502020204030204" pitchFamily="34" charset="0"/>
+            </a:endParaRPr>
+          </a:p>
+          <a:p>
+            <a:pPr marL="342900" indent="-342900">
+              <a:buFont typeface="+mj-lt"/>
+              <a:buAutoNum type="arabicPeriod"/>
+            </a:pPr>
+            <a:r>
+              <a:rPr lang="en-US" sz="2400" dirty="0">
+                <a:effectLst/>
+                <a:latin typeface="Calibri" panose="020F0502020204030204" pitchFamily="34" charset="0"/>
+                <a:cs typeface="Calibri" panose="020F0502020204030204" pitchFamily="34" charset="0"/>
+              </a:rPr>
+              <a:t>Tone change (e.g., “squashed some pesky bugs!!”)</a:t>
+            </a:r>
+          </a:p>
+          <a:p>
+            <a:pPr marL="342900" indent="-342900">
+              <a:buFont typeface="+mj-lt"/>
+              <a:buAutoNum type="arabicPeriod"/>
+            </a:pPr>
+            <a:r>
+              <a:rPr lang="en-US" sz="2400" dirty="0">
+                <a:effectLst/>
+                <a:latin typeface="Calibri" panose="020F0502020204030204" pitchFamily="34" charset="0"/>
+                <a:cs typeface="Calibri" panose="020F0502020204030204" pitchFamily="34" charset="0"/>
+              </a:rPr>
+              <a:t>Holiday events</a:t>
+            </a:r>
+          </a:p>
+          <a:p>
+            <a:pPr marL="342900" indent="-342900">
+              <a:buFont typeface="+mj-lt"/>
+              <a:buAutoNum type="arabicPeriod"/>
+            </a:pPr>
+            <a:endParaRPr lang="en-US" sz="2400" dirty="0">
+              <a:effectLst/>
+              <a:latin typeface="Calibri" panose="020F0502020204030204" pitchFamily="34" charset="0"/>
+              <a:cs typeface="Calibri" panose="020F0502020204030204" pitchFamily="34" charset="0"/>
+            </a:endParaRPr>
+          </a:p>
+        </p:txBody>
+      </p:sp>
+      <p:sp>
+        <p:nvSpPr>
+          <p:cNvPr id="7" name="TextBox 6">
+            <a:extLst>
+              <a:ext uri="{FF2B5EF4-FFF2-40B4-BE49-F238E27FC236}">
+                <a16:creationId xmlns:a16="http://schemas.microsoft.com/office/drawing/2014/main" id="{9097AC84-4AD5-4B5C-B16B-EE07AFC8EC56}"/>
+              </a:ext>
+            </a:extLst>
+          </p:cNvPr>
+          <p:cNvSpPr txBox="1"/>
+          <p:nvPr/>
+        </p:nvSpPr>
+        <p:spPr>
+          <a:xfrm>
+            <a:off x="838200" y="1624880"/>
+            <a:ext cx="10744200" cy="461665"/>
+          </a:xfrm>
+          <a:prstGeom prst="rect">
+            <a:avLst/>
+          </a:prstGeom>
+          <a:noFill/>
+        </p:spPr>
+        <p:txBody>
+          <a:bodyPr wrap="square">
+            <a:spAutoFit/>
+          </a:bodyPr>
+          <a:lstStyle/>
+          <a:p>
+            <a:r>
+              <a:rPr lang="en-US" sz="2400" dirty="0">
+                <a:effectLst/>
+                <a:latin typeface="Calibri" panose="020F0502020204030204" pitchFamily="34" charset="0"/>
+                <a:cs typeface="Calibri" panose="020F0502020204030204" pitchFamily="34" charset="0"/>
+              </a:rPr>
+              <a:t>We manually analyze the release notes of the 54 apps that shift patterns. </a:t>
+            </a:r>
+          </a:p>
+        </p:txBody>
+      </p:sp>
+      <p:sp>
+        <p:nvSpPr>
+          <p:cNvPr id="9" name="TextBox 8">
+            <a:extLst>
+              <a:ext uri="{FF2B5EF4-FFF2-40B4-BE49-F238E27FC236}">
+                <a16:creationId xmlns:a16="http://schemas.microsoft.com/office/drawing/2014/main" id="{6F173B4A-F0F2-432B-9DE4-63BE48219FFE}"/>
+              </a:ext>
+            </a:extLst>
+          </p:cNvPr>
+          <p:cNvSpPr txBox="1"/>
+          <p:nvPr/>
+        </p:nvSpPr>
+        <p:spPr>
+          <a:xfrm>
+            <a:off x="758207" y="5053798"/>
+            <a:ext cx="12013389" cy="1200329"/>
+          </a:xfrm>
+          <a:prstGeom prst="rect">
+            <a:avLst/>
+          </a:prstGeom>
+          <a:noFill/>
+        </p:spPr>
+        <p:txBody>
+          <a:bodyPr wrap="square">
+            <a:spAutoFit/>
+          </a:bodyPr>
+          <a:lstStyle/>
+          <a:p>
+            <a:endParaRPr lang="en-US" sz="2400" dirty="0">
+              <a:effectLst/>
+              <a:latin typeface="Calibri" panose="020F0502020204030204" pitchFamily="34" charset="0"/>
+              <a:cs typeface="Calibri" panose="020F0502020204030204" pitchFamily="34" charset="0"/>
+            </a:endParaRPr>
+          </a:p>
+          <a:p>
+            <a:r>
+              <a:rPr lang="en-US" sz="2400" dirty="0">
+                <a:latin typeface="Calibri" panose="020F0502020204030204" pitchFamily="34" charset="0"/>
+                <a:cs typeface="Calibri" panose="020F0502020204030204" pitchFamily="34" charset="0"/>
+              </a:rPr>
+              <a:t>Of one particular shift, </a:t>
+            </a:r>
+            <a:r>
+              <a:rPr lang="en-US" sz="2400" dirty="0">
+                <a:effectLst/>
+                <a:latin typeface="Calibri" panose="020F0502020204030204" pitchFamily="34" charset="0"/>
+                <a:cs typeface="Calibri" panose="020F0502020204030204" pitchFamily="34" charset="0"/>
+              </a:rPr>
+              <a:t>pattern 1 (short non-updating) to pattern 5 (long updating), </a:t>
+            </a:r>
+          </a:p>
+          <a:p>
+            <a:r>
+              <a:rPr lang="en-US" sz="2400" dirty="0">
+                <a:solidFill>
+                  <a:srgbClr val="C00000"/>
+                </a:solidFill>
+                <a:effectLst/>
+                <a:latin typeface="Calibri" panose="020F0502020204030204" pitchFamily="34" charset="0"/>
+                <a:cs typeface="Calibri" panose="020F0502020204030204" pitchFamily="34" charset="0"/>
+              </a:rPr>
+              <a:t>94% </a:t>
+            </a:r>
+            <a:r>
+              <a:rPr lang="en-US" sz="2400" dirty="0">
+                <a:effectLst/>
+                <a:latin typeface="Calibri" panose="020F0502020204030204" pitchFamily="34" charset="0"/>
+                <a:cs typeface="Calibri" panose="020F0502020204030204" pitchFamily="34" charset="0"/>
+              </a:rPr>
+              <a:t>show a higher average rating after the shift. </a:t>
             </a:r>
             <a:endParaRPr lang="en-US" sz="2400" dirty="0">
               <a:latin typeface="Calibri" panose="020F0502020204030204" pitchFamily="34" charset="0"/>
@@ -5723,7 +8617,686 @@
     </p:spTree>
     <p:extLst>
       <p:ext uri="{BB962C8B-B14F-4D97-AF65-F5344CB8AC3E}">
-        <p14:creationId xmlns:p14="http://schemas.microsoft.com/office/powerpoint/2010/main" val="3345027161"/>
+        <p14:creationId xmlns:p14="http://schemas.microsoft.com/office/powerpoint/2010/main" val="190162570"/>
+      </p:ext>
+    </p:extLst>
+  </p:cSld>
+  <p:clrMapOvr>
+    <a:masterClrMapping/>
+  </p:clrMapOvr>
+  <p:timing>
+    <p:tnLst>
+      <p:par>
+        <p:cTn id="1" dur="indefinite" restart="never" nodeType="tmRoot">
+          <p:childTnLst>
+            <p:seq concurrent="1" nextAc="seek">
+              <p:cTn id="2" dur="indefinite" nodeType="mainSeq">
+                <p:childTnLst>
+                  <p:par>
+                    <p:cTn id="3" fill="hold">
+                      <p:stCondLst>
+                        <p:cond delay="indefinite"/>
+                      </p:stCondLst>
+                      <p:childTnLst>
+                        <p:par>
+                          <p:cTn id="4" fill="hold">
+                            <p:stCondLst>
+                              <p:cond delay="0"/>
+                            </p:stCondLst>
+                            <p:childTnLst>
+                              <p:par>
+                                <p:cTn id="5" presetID="1" presetClass="entr" presetSubtype="0" fill="hold" grpId="0" nodeType="clickEffect">
+                                  <p:stCondLst>
+                                    <p:cond delay="0"/>
+                                  </p:stCondLst>
+                                  <p:childTnLst>
+                                    <p:set>
+                                      <p:cBhvr>
+                                        <p:cTn id="6" dur="1" fill="hold">
+                                          <p:stCondLst>
+                                            <p:cond delay="0"/>
+                                          </p:stCondLst>
+                                        </p:cTn>
+                                        <p:tgtEl>
+                                          <p:spTgt spid="8"/>
+                                        </p:tgtEl>
+                                        <p:attrNameLst>
+                                          <p:attrName>style.visibility</p:attrName>
+                                        </p:attrNameLst>
+                                      </p:cBhvr>
+                                      <p:to>
+                                        <p:strVal val="visible"/>
+                                      </p:to>
+                                    </p:set>
+                                  </p:childTnLst>
+                                </p:cTn>
+                              </p:par>
+                            </p:childTnLst>
+                          </p:cTn>
+                        </p:par>
+                      </p:childTnLst>
+                    </p:cTn>
+                  </p:par>
+                  <p:par>
+                    <p:cTn id="7" fill="hold">
+                      <p:stCondLst>
+                        <p:cond delay="indefinite"/>
+                      </p:stCondLst>
+                      <p:childTnLst>
+                        <p:par>
+                          <p:cTn id="8" fill="hold">
+                            <p:stCondLst>
+                              <p:cond delay="0"/>
+                            </p:stCondLst>
+                            <p:childTnLst>
+                              <p:par>
+                                <p:cTn id="9" presetID="1" presetClass="entr" presetSubtype="0" fill="hold" grpId="0" nodeType="clickEffect">
+                                  <p:stCondLst>
+                                    <p:cond delay="0"/>
+                                  </p:stCondLst>
+                                  <p:childTnLst>
+                                    <p:set>
+                                      <p:cBhvr>
+                                        <p:cTn id="10" dur="1" fill="hold">
+                                          <p:stCondLst>
+                                            <p:cond delay="0"/>
+                                          </p:stCondLst>
+                                        </p:cTn>
+                                        <p:tgtEl>
+                                          <p:spTgt spid="9"/>
+                                        </p:tgtEl>
+                                        <p:attrNameLst>
+                                          <p:attrName>style.visibility</p:attrName>
+                                        </p:attrNameLst>
+                                      </p:cBhvr>
+                                      <p:to>
+                                        <p:strVal val="visible"/>
+                                      </p:to>
+                                    </p:set>
+                                  </p:childTnLst>
+                                </p:cTn>
+                              </p:par>
+                            </p:childTnLst>
+                          </p:cTn>
+                        </p:par>
+                      </p:childTnLst>
+                    </p:cTn>
+                  </p:par>
+                </p:childTnLst>
+              </p:cTn>
+              <p:prevCondLst>
+                <p:cond evt="onPrev" delay="0">
+                  <p:tgtEl>
+                    <p:sldTgt/>
+                  </p:tgtEl>
+                </p:cond>
+              </p:prevCondLst>
+              <p:nextCondLst>
+                <p:cond evt="onNext" delay="0">
+                  <p:tgtEl>
+                    <p:sldTgt/>
+                  </p:tgtEl>
+                </p:cond>
+              </p:nextCondLst>
+            </p:seq>
+          </p:childTnLst>
+        </p:cTn>
+      </p:par>
+    </p:tnLst>
+    <p:bldLst>
+      <p:bldP spid="8" grpId="0"/>
+      <p:bldP spid="9" grpId="0"/>
+    </p:bldLst>
+  </p:timing>
+</p:sld>
+</file>
+
+<file path=ppt/slides/slide19.xml><?xml version="1.0" encoding="utf-8"?>
+<p:sld xmlns:a="http://schemas.openxmlformats.org/drawingml/2006/main" xmlns:r="http://schemas.openxmlformats.org/officeDocument/2006/relationships" xmlns:p="http://schemas.openxmlformats.org/presentationml/2006/main">
+  <p:cSld>
+    <p:spTree>
+      <p:nvGrpSpPr>
+        <p:cNvPr id="1" name=""/>
+        <p:cNvGrpSpPr/>
+        <p:nvPr/>
+      </p:nvGrpSpPr>
+      <p:grpSpPr>
+        <a:xfrm>
+          <a:off x="0" y="0"/>
+          <a:ext cx="0" cy="0"/>
+          <a:chOff x="0" y="0"/>
+          <a:chExt cx="0" cy="0"/>
+        </a:xfrm>
+      </p:grpSpPr>
+      <p:sp>
+        <p:nvSpPr>
+          <p:cNvPr id="3" name="Content Placeholder 2">
+            <a:extLst>
+              <a:ext uri="{FF2B5EF4-FFF2-40B4-BE49-F238E27FC236}">
+                <a16:creationId xmlns:a16="http://schemas.microsoft.com/office/drawing/2014/main" id="{A52EEBF1-1DD2-4615-A92F-403CD06B10C2}"/>
+              </a:ext>
+            </a:extLst>
+          </p:cNvPr>
+          <p:cNvSpPr>
+            <a:spLocks noGrp="1"/>
+          </p:cNvSpPr>
+          <p:nvPr>
+            <p:ph idx="1"/>
+          </p:nvPr>
+        </p:nvSpPr>
+        <p:spPr>
+          <a:xfrm>
+            <a:off x="838200" y="1441530"/>
+            <a:ext cx="9936126" cy="1403270"/>
+          </a:xfrm>
+        </p:spPr>
+        <p:txBody>
+          <a:bodyPr>
+            <a:noAutofit/>
+          </a:bodyPr>
+          <a:lstStyle/>
+          <a:p>
+            <a:r>
+              <a:rPr lang="en-US" sz="2400" dirty="0"/>
+              <a:t>We identify </a:t>
+            </a:r>
+            <a:r>
+              <a:rPr lang="en-US" sz="2400" b="1" dirty="0"/>
+              <a:t>six patterns </a:t>
+            </a:r>
+            <a:r>
+              <a:rPr lang="en-US" sz="2400" dirty="0"/>
+              <a:t>of release notes. </a:t>
+            </a:r>
+          </a:p>
+          <a:p>
+            <a:r>
+              <a:rPr lang="en-US" sz="2400" dirty="0"/>
+              <a:t>Apps with long and updating release notes have </a:t>
+            </a:r>
+            <a:r>
+              <a:rPr lang="en-US" sz="2400" b="1" dirty="0"/>
+              <a:t>high perceived quality releases, an increase in user ratings, and informative release notes</a:t>
+            </a:r>
+            <a:r>
+              <a:rPr lang="en-US" sz="2400" dirty="0"/>
+              <a:t>. </a:t>
+            </a:r>
+          </a:p>
+        </p:txBody>
+      </p:sp>
+      <p:sp>
+        <p:nvSpPr>
+          <p:cNvPr id="4" name="Slide Number Placeholder 3">
+            <a:extLst>
+              <a:ext uri="{FF2B5EF4-FFF2-40B4-BE49-F238E27FC236}">
+                <a16:creationId xmlns:a16="http://schemas.microsoft.com/office/drawing/2014/main" id="{95E1CAED-0426-4CAD-9709-CF6DC056ACB4}"/>
+              </a:ext>
+            </a:extLst>
+          </p:cNvPr>
+          <p:cNvSpPr>
+            <a:spLocks noGrp="1"/>
+          </p:cNvSpPr>
+          <p:nvPr>
+            <p:ph type="sldNum" sz="quarter" idx="12"/>
+          </p:nvPr>
+        </p:nvSpPr>
+        <p:spPr/>
+        <p:txBody>
+          <a:bodyPr/>
+          <a:lstStyle/>
+          <a:p>
+            <a:fld id="{87998442-DCDF-4622-933A-F9895919A1C1}" type="slidenum">
+              <a:rPr lang="en-US" smtClean="0"/>
+              <a:t>19</a:t>
+            </a:fld>
+            <a:endParaRPr lang="en-US"/>
+          </a:p>
+        </p:txBody>
+      </p:sp>
+      <p:sp>
+        <p:nvSpPr>
+          <p:cNvPr id="5" name="Title 7">
+            <a:extLst>
+              <a:ext uri="{FF2B5EF4-FFF2-40B4-BE49-F238E27FC236}">
+                <a16:creationId xmlns:a16="http://schemas.microsoft.com/office/drawing/2014/main" id="{F01148D6-338A-40FF-BEEB-8F0DDAA99021}"/>
+              </a:ext>
+            </a:extLst>
+          </p:cNvPr>
+          <p:cNvSpPr txBox="1">
+            <a:spLocks/>
+          </p:cNvSpPr>
+          <p:nvPr/>
+        </p:nvSpPr>
+        <p:spPr>
+          <a:xfrm>
+            <a:off x="994884" y="330629"/>
+            <a:ext cx="10515600" cy="1325563"/>
+          </a:xfrm>
+          <a:prstGeom prst="rect">
+            <a:avLst/>
+          </a:prstGeom>
+        </p:spPr>
+        <p:txBody>
+          <a:bodyPr vert="horz" lIns="91440" tIns="45720" rIns="91440" bIns="45720" rtlCol="0" anchor="ctr">
+            <a:normAutofit/>
+          </a:bodyPr>
+          <a:lstStyle>
+            <a:lvl1pPr algn="l" defTabSz="914400" rtl="0" eaLnBrk="1" latinLnBrk="0" hangingPunct="1">
+              <a:lnSpc>
+                <a:spcPct val="90000"/>
+              </a:lnSpc>
+              <a:spcBef>
+                <a:spcPct val="0"/>
+              </a:spcBef>
+              <a:buNone/>
+              <a:defRPr sz="4400" kern="1200">
+                <a:solidFill>
+                  <a:schemeClr val="tx1"/>
+                </a:solidFill>
+                <a:latin typeface="Calibri" panose="020F0502020204030204" pitchFamily="34" charset="0"/>
+                <a:ea typeface="+mj-ea"/>
+                <a:cs typeface="Calibri" panose="020F0502020204030204" pitchFamily="34" charset="0"/>
+              </a:defRPr>
+            </a:lvl1pPr>
+          </a:lstStyle>
+          <a:p>
+            <a:pPr algn="ctr"/>
+            <a:r>
+              <a:rPr lang="en-US" sz="4000" b="1" dirty="0">
+                <a:solidFill>
+                  <a:srgbClr val="C00000"/>
+                </a:solidFill>
+              </a:rPr>
+              <a:t>Contributions</a:t>
+            </a:r>
+            <a:endParaRPr lang="en-US" sz="4000" dirty="0"/>
+          </a:p>
+        </p:txBody>
+      </p:sp>
+      <p:pic>
+        <p:nvPicPr>
+          <p:cNvPr id="6" name="Picture 5">
+            <a:extLst>
+              <a:ext uri="{FF2B5EF4-FFF2-40B4-BE49-F238E27FC236}">
+                <a16:creationId xmlns:a16="http://schemas.microsoft.com/office/drawing/2014/main" id="{F2AB726A-7884-4511-9E79-0A9A1018DDCD}"/>
+              </a:ext>
+            </a:extLst>
+          </p:cNvPr>
+          <p:cNvPicPr>
+            <a:picLocks noChangeAspect="1"/>
+          </p:cNvPicPr>
+          <p:nvPr/>
+        </p:nvPicPr>
+        <p:blipFill>
+          <a:blip r:embed="rId3"/>
+          <a:stretch>
+            <a:fillRect/>
+          </a:stretch>
+        </p:blipFill>
+        <p:spPr>
+          <a:xfrm>
+            <a:off x="6410457" y="2767093"/>
+            <a:ext cx="5477248" cy="3136634"/>
+          </a:xfrm>
+          <a:prstGeom prst="rect">
+            <a:avLst/>
+          </a:prstGeom>
+        </p:spPr>
+      </p:pic>
+      <p:pic>
+        <p:nvPicPr>
+          <p:cNvPr id="8" name="Picture 7">
+            <a:extLst>
+              <a:ext uri="{FF2B5EF4-FFF2-40B4-BE49-F238E27FC236}">
+                <a16:creationId xmlns:a16="http://schemas.microsoft.com/office/drawing/2014/main" id="{FB06032E-40B6-4FE1-8F7C-54B8800BD7D6}"/>
+              </a:ext>
+            </a:extLst>
+          </p:cNvPr>
+          <p:cNvPicPr>
+            <a:picLocks noChangeAspect="1"/>
+          </p:cNvPicPr>
+          <p:nvPr/>
+        </p:nvPicPr>
+        <p:blipFill>
+          <a:blip r:embed="rId4"/>
+          <a:stretch>
+            <a:fillRect/>
+          </a:stretch>
+        </p:blipFill>
+        <p:spPr>
+          <a:xfrm>
+            <a:off x="647891" y="2767093"/>
+            <a:ext cx="5448109" cy="3136635"/>
+          </a:xfrm>
+          <a:prstGeom prst="rect">
+            <a:avLst/>
+          </a:prstGeom>
+        </p:spPr>
+      </p:pic>
+    </p:spTree>
+    <p:extLst>
+      <p:ext uri="{BB962C8B-B14F-4D97-AF65-F5344CB8AC3E}">
+        <p14:creationId xmlns:p14="http://schemas.microsoft.com/office/powerpoint/2010/main" val="3807438991"/>
+      </p:ext>
+    </p:extLst>
+  </p:cSld>
+  <p:clrMapOvr>
+    <a:masterClrMapping/>
+  </p:clrMapOvr>
+</p:sld>
+</file>
+
+<file path=ppt/slides/slide2.xml><?xml version="1.0" encoding="utf-8"?>
+<p:sld xmlns:a="http://schemas.openxmlformats.org/drawingml/2006/main" xmlns:r="http://schemas.openxmlformats.org/officeDocument/2006/relationships" xmlns:p="http://schemas.openxmlformats.org/presentationml/2006/main">
+  <p:cSld>
+    <p:spTree>
+      <p:nvGrpSpPr>
+        <p:cNvPr id="1" name=""/>
+        <p:cNvGrpSpPr/>
+        <p:nvPr/>
+      </p:nvGrpSpPr>
+      <p:grpSpPr>
+        <a:xfrm>
+          <a:off x="0" y="0"/>
+          <a:ext cx="0" cy="0"/>
+          <a:chOff x="0" y="0"/>
+          <a:chExt cx="0" cy="0"/>
+        </a:xfrm>
+      </p:grpSpPr>
+      <p:sp>
+        <p:nvSpPr>
+          <p:cNvPr id="2" name="Title 1">
+            <a:extLst>
+              <a:ext uri="{FF2B5EF4-FFF2-40B4-BE49-F238E27FC236}">
+                <a16:creationId xmlns:a16="http://schemas.microsoft.com/office/drawing/2014/main" id="{39ED8E2E-A345-4851-B429-B24EC247E578}"/>
+              </a:ext>
+            </a:extLst>
+          </p:cNvPr>
+          <p:cNvSpPr>
+            <a:spLocks noGrp="1"/>
+          </p:cNvSpPr>
+          <p:nvPr>
+            <p:ph type="title"/>
+          </p:nvPr>
+        </p:nvSpPr>
+        <p:spPr>
+          <a:xfrm>
+            <a:off x="1057122" y="272043"/>
+            <a:ext cx="10515600" cy="1325563"/>
+          </a:xfrm>
+        </p:spPr>
+        <p:txBody>
+          <a:bodyPr>
+            <a:normAutofit/>
+          </a:bodyPr>
+          <a:lstStyle/>
+          <a:p>
+            <a:r>
+              <a:rPr lang="en-US" sz="4000" b="1" dirty="0">
+                <a:solidFill>
+                  <a:srgbClr val="C00000"/>
+                </a:solidFill>
+              </a:rPr>
+              <a:t>Release Notes are Imperfect</a:t>
+            </a:r>
+            <a:endParaRPr lang="en-US" sz="4000" dirty="0"/>
+          </a:p>
+        </p:txBody>
+      </p:sp>
+      <p:sp>
+        <p:nvSpPr>
+          <p:cNvPr id="4" name="Slide Number Placeholder 3">
+            <a:extLst>
+              <a:ext uri="{FF2B5EF4-FFF2-40B4-BE49-F238E27FC236}">
+                <a16:creationId xmlns:a16="http://schemas.microsoft.com/office/drawing/2014/main" id="{CA809EEE-F650-4AB3-B847-028F7486207A}"/>
+              </a:ext>
+            </a:extLst>
+          </p:cNvPr>
+          <p:cNvSpPr>
+            <a:spLocks noGrp="1"/>
+          </p:cNvSpPr>
+          <p:nvPr>
+            <p:ph type="sldNum" sz="quarter" idx="12"/>
+          </p:nvPr>
+        </p:nvSpPr>
+        <p:spPr/>
+        <p:txBody>
+          <a:bodyPr/>
+          <a:lstStyle/>
+          <a:p>
+            <a:fld id="{87998442-DCDF-4622-933A-F9895919A1C1}" type="slidenum">
+              <a:rPr lang="en-US" smtClean="0"/>
+              <a:t>2</a:t>
+            </a:fld>
+            <a:endParaRPr lang="en-US"/>
+          </a:p>
+        </p:txBody>
+      </p:sp>
+      <p:pic>
+        <p:nvPicPr>
+          <p:cNvPr id="11" name="Picture 10">
+            <a:extLst>
+              <a:ext uri="{FF2B5EF4-FFF2-40B4-BE49-F238E27FC236}">
+                <a16:creationId xmlns:a16="http://schemas.microsoft.com/office/drawing/2014/main" id="{1C6649CB-2C29-4E26-9BE0-281678B54FE3}"/>
+              </a:ext>
+            </a:extLst>
+          </p:cNvPr>
+          <p:cNvPicPr>
+            <a:picLocks noChangeAspect="1"/>
+          </p:cNvPicPr>
+          <p:nvPr/>
+        </p:nvPicPr>
+        <p:blipFill>
+          <a:blip r:embed="rId3"/>
+          <a:stretch>
+            <a:fillRect/>
+          </a:stretch>
+        </p:blipFill>
+        <p:spPr>
+          <a:xfrm>
+            <a:off x="1057122" y="2837551"/>
+            <a:ext cx="9545458" cy="1851567"/>
+          </a:xfrm>
+          <a:prstGeom prst="rect">
+            <a:avLst/>
+          </a:prstGeom>
+        </p:spPr>
+      </p:pic>
+      <p:pic>
+        <p:nvPicPr>
+          <p:cNvPr id="13" name="Picture 12">
+            <a:extLst>
+              <a:ext uri="{FF2B5EF4-FFF2-40B4-BE49-F238E27FC236}">
+                <a16:creationId xmlns:a16="http://schemas.microsoft.com/office/drawing/2014/main" id="{0F9EDE69-49A5-49E8-93E1-F360E33DE097}"/>
+              </a:ext>
+            </a:extLst>
+          </p:cNvPr>
+          <p:cNvPicPr>
+            <a:picLocks noChangeAspect="1"/>
+          </p:cNvPicPr>
+          <p:nvPr/>
+        </p:nvPicPr>
+        <p:blipFill>
+          <a:blip r:embed="rId4"/>
+          <a:stretch>
+            <a:fillRect/>
+          </a:stretch>
+        </p:blipFill>
+        <p:spPr>
+          <a:xfrm>
+            <a:off x="1025747" y="1205889"/>
+            <a:ext cx="5360305" cy="1943693"/>
+          </a:xfrm>
+          <a:prstGeom prst="rect">
+            <a:avLst/>
+          </a:prstGeom>
+        </p:spPr>
+      </p:pic>
+      <p:sp>
+        <p:nvSpPr>
+          <p:cNvPr id="6" name="Speech Bubble: Oval 5">
+            <a:extLst>
+              <a:ext uri="{FF2B5EF4-FFF2-40B4-BE49-F238E27FC236}">
+                <a16:creationId xmlns:a16="http://schemas.microsoft.com/office/drawing/2014/main" id="{F0FB79F1-6C59-4463-A6CA-91F1DB47BAFE}"/>
+              </a:ext>
+            </a:extLst>
+          </p:cNvPr>
+          <p:cNvSpPr/>
+          <p:nvPr/>
+        </p:nvSpPr>
+        <p:spPr>
+          <a:xfrm>
+            <a:off x="4436597" y="4219912"/>
+            <a:ext cx="3756649" cy="1983996"/>
+          </a:xfrm>
+          <a:prstGeom prst="wedgeEllipseCallout">
+            <a:avLst/>
+          </a:prstGeom>
+          <a:solidFill>
+            <a:schemeClr val="bg1"/>
+          </a:solidFill>
+        </p:spPr>
+        <p:style>
+          <a:lnRef idx="2">
+            <a:schemeClr val="accent1">
+              <a:shade val="50000"/>
+            </a:schemeClr>
+          </a:lnRef>
+          <a:fillRef idx="1">
+            <a:schemeClr val="accent1"/>
+          </a:fillRef>
+          <a:effectRef idx="0">
+            <a:schemeClr val="accent1"/>
+          </a:effectRef>
+          <a:fontRef idx="minor">
+            <a:schemeClr val="lt1"/>
+          </a:fontRef>
+        </p:style>
+        <p:txBody>
+          <a:bodyPr rtlCol="0" anchor="ctr"/>
+          <a:lstStyle/>
+          <a:p>
+            <a:pPr marL="0" marR="0" lvl="0" indent="0" algn="l" defTabSz="914400" rtl="0" eaLnBrk="1" fontAlgn="auto" latinLnBrk="0" hangingPunct="1">
+              <a:lnSpc>
+                <a:spcPct val="100000"/>
+              </a:lnSpc>
+              <a:spcBef>
+                <a:spcPts val="0"/>
+              </a:spcBef>
+              <a:spcAft>
+                <a:spcPts val="0"/>
+              </a:spcAft>
+              <a:buClrTx/>
+              <a:buSzTx/>
+              <a:buFontTx/>
+              <a:buNone/>
+              <a:tabLst/>
+              <a:defRPr/>
+            </a:pPr>
+            <a:r>
+              <a:rPr kumimoji="0" lang="en-US" sz="1800" b="0" i="0" u="none" strike="noStrike" kern="1200" cap="none" spc="0" normalizeH="0" baseline="0" noProof="0" dirty="0">
+                <a:ln>
+                  <a:noFill/>
+                </a:ln>
+                <a:solidFill>
+                  <a:prstClr val="black"/>
+                </a:solidFill>
+                <a:effectLst/>
+                <a:uLnTx/>
+                <a:uFillTx/>
+                <a:latin typeface="Calibri" panose="020F0502020204030204" pitchFamily="34" charset="0"/>
+                <a:ea typeface="+mn-ea"/>
+                <a:cs typeface="Calibri" panose="020F0502020204030204" pitchFamily="34" charset="0"/>
+              </a:rPr>
+              <a:t>“Setting up fingerprint login should have been announced in the release notes not hidden in the options!"</a:t>
+            </a:r>
+          </a:p>
+        </p:txBody>
+      </p:sp>
+      <p:pic>
+        <p:nvPicPr>
+          <p:cNvPr id="10" name="Graphic 9" descr="User outline">
+            <a:extLst>
+              <a:ext uri="{FF2B5EF4-FFF2-40B4-BE49-F238E27FC236}">
+                <a16:creationId xmlns:a16="http://schemas.microsoft.com/office/drawing/2014/main" id="{8990481B-1668-46B0-8012-44EAFF1BA8F0}"/>
+              </a:ext>
+            </a:extLst>
+          </p:cNvPr>
+          <p:cNvPicPr>
+            <a:picLocks noChangeAspect="1"/>
+          </p:cNvPicPr>
+          <p:nvPr/>
+        </p:nvPicPr>
+        <p:blipFill>
+          <a:blip r:embed="rId5">
+            <a:extLst>
+              <a:ext uri="{28A0092B-C50C-407E-A947-70E740481C1C}">
+                <a14:useLocalDpi xmlns:a14="http://schemas.microsoft.com/office/drawing/2010/main" val="0"/>
+              </a:ext>
+              <a:ext uri="{96DAC541-7B7A-43D3-8B79-37D633B846F1}">
+                <asvg:svgBlip xmlns:asvg="http://schemas.microsoft.com/office/drawing/2016/SVG/main" r:embed="rId6"/>
+              </a:ext>
+            </a:extLst>
+          </a:blip>
+          <a:stretch>
+            <a:fillRect/>
+          </a:stretch>
+        </p:blipFill>
+        <p:spPr>
+          <a:xfrm>
+            <a:off x="4469130" y="5899150"/>
+            <a:ext cx="914400" cy="914400"/>
+          </a:xfrm>
+          <a:prstGeom prst="rect">
+            <a:avLst/>
+          </a:prstGeom>
+        </p:spPr>
+      </p:pic>
+      <p:sp>
+        <p:nvSpPr>
+          <p:cNvPr id="15" name="TextBox 14">
+            <a:extLst>
+              <a:ext uri="{FF2B5EF4-FFF2-40B4-BE49-F238E27FC236}">
+                <a16:creationId xmlns:a16="http://schemas.microsoft.com/office/drawing/2014/main" id="{77969BD3-4691-4977-A11B-05EA44017D8B}"/>
+              </a:ext>
+            </a:extLst>
+          </p:cNvPr>
+          <p:cNvSpPr txBox="1"/>
+          <p:nvPr/>
+        </p:nvSpPr>
+        <p:spPr>
+          <a:xfrm>
+            <a:off x="4612559" y="6444218"/>
+            <a:ext cx="816691" cy="369332"/>
+          </a:xfrm>
+          <a:prstGeom prst="rect">
+            <a:avLst/>
+          </a:prstGeom>
+          <a:noFill/>
+        </p:spPr>
+        <p:txBody>
+          <a:bodyPr wrap="square">
+            <a:spAutoFit/>
+          </a:bodyPr>
+          <a:lstStyle/>
+          <a:p>
+            <a:r>
+              <a:rPr lang="en-US" b="1" dirty="0">
+                <a:solidFill>
+                  <a:srgbClr val="C00000"/>
+                </a:solidFill>
+              </a:rPr>
+              <a:t>User</a:t>
+            </a:r>
+            <a:endParaRPr lang="en-US" dirty="0"/>
+          </a:p>
+        </p:txBody>
+      </p:sp>
+    </p:spTree>
+    <p:extLst>
+      <p:ext uri="{BB962C8B-B14F-4D97-AF65-F5344CB8AC3E}">
+        <p14:creationId xmlns:p14="http://schemas.microsoft.com/office/powerpoint/2010/main" val="757863647"/>
       </p:ext>
     </p:extLst>
   </p:cSld>
@@ -5777,6 +9350,60 @@
                                   </p:childTnLst>
                                 </p:cTn>
                               </p:par>
+                              <p:par>
+                                <p:cTn id="7" presetID="1" presetClass="entr" presetSubtype="0" fill="hold" nodeType="withEffect">
+                                  <p:stCondLst>
+                                    <p:cond delay="0"/>
+                                  </p:stCondLst>
+                                  <p:childTnLst>
+                                    <p:set>
+                                      <p:cBhvr>
+                                        <p:cTn id="8" dur="1" fill="hold">
+                                          <p:stCondLst>
+                                            <p:cond delay="0"/>
+                                          </p:stCondLst>
+                                        </p:cTn>
+                                        <p:tgtEl>
+                                          <p:spTgt spid="10"/>
+                                        </p:tgtEl>
+                                        <p:attrNameLst>
+                                          <p:attrName>style.visibility</p:attrName>
+                                        </p:attrNameLst>
+                                      </p:cBhvr>
+                                      <p:to>
+                                        <p:strVal val="visible"/>
+                                      </p:to>
+                                    </p:set>
+                                  </p:childTnLst>
+                                </p:cTn>
+                              </p:par>
+                              <p:par>
+                                <p:cTn id="9" presetID="1" presetClass="entr" presetSubtype="0" fill="hold" grpId="0" nodeType="withEffect">
+                                  <p:stCondLst>
+                                    <p:cond delay="0"/>
+                                  </p:stCondLst>
+                                  <p:childTnLst>
+                                    <p:set>
+                                      <p:cBhvr>
+                                        <p:cTn id="10" dur="1" fill="hold">
+                                          <p:stCondLst>
+                                            <p:cond delay="0"/>
+                                          </p:stCondLst>
+                                        </p:cTn>
+                                        <p:tgtEl>
+                                          <p:spTgt spid="15"/>
+                                        </p:tgtEl>
+                                        <p:attrNameLst>
+                                          <p:attrName>style.visibility</p:attrName>
+                                        </p:attrNameLst>
+                                      </p:cBhvr>
+                                      <p:to>
+                                        <p:strVal val="visible"/>
+                                      </p:to>
+                                    </p:set>
+                                  </p:childTnLst>
+                                </p:cTn>
+                              </p:par>
                             </p:childTnLst>
                           </p:cTn>
                         </p:par>
@@ -5805,2069 +9432,10 @@
       </p:par>
     </p:tnLst>
     <p:bldLst>
-      <p:bldP spid="6" grpId="0"/>
+      <p:bldP spid="6" grpId="0" animBg="1"/>
+      <p:bldP spid="15" grpId="0"/>
     </p:bldLst>
   </p:timing>
-</p:sld>
-</file>
-
-<file path=ppt/slides/slide11.xml><?xml version="1.0" encoding="utf-8"?>
-<p:sld xmlns:a="http://schemas.openxmlformats.org/drawingml/2006/main" xmlns:r="http://schemas.openxmlformats.org/officeDocument/2006/relationships" xmlns:p="http://schemas.openxmlformats.org/presentationml/2006/main">
-  <p:cSld>
-    <p:spTree>
-      <p:nvGrpSpPr>
-        <p:cNvPr id="1" name=""/>
-        <p:cNvGrpSpPr/>
-        <p:nvPr/>
-      </p:nvGrpSpPr>
-      <p:grpSpPr>
-        <a:xfrm>
-          <a:off x="0" y="0"/>
-          <a:ext cx="0" cy="0"/>
-          <a:chOff x="0" y="0"/>
-          <a:chExt cx="0" cy="0"/>
-        </a:xfrm>
-      </p:grpSpPr>
-      <p:sp>
-        <p:nvSpPr>
-          <p:cNvPr id="2" name="Title 1">
-            <a:extLst>
-              <a:ext uri="{FF2B5EF4-FFF2-40B4-BE49-F238E27FC236}">
-                <a16:creationId xmlns:a16="http://schemas.microsoft.com/office/drawing/2014/main" id="{2F0F47D3-2B78-459C-B736-C97C3E722672}"/>
-              </a:ext>
-            </a:extLst>
-          </p:cNvPr>
-          <p:cNvSpPr>
-            <a:spLocks noGrp="1"/>
-          </p:cNvSpPr>
-          <p:nvPr>
-            <p:ph type="title"/>
-          </p:nvPr>
-        </p:nvSpPr>
-        <p:spPr/>
-        <p:txBody>
-          <a:bodyPr/>
-          <a:lstStyle/>
-          <a:p>
-            <a:r>
-              <a:rPr lang="en-US" sz="4400" b="1" dirty="0">
-                <a:solidFill>
-                  <a:srgbClr val="C00000"/>
-                </a:solidFill>
-              </a:rPr>
-              <a:t>Research Questions</a:t>
-            </a:r>
-            <a:endParaRPr lang="en-US" sz="4400" dirty="0"/>
-          </a:p>
-        </p:txBody>
-      </p:sp>
-      <p:sp>
-        <p:nvSpPr>
-          <p:cNvPr id="3" name="Content Placeholder 2">
-            <a:extLst>
-              <a:ext uri="{FF2B5EF4-FFF2-40B4-BE49-F238E27FC236}">
-                <a16:creationId xmlns:a16="http://schemas.microsoft.com/office/drawing/2014/main" id="{F4E2DDD4-D4AC-4902-9B38-CF4361F7BF6E}"/>
-              </a:ext>
-            </a:extLst>
-          </p:cNvPr>
-          <p:cNvSpPr>
-            <a:spLocks noGrp="1"/>
-          </p:cNvSpPr>
-          <p:nvPr>
-            <p:ph idx="1"/>
-          </p:nvPr>
-        </p:nvSpPr>
-        <p:spPr>
-          <a:xfrm>
-            <a:off x="838200" y="1825625"/>
-            <a:ext cx="11023242" cy="4351338"/>
-          </a:xfrm>
-        </p:spPr>
-        <p:txBody>
-          <a:bodyPr>
-            <a:noAutofit/>
-          </a:bodyPr>
-          <a:lstStyle/>
-          <a:p>
-            <a:r>
-              <a:rPr lang="en-US" sz="3600" dirty="0">
-                <a:solidFill>
-                  <a:schemeClr val="bg2">
-                    <a:lumMod val="75000"/>
-                  </a:schemeClr>
-                </a:solidFill>
-                <a:effectLst/>
-                <a:latin typeface="Arial" panose="020B0604020202020204" pitchFamily="34" charset="0"/>
-              </a:rPr>
-              <a:t>RQ1: What are the release notes update patterns?</a:t>
-            </a:r>
-          </a:p>
-          <a:p>
-            <a:pPr marL="0" indent="0">
-              <a:buNone/>
-            </a:pPr>
-            <a:endParaRPr lang="en-US" sz="3600" dirty="0">
-              <a:effectLst/>
-              <a:latin typeface="Arial" panose="020B0604020202020204" pitchFamily="34" charset="0"/>
-            </a:endParaRPr>
-          </a:p>
-          <a:p>
-            <a:r>
-              <a:rPr lang="en-US" sz="3600" dirty="0">
-                <a:effectLst/>
-                <a:latin typeface="Arial" panose="020B0604020202020204" pitchFamily="34" charset="0"/>
-              </a:rPr>
-              <a:t>RQ2: What are the </a:t>
-            </a:r>
-            <a:r>
-              <a:rPr lang="en-US" sz="3600" dirty="0">
-                <a:solidFill>
-                  <a:srgbClr val="C00000"/>
-                </a:solidFill>
-                <a:effectLst/>
-                <a:latin typeface="Arial" panose="020B0604020202020204" pitchFamily="34" charset="0"/>
-              </a:rPr>
-              <a:t>characteristics</a:t>
-            </a:r>
-            <a:r>
-              <a:rPr lang="en-US" sz="3600" dirty="0">
-                <a:effectLst/>
-                <a:latin typeface="Arial" panose="020B0604020202020204" pitchFamily="34" charset="0"/>
-              </a:rPr>
-              <a:t> of the apps that follow a certain release notes pattern?</a:t>
-            </a:r>
-            <a:endParaRPr lang="en-US" sz="3600" dirty="0">
-              <a:latin typeface="Arial" panose="020B0604020202020204" pitchFamily="34" charset="0"/>
-            </a:endParaRPr>
-          </a:p>
-          <a:p>
-            <a:pPr marL="0" indent="0">
-              <a:buNone/>
-            </a:pPr>
-            <a:endParaRPr lang="en-US" sz="3600" dirty="0">
-              <a:solidFill>
-                <a:schemeClr val="bg2">
-                  <a:lumMod val="75000"/>
-                </a:schemeClr>
-              </a:solidFill>
-              <a:latin typeface="Arial" panose="020B0604020202020204" pitchFamily="34" charset="0"/>
-            </a:endParaRPr>
-          </a:p>
-          <a:p>
-            <a:r>
-              <a:rPr lang="en-US" sz="3600" dirty="0">
-                <a:solidFill>
-                  <a:schemeClr val="bg2">
-                    <a:lumMod val="75000"/>
-                  </a:schemeClr>
-                </a:solidFill>
-                <a:effectLst/>
-                <a:latin typeface="Arial" panose="020B0604020202020204" pitchFamily="34" charset="0"/>
-              </a:rPr>
-              <a:t>RQ3: What causes developers to shift their release notes pattern?</a:t>
-            </a:r>
-            <a:endParaRPr lang="en-US" sz="3600" dirty="0">
-              <a:solidFill>
-                <a:schemeClr val="bg2">
-                  <a:lumMod val="75000"/>
-                </a:schemeClr>
-              </a:solidFill>
-            </a:endParaRPr>
-          </a:p>
-        </p:txBody>
-      </p:sp>
-      <p:sp>
-        <p:nvSpPr>
-          <p:cNvPr id="4" name="Slide Number Placeholder 3">
-            <a:extLst>
-              <a:ext uri="{FF2B5EF4-FFF2-40B4-BE49-F238E27FC236}">
-                <a16:creationId xmlns:a16="http://schemas.microsoft.com/office/drawing/2014/main" id="{DBC15A87-B8C0-49BE-9E9A-E16E1A251D75}"/>
-              </a:ext>
-            </a:extLst>
-          </p:cNvPr>
-          <p:cNvSpPr>
-            <a:spLocks noGrp="1"/>
-          </p:cNvSpPr>
-          <p:nvPr>
-            <p:ph type="sldNum" sz="quarter" idx="12"/>
-          </p:nvPr>
-        </p:nvSpPr>
-        <p:spPr/>
-        <p:txBody>
-          <a:bodyPr/>
-          <a:lstStyle/>
-          <a:p>
-            <a:fld id="{87998442-DCDF-4622-933A-F9895919A1C1}" type="slidenum">
-              <a:rPr lang="en-US" smtClean="0"/>
-              <a:t>11</a:t>
-            </a:fld>
-            <a:endParaRPr lang="en-US"/>
-          </a:p>
-        </p:txBody>
-      </p:sp>
-    </p:spTree>
-    <p:extLst>
-      <p:ext uri="{BB962C8B-B14F-4D97-AF65-F5344CB8AC3E}">
-        <p14:creationId xmlns:p14="http://schemas.microsoft.com/office/powerpoint/2010/main" val="2195144130"/>
-      </p:ext>
-    </p:extLst>
-  </p:cSld>
-  <p:clrMapOvr>
-    <a:masterClrMapping/>
-  </p:clrMapOvr>
-</p:sld>
-</file>
-
-<file path=ppt/slides/slide12.xml><?xml version="1.0" encoding="utf-8"?>
-<p:sld xmlns:a="http://schemas.openxmlformats.org/drawingml/2006/main" xmlns:r="http://schemas.openxmlformats.org/officeDocument/2006/relationships" xmlns:p="http://schemas.openxmlformats.org/presentationml/2006/main">
-  <p:cSld>
-    <p:spTree>
-      <p:nvGrpSpPr>
-        <p:cNvPr id="1" name=""/>
-        <p:cNvGrpSpPr/>
-        <p:nvPr/>
-      </p:nvGrpSpPr>
-      <p:grpSpPr>
-        <a:xfrm>
-          <a:off x="0" y="0"/>
-          <a:ext cx="0" cy="0"/>
-          <a:chOff x="0" y="0"/>
-          <a:chExt cx="0" cy="0"/>
-        </a:xfrm>
-      </p:grpSpPr>
-      <p:sp>
-        <p:nvSpPr>
-          <p:cNvPr id="4" name="Slide Number Placeholder 3">
-            <a:extLst>
-              <a:ext uri="{FF2B5EF4-FFF2-40B4-BE49-F238E27FC236}">
-                <a16:creationId xmlns:a16="http://schemas.microsoft.com/office/drawing/2014/main" id="{205923C2-A285-4DDF-AD50-1BEA52E87196}"/>
-              </a:ext>
-            </a:extLst>
-          </p:cNvPr>
-          <p:cNvSpPr>
-            <a:spLocks noGrp="1"/>
-          </p:cNvSpPr>
-          <p:nvPr>
-            <p:ph type="sldNum" sz="quarter" idx="12"/>
-          </p:nvPr>
-        </p:nvSpPr>
-        <p:spPr/>
-        <p:txBody>
-          <a:bodyPr/>
-          <a:lstStyle/>
-          <a:p>
-            <a:fld id="{87998442-DCDF-4622-933A-F9895919A1C1}" type="slidenum">
-              <a:rPr lang="en-US" smtClean="0"/>
-              <a:t>12</a:t>
-            </a:fld>
-            <a:endParaRPr lang="en-US"/>
-          </a:p>
-        </p:txBody>
-      </p:sp>
-      <p:sp>
-        <p:nvSpPr>
-          <p:cNvPr id="8" name="Title 7">
-            <a:extLst>
-              <a:ext uri="{FF2B5EF4-FFF2-40B4-BE49-F238E27FC236}">
-                <a16:creationId xmlns:a16="http://schemas.microsoft.com/office/drawing/2014/main" id="{529E6E41-F815-4343-9D29-B795352F6900}"/>
-              </a:ext>
-            </a:extLst>
-          </p:cNvPr>
-          <p:cNvSpPr>
-            <a:spLocks noGrp="1"/>
-          </p:cNvSpPr>
-          <p:nvPr>
-            <p:ph type="title"/>
-          </p:nvPr>
-        </p:nvSpPr>
-        <p:spPr>
-          <a:xfrm>
-            <a:off x="844730" y="281170"/>
-            <a:ext cx="4380413" cy="1850679"/>
-          </a:xfrm>
-        </p:spPr>
-        <p:txBody>
-          <a:bodyPr>
-            <a:normAutofit/>
-          </a:bodyPr>
-          <a:lstStyle/>
-          <a:p>
-            <a:pPr algn="ctr"/>
-            <a:r>
-              <a:rPr lang="en-US" sz="4000" b="1" dirty="0">
-                <a:solidFill>
-                  <a:srgbClr val="C00000"/>
-                </a:solidFill>
-              </a:rPr>
-              <a:t>RQ2 Approach: Regression Models</a:t>
-            </a:r>
-            <a:endParaRPr lang="en-US" sz="4000" dirty="0"/>
-          </a:p>
-        </p:txBody>
-      </p:sp>
-      <p:sp>
-        <p:nvSpPr>
-          <p:cNvPr id="14" name="TextBox 13">
-            <a:extLst>
-              <a:ext uri="{FF2B5EF4-FFF2-40B4-BE49-F238E27FC236}">
-                <a16:creationId xmlns:a16="http://schemas.microsoft.com/office/drawing/2014/main" id="{71CB9114-95A8-4F74-96A2-949603061FAA}"/>
-              </a:ext>
-            </a:extLst>
-          </p:cNvPr>
-          <p:cNvSpPr txBox="1"/>
-          <p:nvPr/>
-        </p:nvSpPr>
-        <p:spPr>
-          <a:xfrm>
-            <a:off x="943019" y="3565832"/>
-            <a:ext cx="4713559" cy="2308324"/>
-          </a:xfrm>
-          <a:prstGeom prst="rect">
-            <a:avLst/>
-          </a:prstGeom>
-          <a:noFill/>
-        </p:spPr>
-        <p:txBody>
-          <a:bodyPr wrap="square">
-            <a:spAutoFit/>
-          </a:bodyPr>
-          <a:lstStyle/>
-          <a:p>
-            <a:pPr algn="l"/>
-            <a:endParaRPr lang="en-US" sz="2400" b="0" i="0" u="none" strike="noStrike" baseline="0" dirty="0">
-              <a:latin typeface="Calibri" panose="020F0502020204030204" pitchFamily="34" charset="0"/>
-              <a:cs typeface="Calibri" panose="020F0502020204030204" pitchFamily="34" charset="0"/>
-            </a:endParaRPr>
-          </a:p>
-          <a:p>
-            <a:pPr algn="l"/>
-            <a:r>
-              <a:rPr lang="en-US" sz="2400" b="0" i="0" u="none" strike="noStrike" baseline="0" dirty="0">
-                <a:latin typeface="Calibri" panose="020F0502020204030204" pitchFamily="34" charset="0"/>
-                <a:cs typeface="Calibri" panose="020F0502020204030204" pitchFamily="34" charset="0"/>
-              </a:rPr>
-              <a:t>We build </a:t>
-            </a:r>
-            <a:r>
-              <a:rPr lang="en-US" sz="2400" dirty="0">
-                <a:solidFill>
-                  <a:srgbClr val="C00000"/>
-                </a:solidFill>
-                <a:latin typeface="Calibri" panose="020F0502020204030204" pitchFamily="34" charset="0"/>
-                <a:cs typeface="Calibri" panose="020F0502020204030204" pitchFamily="34" charset="0"/>
-              </a:rPr>
-              <a:t>6 </a:t>
-            </a:r>
-            <a:r>
-              <a:rPr lang="en-US" sz="2400" i="0" u="none" strike="noStrike" baseline="0" dirty="0">
-                <a:solidFill>
-                  <a:srgbClr val="C00000"/>
-                </a:solidFill>
-                <a:latin typeface="Calibri" panose="020F0502020204030204" pitchFamily="34" charset="0"/>
-                <a:cs typeface="Calibri" panose="020F0502020204030204" pitchFamily="34" charset="0"/>
-              </a:rPr>
-              <a:t>logistic regression models</a:t>
-            </a:r>
-            <a:r>
-              <a:rPr lang="en-US" sz="2400" i="0" u="none" strike="noStrike" baseline="0" dirty="0">
-                <a:latin typeface="Calibri" panose="020F0502020204030204" pitchFamily="34" charset="0"/>
-                <a:cs typeface="Calibri" panose="020F0502020204030204" pitchFamily="34" charset="0"/>
-              </a:rPr>
-              <a:t> on each of the 6 patterns</a:t>
-            </a:r>
-            <a:r>
-              <a:rPr lang="en-US" sz="2400" b="1" i="0" u="none" strike="noStrike" baseline="0" dirty="0">
-                <a:latin typeface="Calibri" panose="020F0502020204030204" pitchFamily="34" charset="0"/>
-                <a:cs typeface="Calibri" panose="020F0502020204030204" pitchFamily="34" charset="0"/>
-              </a:rPr>
-              <a:t> </a:t>
-            </a:r>
-            <a:r>
-              <a:rPr lang="en-US" sz="2400" b="0" i="0" u="none" strike="noStrike" baseline="0" dirty="0">
-                <a:latin typeface="Calibri" panose="020F0502020204030204" pitchFamily="34" charset="0"/>
-                <a:cs typeface="Calibri" panose="020F0502020204030204" pitchFamily="34" charset="0"/>
-              </a:rPr>
-              <a:t>to observe if certain app attributes are correlated with release note patterns. </a:t>
-            </a:r>
-          </a:p>
-        </p:txBody>
-      </p:sp>
-      <p:pic>
-        <p:nvPicPr>
-          <p:cNvPr id="3" name="Picture 2">
-            <a:extLst>
-              <a:ext uri="{FF2B5EF4-FFF2-40B4-BE49-F238E27FC236}">
-                <a16:creationId xmlns:a16="http://schemas.microsoft.com/office/drawing/2014/main" id="{12693CC8-FDBD-4FAA-AB9A-A357211E7586}"/>
-              </a:ext>
-            </a:extLst>
-          </p:cNvPr>
-          <p:cNvPicPr>
-            <a:picLocks noChangeAspect="1"/>
-          </p:cNvPicPr>
-          <p:nvPr/>
-        </p:nvPicPr>
-        <p:blipFill>
-          <a:blip r:embed="rId2"/>
-          <a:stretch>
-            <a:fillRect/>
-          </a:stretch>
-        </p:blipFill>
-        <p:spPr>
-          <a:xfrm>
-            <a:off x="6278881" y="572523"/>
-            <a:ext cx="2968554" cy="5783827"/>
-          </a:xfrm>
-          <a:prstGeom prst="rect">
-            <a:avLst/>
-          </a:prstGeom>
-        </p:spPr>
-      </p:pic>
-      <p:pic>
-        <p:nvPicPr>
-          <p:cNvPr id="10" name="Picture 9">
-            <a:extLst>
-              <a:ext uri="{FF2B5EF4-FFF2-40B4-BE49-F238E27FC236}">
-                <a16:creationId xmlns:a16="http://schemas.microsoft.com/office/drawing/2014/main" id="{FB5D5434-9F97-45EC-8DE8-A3AD7F32CB1F}"/>
-              </a:ext>
-            </a:extLst>
-          </p:cNvPr>
-          <p:cNvPicPr>
-            <a:picLocks noChangeAspect="1"/>
-          </p:cNvPicPr>
-          <p:nvPr/>
-        </p:nvPicPr>
-        <p:blipFill>
-          <a:blip r:embed="rId3"/>
-          <a:stretch>
-            <a:fillRect/>
-          </a:stretch>
-        </p:blipFill>
-        <p:spPr>
-          <a:xfrm>
-            <a:off x="1046023" y="2001102"/>
-            <a:ext cx="4244124" cy="1534414"/>
-          </a:xfrm>
-          <a:prstGeom prst="rect">
-            <a:avLst/>
-          </a:prstGeom>
-        </p:spPr>
-      </p:pic>
-      <p:cxnSp>
-        <p:nvCxnSpPr>
-          <p:cNvPr id="12" name="Straight Arrow Connector 11">
-            <a:extLst>
-              <a:ext uri="{FF2B5EF4-FFF2-40B4-BE49-F238E27FC236}">
-                <a16:creationId xmlns:a16="http://schemas.microsoft.com/office/drawing/2014/main" id="{B724EC96-9E9B-40B4-8C7E-EE41397A5661}"/>
-              </a:ext>
-            </a:extLst>
-          </p:cNvPr>
-          <p:cNvCxnSpPr>
-            <a:cxnSpLocks/>
-          </p:cNvCxnSpPr>
-          <p:nvPr/>
-        </p:nvCxnSpPr>
-        <p:spPr>
-          <a:xfrm flipH="1" flipV="1">
-            <a:off x="9344027" y="3573627"/>
-            <a:ext cx="508312" cy="184772"/>
-          </a:xfrm>
-          <a:prstGeom prst="straightConnector1">
-            <a:avLst/>
-          </a:prstGeom>
-          <a:ln>
-            <a:tailEnd type="triangle"/>
-          </a:ln>
-        </p:spPr>
-        <p:style>
-          <a:lnRef idx="3">
-            <a:schemeClr val="accent2"/>
-          </a:lnRef>
-          <a:fillRef idx="0">
-            <a:schemeClr val="accent2"/>
-          </a:fillRef>
-          <a:effectRef idx="2">
-            <a:schemeClr val="accent2"/>
-          </a:effectRef>
-          <a:fontRef idx="minor">
-            <a:schemeClr val="tx1"/>
-          </a:fontRef>
-        </p:style>
-      </p:cxnSp>
-      <p:sp>
-        <p:nvSpPr>
-          <p:cNvPr id="22" name="TextBox 21">
-            <a:extLst>
-              <a:ext uri="{FF2B5EF4-FFF2-40B4-BE49-F238E27FC236}">
-                <a16:creationId xmlns:a16="http://schemas.microsoft.com/office/drawing/2014/main" id="{CBC6EEDB-82E9-49E4-8E59-26B46CE86964}"/>
-              </a:ext>
-            </a:extLst>
-          </p:cNvPr>
-          <p:cNvSpPr txBox="1"/>
-          <p:nvPr/>
-        </p:nvSpPr>
-        <p:spPr>
-          <a:xfrm>
-            <a:off x="9708220" y="3705144"/>
-            <a:ext cx="4713559" cy="461665"/>
-          </a:xfrm>
-          <a:prstGeom prst="rect">
-            <a:avLst/>
-          </a:prstGeom>
-          <a:noFill/>
-        </p:spPr>
-        <p:txBody>
-          <a:bodyPr wrap="square">
-            <a:spAutoFit/>
-          </a:bodyPr>
-          <a:lstStyle/>
-          <a:p>
-            <a:pPr algn="l"/>
-            <a:r>
-              <a:rPr lang="en-US" sz="2400" b="0" i="0" u="none" strike="noStrike" baseline="0" dirty="0">
-                <a:latin typeface="Calibri" panose="020F0502020204030204" pitchFamily="34" charset="0"/>
-                <a:cs typeface="Calibri" panose="020F0502020204030204" pitchFamily="34" charset="0"/>
-              </a:rPr>
-              <a:t>Significant</a:t>
-            </a:r>
-          </a:p>
-        </p:txBody>
-      </p:sp>
-      <p:cxnSp>
-        <p:nvCxnSpPr>
-          <p:cNvPr id="27" name="Straight Arrow Connector 26">
-            <a:extLst>
-              <a:ext uri="{FF2B5EF4-FFF2-40B4-BE49-F238E27FC236}">
-                <a16:creationId xmlns:a16="http://schemas.microsoft.com/office/drawing/2014/main" id="{2E197FEB-CA91-49B8-A587-A32659EFB396}"/>
-              </a:ext>
-            </a:extLst>
-          </p:cNvPr>
-          <p:cNvCxnSpPr>
-            <a:cxnSpLocks/>
-          </p:cNvCxnSpPr>
-          <p:nvPr/>
-        </p:nvCxnSpPr>
-        <p:spPr>
-          <a:xfrm flipH="1">
-            <a:off x="9344027" y="4118018"/>
-            <a:ext cx="468160" cy="125571"/>
-          </a:xfrm>
-          <a:prstGeom prst="straightConnector1">
-            <a:avLst/>
-          </a:prstGeom>
-          <a:ln>
-            <a:tailEnd type="triangle"/>
-          </a:ln>
-        </p:spPr>
-        <p:style>
-          <a:lnRef idx="3">
-            <a:schemeClr val="accent2"/>
-          </a:lnRef>
-          <a:fillRef idx="0">
-            <a:schemeClr val="accent2"/>
-          </a:fillRef>
-          <a:effectRef idx="2">
-            <a:schemeClr val="accent2"/>
-          </a:effectRef>
-          <a:fontRef idx="minor">
-            <a:schemeClr val="tx1"/>
-          </a:fontRef>
-        </p:style>
-      </p:cxnSp>
-    </p:spTree>
-    <p:extLst>
-      <p:ext uri="{BB962C8B-B14F-4D97-AF65-F5344CB8AC3E}">
-        <p14:creationId xmlns:p14="http://schemas.microsoft.com/office/powerpoint/2010/main" val="1676162561"/>
-      </p:ext>
-    </p:extLst>
-  </p:cSld>
-  <p:clrMapOvr>
-    <a:masterClrMapping/>
-  </p:clrMapOvr>
-</p:sld>
-</file>
-
-<file path=ppt/slides/slide13.xml><?xml version="1.0" encoding="utf-8"?>
-<p:sld xmlns:a="http://schemas.openxmlformats.org/drawingml/2006/main" xmlns:r="http://schemas.openxmlformats.org/officeDocument/2006/relationships" xmlns:p="http://schemas.openxmlformats.org/presentationml/2006/main">
-  <p:cSld>
-    <p:spTree>
-      <p:nvGrpSpPr>
-        <p:cNvPr id="1" name=""/>
-        <p:cNvGrpSpPr/>
-        <p:nvPr/>
-      </p:nvGrpSpPr>
-      <p:grpSpPr>
-        <a:xfrm>
-          <a:off x="0" y="0"/>
-          <a:ext cx="0" cy="0"/>
-          <a:chOff x="0" y="0"/>
-          <a:chExt cx="0" cy="0"/>
-        </a:xfrm>
-      </p:grpSpPr>
-      <p:sp>
-        <p:nvSpPr>
-          <p:cNvPr id="2" name="Title 1">
-            <a:extLst>
-              <a:ext uri="{FF2B5EF4-FFF2-40B4-BE49-F238E27FC236}">
-                <a16:creationId xmlns:a16="http://schemas.microsoft.com/office/drawing/2014/main" id="{ABAAF143-4D21-4114-8178-31D3B8F23B6C}"/>
-              </a:ext>
-            </a:extLst>
-          </p:cNvPr>
-          <p:cNvSpPr>
-            <a:spLocks noGrp="1"/>
-          </p:cNvSpPr>
-          <p:nvPr>
-            <p:ph type="title"/>
-          </p:nvPr>
-        </p:nvSpPr>
-        <p:spPr/>
-        <p:txBody>
-          <a:bodyPr/>
-          <a:lstStyle/>
-          <a:p>
-            <a:r>
-              <a:rPr lang="en-US" sz="4400" b="1" dirty="0">
-                <a:solidFill>
-                  <a:srgbClr val="C00000"/>
-                </a:solidFill>
-              </a:rPr>
-              <a:t>Models Results</a:t>
-            </a:r>
-            <a:endParaRPr lang="en-US" dirty="0"/>
-          </a:p>
-        </p:txBody>
-      </p:sp>
-      <p:sp>
-        <p:nvSpPr>
-          <p:cNvPr id="3" name="Content Placeholder 2">
-            <a:extLst>
-              <a:ext uri="{FF2B5EF4-FFF2-40B4-BE49-F238E27FC236}">
-                <a16:creationId xmlns:a16="http://schemas.microsoft.com/office/drawing/2014/main" id="{A48483C2-5AC8-4834-8E9D-0639C227CF5D}"/>
-              </a:ext>
-            </a:extLst>
-          </p:cNvPr>
-          <p:cNvSpPr>
-            <a:spLocks noGrp="1"/>
-          </p:cNvSpPr>
-          <p:nvPr>
-            <p:ph idx="1"/>
-          </p:nvPr>
-        </p:nvSpPr>
-        <p:spPr/>
-        <p:txBody>
-          <a:bodyPr/>
-          <a:lstStyle/>
-          <a:p>
-            <a:r>
-              <a:rPr lang="en-US" dirty="0">
-                <a:effectLst/>
-              </a:rPr>
-              <a:t>Apps in patterns 2 and 5 with updating release notes tend to have a </a:t>
-            </a:r>
-            <a:r>
-              <a:rPr lang="en-US" dirty="0">
-                <a:solidFill>
-                  <a:srgbClr val="C00000"/>
-                </a:solidFill>
-                <a:effectLst/>
-              </a:rPr>
-              <a:t>lower number of releases</a:t>
-            </a:r>
-            <a:r>
-              <a:rPr lang="en-US" dirty="0">
-                <a:effectLst/>
-              </a:rPr>
-              <a:t>. </a:t>
-            </a:r>
-          </a:p>
-          <a:p>
-            <a:r>
-              <a:rPr lang="en-US" dirty="0">
-                <a:effectLst/>
-              </a:rPr>
-              <a:t>Apps in pattern 6 that have long, rising-updatability release notes tend to have a </a:t>
-            </a:r>
-            <a:r>
-              <a:rPr lang="en-US" dirty="0">
-                <a:solidFill>
-                  <a:srgbClr val="C00000"/>
-                </a:solidFill>
-                <a:effectLst/>
-              </a:rPr>
-              <a:t>higher user response rate</a:t>
-            </a:r>
-            <a:r>
-              <a:rPr lang="en-US" dirty="0">
-                <a:effectLst/>
-              </a:rPr>
-              <a:t> than other apps. </a:t>
-            </a:r>
-          </a:p>
-          <a:p>
-            <a:r>
-              <a:rPr lang="en-US" dirty="0">
-                <a:effectLst/>
-              </a:rPr>
-              <a:t>Apps in pattern 5 that have long and updating release notes have higher </a:t>
-            </a:r>
-            <a:r>
-              <a:rPr lang="en-US" dirty="0">
-                <a:solidFill>
-                  <a:srgbClr val="C00000"/>
-                </a:solidFill>
-                <a:effectLst/>
-              </a:rPr>
-              <a:t>perceived quality releases </a:t>
-            </a:r>
-            <a:r>
-              <a:rPr lang="en-US" dirty="0">
-                <a:effectLst/>
-              </a:rPr>
-              <a:t>compared to other apps.</a:t>
-            </a:r>
-            <a:endParaRPr lang="en-US" dirty="0"/>
-          </a:p>
-        </p:txBody>
-      </p:sp>
-      <p:sp>
-        <p:nvSpPr>
-          <p:cNvPr id="4" name="Slide Number Placeholder 3">
-            <a:extLst>
-              <a:ext uri="{FF2B5EF4-FFF2-40B4-BE49-F238E27FC236}">
-                <a16:creationId xmlns:a16="http://schemas.microsoft.com/office/drawing/2014/main" id="{8D565DAD-AD37-4FCF-A40C-38A31691AA60}"/>
-              </a:ext>
-            </a:extLst>
-          </p:cNvPr>
-          <p:cNvSpPr>
-            <a:spLocks noGrp="1"/>
-          </p:cNvSpPr>
-          <p:nvPr>
-            <p:ph type="sldNum" sz="quarter" idx="12"/>
-          </p:nvPr>
-        </p:nvSpPr>
-        <p:spPr/>
-        <p:txBody>
-          <a:bodyPr/>
-          <a:lstStyle/>
-          <a:p>
-            <a:fld id="{87998442-DCDF-4622-933A-F9895919A1C1}" type="slidenum">
-              <a:rPr lang="en-US" smtClean="0"/>
-              <a:t>13</a:t>
-            </a:fld>
-            <a:endParaRPr lang="en-US"/>
-          </a:p>
-        </p:txBody>
-      </p:sp>
-    </p:spTree>
-    <p:extLst>
-      <p:ext uri="{BB962C8B-B14F-4D97-AF65-F5344CB8AC3E}">
-        <p14:creationId xmlns:p14="http://schemas.microsoft.com/office/powerpoint/2010/main" val="4038372912"/>
-      </p:ext>
-    </p:extLst>
-  </p:cSld>
-  <p:clrMapOvr>
-    <a:masterClrMapping/>
-  </p:clrMapOvr>
-</p:sld>
-</file>
-
-<file path=ppt/slides/slide14.xml><?xml version="1.0" encoding="utf-8"?>
-<p:sld xmlns:a="http://schemas.openxmlformats.org/drawingml/2006/main" xmlns:r="http://schemas.openxmlformats.org/officeDocument/2006/relationships" xmlns:p="http://schemas.openxmlformats.org/presentationml/2006/main">
-  <p:cSld>
-    <p:spTree>
-      <p:nvGrpSpPr>
-        <p:cNvPr id="1" name=""/>
-        <p:cNvGrpSpPr/>
-        <p:nvPr/>
-      </p:nvGrpSpPr>
-      <p:grpSpPr>
-        <a:xfrm>
-          <a:off x="0" y="0"/>
-          <a:ext cx="0" cy="0"/>
-          <a:chOff x="0" y="0"/>
-          <a:chExt cx="0" cy="0"/>
-        </a:xfrm>
-      </p:grpSpPr>
-      <p:sp>
-        <p:nvSpPr>
-          <p:cNvPr id="2" name="Title 1">
-            <a:extLst>
-              <a:ext uri="{FF2B5EF4-FFF2-40B4-BE49-F238E27FC236}">
-                <a16:creationId xmlns:a16="http://schemas.microsoft.com/office/drawing/2014/main" id="{2F0F47D3-2B78-459C-B736-C97C3E722672}"/>
-              </a:ext>
-            </a:extLst>
-          </p:cNvPr>
-          <p:cNvSpPr>
-            <a:spLocks noGrp="1"/>
-          </p:cNvSpPr>
-          <p:nvPr>
-            <p:ph type="title"/>
-          </p:nvPr>
-        </p:nvSpPr>
-        <p:spPr/>
-        <p:txBody>
-          <a:bodyPr/>
-          <a:lstStyle/>
-          <a:p>
-            <a:r>
-              <a:rPr lang="en-US" sz="4400" b="1" dirty="0">
-                <a:solidFill>
-                  <a:srgbClr val="C00000"/>
-                </a:solidFill>
-              </a:rPr>
-              <a:t>Research Questions</a:t>
-            </a:r>
-            <a:endParaRPr lang="en-US" sz="4400" dirty="0"/>
-          </a:p>
-        </p:txBody>
-      </p:sp>
-      <p:sp>
-        <p:nvSpPr>
-          <p:cNvPr id="3" name="Content Placeholder 2">
-            <a:extLst>
-              <a:ext uri="{FF2B5EF4-FFF2-40B4-BE49-F238E27FC236}">
-                <a16:creationId xmlns:a16="http://schemas.microsoft.com/office/drawing/2014/main" id="{F4E2DDD4-D4AC-4902-9B38-CF4361F7BF6E}"/>
-              </a:ext>
-            </a:extLst>
-          </p:cNvPr>
-          <p:cNvSpPr>
-            <a:spLocks noGrp="1"/>
-          </p:cNvSpPr>
-          <p:nvPr>
-            <p:ph idx="1"/>
-          </p:nvPr>
-        </p:nvSpPr>
-        <p:spPr>
-          <a:xfrm>
-            <a:off x="838200" y="1825625"/>
-            <a:ext cx="11023242" cy="4351338"/>
-          </a:xfrm>
-        </p:spPr>
-        <p:txBody>
-          <a:bodyPr>
-            <a:noAutofit/>
-          </a:bodyPr>
-          <a:lstStyle/>
-          <a:p>
-            <a:r>
-              <a:rPr lang="en-US" sz="3600" dirty="0">
-                <a:solidFill>
-                  <a:schemeClr val="bg2">
-                    <a:lumMod val="75000"/>
-                  </a:schemeClr>
-                </a:solidFill>
-                <a:effectLst/>
-                <a:latin typeface="Arial" panose="020B0604020202020204" pitchFamily="34" charset="0"/>
-              </a:rPr>
-              <a:t>RQ1: What are the release notes update patterns?</a:t>
-            </a:r>
-          </a:p>
-          <a:p>
-            <a:pPr marL="0" indent="0">
-              <a:buNone/>
-            </a:pPr>
-            <a:endParaRPr lang="en-US" sz="3600" dirty="0">
-              <a:solidFill>
-                <a:schemeClr val="bg2">
-                  <a:lumMod val="75000"/>
-                </a:schemeClr>
-              </a:solidFill>
-              <a:effectLst/>
-              <a:latin typeface="Arial" panose="020B0604020202020204" pitchFamily="34" charset="0"/>
-            </a:endParaRPr>
-          </a:p>
-          <a:p>
-            <a:r>
-              <a:rPr lang="en-US" sz="3600" dirty="0">
-                <a:solidFill>
-                  <a:schemeClr val="bg2">
-                    <a:lumMod val="75000"/>
-                  </a:schemeClr>
-                </a:solidFill>
-                <a:effectLst/>
-                <a:latin typeface="Arial" panose="020B0604020202020204" pitchFamily="34" charset="0"/>
-              </a:rPr>
-              <a:t>RQ2: What are the characteristics of the apps that follow a certain release notes pattern?</a:t>
-            </a:r>
-            <a:endParaRPr lang="en-US" sz="3600" dirty="0">
-              <a:solidFill>
-                <a:schemeClr val="bg2">
-                  <a:lumMod val="75000"/>
-                </a:schemeClr>
-              </a:solidFill>
-              <a:latin typeface="Arial" panose="020B0604020202020204" pitchFamily="34" charset="0"/>
-            </a:endParaRPr>
-          </a:p>
-          <a:p>
-            <a:pPr marL="0" indent="0">
-              <a:buNone/>
-            </a:pPr>
-            <a:endParaRPr lang="en-US" sz="3600" dirty="0">
-              <a:latin typeface="Arial" panose="020B0604020202020204" pitchFamily="34" charset="0"/>
-            </a:endParaRPr>
-          </a:p>
-          <a:p>
-            <a:r>
-              <a:rPr lang="en-US" sz="3600" dirty="0">
-                <a:effectLst/>
-                <a:latin typeface="Arial" panose="020B0604020202020204" pitchFamily="34" charset="0"/>
-              </a:rPr>
-              <a:t>RQ3: What causes developers to </a:t>
-            </a:r>
-            <a:r>
-              <a:rPr lang="en-US" sz="3600" dirty="0">
-                <a:solidFill>
-                  <a:srgbClr val="C00000"/>
-                </a:solidFill>
-                <a:effectLst/>
-                <a:latin typeface="Arial" panose="020B0604020202020204" pitchFamily="34" charset="0"/>
-              </a:rPr>
-              <a:t>shift </a:t>
-            </a:r>
-            <a:r>
-              <a:rPr lang="en-US" sz="3600" dirty="0">
-                <a:effectLst/>
-                <a:latin typeface="Arial" panose="020B0604020202020204" pitchFamily="34" charset="0"/>
-              </a:rPr>
-              <a:t>their release notes pattern?</a:t>
-            </a:r>
-            <a:endParaRPr lang="en-US" sz="3600" dirty="0"/>
-          </a:p>
-        </p:txBody>
-      </p:sp>
-      <p:sp>
-        <p:nvSpPr>
-          <p:cNvPr id="4" name="Slide Number Placeholder 3">
-            <a:extLst>
-              <a:ext uri="{FF2B5EF4-FFF2-40B4-BE49-F238E27FC236}">
-                <a16:creationId xmlns:a16="http://schemas.microsoft.com/office/drawing/2014/main" id="{DBC15A87-B8C0-49BE-9E9A-E16E1A251D75}"/>
-              </a:ext>
-            </a:extLst>
-          </p:cNvPr>
-          <p:cNvSpPr>
-            <a:spLocks noGrp="1"/>
-          </p:cNvSpPr>
-          <p:nvPr>
-            <p:ph type="sldNum" sz="quarter" idx="12"/>
-          </p:nvPr>
-        </p:nvSpPr>
-        <p:spPr/>
-        <p:txBody>
-          <a:bodyPr/>
-          <a:lstStyle/>
-          <a:p>
-            <a:fld id="{87998442-DCDF-4622-933A-F9895919A1C1}" type="slidenum">
-              <a:rPr lang="en-US" smtClean="0"/>
-              <a:t>14</a:t>
-            </a:fld>
-            <a:endParaRPr lang="en-US"/>
-          </a:p>
-        </p:txBody>
-      </p:sp>
-    </p:spTree>
-    <p:extLst>
-      <p:ext uri="{BB962C8B-B14F-4D97-AF65-F5344CB8AC3E}">
-        <p14:creationId xmlns:p14="http://schemas.microsoft.com/office/powerpoint/2010/main" val="2779581196"/>
-      </p:ext>
-    </p:extLst>
-  </p:cSld>
-  <p:clrMapOvr>
-    <a:masterClrMapping/>
-  </p:clrMapOvr>
-</p:sld>
-</file>
-
-<file path=ppt/slides/slide15.xml><?xml version="1.0" encoding="utf-8"?>
-<p:sld xmlns:a="http://schemas.openxmlformats.org/drawingml/2006/main" xmlns:r="http://schemas.openxmlformats.org/officeDocument/2006/relationships" xmlns:p="http://schemas.openxmlformats.org/presentationml/2006/main">
-  <p:cSld>
-    <p:spTree>
-      <p:nvGrpSpPr>
-        <p:cNvPr id="1" name=""/>
-        <p:cNvGrpSpPr/>
-        <p:nvPr/>
-      </p:nvGrpSpPr>
-      <p:grpSpPr>
-        <a:xfrm>
-          <a:off x="0" y="0"/>
-          <a:ext cx="0" cy="0"/>
-          <a:chOff x="0" y="0"/>
-          <a:chExt cx="0" cy="0"/>
-        </a:xfrm>
-      </p:grpSpPr>
-      <p:sp>
-        <p:nvSpPr>
-          <p:cNvPr id="2" name="Title 1">
-            <a:extLst>
-              <a:ext uri="{FF2B5EF4-FFF2-40B4-BE49-F238E27FC236}">
-                <a16:creationId xmlns:a16="http://schemas.microsoft.com/office/drawing/2014/main" id="{E2A0CA41-2769-4B7E-8F81-FE6EC5896481}"/>
-              </a:ext>
-            </a:extLst>
-          </p:cNvPr>
-          <p:cNvSpPr>
-            <a:spLocks noGrp="1"/>
-          </p:cNvSpPr>
-          <p:nvPr>
-            <p:ph type="title"/>
-          </p:nvPr>
-        </p:nvSpPr>
-        <p:spPr/>
-        <p:txBody>
-          <a:bodyPr/>
-          <a:lstStyle/>
-          <a:p>
-            <a:r>
-              <a:rPr lang="en-US" sz="4400" b="1" dirty="0">
-                <a:solidFill>
-                  <a:srgbClr val="C00000"/>
-                </a:solidFill>
-              </a:rPr>
-              <a:t>RQ3 Approach</a:t>
-            </a:r>
-            <a:endParaRPr lang="en-US" dirty="0"/>
-          </a:p>
-        </p:txBody>
-      </p:sp>
-      <p:sp>
-        <p:nvSpPr>
-          <p:cNvPr id="3" name="Content Placeholder 2">
-            <a:extLst>
-              <a:ext uri="{FF2B5EF4-FFF2-40B4-BE49-F238E27FC236}">
-                <a16:creationId xmlns:a16="http://schemas.microsoft.com/office/drawing/2014/main" id="{F53A895F-1E33-4DB0-95A7-92FE61331FE4}"/>
-              </a:ext>
-            </a:extLst>
-          </p:cNvPr>
-          <p:cNvSpPr>
-            <a:spLocks noGrp="1"/>
-          </p:cNvSpPr>
-          <p:nvPr>
-            <p:ph idx="1"/>
-          </p:nvPr>
-        </p:nvSpPr>
-        <p:spPr/>
-        <p:txBody>
-          <a:bodyPr/>
-          <a:lstStyle/>
-          <a:p>
-            <a:pPr marL="0" indent="0">
-              <a:buNone/>
-            </a:pPr>
-            <a:r>
-              <a:rPr lang="en-US" dirty="0">
-                <a:effectLst/>
-              </a:rPr>
-              <a:t>For all the studied apps, we treat each of the clustering metrics</a:t>
-            </a:r>
-            <a:br>
-              <a:rPr lang="en-US" dirty="0"/>
-            </a:br>
-            <a:r>
-              <a:rPr lang="en-US" dirty="0">
-                <a:effectLst/>
-              </a:rPr>
-              <a:t>(e.g., length and updatability) as a </a:t>
-            </a:r>
-            <a:r>
-              <a:rPr lang="en-US" dirty="0">
-                <a:solidFill>
-                  <a:srgbClr val="C00000"/>
-                </a:solidFill>
-                <a:effectLst/>
-              </a:rPr>
-              <a:t>time series</a:t>
-            </a:r>
-          </a:p>
-          <a:p>
-            <a:pPr marL="0" indent="0">
-              <a:buNone/>
-            </a:pPr>
-            <a:endParaRPr lang="en-US" dirty="0"/>
-          </a:p>
-          <a:p>
-            <a:pPr marL="0" indent="0">
-              <a:buNone/>
-            </a:pPr>
-            <a:r>
-              <a:rPr lang="en-US" dirty="0">
-                <a:effectLst/>
-              </a:rPr>
-              <a:t>We use the mean and variance of each time series to determine </a:t>
-            </a:r>
-            <a:r>
-              <a:rPr lang="en-US" dirty="0">
-                <a:solidFill>
-                  <a:srgbClr val="C00000"/>
-                </a:solidFill>
-                <a:effectLst/>
-              </a:rPr>
-              <a:t>stationarity</a:t>
-            </a:r>
-            <a:r>
-              <a:rPr lang="en-US" dirty="0">
-                <a:effectLst/>
-              </a:rPr>
-              <a:t>. </a:t>
-            </a:r>
-            <a:endParaRPr lang="en-US" dirty="0"/>
-          </a:p>
-        </p:txBody>
-      </p:sp>
-      <p:sp>
-        <p:nvSpPr>
-          <p:cNvPr id="4" name="Slide Number Placeholder 3">
-            <a:extLst>
-              <a:ext uri="{FF2B5EF4-FFF2-40B4-BE49-F238E27FC236}">
-                <a16:creationId xmlns:a16="http://schemas.microsoft.com/office/drawing/2014/main" id="{B5BA8610-99B4-4C6C-8758-76224F860B1A}"/>
-              </a:ext>
-            </a:extLst>
-          </p:cNvPr>
-          <p:cNvSpPr>
-            <a:spLocks noGrp="1"/>
-          </p:cNvSpPr>
-          <p:nvPr>
-            <p:ph type="sldNum" sz="quarter" idx="12"/>
-          </p:nvPr>
-        </p:nvSpPr>
-        <p:spPr/>
-        <p:txBody>
-          <a:bodyPr/>
-          <a:lstStyle/>
-          <a:p>
-            <a:fld id="{87998442-DCDF-4622-933A-F9895919A1C1}" type="slidenum">
-              <a:rPr lang="en-US" smtClean="0"/>
-              <a:t>15</a:t>
-            </a:fld>
-            <a:endParaRPr lang="en-US"/>
-          </a:p>
-        </p:txBody>
-      </p:sp>
-    </p:spTree>
-    <p:extLst>
-      <p:ext uri="{BB962C8B-B14F-4D97-AF65-F5344CB8AC3E}">
-        <p14:creationId xmlns:p14="http://schemas.microsoft.com/office/powerpoint/2010/main" val="3855831"/>
-      </p:ext>
-    </p:extLst>
-  </p:cSld>
-  <p:clrMapOvr>
-    <a:masterClrMapping/>
-  </p:clrMapOvr>
-</p:sld>
-</file>
-
-<file path=ppt/slides/slide16.xml><?xml version="1.0" encoding="utf-8"?>
-<p:sld xmlns:a="http://schemas.openxmlformats.org/drawingml/2006/main" xmlns:r="http://schemas.openxmlformats.org/officeDocument/2006/relationships" xmlns:p="http://schemas.openxmlformats.org/presentationml/2006/main">
-  <p:cSld>
-    <p:spTree>
-      <p:nvGrpSpPr>
-        <p:cNvPr id="1" name=""/>
-        <p:cNvGrpSpPr/>
-        <p:nvPr/>
-      </p:nvGrpSpPr>
-      <p:grpSpPr>
-        <a:xfrm>
-          <a:off x="0" y="0"/>
-          <a:ext cx="0" cy="0"/>
-          <a:chOff x="0" y="0"/>
-          <a:chExt cx="0" cy="0"/>
-        </a:xfrm>
-      </p:grpSpPr>
-      <p:sp>
-        <p:nvSpPr>
-          <p:cNvPr id="2" name="Title 1">
-            <a:extLst>
-              <a:ext uri="{FF2B5EF4-FFF2-40B4-BE49-F238E27FC236}">
-                <a16:creationId xmlns:a16="http://schemas.microsoft.com/office/drawing/2014/main" id="{5D90C1D7-C79C-4848-AD21-8E880C8121E0}"/>
-              </a:ext>
-            </a:extLst>
-          </p:cNvPr>
-          <p:cNvSpPr>
-            <a:spLocks noGrp="1"/>
-          </p:cNvSpPr>
-          <p:nvPr>
-            <p:ph type="title"/>
-          </p:nvPr>
-        </p:nvSpPr>
-        <p:spPr/>
-        <p:txBody>
-          <a:bodyPr/>
-          <a:lstStyle/>
-          <a:p>
-            <a:r>
-              <a:rPr lang="en-US" sz="4400" b="1" dirty="0">
-                <a:solidFill>
-                  <a:srgbClr val="C00000"/>
-                </a:solidFill>
-              </a:rPr>
-              <a:t>Summary of Shifts</a:t>
-            </a:r>
-            <a:endParaRPr lang="en-US" dirty="0">
-              <a:solidFill>
-                <a:srgbClr val="C00000"/>
-              </a:solidFill>
-            </a:endParaRPr>
-          </a:p>
-        </p:txBody>
-      </p:sp>
-      <p:pic>
-        <p:nvPicPr>
-          <p:cNvPr id="6" name="Content Placeholder 5">
-            <a:extLst>
-              <a:ext uri="{FF2B5EF4-FFF2-40B4-BE49-F238E27FC236}">
-                <a16:creationId xmlns:a16="http://schemas.microsoft.com/office/drawing/2014/main" id="{E3BE971B-9E75-4373-810B-0B0476A09DEF}"/>
-              </a:ext>
-            </a:extLst>
-          </p:cNvPr>
-          <p:cNvPicPr>
-            <a:picLocks noGrp="1" noChangeAspect="1"/>
-          </p:cNvPicPr>
-          <p:nvPr>
-            <p:ph idx="1"/>
-          </p:nvPr>
-        </p:nvPicPr>
-        <p:blipFill>
-          <a:blip r:embed="rId3"/>
-          <a:stretch>
-            <a:fillRect/>
-          </a:stretch>
-        </p:blipFill>
-        <p:spPr>
-          <a:xfrm>
-            <a:off x="6652114" y="1253331"/>
-            <a:ext cx="4077955" cy="4351338"/>
-          </a:xfrm>
-        </p:spPr>
-      </p:pic>
-      <p:sp>
-        <p:nvSpPr>
-          <p:cNvPr id="4" name="Slide Number Placeholder 3">
-            <a:extLst>
-              <a:ext uri="{FF2B5EF4-FFF2-40B4-BE49-F238E27FC236}">
-                <a16:creationId xmlns:a16="http://schemas.microsoft.com/office/drawing/2014/main" id="{2DA8941E-8626-47D9-8143-0F3720B0B4A6}"/>
-              </a:ext>
-            </a:extLst>
-          </p:cNvPr>
-          <p:cNvSpPr>
-            <a:spLocks noGrp="1"/>
-          </p:cNvSpPr>
-          <p:nvPr>
-            <p:ph type="sldNum" sz="quarter" idx="12"/>
-          </p:nvPr>
-        </p:nvSpPr>
-        <p:spPr/>
-        <p:txBody>
-          <a:bodyPr/>
-          <a:lstStyle/>
-          <a:p>
-            <a:fld id="{87998442-DCDF-4622-933A-F9895919A1C1}" type="slidenum">
-              <a:rPr lang="en-US" smtClean="0"/>
-              <a:t>16</a:t>
-            </a:fld>
-            <a:endParaRPr lang="en-US"/>
-          </a:p>
-        </p:txBody>
-      </p:sp>
-      <p:sp>
-        <p:nvSpPr>
-          <p:cNvPr id="8" name="TextBox 7">
-            <a:extLst>
-              <a:ext uri="{FF2B5EF4-FFF2-40B4-BE49-F238E27FC236}">
-                <a16:creationId xmlns:a16="http://schemas.microsoft.com/office/drawing/2014/main" id="{4982D9B5-3EF7-411A-845C-4A9669426492}"/>
-              </a:ext>
-            </a:extLst>
-          </p:cNvPr>
-          <p:cNvSpPr txBox="1"/>
-          <p:nvPr/>
-        </p:nvSpPr>
-        <p:spPr>
-          <a:xfrm>
-            <a:off x="1187003" y="2450603"/>
-            <a:ext cx="4077955" cy="2585323"/>
-          </a:xfrm>
-          <a:prstGeom prst="rect">
-            <a:avLst/>
-          </a:prstGeom>
-          <a:noFill/>
-        </p:spPr>
-        <p:txBody>
-          <a:bodyPr wrap="square">
-            <a:spAutoFit/>
-          </a:bodyPr>
-          <a:lstStyle/>
-          <a:p>
-            <a:r>
-              <a:rPr lang="en-US" dirty="0">
-                <a:effectLst/>
-                <a:latin typeface="Calibri" panose="020F0502020204030204" pitchFamily="34" charset="0"/>
-                <a:cs typeface="Calibri" panose="020F0502020204030204" pitchFamily="34" charset="0"/>
-              </a:rPr>
-              <a:t>92% of the studied apps shift either from short to long release</a:t>
-            </a:r>
-            <a:br>
-              <a:rPr lang="en-US" dirty="0">
-                <a:latin typeface="Calibri" panose="020F0502020204030204" pitchFamily="34" charset="0"/>
-                <a:cs typeface="Calibri" panose="020F0502020204030204" pitchFamily="34" charset="0"/>
-              </a:rPr>
-            </a:br>
-            <a:r>
-              <a:rPr lang="en-US" dirty="0">
-                <a:effectLst/>
-                <a:latin typeface="Calibri" panose="020F0502020204030204" pitchFamily="34" charset="0"/>
-                <a:cs typeface="Calibri" panose="020F0502020204030204" pitchFamily="34" charset="0"/>
-              </a:rPr>
-              <a:t>notes or from rarely updated to frequently updated release notes.</a:t>
-            </a:r>
-          </a:p>
-          <a:p>
-            <a:endParaRPr lang="en-US" dirty="0">
-              <a:latin typeface="Calibri" panose="020F0502020204030204" pitchFamily="34" charset="0"/>
-              <a:cs typeface="Calibri" panose="020F0502020204030204" pitchFamily="34" charset="0"/>
-            </a:endParaRPr>
-          </a:p>
-          <a:p>
-            <a:r>
-              <a:rPr lang="en-US" dirty="0">
-                <a:effectLst/>
-                <a:latin typeface="Calibri" panose="020F0502020204030204" pitchFamily="34" charset="0"/>
-                <a:cs typeface="Calibri" panose="020F0502020204030204" pitchFamily="34" charset="0"/>
-              </a:rPr>
-              <a:t>Developers shift their release notes patterns to provide detailed</a:t>
-            </a:r>
-            <a:br>
-              <a:rPr lang="en-US" dirty="0">
-                <a:latin typeface="Calibri" panose="020F0502020204030204" pitchFamily="34" charset="0"/>
-                <a:cs typeface="Calibri" panose="020F0502020204030204" pitchFamily="34" charset="0"/>
-              </a:rPr>
-            </a:br>
-            <a:r>
-              <a:rPr lang="en-US" dirty="0">
-                <a:effectLst/>
-                <a:latin typeface="Calibri" panose="020F0502020204030204" pitchFamily="34" charset="0"/>
-                <a:cs typeface="Calibri" panose="020F0502020204030204" pitchFamily="34" charset="0"/>
-              </a:rPr>
-              <a:t>guidance to their users and spot the importance of the new release.</a:t>
-            </a:r>
-            <a:endParaRPr lang="en-US" dirty="0">
-              <a:latin typeface="Calibri" panose="020F0502020204030204" pitchFamily="34" charset="0"/>
-              <a:cs typeface="Calibri" panose="020F0502020204030204" pitchFamily="34" charset="0"/>
-            </a:endParaRPr>
-          </a:p>
-        </p:txBody>
-      </p:sp>
-    </p:spTree>
-    <p:extLst>
-      <p:ext uri="{BB962C8B-B14F-4D97-AF65-F5344CB8AC3E}">
-        <p14:creationId xmlns:p14="http://schemas.microsoft.com/office/powerpoint/2010/main" val="2203080370"/>
-      </p:ext>
-    </p:extLst>
-  </p:cSld>
-  <p:clrMapOvr>
-    <a:masterClrMapping/>
-  </p:clrMapOvr>
-</p:sld>
-</file>
-
-<file path=ppt/slides/slide17.xml><?xml version="1.0" encoding="utf-8"?>
-<p:sld xmlns:a="http://schemas.openxmlformats.org/drawingml/2006/main" xmlns:r="http://schemas.openxmlformats.org/officeDocument/2006/relationships" xmlns:p="http://schemas.openxmlformats.org/presentationml/2006/main">
-  <p:cSld>
-    <p:spTree>
-      <p:nvGrpSpPr>
-        <p:cNvPr id="1" name=""/>
-        <p:cNvGrpSpPr/>
-        <p:nvPr/>
-      </p:nvGrpSpPr>
-      <p:grpSpPr>
-        <a:xfrm>
-          <a:off x="0" y="0"/>
-          <a:ext cx="0" cy="0"/>
-          <a:chOff x="0" y="0"/>
-          <a:chExt cx="0" cy="0"/>
-        </a:xfrm>
-      </p:grpSpPr>
-      <p:sp>
-        <p:nvSpPr>
-          <p:cNvPr id="2" name="Title 1">
-            <a:extLst>
-              <a:ext uri="{FF2B5EF4-FFF2-40B4-BE49-F238E27FC236}">
-                <a16:creationId xmlns:a16="http://schemas.microsoft.com/office/drawing/2014/main" id="{D2810FA6-1A49-49C2-9147-2A63B3AE58A1}"/>
-              </a:ext>
-            </a:extLst>
-          </p:cNvPr>
-          <p:cNvSpPr>
-            <a:spLocks noGrp="1"/>
-          </p:cNvSpPr>
-          <p:nvPr>
-            <p:ph type="title"/>
-          </p:nvPr>
-        </p:nvSpPr>
-        <p:spPr/>
-        <p:txBody>
-          <a:bodyPr/>
-          <a:lstStyle/>
-          <a:p>
-            <a:r>
-              <a:rPr lang="en-US" sz="4400" b="1" dirty="0">
-                <a:solidFill>
-                  <a:srgbClr val="C00000"/>
-                </a:solidFill>
-              </a:rPr>
-              <a:t>Reasons for Shifts</a:t>
-            </a:r>
-            <a:endParaRPr lang="en-US" dirty="0"/>
-          </a:p>
-        </p:txBody>
-      </p:sp>
-      <p:pic>
-        <p:nvPicPr>
-          <p:cNvPr id="6" name="Content Placeholder 5">
-            <a:extLst>
-              <a:ext uri="{FF2B5EF4-FFF2-40B4-BE49-F238E27FC236}">
-                <a16:creationId xmlns:a16="http://schemas.microsoft.com/office/drawing/2014/main" id="{BA454A6E-AA63-44A9-8935-9C238C01A703}"/>
-              </a:ext>
-            </a:extLst>
-          </p:cNvPr>
-          <p:cNvPicPr>
-            <a:picLocks noGrp="1" noChangeAspect="1"/>
-          </p:cNvPicPr>
-          <p:nvPr>
-            <p:ph idx="1"/>
-          </p:nvPr>
-        </p:nvPicPr>
-        <p:blipFill>
-          <a:blip r:embed="rId3"/>
-          <a:stretch>
-            <a:fillRect/>
-          </a:stretch>
-        </p:blipFill>
-        <p:spPr>
-          <a:xfrm>
-            <a:off x="2496810" y="1770846"/>
-            <a:ext cx="6253554" cy="2803738"/>
-          </a:xfrm>
-        </p:spPr>
-      </p:pic>
-      <p:sp>
-        <p:nvSpPr>
-          <p:cNvPr id="4" name="Slide Number Placeholder 3">
-            <a:extLst>
-              <a:ext uri="{FF2B5EF4-FFF2-40B4-BE49-F238E27FC236}">
-                <a16:creationId xmlns:a16="http://schemas.microsoft.com/office/drawing/2014/main" id="{526D01A5-C091-49DD-A51D-567A97EB3A90}"/>
-              </a:ext>
-            </a:extLst>
-          </p:cNvPr>
-          <p:cNvSpPr>
-            <a:spLocks noGrp="1"/>
-          </p:cNvSpPr>
-          <p:nvPr>
-            <p:ph type="sldNum" sz="quarter" idx="12"/>
-          </p:nvPr>
-        </p:nvSpPr>
-        <p:spPr/>
-        <p:txBody>
-          <a:bodyPr/>
-          <a:lstStyle/>
-          <a:p>
-            <a:fld id="{87998442-DCDF-4622-933A-F9895919A1C1}" type="slidenum">
-              <a:rPr lang="en-US" smtClean="0"/>
-              <a:t>17</a:t>
-            </a:fld>
-            <a:endParaRPr lang="en-US"/>
-          </a:p>
-        </p:txBody>
-      </p:sp>
-      <p:sp>
-        <p:nvSpPr>
-          <p:cNvPr id="8" name="TextBox 7">
-            <a:extLst>
-              <a:ext uri="{FF2B5EF4-FFF2-40B4-BE49-F238E27FC236}">
-                <a16:creationId xmlns:a16="http://schemas.microsoft.com/office/drawing/2014/main" id="{05CBF7F3-2FA1-43C0-A8FD-AC9AC82FA825}"/>
-              </a:ext>
-            </a:extLst>
-          </p:cNvPr>
-          <p:cNvSpPr txBox="1"/>
-          <p:nvPr/>
-        </p:nvSpPr>
-        <p:spPr>
-          <a:xfrm>
-            <a:off x="1522597" y="4986775"/>
-            <a:ext cx="9476704" cy="646331"/>
-          </a:xfrm>
-          <a:prstGeom prst="rect">
-            <a:avLst/>
-          </a:prstGeom>
-          <a:noFill/>
-        </p:spPr>
-        <p:txBody>
-          <a:bodyPr wrap="square">
-            <a:spAutoFit/>
-          </a:bodyPr>
-          <a:lstStyle/>
-          <a:p>
-            <a:r>
-              <a:rPr lang="en-US" dirty="0">
-                <a:effectLst/>
-                <a:latin typeface="Calibri" panose="020F0502020204030204" pitchFamily="34" charset="0"/>
-                <a:cs typeface="Calibri" panose="020F0502020204030204" pitchFamily="34" charset="0"/>
-              </a:rPr>
-              <a:t>Of the apps that shift from pattern 1 (short non-updating) to</a:t>
-            </a:r>
-            <a:br>
-              <a:rPr lang="en-US" dirty="0">
-                <a:latin typeface="Calibri" panose="020F0502020204030204" pitchFamily="34" charset="0"/>
-                <a:cs typeface="Calibri" panose="020F0502020204030204" pitchFamily="34" charset="0"/>
-              </a:rPr>
-            </a:br>
-            <a:r>
-              <a:rPr lang="en-US" dirty="0">
-                <a:effectLst/>
-                <a:latin typeface="Calibri" panose="020F0502020204030204" pitchFamily="34" charset="0"/>
-                <a:cs typeface="Calibri" panose="020F0502020204030204" pitchFamily="34" charset="0"/>
-              </a:rPr>
-              <a:t>pattern 5 (long updating), </a:t>
-            </a:r>
-            <a:r>
-              <a:rPr lang="en-US" dirty="0">
-                <a:solidFill>
-                  <a:srgbClr val="C00000"/>
-                </a:solidFill>
-                <a:effectLst/>
-                <a:latin typeface="Calibri" panose="020F0502020204030204" pitchFamily="34" charset="0"/>
-                <a:cs typeface="Calibri" panose="020F0502020204030204" pitchFamily="34" charset="0"/>
-              </a:rPr>
-              <a:t>94% </a:t>
-            </a:r>
-            <a:r>
-              <a:rPr lang="en-US" dirty="0">
-                <a:effectLst/>
-                <a:latin typeface="Calibri" panose="020F0502020204030204" pitchFamily="34" charset="0"/>
-                <a:cs typeface="Calibri" panose="020F0502020204030204" pitchFamily="34" charset="0"/>
-              </a:rPr>
-              <a:t>show a higher average rating after the shift. </a:t>
-            </a:r>
-            <a:endParaRPr lang="en-US" dirty="0">
-              <a:latin typeface="Calibri" panose="020F0502020204030204" pitchFamily="34" charset="0"/>
-              <a:cs typeface="Calibri" panose="020F0502020204030204" pitchFamily="34" charset="0"/>
-            </a:endParaRPr>
-          </a:p>
-        </p:txBody>
-      </p:sp>
-    </p:spTree>
-    <p:extLst>
-      <p:ext uri="{BB962C8B-B14F-4D97-AF65-F5344CB8AC3E}">
-        <p14:creationId xmlns:p14="http://schemas.microsoft.com/office/powerpoint/2010/main" val="190162570"/>
-      </p:ext>
-    </p:extLst>
-  </p:cSld>
-  <p:clrMapOvr>
-    <a:masterClrMapping/>
-  </p:clrMapOvr>
-</p:sld>
-</file>
-
-<file path=ppt/slides/slide18.xml><?xml version="1.0" encoding="utf-8"?>
-<p:sld xmlns:a="http://schemas.openxmlformats.org/drawingml/2006/main" xmlns:r="http://schemas.openxmlformats.org/officeDocument/2006/relationships" xmlns:p="http://schemas.openxmlformats.org/presentationml/2006/main">
-  <p:cSld>
-    <p:spTree>
-      <p:nvGrpSpPr>
-        <p:cNvPr id="1" name=""/>
-        <p:cNvGrpSpPr/>
-        <p:nvPr/>
-      </p:nvGrpSpPr>
-      <p:grpSpPr>
-        <a:xfrm>
-          <a:off x="0" y="0"/>
-          <a:ext cx="0" cy="0"/>
-          <a:chOff x="0" y="0"/>
-          <a:chExt cx="0" cy="0"/>
-        </a:xfrm>
-      </p:grpSpPr>
-      <p:sp>
-        <p:nvSpPr>
-          <p:cNvPr id="3" name="Content Placeholder 2">
-            <a:extLst>
-              <a:ext uri="{FF2B5EF4-FFF2-40B4-BE49-F238E27FC236}">
-                <a16:creationId xmlns:a16="http://schemas.microsoft.com/office/drawing/2014/main" id="{A52EEBF1-1DD2-4615-A92F-403CD06B10C2}"/>
-              </a:ext>
-            </a:extLst>
-          </p:cNvPr>
-          <p:cNvSpPr>
-            <a:spLocks noGrp="1"/>
-          </p:cNvSpPr>
-          <p:nvPr>
-            <p:ph idx="1"/>
-          </p:nvPr>
-        </p:nvSpPr>
-        <p:spPr>
-          <a:xfrm>
-            <a:off x="838200" y="1441530"/>
-            <a:ext cx="9936126" cy="2319702"/>
-          </a:xfrm>
-        </p:spPr>
-        <p:txBody>
-          <a:bodyPr>
-            <a:noAutofit/>
-          </a:bodyPr>
-          <a:lstStyle/>
-          <a:p>
-            <a:r>
-              <a:rPr lang="en-US" sz="2400" dirty="0"/>
-              <a:t>We identify </a:t>
-            </a:r>
-            <a:r>
-              <a:rPr lang="en-US" sz="2400" b="1" dirty="0"/>
-              <a:t>six patterns </a:t>
-            </a:r>
-            <a:r>
-              <a:rPr lang="en-US" sz="2400" dirty="0"/>
-              <a:t>of release notes. </a:t>
-            </a:r>
-          </a:p>
-          <a:p>
-            <a:r>
-              <a:rPr lang="en-US" sz="2400" dirty="0"/>
-              <a:t>Apps with long and updating release notes have </a:t>
-            </a:r>
-            <a:r>
-              <a:rPr lang="en-US" sz="2400" b="1" dirty="0"/>
-              <a:t>high perceived quality releases, an increase in user ratings, and informative release notes</a:t>
-            </a:r>
-            <a:r>
-              <a:rPr lang="en-US" sz="2400" dirty="0"/>
-              <a:t>. </a:t>
-            </a:r>
-          </a:p>
-          <a:p>
-            <a:pPr algn="l"/>
-            <a:r>
-              <a:rPr lang="en-US" sz="2400" b="0" i="0" u="none" strike="noStrike" baseline="0" dirty="0"/>
-              <a:t>Our</a:t>
-            </a:r>
-            <a:r>
-              <a:rPr lang="en-US" sz="2400" dirty="0"/>
-              <a:t> </a:t>
-            </a:r>
-            <a:r>
-              <a:rPr lang="en-US" sz="2400" b="0" i="0" u="none" strike="noStrike" baseline="0" dirty="0"/>
-              <a:t>work shows potential directions for developers to improve the release notes mechanisms in app stores.</a:t>
-            </a:r>
-          </a:p>
-        </p:txBody>
-      </p:sp>
-      <p:sp>
-        <p:nvSpPr>
-          <p:cNvPr id="4" name="Slide Number Placeholder 3">
-            <a:extLst>
-              <a:ext uri="{FF2B5EF4-FFF2-40B4-BE49-F238E27FC236}">
-                <a16:creationId xmlns:a16="http://schemas.microsoft.com/office/drawing/2014/main" id="{95E1CAED-0426-4CAD-9709-CF6DC056ACB4}"/>
-              </a:ext>
-            </a:extLst>
-          </p:cNvPr>
-          <p:cNvSpPr>
-            <a:spLocks noGrp="1"/>
-          </p:cNvSpPr>
-          <p:nvPr>
-            <p:ph type="sldNum" sz="quarter" idx="12"/>
-          </p:nvPr>
-        </p:nvSpPr>
-        <p:spPr/>
-        <p:txBody>
-          <a:bodyPr/>
-          <a:lstStyle/>
-          <a:p>
-            <a:fld id="{87998442-DCDF-4622-933A-F9895919A1C1}" type="slidenum">
-              <a:rPr lang="en-US" smtClean="0"/>
-              <a:t>18</a:t>
-            </a:fld>
-            <a:endParaRPr lang="en-US"/>
-          </a:p>
-        </p:txBody>
-      </p:sp>
-      <p:sp>
-        <p:nvSpPr>
-          <p:cNvPr id="5" name="Title 7">
-            <a:extLst>
-              <a:ext uri="{FF2B5EF4-FFF2-40B4-BE49-F238E27FC236}">
-                <a16:creationId xmlns:a16="http://schemas.microsoft.com/office/drawing/2014/main" id="{F01148D6-338A-40FF-BEEB-8F0DDAA99021}"/>
-              </a:ext>
-            </a:extLst>
-          </p:cNvPr>
-          <p:cNvSpPr txBox="1">
-            <a:spLocks/>
-          </p:cNvSpPr>
-          <p:nvPr/>
-        </p:nvSpPr>
-        <p:spPr>
-          <a:xfrm>
-            <a:off x="994884" y="330629"/>
-            <a:ext cx="10515600" cy="1325563"/>
-          </a:xfrm>
-          <a:prstGeom prst="rect">
-            <a:avLst/>
-          </a:prstGeom>
-        </p:spPr>
-        <p:txBody>
-          <a:bodyPr vert="horz" lIns="91440" tIns="45720" rIns="91440" bIns="45720" rtlCol="0" anchor="ctr">
-            <a:normAutofit/>
-          </a:bodyPr>
-          <a:lstStyle>
-            <a:lvl1pPr algn="l" defTabSz="914400" rtl="0" eaLnBrk="1" latinLnBrk="0" hangingPunct="1">
-              <a:lnSpc>
-                <a:spcPct val="90000"/>
-              </a:lnSpc>
-              <a:spcBef>
-                <a:spcPct val="0"/>
-              </a:spcBef>
-              <a:buNone/>
-              <a:defRPr sz="4400" kern="1200">
-                <a:solidFill>
-                  <a:schemeClr val="tx1"/>
-                </a:solidFill>
-                <a:latin typeface="Calibri" panose="020F0502020204030204" pitchFamily="34" charset="0"/>
-                <a:ea typeface="+mj-ea"/>
-                <a:cs typeface="Calibri" panose="020F0502020204030204" pitchFamily="34" charset="0"/>
-              </a:defRPr>
-            </a:lvl1pPr>
-          </a:lstStyle>
-          <a:p>
-            <a:pPr algn="ctr"/>
-            <a:r>
-              <a:rPr lang="en-US" sz="4000" b="1" dirty="0">
-                <a:solidFill>
-                  <a:srgbClr val="C00000"/>
-                </a:solidFill>
-              </a:rPr>
-              <a:t>Contributions</a:t>
-            </a:r>
-            <a:endParaRPr lang="en-US" sz="4000" dirty="0"/>
-          </a:p>
-        </p:txBody>
-      </p:sp>
-    </p:spTree>
-    <p:extLst>
-      <p:ext uri="{BB962C8B-B14F-4D97-AF65-F5344CB8AC3E}">
-        <p14:creationId xmlns:p14="http://schemas.microsoft.com/office/powerpoint/2010/main" val="3807438991"/>
-      </p:ext>
-    </p:extLst>
-  </p:cSld>
-  <p:clrMapOvr>
-    <a:masterClrMapping/>
-  </p:clrMapOvr>
-</p:sld>
-</file>
-
-<file path=ppt/slides/slide2.xml><?xml version="1.0" encoding="utf-8"?>
-<p:sld xmlns:a="http://schemas.openxmlformats.org/drawingml/2006/main" xmlns:r="http://schemas.openxmlformats.org/officeDocument/2006/relationships" xmlns:p="http://schemas.openxmlformats.org/presentationml/2006/main">
-  <p:cSld>
-    <p:spTree>
-      <p:nvGrpSpPr>
-        <p:cNvPr id="1" name=""/>
-        <p:cNvGrpSpPr/>
-        <p:nvPr/>
-      </p:nvGrpSpPr>
-      <p:grpSpPr>
-        <a:xfrm>
-          <a:off x="0" y="0"/>
-          <a:ext cx="0" cy="0"/>
-          <a:chOff x="0" y="0"/>
-          <a:chExt cx="0" cy="0"/>
-        </a:xfrm>
-      </p:grpSpPr>
-      <p:sp>
-        <p:nvSpPr>
-          <p:cNvPr id="2" name="Title 1">
-            <a:extLst>
-              <a:ext uri="{FF2B5EF4-FFF2-40B4-BE49-F238E27FC236}">
-                <a16:creationId xmlns:a16="http://schemas.microsoft.com/office/drawing/2014/main" id="{39ED8E2E-A345-4851-B429-B24EC247E578}"/>
-              </a:ext>
-            </a:extLst>
-          </p:cNvPr>
-          <p:cNvSpPr>
-            <a:spLocks noGrp="1"/>
-          </p:cNvSpPr>
-          <p:nvPr>
-            <p:ph type="title"/>
-          </p:nvPr>
-        </p:nvSpPr>
-        <p:spPr>
-          <a:xfrm>
-            <a:off x="1057122" y="272043"/>
-            <a:ext cx="10515600" cy="1325563"/>
-          </a:xfrm>
-        </p:spPr>
-        <p:txBody>
-          <a:bodyPr>
-            <a:normAutofit/>
-          </a:bodyPr>
-          <a:lstStyle/>
-          <a:p>
-            <a:r>
-              <a:rPr lang="en-US" sz="4000" b="1" dirty="0">
-                <a:solidFill>
-                  <a:srgbClr val="C00000"/>
-                </a:solidFill>
-              </a:rPr>
-              <a:t>Release Notes are Imperfect</a:t>
-            </a:r>
-            <a:endParaRPr lang="en-US" sz="4000" dirty="0"/>
-          </a:p>
-        </p:txBody>
-      </p:sp>
-      <p:sp>
-        <p:nvSpPr>
-          <p:cNvPr id="4" name="Slide Number Placeholder 3">
-            <a:extLst>
-              <a:ext uri="{FF2B5EF4-FFF2-40B4-BE49-F238E27FC236}">
-                <a16:creationId xmlns:a16="http://schemas.microsoft.com/office/drawing/2014/main" id="{CA809EEE-F650-4AB3-B847-028F7486207A}"/>
-              </a:ext>
-            </a:extLst>
-          </p:cNvPr>
-          <p:cNvSpPr>
-            <a:spLocks noGrp="1"/>
-          </p:cNvSpPr>
-          <p:nvPr>
-            <p:ph type="sldNum" sz="quarter" idx="12"/>
-          </p:nvPr>
-        </p:nvSpPr>
-        <p:spPr/>
-        <p:txBody>
-          <a:bodyPr/>
-          <a:lstStyle/>
-          <a:p>
-            <a:fld id="{87998442-DCDF-4622-933A-F9895919A1C1}" type="slidenum">
-              <a:rPr lang="en-US" smtClean="0"/>
-              <a:t>2</a:t>
-            </a:fld>
-            <a:endParaRPr lang="en-US"/>
-          </a:p>
-        </p:txBody>
-      </p:sp>
-      <p:pic>
-        <p:nvPicPr>
-          <p:cNvPr id="11" name="Picture 10">
-            <a:extLst>
-              <a:ext uri="{FF2B5EF4-FFF2-40B4-BE49-F238E27FC236}">
-                <a16:creationId xmlns:a16="http://schemas.microsoft.com/office/drawing/2014/main" id="{1C6649CB-2C29-4E26-9BE0-281678B54FE3}"/>
-              </a:ext>
-            </a:extLst>
-          </p:cNvPr>
-          <p:cNvPicPr>
-            <a:picLocks noChangeAspect="1"/>
-          </p:cNvPicPr>
-          <p:nvPr/>
-        </p:nvPicPr>
-        <p:blipFill>
-          <a:blip r:embed="rId3"/>
-          <a:stretch>
-            <a:fillRect/>
-          </a:stretch>
-        </p:blipFill>
-        <p:spPr>
-          <a:xfrm>
-            <a:off x="1057122" y="2837551"/>
-            <a:ext cx="9545458" cy="1851567"/>
-          </a:xfrm>
-          <a:prstGeom prst="rect">
-            <a:avLst/>
-          </a:prstGeom>
-        </p:spPr>
-      </p:pic>
-      <p:pic>
-        <p:nvPicPr>
-          <p:cNvPr id="13" name="Picture 12">
-            <a:extLst>
-              <a:ext uri="{FF2B5EF4-FFF2-40B4-BE49-F238E27FC236}">
-                <a16:creationId xmlns:a16="http://schemas.microsoft.com/office/drawing/2014/main" id="{0F9EDE69-49A5-49E8-93E1-F360E33DE097}"/>
-              </a:ext>
-            </a:extLst>
-          </p:cNvPr>
-          <p:cNvPicPr>
-            <a:picLocks noChangeAspect="1"/>
-          </p:cNvPicPr>
-          <p:nvPr/>
-        </p:nvPicPr>
-        <p:blipFill>
-          <a:blip r:embed="rId4"/>
-          <a:stretch>
-            <a:fillRect/>
-          </a:stretch>
-        </p:blipFill>
-        <p:spPr>
-          <a:xfrm>
-            <a:off x="1025747" y="1205889"/>
-            <a:ext cx="5360305" cy="1943693"/>
-          </a:xfrm>
-          <a:prstGeom prst="rect">
-            <a:avLst/>
-          </a:prstGeom>
-        </p:spPr>
-      </p:pic>
-      <p:sp>
-        <p:nvSpPr>
-          <p:cNvPr id="6" name="Speech Bubble: Oval 5">
-            <a:extLst>
-              <a:ext uri="{FF2B5EF4-FFF2-40B4-BE49-F238E27FC236}">
-                <a16:creationId xmlns:a16="http://schemas.microsoft.com/office/drawing/2014/main" id="{F0FB79F1-6C59-4463-A6CA-91F1DB47BAFE}"/>
-              </a:ext>
-            </a:extLst>
-          </p:cNvPr>
-          <p:cNvSpPr/>
-          <p:nvPr/>
-        </p:nvSpPr>
-        <p:spPr>
-          <a:xfrm>
-            <a:off x="4436597" y="4219912"/>
-            <a:ext cx="3756649" cy="1983996"/>
-          </a:xfrm>
-          <a:prstGeom prst="wedgeEllipseCallout">
-            <a:avLst/>
-          </a:prstGeom>
-          <a:solidFill>
-            <a:schemeClr val="bg1"/>
-          </a:solidFill>
-        </p:spPr>
-        <p:style>
-          <a:lnRef idx="2">
-            <a:schemeClr val="accent1">
-              <a:shade val="50000"/>
-            </a:schemeClr>
-          </a:lnRef>
-          <a:fillRef idx="1">
-            <a:schemeClr val="accent1"/>
-          </a:fillRef>
-          <a:effectRef idx="0">
-            <a:schemeClr val="accent1"/>
-          </a:effectRef>
-          <a:fontRef idx="minor">
-            <a:schemeClr val="lt1"/>
-          </a:fontRef>
-        </p:style>
-        <p:txBody>
-          <a:bodyPr rtlCol="0" anchor="ctr"/>
-          <a:lstStyle/>
-          <a:p>
-            <a:pPr marL="0" marR="0" lvl="0" indent="0" algn="l" defTabSz="914400" rtl="0" eaLnBrk="1" fontAlgn="auto" latinLnBrk="0" hangingPunct="1">
-              <a:lnSpc>
-                <a:spcPct val="100000"/>
-              </a:lnSpc>
-              <a:spcBef>
-                <a:spcPts val="0"/>
-              </a:spcBef>
-              <a:spcAft>
-                <a:spcPts val="0"/>
-              </a:spcAft>
-              <a:buClrTx/>
-              <a:buSzTx/>
-              <a:buFontTx/>
-              <a:buNone/>
-              <a:tabLst/>
-              <a:defRPr/>
-            </a:pPr>
-            <a:r>
-              <a:rPr kumimoji="0" lang="en-US" sz="1800" b="0" i="0" u="none" strike="noStrike" kern="1200" cap="none" spc="0" normalizeH="0" baseline="0" noProof="0" dirty="0">
-                <a:ln>
-                  <a:noFill/>
-                </a:ln>
-                <a:solidFill>
-                  <a:prstClr val="black"/>
-                </a:solidFill>
-                <a:effectLst/>
-                <a:uLnTx/>
-                <a:uFillTx/>
-                <a:latin typeface="Calibri" panose="020F0502020204030204" pitchFamily="34" charset="0"/>
-                <a:ea typeface="+mn-ea"/>
-                <a:cs typeface="Calibri" panose="020F0502020204030204" pitchFamily="34" charset="0"/>
-              </a:rPr>
-              <a:t>“Setting up fingerprint login should have been announced in the release notes not hidden in the options!"</a:t>
-            </a:r>
-          </a:p>
-        </p:txBody>
-      </p:sp>
-      <p:pic>
-        <p:nvPicPr>
-          <p:cNvPr id="10" name="Graphic 9" descr="User outline">
-            <a:extLst>
-              <a:ext uri="{FF2B5EF4-FFF2-40B4-BE49-F238E27FC236}">
-                <a16:creationId xmlns:a16="http://schemas.microsoft.com/office/drawing/2014/main" id="{8990481B-1668-46B0-8012-44EAFF1BA8F0}"/>
-              </a:ext>
-            </a:extLst>
-          </p:cNvPr>
-          <p:cNvPicPr>
-            <a:picLocks noChangeAspect="1"/>
-          </p:cNvPicPr>
-          <p:nvPr/>
-        </p:nvPicPr>
-        <p:blipFill>
-          <a:blip r:embed="rId5">
-            <a:extLst>
-              <a:ext uri="{28A0092B-C50C-407E-A947-70E740481C1C}">
-                <a14:useLocalDpi xmlns:a14="http://schemas.microsoft.com/office/drawing/2010/main" val="0"/>
-              </a:ext>
-              <a:ext uri="{96DAC541-7B7A-43D3-8B79-37D633B846F1}">
-                <asvg:svgBlip xmlns:asvg="http://schemas.microsoft.com/office/drawing/2016/SVG/main" r:embed="rId6"/>
-              </a:ext>
-            </a:extLst>
-          </a:blip>
-          <a:stretch>
-            <a:fillRect/>
-          </a:stretch>
-        </p:blipFill>
-        <p:spPr>
-          <a:xfrm>
-            <a:off x="4469130" y="5899150"/>
-            <a:ext cx="914400" cy="914400"/>
-          </a:xfrm>
-          <a:prstGeom prst="rect">
-            <a:avLst/>
-          </a:prstGeom>
-        </p:spPr>
-      </p:pic>
-      <p:sp>
-        <p:nvSpPr>
-          <p:cNvPr id="15" name="TextBox 14">
-            <a:extLst>
-              <a:ext uri="{FF2B5EF4-FFF2-40B4-BE49-F238E27FC236}">
-                <a16:creationId xmlns:a16="http://schemas.microsoft.com/office/drawing/2014/main" id="{77969BD3-4691-4977-A11B-05EA44017D8B}"/>
-              </a:ext>
-            </a:extLst>
-          </p:cNvPr>
-          <p:cNvSpPr txBox="1"/>
-          <p:nvPr/>
-        </p:nvSpPr>
-        <p:spPr>
-          <a:xfrm>
-            <a:off x="4612559" y="6444218"/>
-            <a:ext cx="816691" cy="369332"/>
-          </a:xfrm>
-          <a:prstGeom prst="rect">
-            <a:avLst/>
-          </a:prstGeom>
-          <a:noFill/>
-        </p:spPr>
-        <p:txBody>
-          <a:bodyPr wrap="square">
-            <a:spAutoFit/>
-          </a:bodyPr>
-          <a:lstStyle/>
-          <a:p>
-            <a:r>
-              <a:rPr lang="en-US" b="1" dirty="0">
-                <a:solidFill>
-                  <a:srgbClr val="C00000"/>
-                </a:solidFill>
-              </a:rPr>
-              <a:t>User</a:t>
-            </a:r>
-            <a:endParaRPr lang="en-US" dirty="0"/>
-          </a:p>
-        </p:txBody>
-      </p:sp>
-    </p:spTree>
-    <p:extLst>
-      <p:ext uri="{BB962C8B-B14F-4D97-AF65-F5344CB8AC3E}">
-        <p14:creationId xmlns:p14="http://schemas.microsoft.com/office/powerpoint/2010/main" val="757863647"/>
-      </p:ext>
-    </p:extLst>
-  </p:cSld>
-  <p:clrMapOvr>
-    <a:masterClrMapping/>
-  </p:clrMapOvr>
 </p:sld>
 </file>
 
@@ -8116,7 +9684,41 @@
                 <a:ea typeface="+mn-ea"/>
                 <a:cs typeface="Calibri" panose="020F0502020204030204" pitchFamily="34" charset="0"/>
               </a:rPr>
-              <a:t>Your app has fallen back into a nearly terrible category. Rewards section rarely works, and can never fetch order statuses … Best buy’s app is leaps and bounds better</a:t>
+              <a:t>Your app has fallen back into a nearly terrible category. </a:t>
+            </a:r>
+            <a:r>
+              <a:rPr kumimoji="0" lang="en-US" sz="1800" b="0" i="0" u="none" strike="noStrike" kern="1200" cap="none" spc="0" normalizeH="0" baseline="0" noProof="0" dirty="0">
+                <a:ln>
+                  <a:noFill/>
+                </a:ln>
+                <a:solidFill>
+                  <a:srgbClr val="C00000"/>
+                </a:solidFill>
+                <a:effectLst/>
+                <a:uLnTx/>
+                <a:uFillTx/>
+                <a:latin typeface="Calibri" panose="020F0502020204030204" pitchFamily="34" charset="0"/>
+                <a:ea typeface="+mn-ea"/>
+                <a:cs typeface="Calibri" panose="020F0502020204030204" pitchFamily="34" charset="0"/>
+              </a:rPr>
+              <a:t>Rewards section rarely works, and can never fetch order statuses </a:t>
+            </a:r>
+            <a:r>
+              <a:rPr kumimoji="0" lang="en-US" sz="1800" b="0" i="0" u="none" strike="noStrike" kern="1200" cap="none" spc="0" normalizeH="0" baseline="0" noProof="0" dirty="0">
+                <a:ln>
+                  <a:noFill/>
+                </a:ln>
+                <a:solidFill>
+                  <a:prstClr val="black"/>
+                </a:solidFill>
+                <a:effectLst/>
+                <a:uLnTx/>
+                <a:uFillTx/>
+                <a:latin typeface="Calibri" panose="020F0502020204030204" pitchFamily="34" charset="0"/>
+                <a:ea typeface="+mn-ea"/>
+                <a:cs typeface="Calibri" panose="020F0502020204030204" pitchFamily="34" charset="0"/>
+              </a:rPr>
+              <a:t>… Best buy’s app is leaps and bounds better</a:t>
             </a:r>
           </a:p>
         </p:txBody>
@@ -8246,7 +9848,41 @@
                 <a:ea typeface="+mn-ea"/>
                 <a:cs typeface="Calibri" panose="020F0502020204030204" pitchFamily="34" charset="0"/>
               </a:rPr>
-              <a:t>We made some tweaks for this release that address the following issues: Redesigned account page so you can check your rewards more easily</a:t>
+              <a:t>We made some tweaks for this release that address the following issues: Redesigned account page so you can check your </a:t>
+            </a:r>
+            <a:r>
+              <a:rPr kumimoji="0" lang="en-US" sz="1800" b="0" i="0" u="none" strike="noStrike" kern="1200" cap="none" spc="0" normalizeH="0" baseline="0" noProof="0" dirty="0">
+                <a:ln>
+                  <a:noFill/>
+                </a:ln>
+                <a:solidFill>
+                  <a:srgbClr val="C00000"/>
+                </a:solidFill>
+                <a:effectLst/>
+                <a:uLnTx/>
+                <a:uFillTx/>
+                <a:latin typeface="Calibri" panose="020F0502020204030204" pitchFamily="34" charset="0"/>
+                <a:ea typeface="+mn-ea"/>
+                <a:cs typeface="Calibri" panose="020F0502020204030204" pitchFamily="34" charset="0"/>
+              </a:rPr>
+              <a:t>rewards</a:t>
+            </a:r>
+            <a:r>
+              <a:rPr kumimoji="0" lang="en-US" sz="1800" b="0" i="0" u="none" strike="noStrike" kern="1200" cap="none" spc="0" normalizeH="0" baseline="0" noProof="0" dirty="0">
+                <a:ln>
+                  <a:noFill/>
+                </a:ln>
+                <a:solidFill>
+                  <a:prstClr val="black"/>
+                </a:solidFill>
+                <a:effectLst/>
+                <a:uLnTx/>
+                <a:uFillTx/>
+                <a:latin typeface="Calibri" panose="020F0502020204030204" pitchFamily="34" charset="0"/>
+                <a:ea typeface="+mn-ea"/>
+                <a:cs typeface="Calibri" panose="020F0502020204030204" pitchFamily="34" charset="0"/>
+              </a:rPr>
+              <a:t> more easily</a:t>
             </a:r>
           </a:p>
         </p:txBody>
@@ -8265,7 +9901,7 @@
         </p:nvSpPr>
         <p:spPr>
           <a:xfrm>
-            <a:off x="1670405" y="5744314"/>
+            <a:off x="1809435" y="5779261"/>
             <a:ext cx="2013455" cy="369332"/>
           </a:xfrm>
           <a:prstGeom prst="rect">
@@ -8287,45 +9923,6 @@
           </a:p>
         </p:txBody>
       </p:sp>
-      <p:pic>
-        <p:nvPicPr>
-          <p:cNvPr id="20" name="Graphic 19" descr="User outline">
-            <a:extLst>
-              <a:ext uri="{FF2B5EF4-FFF2-40B4-BE49-F238E27FC236}">
-                <a16:creationId xmlns:a16="http://schemas.microsoft.com/office/drawing/2014/main" id="{CF05BB9B-271C-4A89-BD09-1C50ED9DBF3A}"/>
-              </a:ext>
-            </a:extLst>
-          </p:cNvPr>
-          <p:cNvPicPr>
-            <a:picLocks noChangeAspect="1"/>
-          </p:cNvPicPr>
-          <p:nvPr/>
-        </p:nvPicPr>
-        <p:blipFill>
-          <a:blip r:embed="rId4">
-            <a:extLst>
-              <a:ext uri="{28A0092B-C50C-407E-A947-70E740481C1C}">
-                <a14:useLocalDpi xmlns:a14="http://schemas.microsoft.com/office/drawing/2010/main" val="0"/>
-              </a:ext>
-              <a:ext uri="{96DAC541-7B7A-43D3-8B79-37D633B846F1}">
-                <asvg:svgBlip xmlns:asvg="http://schemas.microsoft.com/office/drawing/2016/SVG/main" r:embed="rId5"/>
-              </a:ext>
-            </a:extLst>
-          </a:blip>
-          <a:stretch>
-            <a:fillRect/>
-          </a:stretch>
-        </p:blipFill>
-        <p:spPr>
-          <a:xfrm>
-            <a:off x="1542586" y="4807791"/>
-            <a:ext cx="914400" cy="914400"/>
-          </a:xfrm>
-          <a:prstGeom prst="rect">
-            <a:avLst/>
-          </a:prstGeom>
-        </p:spPr>
-      </p:pic>
       <p:sp>
         <p:nvSpPr>
           <p:cNvPr id="22" name="TextBox 21">
@@ -8413,7 +10010,7 @@
         </p:blipFill>
         <p:spPr>
           <a:xfrm>
-            <a:off x="1612435" y="5717871"/>
+            <a:off x="1740254" y="5313276"/>
             <a:ext cx="774701" cy="465985"/>
           </a:xfrm>
           <a:prstGeom prst="rect">
@@ -8421,31 +10018,6 @@
           </a:prstGeom>
         </p:spPr>
       </p:pic>
-      <p:sp>
-        <p:nvSpPr>
-          <p:cNvPr id="26" name="Content Placeholder 25">
-            <a:extLst>
-              <a:ext uri="{FF2B5EF4-FFF2-40B4-BE49-F238E27FC236}">
-                <a16:creationId xmlns:a16="http://schemas.microsoft.com/office/drawing/2014/main" id="{97BF8E6D-A704-414D-BC36-10B1C38B0299}"/>
-              </a:ext>
-            </a:extLst>
-          </p:cNvPr>
-          <p:cNvSpPr>
-            <a:spLocks noGrp="1"/>
-          </p:cNvSpPr>
-          <p:nvPr>
-            <p:ph idx="1"/>
-          </p:nvPr>
-        </p:nvSpPr>
-        <p:spPr/>
-        <p:txBody>
-          <a:bodyPr/>
-          <a:lstStyle/>
-          <a:p>
-            <a:endParaRPr lang="en-US"/>
-          </a:p>
-        </p:txBody>
-      </p:sp>
     </p:spTree>
     <p:extLst>
       <p:ext uri="{BB962C8B-B14F-4D97-AF65-F5344CB8AC3E}">
@@ -8468,9 +10040,6 @@
                     <p:cTn id="3" fill="hold">
                       <p:stCondLst>
                         <p:cond delay="indefinite"/>
-                        <p:cond evt="onBegin" delay="0">
-                          <p:tn val="2"/>
-                        </p:cond>
                       </p:stCondLst>
                       <p:childTnLst>
                         <p:par>
@@ -8480,7 +10049,7 @@
                             </p:stCondLst>
                             <p:childTnLst>
                               <p:par>
-                                <p:cTn id="5" presetID="1" presetClass="entr" presetSubtype="0" fill="hold" grpId="0" nodeType="withEffect">
+                                <p:cTn id="5" presetID="1" presetClass="entr" presetSubtype="0" fill="hold" grpId="0" nodeType="clickEffect">
                                   <p:stCondLst>
                                     <p:cond delay="0"/>
                                   </p:stCondLst>
@@ -8493,7 +10062,7 @@
                                           </p:stCondLst>
                                         </p:cTn>
                                         <p:tgtEl>
-                                          <p:spTgt spid="8"/>
+                                          <p:spTgt spid="18"/>
                                         </p:tgtEl>
                                         <p:attrNameLst>
                                           <p:attrName>style.visibility</p:attrName>
@@ -8515,6 +10084,105 @@
                                     <p:set>
                                       <p:cBhvr>
                                         <p:cTn id="8" dur="1" fill="hold">
+                                          <p:stCondLst>
+                                            <p:cond delay="0"/>
+                                          </p:stCondLst>
+                                        </p:cTn>
+                                        <p:tgtEl>
+                                          <p:spTgt spid="16"/>
+                                        </p:tgtEl>
+                                        <p:attrNameLst>
+                                          <p:attrName>style.visibility</p:attrName>
+                                        </p:attrNameLst>
+                                      </p:cBhvr>
+                                      <p:to>
+                                        <p:strVal val="visible"/>
+                                      </p:to>
+                                    </p:set>
+                                  </p:childTnLst>
+                                </p:cTn>
+                              </p:par>
+                            </p:childTnLst>
+                          </p:cTn>
+                        </p:par>
+                      </p:childTnLst>
+                    </p:cTn>
+                  </p:par>
+                  <p:par>
+                    <p:cTn id="9" fill="hold">
+                      <p:stCondLst>
+                        <p:cond delay="indefinite"/>
+                      </p:stCondLst>
+                      <p:childTnLst>
+                        <p:par>
+                          <p:cTn id="10" fill="hold">
+                            <p:stCondLst>
+                              <p:cond delay="0"/>
+                            </p:stCondLst>
+                            <p:childTnLst>
+                              <p:par>
+                                <p:cTn id="11" presetID="1" presetClass="entr" presetSubtype="0" fill="hold" grpId="0" nodeType="clickEffect">
+                                  <p:stCondLst>
+                                    <p:cond delay="0"/>
+                                  </p:stCondLst>
+                                  <p:childTnLst>
+                                    <p:set>
+                                      <p:cBhvr>
+                                        <p:cTn id="12" dur="1" fill="hold">
+                                          <p:stCondLst>
+                                            <p:cond delay="0"/>
+                                          </p:stCondLst>
+                                        </p:cTn>
+                                        <p:tgtEl>
+                                          <p:spTgt spid="22"/>
+                                        </p:tgtEl>
+                                        <p:attrNameLst>
+                                          <p:attrName>style.visibility</p:attrName>
+                                        </p:attrNameLst>
+                                      </p:cBhvr>
+                                      <p:to>
+                                        <p:strVal val="visible"/>
+                                      </p:to>
+                                    </p:set>
+                                  </p:childTnLst>
+                                </p:cTn>
+                              </p:par>
+                              <p:par>
+                                <p:cTn id="13" presetID="1" presetClass="entr" presetSubtype="0" fill="hold" nodeType="withEffect">
+                                  <p:stCondLst>
+                                    <p:cond delay="0"/>
+                                  </p:stCondLst>
+                                  <p:childTnLst>
+                                    <p:set>
+                                      <p:cBhvr>
+                                        <p:cTn id="14" dur="1" fill="hold">
+                                          <p:stCondLst>
+                                            <p:cond delay="0"/>
+                                          </p:stCondLst>
+                                        </p:cTn>
+                                        <p:tgtEl>
+                                          <p:spTgt spid="24"/>
+                                        </p:tgtEl>
+                                        <p:attrNameLst>
+                                          <p:attrName>style.visibility</p:attrName>
+                                        </p:attrNameLst>
+                                      </p:cBhvr>
+                                      <p:to>
+                                        <p:strVal val="visible"/>
+                                      </p:to>
+                                    </p:set>
+                                  </p:childTnLst>
+                                </p:cTn>
+                              </p:par>
+                              <p:par>
+                                <p:cTn id="15" presetID="1" presetClass="entr" presetSubtype="0" fill="hold" grpId="0" nodeType="withEffect">
+                                  <p:stCondLst>
+                                    <p:cond delay="0"/>
+                                  </p:stCondLst>
+                                  <p:childTnLst>
+                                    <p:set>
+                                      <p:cBhvr>
+                                        <p:cTn id="16" dur="1" fill="hold">
                                           <p:stCondLst>
                                             <p:cond delay="0"/>
                                           </p:stCondLst>
@@ -8561,8 +10229,10 @@
       </p:par>
     </p:tnLst>
     <p:bldLst>
-      <p:bldP spid="8" grpId="0"/>
+      <p:bldP spid="16" grpId="0" animBg="1"/>
+      <p:bldP spid="18" grpId="0"/>
       <p:bldP spid="19" grpId="0"/>
+      <p:bldP spid="22" grpId="0"/>
     </p:bldLst>
   </p:timing>
 </p:sld>
@@ -8639,6 +10309,53 @@
           <a:bodyPr/>
           <a:lstStyle/>
           <a:p>
+            <a:pPr marL="0" indent="0">
+              <a:buNone/>
+            </a:pPr>
+            <a:r>
+              <a:rPr lang="en-US" sz="3200" dirty="0"/>
+              <a:t>We survey 102 developers from various sites:</a:t>
+            </a:r>
+          </a:p>
+          <a:p>
+            <a:pPr lvl="1"/>
+            <a:r>
+              <a:rPr lang="en-US" sz="3200" dirty="0"/>
+              <a:t>reddit.com/r/</a:t>
+            </a:r>
+            <a:r>
+              <a:rPr lang="en-US" sz="3200" dirty="0" err="1"/>
+              <a:t>androiddev</a:t>
+            </a:r>
+            <a:endParaRPr lang="en-US" sz="3200" dirty="0"/>
+          </a:p>
+          <a:p>
+            <a:pPr lvl="1"/>
+            <a:r>
+              <a:rPr lang="en-US" sz="3200" dirty="0"/>
+              <a:t>reddit.com/r/</a:t>
+            </a:r>
+            <a:r>
+              <a:rPr lang="en-US" sz="3200" dirty="0" err="1"/>
+              <a:t>appdev</a:t>
+            </a:r>
+            <a:endParaRPr lang="en-US" sz="3200" dirty="0"/>
+          </a:p>
+          <a:p>
+            <a:pPr lvl="1"/>
+            <a:r>
+              <a:rPr lang="en-US" sz="3200" dirty="0"/>
+              <a:t>https://f-droid.org/en/</a:t>
+            </a:r>
+          </a:p>
+          <a:p>
+            <a:pPr lvl="1"/>
+            <a:endParaRPr lang="en-US" sz="3200" dirty="0"/>
+          </a:p>
+          <a:p>
+            <a:pPr marL="0" indent="0">
+              <a:buNone/>
+            </a:pPr>
             <a:endParaRPr lang="en-US" dirty="0"/>
           </a:p>
         </p:txBody>
@@ -8765,7 +10482,7 @@
                   <a:srgbClr val="C00000"/>
                 </a:solidFill>
               </a:rPr>
-              <a:t>We 102 Developers </a:t>
+              <a:t>Background of Surveyed Developers </a:t>
             </a:r>
             <a:endParaRPr lang="en-US" sz="4000" dirty="0"/>
           </a:p>
@@ -9224,7 +10941,7 @@
         </p:nvSpPr>
         <p:spPr>
           <a:xfrm>
-            <a:off x="1446937" y="1660351"/>
+            <a:off x="1863718" y="1656192"/>
             <a:ext cx="4302642" cy="1530876"/>
           </a:xfrm>
           <a:prstGeom prst="rect">
@@ -9405,211 +11122,17 @@
             </a:pPr>
             <a:r>
               <a:rPr lang="en-US" sz="2400" b="0" i="0" u="none" strike="noStrike" baseline="0" dirty="0"/>
-              <a:t>67% of the surveyed developers frequently update their release notes</a:t>
+              <a:t>67% </a:t>
+            </a:r>
+            <a:r>
+              <a:rPr lang="en-US" sz="2400" dirty="0"/>
+              <a:t>of the survey </a:t>
+            </a:r>
+            <a:r>
+              <a:rPr lang="en-US" sz="2400" b="0" i="0" u="none" strike="noStrike" baseline="0" dirty="0"/>
+              <a:t>developers frequently update their release notes</a:t>
             </a:r>
             <a:endParaRPr lang="en-US" sz="2400" dirty="0"/>
-          </a:p>
-        </p:txBody>
-      </p:sp>
-      <p:sp>
-        <p:nvSpPr>
-          <p:cNvPr id="12" name="Content Placeholder 2">
-            <a:extLst>
-              <a:ext uri="{FF2B5EF4-FFF2-40B4-BE49-F238E27FC236}">
-                <a16:creationId xmlns:a16="http://schemas.microsoft.com/office/drawing/2014/main" id="{1722E543-4D01-4B67-BBDC-4D1FA4A0E38A}"/>
-              </a:ext>
-            </a:extLst>
-          </p:cNvPr>
-          <p:cNvSpPr txBox="1">
-            <a:spLocks/>
-          </p:cNvSpPr>
-          <p:nvPr/>
-        </p:nvSpPr>
-        <p:spPr>
-          <a:xfrm>
-            <a:off x="1446937" y="3772587"/>
-            <a:ext cx="2728952" cy="1530876"/>
-          </a:xfrm>
-          <a:prstGeom prst="rect">
-            <a:avLst/>
-          </a:prstGeom>
-        </p:spPr>
-        <p:txBody>
-          <a:bodyPr vert="horz" lIns="91440" tIns="45720" rIns="91440" bIns="45720" rtlCol="0" anchor="t">
-            <a:normAutofit/>
-          </a:bodyPr>
-          <a:lstStyle>
-            <a:lvl1pPr marL="228600" indent="-228600" algn="l" defTabSz="914400" rtl="0" eaLnBrk="1" latinLnBrk="0" hangingPunct="1">
-              <a:lnSpc>
-                <a:spcPct val="90000"/>
-              </a:lnSpc>
-              <a:spcBef>
-                <a:spcPts val="1000"/>
-              </a:spcBef>
-              <a:buFont typeface="Arial" panose="020B0604020202020204" pitchFamily="34" charset="0"/>
-              <a:buChar char="•"/>
-              <a:defRPr sz="2800" kern="1200">
-                <a:solidFill>
-                  <a:schemeClr val="tx1"/>
-                </a:solidFill>
-                <a:latin typeface="Calibri" panose="020F0502020204030204" pitchFamily="34" charset="0"/>
-                <a:ea typeface="+mn-ea"/>
-                <a:cs typeface="Calibri" panose="020F0502020204030204" pitchFamily="34" charset="0"/>
-              </a:defRPr>
-            </a:lvl1pPr>
-            <a:lvl2pPr marL="685800" indent="-228600" algn="l" defTabSz="914400" rtl="0" eaLnBrk="1" latinLnBrk="0" hangingPunct="1">
-              <a:lnSpc>
-                <a:spcPct val="90000"/>
-              </a:lnSpc>
-              <a:spcBef>
-                <a:spcPts val="500"/>
-              </a:spcBef>
-              <a:buFont typeface="Arial" panose="020B0604020202020204" pitchFamily="34" charset="0"/>
-              <a:buChar char="•"/>
-              <a:defRPr sz="2400" kern="1200">
-                <a:solidFill>
-                  <a:schemeClr val="tx1"/>
-                </a:solidFill>
-                <a:latin typeface="Calibri" panose="020F0502020204030204" pitchFamily="34" charset="0"/>
-                <a:ea typeface="+mn-ea"/>
-                <a:cs typeface="Calibri" panose="020F0502020204030204" pitchFamily="34" charset="0"/>
-              </a:defRPr>
-            </a:lvl2pPr>
-            <a:lvl3pPr marL="1143000" indent="-228600" algn="l" defTabSz="914400" rtl="0" eaLnBrk="1" latinLnBrk="0" hangingPunct="1">
-              <a:lnSpc>
-                <a:spcPct val="90000"/>
-              </a:lnSpc>
-              <a:spcBef>
-                <a:spcPts val="500"/>
-              </a:spcBef>
-              <a:buFont typeface="Arial" panose="020B0604020202020204" pitchFamily="34" charset="0"/>
-              <a:buChar char="•"/>
-              <a:defRPr sz="2000" kern="1200">
-                <a:solidFill>
-                  <a:schemeClr val="tx1"/>
-                </a:solidFill>
-                <a:latin typeface="Calibri" panose="020F0502020204030204" pitchFamily="34" charset="0"/>
-                <a:ea typeface="+mn-ea"/>
-                <a:cs typeface="Calibri" panose="020F0502020204030204" pitchFamily="34" charset="0"/>
-              </a:defRPr>
-            </a:lvl3pPr>
-            <a:lvl4pPr marL="1600200" indent="-228600" algn="l" defTabSz="914400" rtl="0" eaLnBrk="1" latinLnBrk="0" hangingPunct="1">
-              <a:lnSpc>
-                <a:spcPct val="90000"/>
-              </a:lnSpc>
-              <a:spcBef>
-                <a:spcPts val="500"/>
-              </a:spcBef>
-              <a:buFont typeface="Arial" panose="020B0604020202020204" pitchFamily="34" charset="0"/>
-              <a:buChar char="•"/>
-              <a:defRPr sz="1800" kern="1200">
-                <a:solidFill>
-                  <a:schemeClr val="tx1"/>
-                </a:solidFill>
-                <a:latin typeface="Calibri" panose="020F0502020204030204" pitchFamily="34" charset="0"/>
-                <a:ea typeface="+mn-ea"/>
-                <a:cs typeface="Calibri" panose="020F0502020204030204" pitchFamily="34" charset="0"/>
-              </a:defRPr>
-            </a:lvl4pPr>
-            <a:lvl5pPr marL="2057400" indent="-228600" algn="l" defTabSz="914400" rtl="0" eaLnBrk="1" latinLnBrk="0" hangingPunct="1">
-              <a:lnSpc>
-                <a:spcPct val="90000"/>
-              </a:lnSpc>
-              <a:spcBef>
-                <a:spcPts val="500"/>
-              </a:spcBef>
-              <a:buFont typeface="Arial" panose="020B0604020202020204" pitchFamily="34" charset="0"/>
-              <a:buChar char="•"/>
-              <a:defRPr sz="1800" kern="1200">
-                <a:solidFill>
-                  <a:schemeClr val="tx1"/>
-                </a:solidFill>
-                <a:latin typeface="Calibri" panose="020F0502020204030204" pitchFamily="34" charset="0"/>
-                <a:ea typeface="+mn-ea"/>
-                <a:cs typeface="Calibri" panose="020F0502020204030204" pitchFamily="34" charset="0"/>
-              </a:defRPr>
-            </a:lvl5pPr>
-            <a:lvl6pPr marL="2514600" indent="-228600" algn="l" defTabSz="914400" rtl="0" eaLnBrk="1" latinLnBrk="0" hangingPunct="1">
-              <a:lnSpc>
-                <a:spcPct val="90000"/>
-              </a:lnSpc>
-              <a:spcBef>
-                <a:spcPts val="500"/>
-              </a:spcBef>
-              <a:buFont typeface="Arial" panose="020B0604020202020204" pitchFamily="34" charset="0"/>
-              <a:buChar char="•"/>
-              <a:defRPr sz="1800" kern="1200">
-                <a:solidFill>
-                  <a:schemeClr val="tx1"/>
-                </a:solidFill>
-                <a:latin typeface="+mn-lt"/>
-                <a:ea typeface="+mn-ea"/>
-                <a:cs typeface="+mn-cs"/>
-              </a:defRPr>
-            </a:lvl6pPr>
-            <a:lvl7pPr marL="2971800" indent="-228600" algn="l" defTabSz="914400" rtl="0" eaLnBrk="1" latinLnBrk="0" hangingPunct="1">
-              <a:lnSpc>
-                <a:spcPct val="90000"/>
-              </a:lnSpc>
-              <a:spcBef>
-                <a:spcPts val="500"/>
-              </a:spcBef>
-              <a:buFont typeface="Arial" panose="020B0604020202020204" pitchFamily="34" charset="0"/>
-              <a:buChar char="•"/>
-              <a:defRPr sz="1800" kern="1200">
-                <a:solidFill>
-                  <a:schemeClr val="tx1"/>
-                </a:solidFill>
-                <a:latin typeface="+mn-lt"/>
-                <a:ea typeface="+mn-ea"/>
-                <a:cs typeface="+mn-cs"/>
-              </a:defRPr>
-            </a:lvl7pPr>
-            <a:lvl8pPr marL="3429000" indent="-228600" algn="l" defTabSz="914400" rtl="0" eaLnBrk="1" latinLnBrk="0" hangingPunct="1">
-              <a:lnSpc>
-                <a:spcPct val="90000"/>
-              </a:lnSpc>
-              <a:spcBef>
-                <a:spcPts val="500"/>
-              </a:spcBef>
-              <a:buFont typeface="Arial" panose="020B0604020202020204" pitchFamily="34" charset="0"/>
-              <a:buChar char="•"/>
-              <a:defRPr sz="1800" kern="1200">
-                <a:solidFill>
-                  <a:schemeClr val="tx1"/>
-                </a:solidFill>
-                <a:latin typeface="+mn-lt"/>
-                <a:ea typeface="+mn-ea"/>
-                <a:cs typeface="+mn-cs"/>
-              </a:defRPr>
-            </a:lvl8pPr>
-            <a:lvl9pPr marL="3886200" indent="-228600" algn="l" defTabSz="914400" rtl="0" eaLnBrk="1" latinLnBrk="0" hangingPunct="1">
-              <a:lnSpc>
-                <a:spcPct val="90000"/>
-              </a:lnSpc>
-              <a:spcBef>
-                <a:spcPts val="500"/>
-              </a:spcBef>
-              <a:buFont typeface="Arial" panose="020B0604020202020204" pitchFamily="34" charset="0"/>
-              <a:buChar char="•"/>
-              <a:defRPr sz="1800" kern="1200">
-                <a:solidFill>
-                  <a:schemeClr val="tx1"/>
-                </a:solidFill>
-                <a:latin typeface="+mn-lt"/>
-                <a:ea typeface="+mn-ea"/>
-                <a:cs typeface="+mn-cs"/>
-              </a:defRPr>
-            </a:lvl9pPr>
-          </a:lstStyle>
-          <a:p>
-            <a:pPr marL="0" indent="0">
-              <a:buNone/>
-            </a:pPr>
-            <a:r>
-              <a:rPr lang="en-US" sz="2400" dirty="0"/>
-              <a:t>Are release notes useful?</a:t>
-            </a:r>
           </a:p>
         </p:txBody>
       </p:sp>
@@ -9635,8 +11158,8 @@
         </p:blipFill>
         <p:spPr>
           <a:xfrm>
-            <a:off x="4783627" y="2701315"/>
-            <a:ext cx="6456764" cy="3030223"/>
+            <a:off x="2572270" y="3073850"/>
+            <a:ext cx="6183110" cy="3030223"/>
           </a:xfrm>
           <a:prstGeom prst="rect">
             <a:avLst/>
@@ -9665,6 +11188,9 @@
                     <p:cTn id="3" fill="hold">
                       <p:stCondLst>
                         <p:cond delay="indefinite"/>
+                        <p:cond evt="onBegin" delay="0">
+                          <p:tn val="2"/>
+                        </p:cond>
                       </p:stCondLst>
                       <p:childTnLst>
                         <p:par>
@@ -9674,7 +11200,7 @@
                             </p:stCondLst>
                             <p:childTnLst>
                               <p:par>
-                                <p:cTn id="5" presetID="1" presetClass="entr" presetSubtype="0" fill="hold" grpId="0" nodeType="clickEffect">
+                                <p:cTn id="5" presetID="1" presetClass="entr" presetSubtype="0" fill="hold" nodeType="withEffect">
                                   <p:stCondLst>
                                     <p:cond delay="0"/>
                                   </p:stCondLst>
@@ -9682,33 +11208,6 @@
                                     <p:set>
                                       <p:cBhvr>
                                         <p:cTn id="6" dur="1" fill="hold">
-                                          <p:stCondLst>
-                                            <p:cond delay="0"/>
-                                          </p:stCondLst>
-                                        </p:cTn>
-                                        <p:tgtEl>
-                                          <p:spTgt spid="12"/>
-                                        </p:tgtEl>
-                                        <p:attrNameLst>
-                                          <p:attrName>style.visibility</p:attrName>
-                                        </p:attrNameLst>
-                                      </p:cBhvr>
-                                      <p:to>
-                                        <p:strVal val="visible"/>
-                                      </p:to>
-                                    </p:set>
-                                  </p:childTnLst>
-                                </p:cTn>
-                              </p:par>
-                              <p:par>
-                                <p:cTn id="7" presetID="1" presetClass="entr" presetSubtype="0" fill="hold" nodeType="withEffect">
-                                  <p:stCondLst>
-                                    <p:cond delay="0"/>
-                                  </p:stCondLst>
-                                  <p:childTnLst>
-                                    <p:set>
-                                      <p:cBhvr>
-                                        <p:cTn id="8" dur="1" fill="hold">
                                           <p:stCondLst>
                                             <p:cond delay="0"/>
                                           </p:stCondLst>
@@ -9754,9 +11253,6 @@
         </p:cTn>
       </p:par>
     </p:tnLst>
-    <p:bldLst>
-      <p:bldP spid="12" grpId="0"/>
-    </p:bldLst>
   </p:timing>
 </p:sld>
 </file>
@@ -9783,7 +11279,7 @@
           <p:cNvPr id="2" name="Title 1">
             <a:extLst>
               <a:ext uri="{FF2B5EF4-FFF2-40B4-BE49-F238E27FC236}">
-                <a16:creationId xmlns:a16="http://schemas.microsoft.com/office/drawing/2014/main" id="{3DE01AC0-7FE7-4B52-B2BA-EB1E32A0F66C}"/>
+                <a16:creationId xmlns:a16="http://schemas.microsoft.com/office/drawing/2014/main" id="{FACFA481-7889-4B9F-B998-1A5F55F766A6}"/>
               </a:ext>
             </a:extLst>
           </p:cNvPr>
@@ -9794,97 +11290,59 @@
             <p:ph type="title"/>
           </p:nvPr>
         </p:nvSpPr>
-        <p:spPr>
-          <a:xfrm>
-            <a:off x="496185" y="1601972"/>
-            <a:ext cx="10262763" cy="4061638"/>
-          </a:xfrm>
-        </p:spPr>
-        <p:txBody>
-          <a:bodyPr>
-            <a:noAutofit/>
-          </a:bodyPr>
-          <a:lstStyle/>
-          <a:p>
-            <a:r>
-              <a:rPr lang="en-US" sz="2400" dirty="0"/>
-              <a:t>We collected data of the studied </a:t>
-            </a:r>
-            <a:r>
-              <a:rPr lang="en-US" sz="2400" dirty="0">
+        <p:spPr/>
+        <p:txBody>
+          <a:bodyPr/>
+          <a:lstStyle/>
+          <a:p>
+            <a:r>
+              <a:rPr lang="en-US" sz="4400" b="1" dirty="0">
                 <a:solidFill>
                   <a:srgbClr val="C00000"/>
                 </a:solidFill>
               </a:rPr>
-              <a:t>2,232</a:t>
-            </a:r>
-            <a:r>
-              <a:rPr lang="en-US" sz="2400" dirty="0"/>
-              <a:t> apps over the period of three years </a:t>
-            </a:r>
-            <a:br>
-              <a:rPr lang="en-US" sz="2400" dirty="0"/>
-            </a:br>
-            <a:r>
-              <a:rPr lang="en-US" sz="2400" dirty="0"/>
-              <a:t>(</a:t>
-            </a:r>
-            <a:r>
-              <a:rPr lang="en-US" sz="2400" dirty="0">
-                <a:effectLst/>
-              </a:rPr>
-              <a:t>April 2016 - April 2019)</a:t>
-            </a:r>
-            <a:br>
-              <a:rPr lang="en-US" sz="2400" dirty="0"/>
-            </a:br>
-            <a:br>
-              <a:rPr lang="en-US" sz="2400" dirty="0"/>
-            </a:br>
-            <a:br>
-              <a:rPr lang="en-US" sz="2400" dirty="0"/>
-            </a:br>
-            <a:r>
-              <a:rPr lang="en-US" sz="2400" dirty="0">
-                <a:solidFill>
-                  <a:srgbClr val="C00000"/>
-                </a:solidFill>
-              </a:rPr>
-              <a:t>70 thousand</a:t>
-            </a:r>
-            <a:r>
-              <a:rPr lang="en-US" sz="2400" dirty="0"/>
-              <a:t> releases</a:t>
-            </a:r>
-            <a:br>
-              <a:rPr lang="en-US" sz="2400" dirty="0"/>
-            </a:br>
-            <a:r>
-              <a:rPr lang="en-US" sz="2400" dirty="0">
-                <a:solidFill>
-                  <a:srgbClr val="C00000"/>
-                </a:solidFill>
-              </a:rPr>
-              <a:t>67 million</a:t>
-            </a:r>
-            <a:r>
-              <a:rPr lang="en-US" sz="2400" dirty="0"/>
-              <a:t> user reviews</a:t>
-            </a:r>
-            <a:br>
-              <a:rPr lang="en-US" sz="2400" dirty="0"/>
-            </a:br>
-            <a:r>
-              <a:rPr lang="en-US" sz="2400" dirty="0">
-                <a:solidFill>
-                  <a:srgbClr val="C00000"/>
-                </a:solidFill>
-              </a:rPr>
-              <a:t>2.9 million</a:t>
-            </a:r>
-            <a:r>
-              <a:rPr lang="en-US" sz="2400" dirty="0"/>
-              <a:t> developer responses to users.</a:t>
+              <a:t>Quantitative Study</a:t>
+            </a:r>
+            <a:endParaRPr lang="en-US" dirty="0"/>
+          </a:p>
+        </p:txBody>
+      </p:sp>
+      <p:sp>
+        <p:nvSpPr>
+          <p:cNvPr id="3" name="Content Placeholder 2">
+            <a:extLst>
+              <a:ext uri="{FF2B5EF4-FFF2-40B4-BE49-F238E27FC236}">
+                <a16:creationId xmlns:a16="http://schemas.microsoft.com/office/drawing/2014/main" id="{864FC78F-722A-4974-BC34-22937245F60C}"/>
+              </a:ext>
+            </a:extLst>
+          </p:cNvPr>
+          <p:cNvSpPr>
+            <a:spLocks noGrp="1"/>
+          </p:cNvSpPr>
+          <p:nvPr>
+            <p:ph idx="1"/>
+          </p:nvPr>
+        </p:nvSpPr>
+        <p:spPr/>
+        <p:txBody>
+          <a:bodyPr/>
+          <a:lstStyle/>
+          <a:p>
+            <a:r>
+              <a:rPr lang="en-US" dirty="0"/>
+              <a:t>We want to see if the release notes from popular apps on the Google Play Store reinforce our survey results</a:t>
+            </a:r>
+          </a:p>
+          <a:p>
+            <a:pPr marL="0" indent="0">
+              <a:buNone/>
+            </a:pPr>
+            <a:endParaRPr lang="en-US" dirty="0"/>
+          </a:p>
+          <a:p>
+            <a:r>
+              <a:rPr lang="en-US" dirty="0"/>
+              <a:t>If we can find patterns from these release notes, can we use these patterns to learn more about their app behaviors?</a:t>
             </a:r>
           </a:p>
         </p:txBody>
@@ -9894,7 +11352,7 @@
           <p:cNvPr id="4" name="Slide Number Placeholder 3">
             <a:extLst>
               <a:ext uri="{FF2B5EF4-FFF2-40B4-BE49-F238E27FC236}">
-                <a16:creationId xmlns:a16="http://schemas.microsoft.com/office/drawing/2014/main" id="{EF48229F-5560-4530-BDF1-DF895A1A36C4}"/>
+                <a16:creationId xmlns:a16="http://schemas.microsoft.com/office/drawing/2014/main" id="{44151227-BE61-4FCA-8AFC-9015E4F71912}"/>
               </a:ext>
             </a:extLst>
           </p:cNvPr>
@@ -9918,69 +11376,10 @@
           </a:p>
         </p:txBody>
       </p:sp>
-      <p:sp>
-        <p:nvSpPr>
-          <p:cNvPr id="7" name="Title 7">
-            <a:extLst>
-              <a:ext uri="{FF2B5EF4-FFF2-40B4-BE49-F238E27FC236}">
-                <a16:creationId xmlns:a16="http://schemas.microsoft.com/office/drawing/2014/main" id="{3D766EB7-90D9-4BAB-B878-E0434F16C315}"/>
-              </a:ext>
-            </a:extLst>
-          </p:cNvPr>
-          <p:cNvSpPr txBox="1">
-            <a:spLocks/>
-          </p:cNvSpPr>
-          <p:nvPr/>
-        </p:nvSpPr>
-        <p:spPr>
-          <a:xfrm>
-            <a:off x="496185" y="396968"/>
-            <a:ext cx="10515600" cy="1325563"/>
-          </a:xfrm>
-          <a:prstGeom prst="rect">
-            <a:avLst/>
-          </a:prstGeom>
-        </p:spPr>
-        <p:txBody>
-          <a:bodyPr vert="horz" lIns="91440" tIns="45720" rIns="91440" bIns="45720" rtlCol="0" anchor="ctr">
-            <a:normAutofit/>
-          </a:bodyPr>
-          <a:lstStyle>
-            <a:lvl1pPr algn="l" defTabSz="914400" rtl="0" eaLnBrk="1" latinLnBrk="0" hangingPunct="1">
-              <a:lnSpc>
-                <a:spcPct val="90000"/>
-              </a:lnSpc>
-              <a:spcBef>
-                <a:spcPct val="0"/>
-              </a:spcBef>
-              <a:buNone/>
-              <a:defRPr sz="4400" kern="1200">
-                <a:solidFill>
-                  <a:schemeClr val="tx1"/>
-                </a:solidFill>
-                <a:latin typeface="Calibri" panose="020F0502020204030204" pitchFamily="34" charset="0"/>
-                <a:ea typeface="+mj-ea"/>
-                <a:cs typeface="Calibri" panose="020F0502020204030204" pitchFamily="34" charset="0"/>
-              </a:defRPr>
-            </a:lvl1pPr>
-          </a:lstStyle>
-          <a:p>
-            <a:r>
-              <a:rPr lang="en-US" sz="4000" b="1" dirty="0">
-                <a:solidFill>
-                  <a:srgbClr val="C00000"/>
-                </a:solidFill>
-              </a:rPr>
-              <a:t>Data Collection</a:t>
-            </a:r>
-            <a:endParaRPr lang="en-US" sz="4000" dirty="0"/>
-          </a:p>
-        </p:txBody>
-      </p:sp>
     </p:spTree>
     <p:extLst>
       <p:ext uri="{BB962C8B-B14F-4D97-AF65-F5344CB8AC3E}">
-        <p14:creationId xmlns:p14="http://schemas.microsoft.com/office/powerpoint/2010/main" val="3870455544"/>
+        <p14:creationId xmlns:p14="http://schemas.microsoft.com/office/powerpoint/2010/main" val="665109629"/>
       </p:ext>
     </p:extLst>
   </p:cSld>
@@ -10012,7 +11411,7 @@
           <p:cNvPr id="2" name="Title 1">
             <a:extLst>
               <a:ext uri="{FF2B5EF4-FFF2-40B4-BE49-F238E27FC236}">
-                <a16:creationId xmlns:a16="http://schemas.microsoft.com/office/drawing/2014/main" id="{2F0F47D3-2B78-459C-B736-C97C3E722672}"/>
+                <a16:creationId xmlns:a16="http://schemas.microsoft.com/office/drawing/2014/main" id="{3DE01AC0-7FE7-4B52-B2BA-EB1E32A0F66C}"/>
               </a:ext>
             </a:extLst>
           </p:cNvPr>
@@ -10023,148 +11422,54 @@
             <p:ph type="title"/>
           </p:nvPr>
         </p:nvSpPr>
-        <p:spPr/>
-        <p:txBody>
-          <a:bodyPr/>
-          <a:lstStyle/>
-          <a:p>
-            <a:r>
-              <a:rPr lang="en-US" sz="4400" b="1" dirty="0">
+        <p:spPr>
+          <a:xfrm>
+            <a:off x="496185" y="1601972"/>
+            <a:ext cx="10262763" cy="2916688"/>
+          </a:xfrm>
+        </p:spPr>
+        <p:txBody>
+          <a:bodyPr>
+            <a:noAutofit/>
+          </a:bodyPr>
+          <a:lstStyle/>
+          <a:p>
+            <a:r>
+              <a:rPr lang="en-US" sz="2800" dirty="0"/>
+              <a:t>We collected data of the studied </a:t>
+            </a:r>
+            <a:r>
+              <a:rPr lang="en-US" sz="2800" dirty="0">
                 <a:solidFill>
                   <a:srgbClr val="C00000"/>
                 </a:solidFill>
               </a:rPr>
-              <a:t>Research Questions</a:t>
-            </a:r>
-            <a:endParaRPr lang="en-US" sz="4400" dirty="0"/>
-          </a:p>
-        </p:txBody>
-      </p:sp>
-      <p:sp>
-        <p:nvSpPr>
-          <p:cNvPr id="3" name="Content Placeholder 2">
-            <a:extLst>
-              <a:ext uri="{FF2B5EF4-FFF2-40B4-BE49-F238E27FC236}">
-                <a16:creationId xmlns:a16="http://schemas.microsoft.com/office/drawing/2014/main" id="{F4E2DDD4-D4AC-4902-9B38-CF4361F7BF6E}"/>
-              </a:ext>
-            </a:extLst>
-          </p:cNvPr>
-          <p:cNvSpPr>
-            <a:spLocks noGrp="1"/>
-          </p:cNvSpPr>
-          <p:nvPr>
-            <p:ph idx="1"/>
-          </p:nvPr>
-        </p:nvSpPr>
-        <p:spPr>
-          <a:xfrm>
-            <a:off x="838200" y="1825625"/>
-            <a:ext cx="11023242" cy="4351338"/>
-          </a:xfrm>
-        </p:spPr>
-        <p:txBody>
-          <a:bodyPr>
-            <a:noAutofit/>
-          </a:bodyPr>
-          <a:lstStyle/>
-          <a:p>
-            <a:r>
-              <a:rPr lang="en-US" sz="3600" dirty="0">
+              <a:t>2,232</a:t>
+            </a:r>
+            <a:r>
+              <a:rPr lang="en-US" sz="2800" dirty="0"/>
+              <a:t> apps over the period of three years </a:t>
+            </a:r>
+            <a:br>
+              <a:rPr lang="en-US" sz="2800" dirty="0"/>
+            </a:br>
+            <a:r>
+              <a:rPr lang="en-US" sz="2800" dirty="0"/>
+              <a:t>(</a:t>
+            </a:r>
+            <a:r>
+              <a:rPr lang="en-US" sz="2800" dirty="0">
                 <a:effectLst/>
-                <a:latin typeface="Arial" panose="020B0604020202020204" pitchFamily="34" charset="0"/>
               </a:rPr>
-              <a:t>RQ1: What are the release notes </a:t>
-            </a:r>
-            <a:r>
-              <a:rPr lang="en-US" sz="3600" dirty="0">
-                <a:solidFill>
-                  <a:srgbClr val="C00000"/>
-                </a:solidFill>
-                <a:effectLst/>
-                <a:latin typeface="Arial" panose="020B0604020202020204" pitchFamily="34" charset="0"/>
-              </a:rPr>
-              <a:t>update patterns</a:t>
-            </a:r>
-            <a:r>
-              <a:rPr lang="en-US" sz="3600" dirty="0">
-                <a:effectLst/>
-                <a:latin typeface="Arial" panose="020B0604020202020204" pitchFamily="34" charset="0"/>
-              </a:rPr>
-              <a:t>?</a:t>
-            </a:r>
-          </a:p>
-          <a:p>
-            <a:pPr marL="0" indent="0">
-              <a:buNone/>
-            </a:pPr>
-            <a:endParaRPr lang="en-US" sz="3600" dirty="0">
-              <a:effectLst/>
-              <a:latin typeface="Arial" panose="020B0604020202020204" pitchFamily="34" charset="0"/>
-            </a:endParaRPr>
-          </a:p>
-          <a:p>
-            <a:r>
-              <a:rPr lang="en-US" sz="3600" dirty="0">
-                <a:effectLst/>
-                <a:latin typeface="Arial" panose="020B0604020202020204" pitchFamily="34" charset="0"/>
-              </a:rPr>
-              <a:t>RQ2: What are the </a:t>
-            </a:r>
-            <a:r>
-              <a:rPr lang="en-US" sz="3600" dirty="0">
-                <a:solidFill>
-                  <a:srgbClr val="C00000"/>
-                </a:solidFill>
-                <a:effectLst/>
-                <a:latin typeface="Arial" panose="020B0604020202020204" pitchFamily="34" charset="0"/>
-              </a:rPr>
-              <a:t>characteristics</a:t>
-            </a:r>
-            <a:r>
-              <a:rPr lang="en-US" sz="3600" dirty="0">
-                <a:effectLst/>
-                <a:latin typeface="Arial" panose="020B0604020202020204" pitchFamily="34" charset="0"/>
-              </a:rPr>
-              <a:t> of the apps that follow a certain release notes pattern?</a:t>
-            </a:r>
-            <a:endParaRPr lang="en-US" sz="3600" dirty="0">
-              <a:latin typeface="Arial" panose="020B0604020202020204" pitchFamily="34" charset="0"/>
-            </a:endParaRPr>
-          </a:p>
-          <a:p>
-            <a:pPr marL="0" indent="0">
-              <a:buNone/>
-            </a:pPr>
-            <a:endParaRPr lang="en-US" sz="3600" dirty="0">
-              <a:latin typeface="Arial" panose="020B0604020202020204" pitchFamily="34" charset="0"/>
-            </a:endParaRPr>
-          </a:p>
-          <a:p>
-            <a:r>
-              <a:rPr lang="en-US" sz="3600" dirty="0">
-                <a:effectLst/>
-                <a:latin typeface="Arial" panose="020B0604020202020204" pitchFamily="34" charset="0"/>
-              </a:rPr>
-              <a:t>RQ3: What causes developers to </a:t>
-            </a:r>
-            <a:r>
-              <a:rPr lang="en-US" sz="3600" dirty="0">
-                <a:solidFill>
-                  <a:srgbClr val="C00000"/>
-                </a:solidFill>
-                <a:effectLst/>
-                <a:latin typeface="Arial" panose="020B0604020202020204" pitchFamily="34" charset="0"/>
-              </a:rPr>
-              <a:t>shift </a:t>
-            </a:r>
-            <a:r>
-              <a:rPr lang="en-US" sz="3600" dirty="0">
-                <a:effectLst/>
-                <a:latin typeface="Arial" panose="020B0604020202020204" pitchFamily="34" charset="0"/>
-              </a:rPr>
-              <a:t>their release notes pattern?</a:t>
-            </a:r>
-            <a:endParaRPr lang="en-US" sz="3600" dirty="0"/>
+              <a:t>April 2016 - April 2019)</a:t>
+            </a:r>
+            <a:br>
+              <a:rPr lang="en-US" sz="2800" dirty="0"/>
+            </a:br>
+            <a:br>
+              <a:rPr lang="en-US" sz="2800" dirty="0"/>
+            </a:br>
+            <a:endParaRPr lang="en-US" sz="2800" dirty="0"/>
           </a:p>
         </p:txBody>
       </p:sp>
@@ -10173,7 +11478,7 @@
           <p:cNvPr id="4" name="Slide Number Placeholder 3">
             <a:extLst>
               <a:ext uri="{FF2B5EF4-FFF2-40B4-BE49-F238E27FC236}">
-                <a16:creationId xmlns:a16="http://schemas.microsoft.com/office/drawing/2014/main" id="{DBC15A87-B8C0-49BE-9E9A-E16E1A251D75}"/>
+                <a16:creationId xmlns:a16="http://schemas.microsoft.com/office/drawing/2014/main" id="{EF48229F-5560-4530-BDF1-DF895A1A36C4}"/>
               </a:ext>
             </a:extLst>
           </p:cNvPr>
@@ -10197,16 +11502,253 @@
           </a:p>
         </p:txBody>
       </p:sp>
+      <p:sp>
+        <p:nvSpPr>
+          <p:cNvPr id="7" name="Title 7">
+            <a:extLst>
+              <a:ext uri="{FF2B5EF4-FFF2-40B4-BE49-F238E27FC236}">
+                <a16:creationId xmlns:a16="http://schemas.microsoft.com/office/drawing/2014/main" id="{3D766EB7-90D9-4BAB-B878-E0434F16C315}"/>
+              </a:ext>
+            </a:extLst>
+          </p:cNvPr>
+          <p:cNvSpPr txBox="1">
+            <a:spLocks/>
+          </p:cNvSpPr>
+          <p:nvPr/>
+        </p:nvSpPr>
+        <p:spPr>
+          <a:xfrm>
+            <a:off x="496185" y="396968"/>
+            <a:ext cx="10515600" cy="1325563"/>
+          </a:xfrm>
+          <a:prstGeom prst="rect">
+            <a:avLst/>
+          </a:prstGeom>
+        </p:spPr>
+        <p:txBody>
+          <a:bodyPr vert="horz" lIns="91440" tIns="45720" rIns="91440" bIns="45720" rtlCol="0" anchor="ctr">
+            <a:normAutofit/>
+          </a:bodyPr>
+          <a:lstStyle>
+            <a:lvl1pPr algn="l" defTabSz="914400" rtl="0" eaLnBrk="1" latinLnBrk="0" hangingPunct="1">
+              <a:lnSpc>
+                <a:spcPct val="90000"/>
+              </a:lnSpc>
+              <a:spcBef>
+                <a:spcPct val="0"/>
+              </a:spcBef>
+              <a:buNone/>
+              <a:defRPr sz="4400" kern="1200">
+                <a:solidFill>
+                  <a:schemeClr val="tx1"/>
+                </a:solidFill>
+                <a:latin typeface="Calibri" panose="020F0502020204030204" pitchFamily="34" charset="0"/>
+                <a:ea typeface="+mj-ea"/>
+                <a:cs typeface="Calibri" panose="020F0502020204030204" pitchFamily="34" charset="0"/>
+              </a:defRPr>
+            </a:lvl1pPr>
+          </a:lstStyle>
+          <a:p>
+            <a:r>
+              <a:rPr lang="en-US" sz="4000" b="1" dirty="0">
+                <a:solidFill>
+                  <a:srgbClr val="C00000"/>
+                </a:solidFill>
+              </a:rPr>
+              <a:t>Data Collection</a:t>
+            </a:r>
+            <a:endParaRPr lang="en-US" sz="4000" dirty="0"/>
+          </a:p>
+        </p:txBody>
+      </p:sp>
+      <p:sp>
+        <p:nvSpPr>
+          <p:cNvPr id="6" name="TextBox 5">
+            <a:extLst>
+              <a:ext uri="{FF2B5EF4-FFF2-40B4-BE49-F238E27FC236}">
+                <a16:creationId xmlns:a16="http://schemas.microsoft.com/office/drawing/2014/main" id="{306F70C7-2000-4FD0-93E4-FC4D5588E0AE}"/>
+              </a:ext>
+            </a:extLst>
+          </p:cNvPr>
+          <p:cNvSpPr txBox="1"/>
+          <p:nvPr/>
+        </p:nvSpPr>
+        <p:spPr>
+          <a:xfrm>
+            <a:off x="496185" y="3324136"/>
+            <a:ext cx="6096000" cy="2554545"/>
+          </a:xfrm>
+          <a:prstGeom prst="rect">
+            <a:avLst/>
+          </a:prstGeom>
+          <a:noFill/>
+        </p:spPr>
+        <p:txBody>
+          <a:bodyPr wrap="square">
+            <a:spAutoFit/>
+          </a:bodyPr>
+          <a:lstStyle/>
+          <a:p>
+            <a:br>
+              <a:rPr lang="en-US" sz="3200" dirty="0">
+                <a:latin typeface="Calibri" panose="020F0502020204030204" pitchFamily="34" charset="0"/>
+                <a:cs typeface="Calibri" panose="020F0502020204030204" pitchFamily="34" charset="0"/>
+              </a:rPr>
+            </a:br>
+            <a:r>
+              <a:rPr lang="en-US" sz="3200" dirty="0">
+                <a:solidFill>
+                  <a:srgbClr val="C00000"/>
+                </a:solidFill>
+                <a:latin typeface="Calibri" panose="020F0502020204030204" pitchFamily="34" charset="0"/>
+                <a:cs typeface="Calibri" panose="020F0502020204030204" pitchFamily="34" charset="0"/>
+              </a:rPr>
+              <a:t>70 thousand</a:t>
+            </a:r>
+            <a:r>
+              <a:rPr lang="en-US" sz="3200" dirty="0">
+                <a:latin typeface="Calibri" panose="020F0502020204030204" pitchFamily="34" charset="0"/>
+                <a:cs typeface="Calibri" panose="020F0502020204030204" pitchFamily="34" charset="0"/>
+              </a:rPr>
+              <a:t> releases</a:t>
+            </a:r>
+            <a:br>
+              <a:rPr lang="en-US" sz="3200" dirty="0">
+                <a:latin typeface="Calibri" panose="020F0502020204030204" pitchFamily="34" charset="0"/>
+                <a:cs typeface="Calibri" panose="020F0502020204030204" pitchFamily="34" charset="0"/>
+              </a:rPr>
+            </a:br>
+            <a:r>
+              <a:rPr lang="en-US" sz="3200" dirty="0">
+                <a:solidFill>
+                  <a:srgbClr val="C00000"/>
+                </a:solidFill>
+                <a:latin typeface="Calibri" panose="020F0502020204030204" pitchFamily="34" charset="0"/>
+                <a:cs typeface="Calibri" panose="020F0502020204030204" pitchFamily="34" charset="0"/>
+              </a:rPr>
+              <a:t>67 million</a:t>
+            </a:r>
+            <a:r>
+              <a:rPr lang="en-US" sz="3200" dirty="0">
+                <a:latin typeface="Calibri" panose="020F0502020204030204" pitchFamily="34" charset="0"/>
+                <a:cs typeface="Calibri" panose="020F0502020204030204" pitchFamily="34" charset="0"/>
+              </a:rPr>
+              <a:t> user reviews</a:t>
+            </a:r>
+            <a:br>
+              <a:rPr lang="en-US" sz="3200" dirty="0">
+                <a:latin typeface="Calibri" panose="020F0502020204030204" pitchFamily="34" charset="0"/>
+                <a:cs typeface="Calibri" panose="020F0502020204030204" pitchFamily="34" charset="0"/>
+              </a:rPr>
+            </a:br>
+            <a:r>
+              <a:rPr lang="en-US" sz="3200" dirty="0">
+                <a:solidFill>
+                  <a:srgbClr val="C00000"/>
+                </a:solidFill>
+                <a:latin typeface="Calibri" panose="020F0502020204030204" pitchFamily="34" charset="0"/>
+                <a:cs typeface="Calibri" panose="020F0502020204030204" pitchFamily="34" charset="0"/>
+              </a:rPr>
+              <a:t>2.9 million</a:t>
+            </a:r>
+            <a:r>
+              <a:rPr lang="en-US" sz="3200" dirty="0">
+                <a:latin typeface="Calibri" panose="020F0502020204030204" pitchFamily="34" charset="0"/>
+                <a:cs typeface="Calibri" panose="020F0502020204030204" pitchFamily="34" charset="0"/>
+              </a:rPr>
+              <a:t> developer responses to users.</a:t>
+            </a:r>
+          </a:p>
+        </p:txBody>
+      </p:sp>
     </p:spTree>
     <p:extLst>
       <p:ext uri="{BB962C8B-B14F-4D97-AF65-F5344CB8AC3E}">
-        <p14:creationId xmlns:p14="http://schemas.microsoft.com/office/powerpoint/2010/main" val="1815921833"/>
+        <p14:creationId xmlns:p14="http://schemas.microsoft.com/office/powerpoint/2010/main" val="3870455544"/>
       </p:ext>
     </p:extLst>
   </p:cSld>
   <p:clrMapOvr>
     <a:masterClrMapping/>
   </p:clrMapOvr>
+  <p:timing>
+    <p:tnLst>
+      <p:par>
+        <p:cTn id="1" dur="indefinite" restart="never" nodeType="tmRoot">
+          <p:childTnLst>
+            <p:seq concurrent="1" nextAc="seek">
+              <p:cTn id="2" dur="indefinite" nodeType="mainSeq">
+                <p:childTnLst>
+                  <p:par>
+                    <p:cTn id="3" fill="hold">
+                      <p:stCondLst>
+                        <p:cond delay="indefinite"/>
+                      </p:stCondLst>
+                      <p:childTnLst>
+                        <p:par>
+                          <p:cTn id="4" fill="hold">
+                            <p:stCondLst>
+                              <p:cond delay="0"/>
+                            </p:stCondLst>
+                            <p:childTnLst>
+                              <p:par>
+                                <p:cTn id="5" presetID="1" presetClass="entr" presetSubtype="0" fill="hold" grpId="0" nodeType="clickEffect">
+                                  <p:stCondLst>
+                                    <p:cond delay="0"/>
+                                  </p:stCondLst>
+                                  <p:childTnLst>
+                                    <p:set>
+                                      <p:cBhvr>
+                                        <p:cTn id="6" dur="1" fill="hold">
+                                          <p:stCondLst>
+                                            <p:cond delay="0"/>
+                                          </p:stCondLst>
+                                        </p:cTn>
+                                        <p:tgtEl>
+                                          <p:spTgt spid="6"/>
+                                        </p:tgtEl>
+                                        <p:attrNameLst>
+                                          <p:attrName>style.visibility</p:attrName>
+                                        </p:attrNameLst>
+                                      </p:cBhvr>
+                                      <p:to>
+                                        <p:strVal val="visible"/>
+                                      </p:to>
+                                    </p:set>
+                                  </p:childTnLst>
+                                </p:cTn>
+                              </p:par>
+                            </p:childTnLst>
+                          </p:cTn>
+                        </p:par>
+                      </p:childTnLst>
+                    </p:cTn>
+                  </p:par>
+                </p:childTnLst>
+              </p:cTn>
+              <p:prevCondLst>
+                <p:cond evt="onPrev" delay="0">
+                  <p:tgtEl>
+                    <p:sldTgt/>
+                  </p:tgtEl>
+                </p:cond>
+              </p:prevCondLst>
+              <p:nextCondLst>
+                <p:cond evt="onNext" delay="0">
+                  <p:tgtEl>
+                    <p:sldTgt/>
+                  </p:tgtEl>
+                </p:cond>
+              </p:nextCondLst>
+            </p:seq>
+          </p:childTnLst>
+        </p:cTn>
+      </p:par>
+    </p:tnLst>
+    <p:bldLst>
+      <p:bldP spid="6" grpId="0"/>
+    </p:bldLst>
+  </p:timing>
 </p:sld>
 </file>
 
@@ -10325,22 +11867,29 @@
           <a:p>
             <a:r>
               <a:rPr lang="en-US" sz="3600" dirty="0">
+                <a:effectLst/>
+                <a:latin typeface="Arial" panose="020B0604020202020204" pitchFamily="34" charset="0"/>
+              </a:rPr>
+              <a:t>RQ2: What are the </a:t>
+            </a:r>
+            <a:r>
+              <a:rPr lang="en-US" sz="3600" dirty="0">
                 <a:solidFill>
-                  <a:schemeClr val="bg2">
-                    <a:lumMod val="75000"/>
-                  </a:schemeClr>
+                  <a:srgbClr val="C00000"/>
                 </a:solidFill>
                 <a:effectLst/>
                 <a:latin typeface="Arial" panose="020B0604020202020204" pitchFamily="34" charset="0"/>
               </a:rPr>
-              <a:t>RQ2: What are the characteristics of the apps that follow a certain release notes pattern?</a:t>
+              <a:t>characteristics</a:t>
+            </a:r>
+            <a:r>
+              <a:rPr lang="en-US" sz="3600" dirty="0">
+                <a:effectLst/>
+                <a:latin typeface="Arial" panose="020B0604020202020204" pitchFamily="34" charset="0"/>
+              </a:rPr>
+              <a:t> of the apps that follow a certain release notes pattern?</a:t>
             </a:r>
             <a:endParaRPr lang="en-US" sz="3600" dirty="0">
-              <a:solidFill>
-                <a:schemeClr val="bg2">
-                  <a:lumMod val="75000"/>
-                </a:schemeClr>
-              </a:solidFill>
               <a:latin typeface="Arial" panose="020B0604020202020204" pitchFamily="34" charset="0"/>
             </a:endParaRPr>
           </a:p>
@@ -10349,34 +11898,44 @@
               <a:buNone/>
             </a:pPr>
             <a:endParaRPr lang="en-US" sz="3600" dirty="0">
-              <a:solidFill>
-                <a:schemeClr val="bg2">
-                  <a:lumMod val="75000"/>
-                </a:schemeClr>
-              </a:solidFill>
               <a:latin typeface="Arial" panose="020B0604020202020204" pitchFamily="34" charset="0"/>
             </a:endParaRPr>
           </a:p>
           <a:p>
             <a:r>
               <a:rPr lang="en-US" sz="3600" dirty="0">
-                <a:solidFill>
-                  <a:schemeClr val="bg2">
-                    <a:lumMod val="75000"/>
-                  </a:schemeClr>
-                </a:solidFill>
                 <a:effectLst/>
                 <a:latin typeface="Arial" panose="020B0604020202020204" pitchFamily="34" charset="0"/>
               </a:rPr>
-              <a:t>RQ3: What causes developers to shift their release notes pattern?</a:t>
-            </a:r>
-            <a:endParaRPr lang="en-US" sz="3600" dirty="0">
-              <a:solidFill>
-                <a:schemeClr val="bg2">
-                  <a:lumMod val="75000"/>
-                </a:schemeClr>
-              </a:solidFill>
-            </a:endParaRPr>
+              <a:t>RQ3: </a:t>
+            </a:r>
+            <a:r>
+              <a:rPr lang="en-US" sz="3600" dirty="0">
+                <a:latin typeface="Arial" panose="020B0604020202020204" pitchFamily="34" charset="0"/>
+              </a:rPr>
+              <a:t>Do </a:t>
+            </a:r>
+            <a:r>
+              <a:rPr lang="en-US" sz="3600" dirty="0">
+                <a:effectLst/>
+                <a:latin typeface="Arial" panose="020B0604020202020204" pitchFamily="34" charset="0"/>
+              </a:rPr>
+              <a:t>developers ever </a:t>
+            </a:r>
+            <a:r>
+              <a:rPr lang="en-US" sz="3600" dirty="0">
+                <a:latin typeface="Arial" panose="020B0604020202020204" pitchFamily="34" charset="0"/>
+              </a:rPr>
+              <a:t>change</a:t>
+            </a:r>
+            <a:r>
+              <a:rPr lang="en-US" sz="3600" dirty="0">
+                <a:effectLst/>
+                <a:latin typeface="Arial" panose="020B0604020202020204" pitchFamily="34" charset="0"/>
+              </a:rPr>
+              <a:t> their release notes pattern? </a:t>
+            </a:r>
+            <a:endParaRPr lang="en-US" sz="3600" dirty="0"/>
           </a:p>
         </p:txBody>
       </p:sp>
@@ -10412,7 +11971,7 @@
     </p:spTree>
     <p:extLst>
       <p:ext uri="{BB962C8B-B14F-4D97-AF65-F5344CB8AC3E}">
-        <p14:creationId xmlns:p14="http://schemas.microsoft.com/office/powerpoint/2010/main" val="1598799206"/>
+        <p14:creationId xmlns:p14="http://schemas.microsoft.com/office/powerpoint/2010/main" val="1815921833"/>
       </p:ext>
     </p:extLst>
   </p:cSld>

--- a/files/icse22.pptx
+++ b/files/icse22.pptx
@@ -227,7 +227,7 @@
           <a:p>
             <a:fld id="{7765B7B4-1140-426D-80C7-5C3DF0ADCEB4}" type="datetimeFigureOut">
               <a:rPr lang="en-US" smtClean="0"/>
-              <a:t>4/9/2022</a:t>
+              <a:t>4/14/22</a:t>
             </a:fld>
             <a:endParaRPr lang="en-US"/>
           </a:p>
@@ -671,7 +671,7 @@
           <a:p>
             <a:r>
               <a:rPr lang="en-US" dirty="0"/>
-              <a:t>rq2 do </a:t>
+              <a:t>To answer Rq1, we first measure the updatability of every release note, which we compare its cosine similarity distance to all prior release notes. We then measure how much content the release note contains by the string length. </a:t>
             </a:r>
           </a:p>
         </p:txBody>
@@ -963,6 +963,73 @@
           <a:bodyPr/>
           <a:lstStyle/>
           <a:p>
+            <a:pPr marL="0" marR="0" lvl="0" indent="0" algn="l" defTabSz="914400" rtl="0" eaLnBrk="1" fontAlgn="auto" latinLnBrk="0" hangingPunct="1">
+              <a:lnSpc>
+                <a:spcPct val="100000"/>
+              </a:lnSpc>
+              <a:spcBef>
+                <a:spcPts val="0"/>
+              </a:spcBef>
+              <a:spcAft>
+                <a:spcPts val="0"/>
+              </a:spcAft>
+              <a:buClrTx/>
+              <a:buSzTx/>
+              <a:buFontTx/>
+              <a:buNone/>
+              <a:tabLst/>
+              <a:defRPr/>
+            </a:pPr>
+            <a:r>
+              <a:rPr lang="en-US" sz="1200" b="0" i="0" u="none" strike="noStrike" baseline="0" dirty="0">
+                <a:latin typeface="Calibri" panose="020F0502020204030204" pitchFamily="34" charset="0"/>
+                <a:cs typeface="Calibri" panose="020F0502020204030204" pitchFamily="34" charset="0"/>
+              </a:rPr>
+              <a:t>We build </a:t>
+            </a:r>
+            <a:r>
+              <a:rPr lang="en-US" sz="1200" dirty="0">
+                <a:solidFill>
+                  <a:srgbClr val="C00000"/>
+                </a:solidFill>
+                <a:latin typeface="Calibri" panose="020F0502020204030204" pitchFamily="34" charset="0"/>
+                <a:cs typeface="Calibri" panose="020F0502020204030204" pitchFamily="34" charset="0"/>
+              </a:rPr>
+              <a:t>6 </a:t>
+            </a:r>
+            <a:r>
+              <a:rPr lang="en-US" sz="1200" i="0" u="none" strike="noStrike" baseline="0" dirty="0">
+                <a:solidFill>
+                  <a:srgbClr val="C00000"/>
+                </a:solidFill>
+                <a:latin typeface="Calibri" panose="020F0502020204030204" pitchFamily="34" charset="0"/>
+                <a:cs typeface="Calibri" panose="020F0502020204030204" pitchFamily="34" charset="0"/>
+              </a:rPr>
+              <a:t>logistic regression models</a:t>
+            </a:r>
+            <a:r>
+              <a:rPr lang="en-US" sz="1200" i="0" u="none" strike="noStrike" baseline="0" dirty="0">
+                <a:latin typeface="Calibri" panose="020F0502020204030204" pitchFamily="34" charset="0"/>
+                <a:cs typeface="Calibri" panose="020F0502020204030204" pitchFamily="34" charset="0"/>
+              </a:rPr>
+              <a:t> on each of the 6 patterns</a:t>
+            </a:r>
+            <a:r>
+              <a:rPr lang="en-US" sz="1200" b="1" i="0" u="none" strike="noStrike" baseline="0" dirty="0">
+                <a:latin typeface="Calibri" panose="020F0502020204030204" pitchFamily="34" charset="0"/>
+                <a:cs typeface="Calibri" panose="020F0502020204030204" pitchFamily="34" charset="0"/>
+              </a:rPr>
+              <a:t> </a:t>
+            </a:r>
+            <a:r>
+              <a:rPr lang="en-US" sz="1200" b="0" i="0" u="none" strike="noStrike" baseline="0" dirty="0">
+                <a:latin typeface="Calibri" panose="020F0502020204030204" pitchFamily="34" charset="0"/>
+                <a:cs typeface="Calibri" panose="020F0502020204030204" pitchFamily="34" charset="0"/>
+              </a:rPr>
+              <a:t>to observe if certain app attributes are correlated with release note patterns. For example, we find that apps that write short and non-updating release notes often include a lot of bug keywords, and very rarely use emergency keywords. </a:t>
+            </a:r>
+          </a:p>
+          <a:p>
             <a:endParaRPr lang="en-US" dirty="0"/>
           </a:p>
         </p:txBody>
@@ -1049,13 +1116,7 @@
           <a:p>
             <a:r>
               <a:rPr lang="en-US" dirty="0"/>
-              <a:t>what is correlated with a shift in release notes. we wanted to formalize and learn about the apps. </a:t>
-            </a:r>
-          </a:p>
-          <a:p>
-            <a:r>
-              <a:rPr lang="en-US" dirty="0"/>
-              <a:t>we took a natural science approach to see if release patterns change at all. we observe they follow different patterns and have characteristics. </a:t>
+              <a:t>After building 6 models on the 6 identified patterns, we find some interesting results for each pattern. </a:t>
             </a:r>
           </a:p>
         </p:txBody>
@@ -1077,7 +1138,7 @@
           <a:p>
             <a:fld id="{F4FE2420-440E-4D53-B736-BE72874883E6}" type="slidenum">
               <a:rPr lang="en-US" smtClean="0"/>
-              <a:t>15</a:t>
+              <a:t>14</a:t>
             </a:fld>
             <a:endParaRPr lang="en-US"/>
           </a:p>
@@ -1086,7 +1147,7 @@
     </p:spTree>
     <p:extLst>
       <p:ext uri="{BB962C8B-B14F-4D97-AF65-F5344CB8AC3E}">
-        <p14:creationId xmlns:p14="http://schemas.microsoft.com/office/powerpoint/2010/main" val="4089347118"/>
+        <p14:creationId xmlns:p14="http://schemas.microsoft.com/office/powerpoint/2010/main" val="1536491611"/>
       </p:ext>
     </p:extLst>
   </p:cSld>
@@ -1140,12 +1201,15 @@
           <a:bodyPr/>
           <a:lstStyle/>
           <a:p>
-            <a:endParaRPr lang="en-US" dirty="0"/>
-          </a:p>
-          <a:p>
             <a:r>
               <a:rPr lang="en-US" dirty="0"/>
-              <a:t>we study how much a release note pattern changes based on time series analysis</a:t>
+              <a:t>what is correlated with a shift in release notes. we wanted to formalize and learn about the apps. </a:t>
+            </a:r>
+          </a:p>
+          <a:p>
+            <a:r>
+              <a:rPr lang="en-US" dirty="0"/>
+              <a:t>we took a natural science approach to see if release patterns change at all. we observe they follow different patterns and have characteristics. </a:t>
             </a:r>
           </a:p>
         </p:txBody>
@@ -1167,7 +1231,7 @@
           <a:p>
             <a:fld id="{F4FE2420-440E-4D53-B736-BE72874883E6}" type="slidenum">
               <a:rPr lang="en-US" smtClean="0"/>
-              <a:t>16</a:t>
+              <a:t>15</a:t>
             </a:fld>
             <a:endParaRPr lang="en-US"/>
           </a:p>
@@ -1176,7 +1240,7 @@
     </p:spTree>
     <p:extLst>
       <p:ext uri="{BB962C8B-B14F-4D97-AF65-F5344CB8AC3E}">
-        <p14:creationId xmlns:p14="http://schemas.microsoft.com/office/powerpoint/2010/main" val="2348628236"/>
+        <p14:creationId xmlns:p14="http://schemas.microsoft.com/office/powerpoint/2010/main" val="4089347118"/>
       </p:ext>
     </p:extLst>
   </p:cSld>
@@ -1230,15 +1294,12 @@
           <a:bodyPr/>
           <a:lstStyle/>
           <a:p>
+            <a:endParaRPr lang="en-US" dirty="0"/>
+          </a:p>
+          <a:p>
             <a:r>
               <a:rPr lang="en-US" dirty="0"/>
-              <a:t>thickness of the arrow </a:t>
-            </a:r>
-          </a:p>
-          <a:p>
-            <a:r>
-              <a:rPr lang="en-US" dirty="0"/>
-              <a:t>skip a lot of this slide </a:t>
+              <a:t>we study how much a release note pattern changes based on time series analysis</a:t>
             </a:r>
           </a:p>
         </p:txBody>
@@ -1260,7 +1321,7 @@
           <a:p>
             <a:fld id="{F4FE2420-440E-4D53-B736-BE72874883E6}" type="slidenum">
               <a:rPr lang="en-US" smtClean="0"/>
-              <a:t>17</a:t>
+              <a:t>16</a:t>
             </a:fld>
             <a:endParaRPr lang="en-US"/>
           </a:p>
@@ -1269,7 +1330,7 @@
     </p:spTree>
     <p:extLst>
       <p:ext uri="{BB962C8B-B14F-4D97-AF65-F5344CB8AC3E}">
-        <p14:creationId xmlns:p14="http://schemas.microsoft.com/office/powerpoint/2010/main" val="1817942388"/>
+        <p14:creationId xmlns:p14="http://schemas.microsoft.com/office/powerpoint/2010/main" val="2348628236"/>
       </p:ext>
     </p:extLst>
   </p:cSld>
@@ -1323,62 +1384,9 @@
           <a:bodyPr/>
           <a:lstStyle/>
           <a:p>
-            <a:endParaRPr lang="en-US" dirty="0"/>
-          </a:p>
-          <a:p>
-            <a:endParaRPr lang="en-US" dirty="0"/>
-          </a:p>
-          <a:p>
             <a:r>
               <a:rPr lang="en-US" dirty="0"/>
-              <a:t>For all the 54 apps that show a pattern shift, we read the release notes before and after its shift to see why the release notes are different. </a:t>
-            </a:r>
-          </a:p>
-          <a:p>
-            <a:endParaRPr lang="en-US" dirty="0"/>
-          </a:p>
-          <a:p>
-            <a:r>
-              <a:rPr lang="en-US" dirty="0"/>
-              <a:t>We saw that some shifts are because of apps need to teach users how to use a new feature</a:t>
-            </a:r>
-          </a:p>
-          <a:p>
-            <a:r>
-              <a:rPr lang="en-US" dirty="0"/>
-              <a:t>Address a particularly negative user feedback, talk about a big fixes or UI changes that might confuse users.</a:t>
-            </a:r>
-          </a:p>
-          <a:p>
-            <a:r>
-              <a:rPr lang="en-US" dirty="0"/>
-              <a:t>Sometimes they change patterns because google play store has a service update so they have to mention it in subsequent release notes.</a:t>
-            </a:r>
-          </a:p>
-          <a:p>
-            <a:endParaRPr lang="en-US" dirty="0"/>
-          </a:p>
-          <a:p>
-            <a:r>
-              <a:rPr lang="en-US" dirty="0"/>
-              <a:t>And the last two are fun! Sometimes </a:t>
-            </a:r>
-            <a:r>
-              <a:rPr lang="en-US" dirty="0" err="1"/>
-              <a:t>devs</a:t>
-            </a:r>
-            <a:r>
-              <a:rPr lang="en-US" dirty="0"/>
-              <a:t> just include a fun holiday release note or make jokes about the new updates. </a:t>
-            </a:r>
-          </a:p>
-          <a:p>
-            <a:endParaRPr lang="en-US" dirty="0"/>
-          </a:p>
-          <a:p>
-            <a:r>
-              <a:rPr lang="en-US" dirty="0"/>
-              <a:t>One important finding we saw was that in one particular shift, pattern 1 to pattern 5, which goes from short and never updating release notes to long and updating release notes show a 94% higher average rating AFTER the shift. So developers writing descriptive and updating release notes does see a correlation with users enjoying the app more!</a:t>
+              <a:t>We observe that 92% of the identified shifts are either from short to long or non-updating to updating release notes. As you can see from the figure on the right, 16 of the 54 shifting apps go from using short non-updating release notes to long and updating release notes. </a:t>
             </a:r>
           </a:p>
         </p:txBody>
@@ -1400,7 +1408,7 @@
           <a:p>
             <a:fld id="{F4FE2420-440E-4D53-B736-BE72874883E6}" type="slidenum">
               <a:rPr lang="en-US" smtClean="0"/>
-              <a:t>18</a:t>
+              <a:t>17</a:t>
             </a:fld>
             <a:endParaRPr lang="en-US"/>
           </a:p>
@@ -1409,7 +1417,7 @@
     </p:spTree>
     <p:extLst>
       <p:ext uri="{BB962C8B-B14F-4D97-AF65-F5344CB8AC3E}">
-        <p14:creationId xmlns:p14="http://schemas.microsoft.com/office/powerpoint/2010/main" val="2020759122"/>
+        <p14:creationId xmlns:p14="http://schemas.microsoft.com/office/powerpoint/2010/main" val="1817942388"/>
       </p:ext>
     </p:extLst>
   </p:cSld>
@@ -1463,15 +1471,149 @@
           <a:bodyPr/>
           <a:lstStyle/>
           <a:p>
+            <a:endParaRPr lang="en-US" dirty="0"/>
+          </a:p>
+          <a:p>
+            <a:endParaRPr lang="en-US" dirty="0"/>
+          </a:p>
+          <a:p>
             <a:r>
               <a:rPr lang="en-US" dirty="0"/>
-              <a:t>make more clear imperfect release notes. there is something interesting with release notes. no-one has done this before dig into it. </a:t>
-            </a:r>
+              <a:t>For all the 54 apps that show a pattern shift, we read the release notes before and after its shift to see why the release notes are different. </a:t>
+            </a:r>
+          </a:p>
+          <a:p>
+            <a:endParaRPr lang="en-US" dirty="0"/>
           </a:p>
           <a:p>
             <a:r>
               <a:rPr lang="en-US" dirty="0"/>
-              <a:t>it seems there are correlations with updated</a:t>
+              <a:t>We saw that some shifts are because of apps need to teach users how to use a new feature</a:t>
+            </a:r>
+          </a:p>
+          <a:p>
+            <a:r>
+              <a:rPr lang="en-US" dirty="0"/>
+              <a:t>Address a particularly negative user feedback, talk about a big fixes or UI changes that might confuse users.</a:t>
+            </a:r>
+          </a:p>
+          <a:p>
+            <a:r>
+              <a:rPr lang="en-US" dirty="0"/>
+              <a:t>Sometimes they change patterns because google play store has a service update so they have to mention it in subsequent release notes.</a:t>
+            </a:r>
+          </a:p>
+          <a:p>
+            <a:endParaRPr lang="en-US" dirty="0"/>
+          </a:p>
+          <a:p>
+            <a:r>
+              <a:rPr lang="en-US" dirty="0"/>
+              <a:t>And the last two are fun! Sometimes </a:t>
+            </a:r>
+            <a:r>
+              <a:rPr lang="en-US" dirty="0" err="1"/>
+              <a:t>devs</a:t>
+            </a:r>
+            <a:r>
+              <a:rPr lang="en-US" dirty="0"/>
+              <a:t> just include a fun holiday release note or make jokes about the new updates. </a:t>
+            </a:r>
+          </a:p>
+          <a:p>
+            <a:endParaRPr lang="en-US" dirty="0"/>
+          </a:p>
+          <a:p>
+            <a:r>
+              <a:rPr lang="en-US" dirty="0"/>
+              <a:t>One important finding we saw was that in one particular shift, pattern 1 to pattern 5, which goes from short and never updating release notes to long and updating release notes show a 94% higher average rating AFTER the shift. So developers writing descriptive and updating release notes does see a correlation with users enjoying the app more!</a:t>
+            </a:r>
+          </a:p>
+        </p:txBody>
+      </p:sp>
+      <p:sp>
+        <p:nvSpPr>
+          <p:cNvPr id="4" name="Slide Number Placeholder 3"/>
+          <p:cNvSpPr>
+            <a:spLocks noGrp="1"/>
+          </p:cNvSpPr>
+          <p:nvPr>
+            <p:ph type="sldNum" sz="quarter" idx="5"/>
+          </p:nvPr>
+        </p:nvSpPr>
+        <p:spPr/>
+        <p:txBody>
+          <a:bodyPr/>
+          <a:lstStyle/>
+          <a:p>
+            <a:fld id="{F4FE2420-440E-4D53-B736-BE72874883E6}" type="slidenum">
+              <a:rPr lang="en-US" smtClean="0"/>
+              <a:t>18</a:t>
+            </a:fld>
+            <a:endParaRPr lang="en-US"/>
+          </a:p>
+        </p:txBody>
+      </p:sp>
+    </p:spTree>
+    <p:extLst>
+      <p:ext uri="{BB962C8B-B14F-4D97-AF65-F5344CB8AC3E}">
+        <p14:creationId xmlns:p14="http://schemas.microsoft.com/office/powerpoint/2010/main" val="2020759122"/>
+      </p:ext>
+    </p:extLst>
+  </p:cSld>
+  <p:clrMapOvr>
+    <a:masterClrMapping/>
+  </p:clrMapOvr>
+</p:notes>
+</file>
+
+<file path=ppt/notesSlides/notesSlide19.xml><?xml version="1.0" encoding="utf-8"?>
+<p:notes xmlns:a="http://schemas.openxmlformats.org/drawingml/2006/main" xmlns:r="http://schemas.openxmlformats.org/officeDocument/2006/relationships" xmlns:p="http://schemas.openxmlformats.org/presentationml/2006/main">
+  <p:cSld>
+    <p:spTree>
+      <p:nvGrpSpPr>
+        <p:cNvPr id="1" name=""/>
+        <p:cNvGrpSpPr/>
+        <p:nvPr/>
+      </p:nvGrpSpPr>
+      <p:grpSpPr>
+        <a:xfrm>
+          <a:off x="0" y="0"/>
+          <a:ext cx="0" cy="0"/>
+          <a:chOff x="0" y="0"/>
+          <a:chExt cx="0" cy="0"/>
+        </a:xfrm>
+      </p:grpSpPr>
+      <p:sp>
+        <p:nvSpPr>
+          <p:cNvPr id="2" name="Slide Image Placeholder 1"/>
+          <p:cNvSpPr>
+            <a:spLocks noGrp="1" noRot="1" noChangeAspect="1"/>
+          </p:cNvSpPr>
+          <p:nvPr>
+            <p:ph type="sldImg"/>
+          </p:nvPr>
+        </p:nvSpPr>
+        <p:spPr/>
+      </p:sp>
+      <p:sp>
+        <p:nvSpPr>
+          <p:cNvPr id="3" name="Notes Placeholder 2"/>
+          <p:cNvSpPr>
+            <a:spLocks noGrp="1"/>
+          </p:cNvSpPr>
+          <p:nvPr>
+            <p:ph type="body" idx="1"/>
+          </p:nvPr>
+        </p:nvSpPr>
+        <p:spPr/>
+        <p:txBody>
+          <a:bodyPr/>
+          <a:lstStyle/>
+          <a:p>
+            <a:r>
+              <a:rPr lang="en-US" dirty="0"/>
+              <a:t>To summarize this talk, we found that release notes are imperfect, and users often write negative reviews because of them. We use a developer survey study as well as a quantitative study on 3 years of google play store data to find out how release notes are written and how they can be improved. To the best of our knowledge, our work is the first to include both a qualitative study and a longitudinal study on 3 years worth of release note date. Our main contributions are the 6 identified release note patterns, and the classification model identified app characteristics correlated to these patterns. In particular, we find that apps that write long and updating release notes often have higher perceive releases, and apps that shift into writing more informative release notes often observe an increase in user ratings. </a:t>
             </a:r>
           </a:p>
         </p:txBody>
@@ -1934,7 +2076,7 @@
             </a:r>
             <a:r>
               <a:rPr lang="en-US" dirty="0"/>
-              <a:t> in a team. </a:t>
+              <a:t> in a team. Specifically, we find 15% of the surveyed developers say they work mostly on release management, and keeping release notes up to date is an important aspect of their job. So we know that at least 15% of our surveyed developers care about release notes writing. But what about the rest?</a:t>
             </a:r>
           </a:p>
         </p:txBody>
@@ -2019,7 +2161,52 @@
           <a:bodyPr/>
           <a:lstStyle/>
           <a:p>
-            <a:endParaRPr lang="en-US" dirty="0"/>
+            <a:r>
+              <a:rPr lang="en-US" dirty="0"/>
+              <a:t>When asked about if they update release notes, 67% of the surveyed developers say they try to update them at every release.</a:t>
+            </a:r>
+          </a:p>
+          <a:p>
+            <a:pPr marL="0" marR="0" lvl="0" indent="0" algn="l" defTabSz="914400" rtl="0" eaLnBrk="1" fontAlgn="auto" latinLnBrk="0" hangingPunct="1">
+              <a:lnSpc>
+                <a:spcPct val="100000"/>
+              </a:lnSpc>
+              <a:spcBef>
+                <a:spcPts val="0"/>
+              </a:spcBef>
+              <a:spcAft>
+                <a:spcPts val="0"/>
+              </a:spcAft>
+              <a:buClrTx/>
+              <a:buSzTx/>
+              <a:buFontTx/>
+              <a:buNone/>
+              <a:tabLst/>
+              <a:defRPr/>
+            </a:pPr>
+            <a:r>
+              <a:rPr lang="en-US" dirty="0"/>
+              <a:t>78% of them would like a tool to help them generate release notes.</a:t>
+            </a:r>
+            <a:br>
+              <a:rPr lang="en-US" dirty="0"/>
+            </a:br>
+            <a:r>
+              <a:rPr lang="en-US" dirty="0"/>
+              <a:t>83% of the developers also think that release notes can directly respond to users, and </a:t>
+            </a:r>
+          </a:p>
+          <a:p>
+            <a:r>
+              <a:rPr lang="en-US" dirty="0"/>
+              <a:t>90% of the developers say that they are important for notifying the userbase about recent updates to their app. Only 1% think that release notes are not useful for </a:t>
+            </a:r>
+          </a:p>
+          <a:p>
+            <a:r>
+              <a:rPr lang="en-US" dirty="0"/>
+              <a:t>updating the user-base.</a:t>
+            </a:r>
           </a:p>
         </p:txBody>
       </p:sp>
@@ -2105,7 +2292,7 @@
           <a:p>
             <a:r>
               <a:rPr lang="en-US" dirty="0"/>
-              <a:t>Now that we have some survey results, we want to use the data available from existing apps to see if we can identify patterns from release notes. If there are patterns, maybe I can use these patterns to identify app behaviors correlated to those patterns. </a:t>
+              <a:t>Now that we have some survey results, we want to see if data from the top 2000 apps on the google play store support the surveyed developers’ responses. We also want to use the data available from existing apps to see if we can identify patterns from release notes. If there are patterns, maybe we can use these patterns to identify app behaviors correlated to those patterns. </a:t>
             </a:r>
           </a:p>
         </p:txBody>
@@ -2190,7 +2377,10 @@
           <a:bodyPr/>
           <a:lstStyle/>
           <a:p>
-            <a:endParaRPr lang="en-US" dirty="0"/>
+            <a:r>
+              <a:rPr lang="en-US" dirty="0"/>
+              <a:t>To collect data, we use release notes, user reviews, and developer responses to those user reviews on  the top 2232 apps the google play store. By the end of our 3 year data collection process, we have 70 thousand release notes, 67 million user reviews, and 2.9 million developer responses. </a:t>
+            </a:r>
           </a:p>
         </p:txBody>
       </p:sp>
@@ -2273,6 +2463,30 @@
         <p:txBody>
           <a:bodyPr/>
           <a:lstStyle/>
+          <a:p>
+            <a:r>
+              <a:rPr lang="en-US" dirty="0"/>
+              <a:t>From our collected data, we ask 3 research questions.</a:t>
+            </a:r>
+          </a:p>
+          <a:p>
+            <a:r>
+              <a:rPr lang="en-US" dirty="0"/>
+              <a:t>The first question is, we want to know if apps write release notes under certain patterns. As a start to the possible types of patterns, we look at how often release notes are updated, and how much content they contain. </a:t>
+            </a:r>
+          </a:p>
+          <a:p>
+            <a:r>
+              <a:rPr lang="en-US" dirty="0"/>
+              <a:t>We then ask if apps that follow certain patterns show certain app characteristics, such as size of the app, frequency of updates, or user reviews.</a:t>
+            </a:r>
+          </a:p>
+          <a:p>
+            <a:r>
+              <a:rPr lang="en-US" dirty="0"/>
+              <a:t>Finally, assuming we can identify patterns, and those patterns do correlate with app characteristics, we aim to figure out if apps ever change their release note patterns and if that change is correlated with any app characteristics changes too.</a:t>
+            </a:r>
+          </a:p>
           <a:p>
             <a:endParaRPr lang="en-US" dirty="0"/>
           </a:p>
@@ -2461,7 +2675,7 @@
           <a:p>
             <a:fld id="{54D71D37-BE42-4C51-8961-B9AA167182C2}" type="datetime1">
               <a:rPr lang="en-US" smtClean="0"/>
-              <a:t>4/9/2022</a:t>
+              <a:t>4/14/22</a:t>
             </a:fld>
             <a:endParaRPr lang="en-US"/>
           </a:p>
@@ -2659,7 +2873,7 @@
           <a:p>
             <a:fld id="{692FD857-EF9C-4377-A29A-72B4A929BFB1}" type="datetime1">
               <a:rPr lang="en-US" smtClean="0"/>
-              <a:t>4/9/2022</a:t>
+              <a:t>4/14/22</a:t>
             </a:fld>
             <a:endParaRPr lang="en-US"/>
           </a:p>
@@ -2867,7 +3081,7 @@
           <a:p>
             <a:fld id="{566CB2E4-01B2-4784-B916-33CF5F6788E5}" type="datetime1">
               <a:rPr lang="en-US" smtClean="0"/>
-              <a:t>4/9/2022</a:t>
+              <a:t>4/14/22</a:t>
             </a:fld>
             <a:endParaRPr lang="en-US"/>
           </a:p>
@@ -3103,7 +3317,7 @@
           <a:p>
             <a:fld id="{212C6BE7-9C3B-4806-9271-F8E78CB16BCD}" type="datetime1">
               <a:rPr lang="en-US" smtClean="0"/>
-              <a:t>4/9/2022</a:t>
+              <a:t>4/14/22</a:t>
             </a:fld>
             <a:endParaRPr lang="en-US"/>
           </a:p>
@@ -3378,7 +3592,7 @@
           <a:p>
             <a:fld id="{B77B076C-C7C2-43D5-83A0-702B2B503D3A}" type="datetime1">
               <a:rPr lang="en-US" smtClean="0"/>
-              <a:t>4/9/2022</a:t>
+              <a:t>4/14/22</a:t>
             </a:fld>
             <a:endParaRPr lang="en-US"/>
           </a:p>
@@ -3724,7 +3938,7 @@
             <a:fld id="{E1EB4593-7B6D-421D-8A6C-EEBB90132B40}" type="datetime1">
               <a:rPr lang="en-US" smtClean="0"/>
               <a:pPr/>
-              <a:t>4/9/2022</a:t>
+              <a:t>4/14/22</a:t>
             </a:fld>
             <a:endParaRPr lang="en-US"/>
           </a:p>
@@ -4151,7 +4365,7 @@
           <a:p>
             <a:fld id="{AC891ECA-9016-46A2-BCCF-52CCF30F3C3F}" type="datetime1">
               <a:rPr lang="en-US" smtClean="0"/>
-              <a:t>4/9/2022</a:t>
+              <a:t>4/14/22</a:t>
             </a:fld>
             <a:endParaRPr lang="en-US"/>
           </a:p>
@@ -4292,7 +4506,7 @@
           <a:p>
             <a:fld id="{745F822E-6754-4396-A549-C203647D2807}" type="datetime1">
               <a:rPr lang="en-US" smtClean="0"/>
-              <a:t>4/9/2022</a:t>
+              <a:t>4/14/22</a:t>
             </a:fld>
             <a:endParaRPr lang="en-US"/>
           </a:p>
@@ -4405,7 +4619,7 @@
           <a:p>
             <a:fld id="{0B7C82E4-F2CD-41BB-9139-5029F2805B89}" type="datetime1">
               <a:rPr lang="en-US" smtClean="0"/>
-              <a:t>4/9/2022</a:t>
+              <a:t>4/14/22</a:t>
             </a:fld>
             <a:endParaRPr lang="en-US"/>
           </a:p>
@@ -4716,7 +4930,7 @@
           <a:p>
             <a:fld id="{13C9C19A-62F3-4FAE-88A7-622836A2CC7E}" type="datetime1">
               <a:rPr lang="en-US" smtClean="0"/>
-              <a:t>4/9/2022</a:t>
+              <a:t>4/14/22</a:t>
             </a:fld>
             <a:endParaRPr lang="en-US"/>
           </a:p>
@@ -5004,7 +5218,7 @@
           <a:p>
             <a:fld id="{9CBFB8D4-8067-4C4E-A4D8-A060ACCA2426}" type="datetime1">
               <a:rPr lang="en-US" smtClean="0"/>
-              <a:t>4/9/2022</a:t>
+              <a:t>4/14/22</a:t>
             </a:fld>
             <a:endParaRPr lang="en-US"/>
           </a:p>
@@ -5245,7 +5459,7 @@
           <a:p>
             <a:fld id="{2EDDBF34-CBA6-4FE1-B1DA-75020C6AFCC8}" type="datetime1">
               <a:rPr lang="en-US" smtClean="0"/>
-              <a:t>4/9/2022</a:t>
+              <a:t>4/14/22</a:t>
             </a:fld>
             <a:endParaRPr lang="en-US"/>
           </a:p>
@@ -6362,8 +6576,8 @@
         </p:blipFill>
         <p:spPr>
           <a:xfrm>
-            <a:off x="862804" y="1857362"/>
-            <a:ext cx="4199169" cy="4003040"/>
+            <a:off x="666276" y="1537041"/>
+            <a:ext cx="4871198" cy="4643681"/>
           </a:xfrm>
           <a:prstGeom prst="rect">
             <a:avLst/>
@@ -10919,7 +11133,7 @@
                   <a:srgbClr val="C00000"/>
                 </a:solidFill>
               </a:rPr>
-              <a:t>We Surveyed 102 Developers</a:t>
+              <a:t>Are release notes important to you? How so?</a:t>
             </a:r>
             <a:endParaRPr lang="en-US" sz="4000" dirty="0"/>
           </a:p>
@@ -11425,7 +11639,7 @@
         <p:spPr>
           <a:xfrm>
             <a:off x="496185" y="1601972"/>
-            <a:ext cx="10262763" cy="2916688"/>
+            <a:ext cx="10262763" cy="1827028"/>
           </a:xfrm>
         </p:spPr>
         <p:txBody>
@@ -11435,11 +11649,11 @@
           <a:lstStyle/>
           <a:p>
             <a:r>
-              <a:rPr lang="en-US" sz="2800" dirty="0"/>
+              <a:rPr lang="en-US" sz="3200" dirty="0"/>
               <a:t>We collected data of the studied </a:t>
             </a:r>
             <a:r>
-              <a:rPr lang="en-US" sz="2800" dirty="0">
+              <a:rPr lang="en-US" sz="3200" dirty="0">
                 <a:solidFill>
                   <a:srgbClr val="C00000"/>
                 </a:solidFill>
@@ -11447,29 +11661,22 @@
               <a:t>2,232</a:t>
             </a:r>
             <a:r>
-              <a:rPr lang="en-US" sz="2800" dirty="0"/>
-              <a:t> apps over the period of three years </a:t>
-            </a:r>
-            <a:br>
-              <a:rPr lang="en-US" sz="2800" dirty="0"/>
-            </a:br>
-            <a:r>
-              <a:rPr lang="en-US" sz="2800" dirty="0"/>
-              <a:t>(</a:t>
-            </a:r>
-            <a:r>
-              <a:rPr lang="en-US" sz="2800" dirty="0">
+              <a:rPr lang="en-US" sz="3200" dirty="0"/>
+              <a:t> apps over the period of three years  (</a:t>
+            </a:r>
+            <a:r>
+              <a:rPr lang="en-US" sz="3200" dirty="0">
                 <a:effectLst/>
               </a:rPr>
               <a:t>April 2016 - April 2019)</a:t>
             </a:r>
             <a:br>
-              <a:rPr lang="en-US" sz="2800" dirty="0"/>
+              <a:rPr lang="en-US" sz="3200" dirty="0"/>
             </a:br>
             <a:br>
-              <a:rPr lang="en-US" sz="2800" dirty="0"/>
+              <a:rPr lang="en-US" sz="3200" dirty="0"/>
             </a:br>
-            <a:endParaRPr lang="en-US" sz="2800" dirty="0"/>
+            <a:endParaRPr lang="en-US" sz="3200" dirty="0"/>
           </a:p>
         </p:txBody>
       </p:sp>
@@ -11821,7 +12028,7 @@
         <p:spPr>
           <a:xfrm>
             <a:off x="838200" y="1825625"/>
-            <a:ext cx="11023242" cy="4351338"/>
+            <a:ext cx="11023242" cy="3804210"/>
           </a:xfrm>
         </p:spPr>
         <p:txBody>
@@ -11867,7 +12074,6 @@
           <a:p>
             <a:r>
               <a:rPr lang="en-US" sz="3600" dirty="0">
-                <a:effectLst/>
                 <a:latin typeface="Arial" panose="020B0604020202020204" pitchFamily="34" charset="0"/>
               </a:rPr>
               <a:t>RQ2: What are the </a:t>
@@ -11877,21 +12083,16 @@
                 <a:solidFill>
                   <a:srgbClr val="C00000"/>
                 </a:solidFill>
-                <a:effectLst/>
                 <a:latin typeface="Arial" panose="020B0604020202020204" pitchFamily="34" charset="0"/>
               </a:rPr>
               <a:t>characteristics</a:t>
             </a:r>
             <a:r>
               <a:rPr lang="en-US" sz="3600" dirty="0">
-                <a:effectLst/>
                 <a:latin typeface="Arial" panose="020B0604020202020204" pitchFamily="34" charset="0"/>
               </a:rPr>
               <a:t> of the apps that follow a certain release notes pattern?</a:t>
             </a:r>
-            <a:endParaRPr lang="en-US" sz="3600" dirty="0">
-              <a:latin typeface="Arial" panose="020B0604020202020204" pitchFamily="34" charset="0"/>
-            </a:endParaRPr>
           </a:p>
           <a:p>
             <a:pPr marL="0" indent="0">
@@ -11904,38 +12105,20 @@
           <a:p>
             <a:r>
               <a:rPr lang="en-US" sz="3600" dirty="0">
-                <a:effectLst/>
                 <a:latin typeface="Arial" panose="020B0604020202020204" pitchFamily="34" charset="0"/>
               </a:rPr>
-              <a:t>RQ3: </a:t>
-            </a:r>
-            <a:r>
-              <a:rPr lang="en-US" sz="3600" dirty="0">
-                <a:latin typeface="Arial" panose="020B0604020202020204" pitchFamily="34" charset="0"/>
-              </a:rPr>
-              <a:t>Do </a:t>
-            </a:r>
-            <a:r>
-              <a:rPr lang="en-US" sz="3600" dirty="0">
-                <a:effectLst/>
-                <a:latin typeface="Arial" panose="020B0604020202020204" pitchFamily="34" charset="0"/>
-              </a:rPr>
-              <a:t>developers ever </a:t>
-            </a:r>
-            <a:r>
-              <a:rPr lang="en-US" sz="3600" dirty="0">
-                <a:latin typeface="Arial" panose="020B0604020202020204" pitchFamily="34" charset="0"/>
-              </a:rPr>
-              <a:t>change</a:t>
-            </a:r>
-            <a:r>
-              <a:rPr lang="en-US" sz="3600" dirty="0">
-                <a:effectLst/>
-                <a:latin typeface="Arial" panose="020B0604020202020204" pitchFamily="34" charset="0"/>
-              </a:rPr>
-              <a:t> their release notes pattern? </a:t>
+              <a:t>RQ3: Do developers ever change their release notes pattern? </a:t>
             </a:r>
             <a:endParaRPr lang="en-US" sz="3600" dirty="0"/>
+          </a:p>
+          <a:p>
+            <a:pPr marL="0" indent="0">
+              <a:buNone/>
+            </a:pPr>
+            <a:endParaRPr lang="en-US" sz="3600" dirty="0">
+              <a:effectLst/>
+              <a:latin typeface="Arial" panose="020B0604020202020204" pitchFamily="34" charset="0"/>
+            </a:endParaRPr>
           </a:p>
         </p:txBody>
       </p:sp>

--- a/files/icse22.pptx
+++ b/files/icse22.pptx
@@ -227,7 +227,7 @@
           <a:p>
             <a:fld id="{7765B7B4-1140-426D-80C7-5C3DF0ADCEB4}" type="datetimeFigureOut">
               <a:rPr lang="en-US" smtClean="0"/>
-              <a:t>4/14/22</a:t>
+              <a:t>4/15/2022</a:t>
             </a:fld>
             <a:endParaRPr lang="en-US"/>
           </a:p>
@@ -584,6 +584,31 @@
           <a:p>
             <a:r>
               <a:rPr lang="en-US" dirty="0"/>
+              <a:t>I want to thank you for being here watching my presentation, and I also want to thank my collaborators and mentors: Safwat Hassan at Thompson rivers university, Ying </a:t>
+            </a:r>
+            <a:r>
+              <a:rPr lang="en-US" dirty="0" err="1"/>
+              <a:t>zou</a:t>
+            </a:r>
+            <a:r>
+              <a:rPr lang="en-US" dirty="0"/>
+              <a:t>, at queen’s university, and </a:t>
+            </a:r>
+            <a:r>
+              <a:rPr lang="en-US" dirty="0" err="1"/>
+              <a:t>ahmed</a:t>
+            </a:r>
+            <a:r>
+              <a:rPr lang="en-US" dirty="0"/>
+              <a:t> e Hassan at queens university</a:t>
+            </a:r>
+          </a:p>
+          <a:p>
+            <a:endParaRPr lang="en-US" dirty="0"/>
+          </a:p>
+          <a:p>
+            <a:r>
+              <a:rPr lang="en-US" dirty="0"/>
               <a:t>The main motivation behind this paper is that developers on app stores write a release note at every update of their app, and prior to this work, no one has done an empirical, longitudinal study on release notes. </a:t>
             </a:r>
           </a:p>
@@ -1203,13 +1228,7 @@
           <a:p>
             <a:r>
               <a:rPr lang="en-US" dirty="0"/>
-              <a:t>what is correlated with a shift in release notes. we wanted to formalize and learn about the apps. </a:t>
-            </a:r>
-          </a:p>
-          <a:p>
-            <a:r>
-              <a:rPr lang="en-US" dirty="0"/>
-              <a:t>we took a natural science approach to see if release patterns change at all. we observe they follow different patterns and have characteristics. </a:t>
+              <a:t>We now have a sense of the major release note patterns, and how they are related to app features. However, since developers and app teams change due to various reasons, we cannot assume that they always write release notes the same way. we next try to see what is correlated with a shift in release notes. we wanted to formalize and learn about the apps that show a shift in release notes. </a:t>
             </a:r>
           </a:p>
         </p:txBody>
@@ -1299,7 +1318,7 @@
           <a:p>
             <a:r>
               <a:rPr lang="en-US" dirty="0"/>
-              <a:t>we study how much a release note pattern changes based on time series analysis</a:t>
+              <a:t>we study how much a release note pattern changes based on time series analysis. For each clustering metric, if an app shows a statistically significant change in relation to time, we call the app non-stationary, and hence shifting patterns. </a:t>
             </a:r>
           </a:p>
         </p:txBody>
@@ -1386,7 +1405,13 @@
           <a:p>
             <a:r>
               <a:rPr lang="en-US" dirty="0"/>
-              <a:t>We observe that 92% of the identified shifts are either from short to long or non-updating to updating release notes. As you can see from the figure on the right, 16 of the 54 shifting apps go from using short non-updating release notes to long and updating release notes. </a:t>
+              <a:t>Of our dataset, we observe that 54 apps have shifting release note patterns. </a:t>
+            </a:r>
+          </a:p>
+          <a:p>
+            <a:r>
+              <a:rPr lang="en-US" dirty="0"/>
+              <a:t>We find that 92% of the identified shifts are either from short to long or non-updating to updating release notes. As you can see from the figure on the right, 16 of the 54 shifting apps go from using short non-updating release notes to long and updating release notes. </a:t>
             </a:r>
           </a:p>
         </p:txBody>
@@ -1613,7 +1638,15 @@
           <a:p>
             <a:r>
               <a:rPr lang="en-US" dirty="0"/>
-              <a:t>To summarize this talk, we found that release notes are imperfect, and users often write negative reviews because of them. We use a developer survey study as well as a quantitative study on 3 years of google play store data to find out how release notes are written and how they can be improved. To the best of our knowledge, our work is the first to include both a qualitative study and a longitudinal study on 3 years worth of release note date. Our main contributions are the 6 identified release note patterns, and the classification model identified app characteristics correlated to these patterns. In particular, we find that apps that write long and updating release notes often have higher perceive releases, and apps that shift into writing more informative release notes often observe an increase in user ratings. </a:t>
+              <a:t>To summarize this talk, we found that release notes are imperfect, and users often write negative reviews because of them. We use a developer survey study as well as a quantitative study on 3 years of google play store data to find out how release notes are written and how they can be improved. To the best of our knowledge, our work is the first to include both a qualitative study and a longitudinal study on </a:t>
+            </a:r>
+            <a:r>
+              <a:rPr lang="en-US"/>
+              <a:t>release notes. </a:t>
+            </a:r>
+            <a:r>
+              <a:rPr lang="en-US" dirty="0"/>
+              <a:t>Our main contributions are the 6 identified release note patterns, and the classification model identified app characteristics correlated to these patterns. In particular, we find that apps that write long and updating release notes often have higher perceive releases, and apps that shift into writing more informative release notes often observe an increase in user ratings. </a:t>
             </a:r>
           </a:p>
         </p:txBody>
@@ -1981,7 +2014,15 @@
           <a:p>
             <a:r>
               <a:rPr lang="en-US" dirty="0"/>
-              <a:t>Now I want to ask if developers really care about release notes. We sent out survey invitations on multiple discuss platforms for app developers, and asked them questions about how they write release notes.</a:t>
+              <a:t>Now I want to ask if developers really care about release notes. We sent out survey invitations on multiple discussions platforms for app developers, and asked them questions about how they write release notes. For example, we created posts on app dev subreddits, and on a </a:t>
+            </a:r>
+            <a:r>
+              <a:rPr lang="en-US" dirty="0" err="1"/>
+              <a:t>qa</a:t>
+            </a:r>
+            <a:r>
+              <a:rPr lang="en-US" dirty="0"/>
+              <a:t> site called f-droid.org. </a:t>
             </a:r>
           </a:p>
         </p:txBody>
@@ -2675,7 +2716,7 @@
           <a:p>
             <a:fld id="{54D71D37-BE42-4C51-8961-B9AA167182C2}" type="datetime1">
               <a:rPr lang="en-US" smtClean="0"/>
-              <a:t>4/14/22</a:t>
+              <a:t>4/15/2022</a:t>
             </a:fld>
             <a:endParaRPr lang="en-US"/>
           </a:p>
@@ -2873,7 +2914,7 @@
           <a:p>
             <a:fld id="{692FD857-EF9C-4377-A29A-72B4A929BFB1}" type="datetime1">
               <a:rPr lang="en-US" smtClean="0"/>
-              <a:t>4/14/22</a:t>
+              <a:t>4/15/2022</a:t>
             </a:fld>
             <a:endParaRPr lang="en-US"/>
           </a:p>
@@ -3081,7 +3122,7 @@
           <a:p>
             <a:fld id="{566CB2E4-01B2-4784-B916-33CF5F6788E5}" type="datetime1">
               <a:rPr lang="en-US" smtClean="0"/>
-              <a:t>4/14/22</a:t>
+              <a:t>4/15/2022</a:t>
             </a:fld>
             <a:endParaRPr lang="en-US"/>
           </a:p>
@@ -3317,7 +3358,7 @@
           <a:p>
             <a:fld id="{212C6BE7-9C3B-4806-9271-F8E78CB16BCD}" type="datetime1">
               <a:rPr lang="en-US" smtClean="0"/>
-              <a:t>4/14/22</a:t>
+              <a:t>4/15/2022</a:t>
             </a:fld>
             <a:endParaRPr lang="en-US"/>
           </a:p>
@@ -3592,7 +3633,7 @@
           <a:p>
             <a:fld id="{B77B076C-C7C2-43D5-83A0-702B2B503D3A}" type="datetime1">
               <a:rPr lang="en-US" smtClean="0"/>
-              <a:t>4/14/22</a:t>
+              <a:t>4/15/2022</a:t>
             </a:fld>
             <a:endParaRPr lang="en-US"/>
           </a:p>
@@ -3938,7 +3979,7 @@
             <a:fld id="{E1EB4593-7B6D-421D-8A6C-EEBB90132B40}" type="datetime1">
               <a:rPr lang="en-US" smtClean="0"/>
               <a:pPr/>
-              <a:t>4/14/22</a:t>
+              <a:t>4/15/2022</a:t>
             </a:fld>
             <a:endParaRPr lang="en-US"/>
           </a:p>
@@ -4365,7 +4406,7 @@
           <a:p>
             <a:fld id="{AC891ECA-9016-46A2-BCCF-52CCF30F3C3F}" type="datetime1">
               <a:rPr lang="en-US" smtClean="0"/>
-              <a:t>4/14/22</a:t>
+              <a:t>4/15/2022</a:t>
             </a:fld>
             <a:endParaRPr lang="en-US"/>
           </a:p>
@@ -4506,7 +4547,7 @@
           <a:p>
             <a:fld id="{745F822E-6754-4396-A549-C203647D2807}" type="datetime1">
               <a:rPr lang="en-US" smtClean="0"/>
-              <a:t>4/14/22</a:t>
+              <a:t>4/15/2022</a:t>
             </a:fld>
             <a:endParaRPr lang="en-US"/>
           </a:p>
@@ -4619,7 +4660,7 @@
           <a:p>
             <a:fld id="{0B7C82E4-F2CD-41BB-9139-5029F2805B89}" type="datetime1">
               <a:rPr lang="en-US" smtClean="0"/>
-              <a:t>4/14/22</a:t>
+              <a:t>4/15/2022</a:t>
             </a:fld>
             <a:endParaRPr lang="en-US"/>
           </a:p>
@@ -4930,7 +4971,7 @@
           <a:p>
             <a:fld id="{13C9C19A-62F3-4FAE-88A7-622836A2CC7E}" type="datetime1">
               <a:rPr lang="en-US" smtClean="0"/>
-              <a:t>4/14/22</a:t>
+              <a:t>4/15/2022</a:t>
             </a:fld>
             <a:endParaRPr lang="en-US"/>
           </a:p>
@@ -5218,7 +5259,7 @@
           <a:p>
             <a:fld id="{9CBFB8D4-8067-4C4E-A4D8-A060ACCA2426}" type="datetime1">
               <a:rPr lang="en-US" smtClean="0"/>
-              <a:t>4/14/22</a:t>
+              <a:t>4/15/2022</a:t>
             </a:fld>
             <a:endParaRPr lang="en-US"/>
           </a:p>
@@ -5459,7 +5500,7 @@
           <a:p>
             <a:fld id="{2EDDBF34-CBA6-4FE1-B1DA-75020C6AFCC8}" type="datetime1">
               <a:rPr lang="en-US" smtClean="0"/>
-              <a:t>4/14/22</a:t>
+              <a:t>4/15/2022</a:t>
             </a:fld>
             <a:endParaRPr lang="en-US"/>
           </a:p>
@@ -5895,8 +5936,8 @@
         </p:nvSpPr>
         <p:spPr>
           <a:xfrm>
-            <a:off x="838200" y="268533"/>
-            <a:ext cx="9934977" cy="3485658"/>
+            <a:off x="486508" y="463709"/>
+            <a:ext cx="11353800" cy="3485658"/>
           </a:xfrm>
         </p:spPr>
         <p:txBody>
@@ -5942,7 +5983,7 @@
         </p:nvSpPr>
         <p:spPr>
           <a:xfrm>
-            <a:off x="838200" y="3309869"/>
+            <a:off x="486508" y="3177007"/>
             <a:ext cx="10515600" cy="2867093"/>
           </a:xfrm>
         </p:spPr>
@@ -6050,7 +6091,7 @@
         </p:blipFill>
         <p:spPr>
           <a:xfrm>
-            <a:off x="3822245" y="4278147"/>
+            <a:off x="3603414" y="4278146"/>
             <a:ext cx="3449800" cy="1374859"/>
           </a:xfrm>
           <a:prstGeom prst="rect">
@@ -6080,7 +6121,7 @@
         </p:blipFill>
         <p:spPr>
           <a:xfrm>
-            <a:off x="1051448" y="4039061"/>
+            <a:off x="613786" y="4039061"/>
             <a:ext cx="2557549" cy="1853030"/>
           </a:xfrm>
           <a:prstGeom prst="rect">
@@ -8220,7 +8261,7 @@
                 </a:solidFill>
                 <a:effectLst/>
               </a:rPr>
-              <a:t>stationarity</a:t>
+              <a:t>stationary</a:t>
             </a:r>
             <a:endParaRPr lang="en-US" dirty="0">
               <a:solidFill>
@@ -11155,8 +11196,8 @@
         </p:nvSpPr>
         <p:spPr>
           <a:xfrm>
-            <a:off x="1863718" y="1656192"/>
-            <a:ext cx="4302642" cy="1530876"/>
+            <a:off x="1222855" y="1812181"/>
+            <a:ext cx="9490083" cy="560900"/>
           </a:xfrm>
           <a:prstGeom prst="rect">
             <a:avLst/>
@@ -11164,7 +11205,7 @@
         </p:spPr>
         <p:txBody>
           <a:bodyPr vert="horz" lIns="91440" tIns="45720" rIns="91440" bIns="45720" rtlCol="0" anchor="t">
-            <a:normAutofit/>
+            <a:noAutofit/>
           </a:bodyPr>
           <a:lstStyle>
             <a:lvl1pPr marL="228600" indent="-228600" algn="l" defTabSz="914400" rtl="0" eaLnBrk="1" latinLnBrk="0" hangingPunct="1">
@@ -11331,12 +11372,9 @@
             </a:lvl9pPr>
           </a:lstStyle>
           <a:p>
-            <a:pPr marL="0" indent="0">
-              <a:buNone/>
-            </a:pPr>
             <a:r>
               <a:rPr lang="en-US" sz="2400" b="0" i="0" u="none" strike="noStrike" baseline="0" dirty="0"/>
-              <a:t>67% </a:t>
+              <a:t>  67% </a:t>
             </a:r>
             <a:r>
               <a:rPr lang="en-US" sz="2400" dirty="0"/>
@@ -11350,36 +11388,155 @@
           </a:p>
         </p:txBody>
       </p:sp>
-      <p:pic>
-        <p:nvPicPr>
-          <p:cNvPr id="15" name="Picture 14">
-            <a:extLst>
-              <a:ext uri="{FF2B5EF4-FFF2-40B4-BE49-F238E27FC236}">
-                <a16:creationId xmlns:a16="http://schemas.microsoft.com/office/drawing/2014/main" id="{2D0E2E28-7533-4E51-ACC5-F7481B7E96A3}"/>
-              </a:ext>
-            </a:extLst>
-          </p:cNvPr>
-          <p:cNvPicPr>
-            <a:picLocks noChangeAspect="1"/>
-          </p:cNvPicPr>
+      <p:sp>
+        <p:nvSpPr>
+          <p:cNvPr id="7" name="TextBox 6">
+            <a:extLst>
+              <a:ext uri="{FF2B5EF4-FFF2-40B4-BE49-F238E27FC236}">
+                <a16:creationId xmlns:a16="http://schemas.microsoft.com/office/drawing/2014/main" id="{C5E07523-BF17-4E1F-BAE2-B0FF173D306D}"/>
+              </a:ext>
+            </a:extLst>
+          </p:cNvPr>
+          <p:cNvSpPr txBox="1"/>
           <p:nvPr/>
-        </p:nvPicPr>
-        <p:blipFill>
-          <a:blip r:embed="rId3"/>
-          <a:stretch>
-            <a:fillRect/>
-          </a:stretch>
-        </p:blipFill>
+        </p:nvSpPr>
         <p:spPr>
           <a:xfrm>
-            <a:off x="2572270" y="3073850"/>
-            <a:ext cx="6183110" cy="3030223"/>
+            <a:off x="1222855" y="2669960"/>
+            <a:ext cx="9015298" cy="830997"/>
           </a:xfrm>
           <a:prstGeom prst="rect">
             <a:avLst/>
           </a:prstGeom>
+          <a:noFill/>
         </p:spPr>
-      </p:pic>
+        <p:txBody>
+          <a:bodyPr wrap="square">
+            <a:spAutoFit/>
+          </a:bodyPr>
+          <a:lstStyle/>
+          <a:p>
+            <a:pPr marL="342900" indent="-342900">
+              <a:buFont typeface="Arial" panose="020B0604020202020204" pitchFamily="34" charset="0"/>
+              <a:buChar char="•"/>
+            </a:pPr>
+            <a:r>
+              <a:rPr lang="en-US" sz="2400" dirty="0">
+                <a:latin typeface="Calibri" panose="020F0502020204030204" pitchFamily="34" charset="0"/>
+                <a:cs typeface="Calibri" panose="020F0502020204030204" pitchFamily="34" charset="0"/>
+              </a:rPr>
+              <a:t>78% of them would like a tool to help them generate release notes</a:t>
+            </a:r>
+            <a:br>
+              <a:rPr lang="en-US" sz="2400" dirty="0">
+                <a:latin typeface="Calibri" panose="020F0502020204030204" pitchFamily="34" charset="0"/>
+                <a:cs typeface="Calibri" panose="020F0502020204030204" pitchFamily="34" charset="0"/>
+              </a:rPr>
+            </a:br>
+            <a:endParaRPr lang="en-US" sz="2400" dirty="0">
+              <a:latin typeface="Calibri" panose="020F0502020204030204" pitchFamily="34" charset="0"/>
+              <a:cs typeface="Calibri" panose="020F0502020204030204" pitchFamily="34" charset="0"/>
+            </a:endParaRPr>
+          </a:p>
+        </p:txBody>
+      </p:sp>
+      <p:sp>
+        <p:nvSpPr>
+          <p:cNvPr id="10" name="TextBox 9">
+            <a:extLst>
+              <a:ext uri="{FF2B5EF4-FFF2-40B4-BE49-F238E27FC236}">
+                <a16:creationId xmlns:a16="http://schemas.microsoft.com/office/drawing/2014/main" id="{E67994B9-336D-4C0D-9AE9-E4D9ECB8E8F7}"/>
+              </a:ext>
+            </a:extLst>
+          </p:cNvPr>
+          <p:cNvSpPr txBox="1"/>
+          <p:nvPr/>
+        </p:nvSpPr>
+        <p:spPr>
+          <a:xfrm>
+            <a:off x="1222855" y="3870289"/>
+            <a:ext cx="9921883" cy="461665"/>
+          </a:xfrm>
+          <a:prstGeom prst="rect">
+            <a:avLst/>
+          </a:prstGeom>
+          <a:noFill/>
+        </p:spPr>
+        <p:txBody>
+          <a:bodyPr wrap="square">
+            <a:spAutoFit/>
+          </a:bodyPr>
+          <a:lstStyle/>
+          <a:p>
+            <a:pPr marL="342900" marR="0" lvl="0" indent="-342900" algn="l" defTabSz="914400" rtl="0" eaLnBrk="1" fontAlgn="auto" latinLnBrk="0" hangingPunct="1">
+              <a:lnSpc>
+                <a:spcPct val="100000"/>
+              </a:lnSpc>
+              <a:spcBef>
+                <a:spcPts val="0"/>
+              </a:spcBef>
+              <a:spcAft>
+                <a:spcPts val="0"/>
+              </a:spcAft>
+              <a:buClrTx/>
+              <a:buSzTx/>
+              <a:buFont typeface="Arial" panose="020B0604020202020204" pitchFamily="34" charset="0"/>
+              <a:buChar char="•"/>
+              <a:tabLst/>
+              <a:defRPr/>
+            </a:pPr>
+            <a:r>
+              <a:rPr lang="en-US" sz="2400" dirty="0">
+                <a:latin typeface="Calibri" panose="020F0502020204030204" pitchFamily="34" charset="0"/>
+                <a:cs typeface="Calibri" panose="020F0502020204030204" pitchFamily="34" charset="0"/>
+              </a:rPr>
+              <a:t>83% of the developers say that release notes can directly respond to users</a:t>
+            </a:r>
+          </a:p>
+        </p:txBody>
+      </p:sp>
+      <p:sp>
+        <p:nvSpPr>
+          <p:cNvPr id="11" name="TextBox 10">
+            <a:extLst>
+              <a:ext uri="{FF2B5EF4-FFF2-40B4-BE49-F238E27FC236}">
+                <a16:creationId xmlns:a16="http://schemas.microsoft.com/office/drawing/2014/main" id="{A177B743-AFAD-458B-9F01-C74B85F116FD}"/>
+              </a:ext>
+            </a:extLst>
+          </p:cNvPr>
+          <p:cNvSpPr txBox="1"/>
+          <p:nvPr/>
+        </p:nvSpPr>
+        <p:spPr>
+          <a:xfrm>
+            <a:off x="1222855" y="4962211"/>
+            <a:ext cx="9921883" cy="830997"/>
+          </a:xfrm>
+          <a:prstGeom prst="rect">
+            <a:avLst/>
+          </a:prstGeom>
+          <a:noFill/>
+        </p:spPr>
+        <p:txBody>
+          <a:bodyPr wrap="square">
+            <a:spAutoFit/>
+          </a:bodyPr>
+          <a:lstStyle/>
+          <a:p>
+            <a:pPr marL="342900" indent="-342900">
+              <a:buFont typeface="Arial" panose="020B0604020202020204" pitchFamily="34" charset="0"/>
+              <a:buChar char="•"/>
+            </a:pPr>
+            <a:r>
+              <a:rPr lang="en-US" sz="2400" dirty="0">
+                <a:latin typeface="Calibri" panose="020F0502020204030204" pitchFamily="34" charset="0"/>
+                <a:cs typeface="Calibri" panose="020F0502020204030204" pitchFamily="34" charset="0"/>
+              </a:rPr>
+              <a:t>90% of the developers say that they are important for notifying the userbase about recent updates to their app.</a:t>
+            </a:r>
+          </a:p>
+        </p:txBody>
+      </p:sp>
     </p:spTree>
     <p:extLst>
       <p:ext uri="{BB962C8B-B14F-4D97-AF65-F5344CB8AC3E}">
@@ -11402,9 +11559,6 @@
                     <p:cTn id="3" fill="hold">
                       <p:stCondLst>
                         <p:cond delay="indefinite"/>
-                        <p:cond evt="onBegin" delay="0">
-                          <p:tn val="2"/>
-                        </p:cond>
                       </p:stCondLst>
                       <p:childTnLst>
                         <p:par>
@@ -11414,7 +11568,7 @@
                             </p:stCondLst>
                             <p:childTnLst>
                               <p:par>
-                                <p:cTn id="5" presetID="1" presetClass="entr" presetSubtype="0" fill="hold" nodeType="withEffect">
+                                <p:cTn id="5" presetID="1" presetClass="entr" presetSubtype="0" fill="hold" grpId="0" nodeType="clickEffect">
                                   <p:stCondLst>
                                     <p:cond delay="0"/>
                                   </p:stCondLst>
@@ -11427,7 +11581,97 @@
                                           </p:stCondLst>
                                         </p:cTn>
                                         <p:tgtEl>
-                                          <p:spTgt spid="15"/>
+                                          <p:spTgt spid="7"/>
+                                        </p:tgtEl>
+                                        <p:attrNameLst>
+                                          <p:attrName>style.visibility</p:attrName>
+                                        </p:attrNameLst>
+                                      </p:cBhvr>
+                                      <p:to>
+                                        <p:strVal val="visible"/>
+                                      </p:to>
+                                    </p:set>
+                                  </p:childTnLst>
+                                </p:cTn>
+                              </p:par>
+                            </p:childTnLst>
+                          </p:cTn>
+                        </p:par>
+                      </p:childTnLst>
+                    </p:cTn>
+                  </p:par>
+                  <p:par>
+                    <p:cTn id="7" fill="hold">
+                      <p:stCondLst>
+                        <p:cond delay="indefinite"/>
+                      </p:stCondLst>
+                      <p:childTnLst>
+                        <p:par>
+                          <p:cTn id="8" fill="hold">
+                            <p:stCondLst>
+                              <p:cond delay="0"/>
+                            </p:stCondLst>
+                            <p:childTnLst>
+                              <p:par>
+                                <p:cTn id="9" presetID="1" presetClass="entr" presetSubtype="0" fill="hold" grpId="0" nodeType="clickEffect">
+                                  <p:stCondLst>
+                                    <p:cond delay="0"/>
+                                  </p:stCondLst>
+                                  <p:childTnLst>
+                                    <p:set>
+                                      <p:cBhvr>
+                                        <p:cTn id="10" dur="1" fill="hold">
+                                          <p:stCondLst>
+                                            <p:cond delay="0"/>
+                                          </p:stCondLst>
+                                        </p:cTn>
+                                        <p:tgtEl>
+                                          <p:spTgt spid="10"/>
+                                        </p:tgtEl>
+                                        <p:attrNameLst>
+                                          <p:attrName>style.visibility</p:attrName>
+                                        </p:attrNameLst>
+                                      </p:cBhvr>
+                                      <p:to>
+                                        <p:strVal val="visible"/>
+                                      </p:to>
+                                    </p:set>
+                                  </p:childTnLst>
+                                </p:cTn>
+                              </p:par>
+                            </p:childTnLst>
+                          </p:cTn>
+                        </p:par>
+                      </p:childTnLst>
+                    </p:cTn>
+                  </p:par>
+                  <p:par>
+                    <p:cTn id="11" fill="hold">
+                      <p:stCondLst>
+                        <p:cond delay="indefinite"/>
+                      </p:stCondLst>
+                      <p:childTnLst>
+                        <p:par>
+                          <p:cTn id="12" fill="hold">
+                            <p:stCondLst>
+                              <p:cond delay="0"/>
+                            </p:stCondLst>
+                            <p:childTnLst>
+                              <p:par>
+                                <p:cTn id="13" presetID="1" presetClass="entr" presetSubtype="0" fill="hold" grpId="0" nodeType="clickEffect">
+                                  <p:stCondLst>
+                                    <p:cond delay="0"/>
+                                  </p:stCondLst>
+                                  <p:childTnLst>
+                                    <p:set>
+                                      <p:cBhvr>
+                                        <p:cTn id="14" dur="1" fill="hold">
+                                          <p:stCondLst>
+                                            <p:cond delay="0"/>
+                                          </p:stCondLst>
+                                        </p:cTn>
+                                        <p:tgtEl>
+                                          <p:spTgt spid="11"/>
                                         </p:tgtEl>
                                         <p:attrNameLst>
                                           <p:attrName>style.visibility</p:attrName>
@@ -11467,6 +11711,11 @@
         </p:cTn>
       </p:par>
     </p:tnLst>
+    <p:bldLst>
+      <p:bldP spid="7" grpId="0"/>
+      <p:bldP spid="10" grpId="0"/>
+      <p:bldP spid="11" grpId="0"/>
+    </p:bldLst>
   </p:timing>
 </p:sld>
 </file>
